--- a/doc/sse4j.pptx
+++ b/doc/sse4j.pptx
@@ -26399,15 +26399,7 @@
                 <a:ea typeface="宋体" pitchFamily="2" charset="-122"/>
                 <a:cs typeface="Arial" pitchFamily="34" charset="0"/>
               </a:rPr>
-              <a:t>）</a:t>
-            </a:r>
-            <a:r>
-              <a:rPr lang="zh-CN" altLang="en-US" dirty="0" smtClean="0">
-                <a:latin typeface="宋体" pitchFamily="2" charset="-122"/>
-                <a:ea typeface="宋体" pitchFamily="2" charset="-122"/>
-                <a:cs typeface="Arial" pitchFamily="34" charset="0"/>
-              </a:rPr>
-              <a:t>；</a:t>
+              <a:t>）；</a:t>
             </a:r>
           </a:p>
           <a:p>
@@ -27934,7 +27926,7 @@
               <a:t>联系方式：</a:t>
             </a:r>
             <a:r>
-              <a:rPr lang="en-US" altLang="zh-CN" sz="2000" smtClean="0">
+              <a:rPr lang="en-US" altLang="zh-CN" sz="2000" dirty="0" smtClean="0">
                 <a:hlinkClick r:id="rId4"/>
               </a:rPr>
               <a:t>charmdx@126.com</a:t>
@@ -28057,9 +28049,21 @@
             </a:r>
             <a:r>
               <a:rPr lang="zh-CN" altLang="en-US" sz="2000" dirty="0" smtClean="0"/>
-              <a:t>）急需有资源的组织捐赠地址、公交测试数据来完成相关功能</a:t>
-            </a:r>
-            <a:endParaRPr lang="en-US" altLang="zh-CN" sz="2000" dirty="0" smtClean="0"/>
+              <a:t>）</a:t>
+            </a:r>
+            <a:r>
+              <a:rPr lang="zh-CN" altLang="en-US" sz="2000" dirty="0" smtClean="0">
+                <a:solidFill>
+                  <a:srgbClr val="C00000"/>
+                </a:solidFill>
+              </a:rPr>
+              <a:t>急需有资源的组织捐赠地址、公交测试数据来完成相关功能</a:t>
+            </a:r>
+            <a:endParaRPr lang="en-US" altLang="zh-CN" sz="2000" dirty="0" smtClean="0">
+              <a:solidFill>
+                <a:srgbClr val="C00000"/>
+              </a:solidFill>
+            </a:endParaRPr>
           </a:p>
           <a:p>
             <a:pPr marL="342900" indent="-342900" eaLnBrk="0" hangingPunct="0">

--- a/doc/sse4j.pptx
+++ b/doc/sse4j.pptx
@@ -27923,13 +27923,27 @@
             </a:pPr>
             <a:r>
               <a:rPr lang="zh-CN" altLang="en-US" sz="2000" dirty="0" smtClean="0"/>
-              <a:t>联系方式：</a:t>
+              <a:t>联系方式</a:t>
+            </a:r>
+            <a:r>
+              <a:rPr lang="zh-CN" altLang="en-US" sz="2000" dirty="0" smtClean="0"/>
+              <a:t>：</a:t>
             </a:r>
             <a:r>
               <a:rPr lang="en-US" altLang="zh-CN" sz="2000" dirty="0" smtClean="0">
                 <a:hlinkClick r:id="rId4"/>
               </a:rPr>
               <a:t>charmdx@126.com</a:t>
+            </a:r>
+            <a:r>
+              <a:rPr lang="en-US" altLang="zh-CN" sz="2000" dirty="0" smtClean="0"/>
+              <a:t>   </a:t>
+            </a:r>
+            <a:r>
+              <a:rPr lang="en-US" altLang="zh-CN" sz="2000" dirty="0" smtClean="0">
+                <a:hlinkClick r:id="rId5"/>
+              </a:rPr>
+              <a:t>sse4j_dux@126.com</a:t>
             </a:r>
             <a:endParaRPr lang="en-US" altLang="zh-CN" sz="2000" dirty="0" smtClean="0"/>
           </a:p>

--- a/doc/sse4j.pptx
+++ b/doc/sse4j.pptx
@@ -268,7 +268,7 @@
               <a:pPr>
                 <a:defRPr/>
               </a:pPr>
-              <a:t>3/24/2011</a:t>
+              <a:t>3/25/2011</a:t>
             </a:fld>
             <a:endParaRPr lang="en-US" altLang="zh-CN"/>
           </a:p>
@@ -1097,7 +1097,7 @@
               <a:pPr>
                 <a:defRPr/>
               </a:pPr>
-              <a:t>3/24/2011</a:t>
+              <a:t>3/25/2011</a:t>
             </a:fld>
             <a:endParaRPr lang="en-US" altLang="zh-CN"/>
           </a:p>
@@ -1289,7 +1289,7 @@
               <a:pPr>
                 <a:defRPr/>
               </a:pPr>
-              <a:t>3/24/2011</a:t>
+              <a:t>3/25/2011</a:t>
             </a:fld>
             <a:endParaRPr lang="en-US" altLang="zh-CN"/>
           </a:p>
@@ -1491,7 +1491,7 @@
               <a:pPr>
                 <a:defRPr/>
               </a:pPr>
-              <a:t>3/24/2011</a:t>
+              <a:t>3/25/2011</a:t>
             </a:fld>
             <a:endParaRPr lang="en-US" altLang="zh-CN"/>
           </a:p>
@@ -1661,7 +1661,7 @@
               <a:pPr>
                 <a:defRPr/>
               </a:pPr>
-              <a:t>3/24/2011</a:t>
+              <a:t>3/25/2011</a:t>
             </a:fld>
             <a:endParaRPr lang="en-US" altLang="zh-CN"/>
           </a:p>
@@ -1853,7 +1853,7 @@
               <a:pPr>
                 <a:defRPr/>
               </a:pPr>
-              <a:t>3/24/2011</a:t>
+              <a:t>3/25/2011</a:t>
             </a:fld>
             <a:endParaRPr lang="en-US" altLang="zh-CN"/>
           </a:p>
@@ -2121,7 +2121,7 @@
               <a:pPr>
                 <a:defRPr/>
               </a:pPr>
-              <a:t>3/24/2011</a:t>
+              <a:t>3/25/2011</a:t>
             </a:fld>
             <a:endParaRPr lang="en-US" altLang="zh-CN"/>
           </a:p>
@@ -2431,7 +2431,7 @@
               <a:pPr>
                 <a:defRPr/>
               </a:pPr>
-              <a:t>3/24/2011</a:t>
+              <a:t>3/25/2011</a:t>
             </a:fld>
             <a:endParaRPr lang="en-US" altLang="zh-CN"/>
           </a:p>
@@ -2887,7 +2887,7 @@
               <a:pPr>
                 <a:defRPr/>
               </a:pPr>
-              <a:t>3/24/2011</a:t>
+              <a:t>3/25/2011</a:t>
             </a:fld>
             <a:endParaRPr lang="en-US" altLang="zh-CN"/>
           </a:p>
@@ -3027,7 +3027,7 @@
               <a:pPr>
                 <a:defRPr/>
               </a:pPr>
-              <a:t>3/24/2011</a:t>
+              <a:t>3/25/2011</a:t>
             </a:fld>
             <a:endParaRPr lang="en-US" altLang="zh-CN"/>
           </a:p>
@@ -3144,7 +3144,7 @@
               <a:pPr>
                 <a:defRPr/>
               </a:pPr>
-              <a:t>3/24/2011</a:t>
+              <a:t>3/25/2011</a:t>
             </a:fld>
             <a:endParaRPr lang="en-US" altLang="zh-CN"/>
           </a:p>
@@ -3443,7 +3443,7 @@
               <a:pPr>
                 <a:defRPr/>
               </a:pPr>
-              <a:t>3/24/2011</a:t>
+              <a:t>3/25/2011</a:t>
             </a:fld>
             <a:endParaRPr lang="en-US" altLang="zh-CN"/>
           </a:p>
@@ -3725,7 +3725,7 @@
               <a:pPr>
                 <a:defRPr/>
               </a:pPr>
-              <a:t>3/24/2011</a:t>
+              <a:t>3/25/2011</a:t>
             </a:fld>
             <a:endParaRPr lang="en-US" altLang="zh-CN"/>
           </a:p>
@@ -3978,7 +3978,7 @@
               <a:pPr>
                 <a:defRPr/>
               </a:pPr>
-              <a:t>3/24/2011</a:t>
+              <a:t>3/25/2011</a:t>
             </a:fld>
             <a:endParaRPr lang="en-US" altLang="zh-CN"/>
           </a:p>
@@ -8489,7 +8489,7 @@
         <p:spPr bwMode="auto">
           <a:xfrm>
             <a:off x="457200" y="1600200"/>
-            <a:ext cx="4400552" cy="4525963"/>
+            <a:ext cx="7901014" cy="4525963"/>
           </a:xfrm>
           <a:prstGeom prst="rect">
             <a:avLst/>
@@ -8550,6 +8550,96 @@
             </a:endParaRPr>
           </a:p>
           <a:p>
+            <a:pPr marL="800100" lvl="1" indent="-342900" eaLnBrk="0" hangingPunct="0">
+              <a:spcBef>
+                <a:spcPct val="20000"/>
+              </a:spcBef>
+              <a:buFont typeface="Wingdings" pitchFamily="2" charset="2"/>
+              <a:buChar char="n"/>
+            </a:pPr>
+            <a:r>
+              <a:rPr lang="en-US" altLang="zh-CN" sz="1600" dirty="0" smtClean="0">
+                <a:latin typeface="宋体" charset="-122"/>
+              </a:rPr>
+              <a:t>Http</a:t>
+            </a:r>
+            <a:r>
+              <a:rPr lang="zh-CN" altLang="en-US" sz="1600" dirty="0" smtClean="0">
+                <a:latin typeface="宋体" charset="-122"/>
+              </a:rPr>
+              <a:t> </a:t>
+            </a:r>
+            <a:r>
+              <a:rPr lang="en-US" altLang="zh-CN" sz="1600" dirty="0" smtClean="0">
+                <a:latin typeface="宋体" charset="-122"/>
+              </a:rPr>
+              <a:t>Post</a:t>
+            </a:r>
+            <a:r>
+              <a:rPr lang="zh-CN" altLang="en-US" sz="1600" dirty="0" smtClean="0">
+                <a:latin typeface="宋体" charset="-122"/>
+              </a:rPr>
+              <a:t>接口</a:t>
+            </a:r>
+            <a:endParaRPr lang="en-US" altLang="zh-CN" sz="1600" dirty="0" smtClean="0">
+              <a:latin typeface="宋体" charset="-122"/>
+            </a:endParaRPr>
+          </a:p>
+          <a:p>
+            <a:pPr marL="1257300" lvl="2" indent="-342900" eaLnBrk="0" hangingPunct="0">
+              <a:spcBef>
+                <a:spcPct val="20000"/>
+              </a:spcBef>
+              <a:buFont typeface="Wingdings" pitchFamily="2" charset="2"/>
+              <a:buChar char="l"/>
+            </a:pPr>
+            <a:r>
+              <a:rPr lang="zh-CN" altLang="en-US" sz="1600" dirty="0" smtClean="0">
+                <a:latin typeface="宋体" charset="-122"/>
+              </a:rPr>
+              <a:t>保持与</a:t>
+            </a:r>
+            <a:r>
+              <a:rPr lang="en-US" altLang="zh-CN" sz="1600" dirty="0" err="1" smtClean="0">
+                <a:latin typeface="宋体" charset="-122"/>
+              </a:rPr>
+              <a:t>Webservice</a:t>
+            </a:r>
+            <a:r>
+              <a:rPr lang="zh-CN" altLang="en-US" sz="1600" dirty="0" smtClean="0">
+                <a:latin typeface="宋体" charset="-122"/>
+              </a:rPr>
+              <a:t>接口输入输出结构的一致</a:t>
+            </a:r>
+            <a:endParaRPr lang="en-US" altLang="zh-CN" sz="1600" dirty="0" smtClean="0">
+              <a:latin typeface="宋体" charset="-122"/>
+            </a:endParaRPr>
+          </a:p>
+          <a:p>
+            <a:pPr marL="1257300" lvl="2" indent="-342900" eaLnBrk="0" hangingPunct="0">
+              <a:spcBef>
+                <a:spcPct val="20000"/>
+              </a:spcBef>
+              <a:buFont typeface="Wingdings" pitchFamily="2" charset="2"/>
+              <a:buChar char="l"/>
+            </a:pPr>
+            <a:r>
+              <a:rPr lang="en-US" altLang="zh-CN" sz="1600" dirty="0" err="1" smtClean="0">
+                <a:latin typeface="宋体" charset="-122"/>
+              </a:rPr>
+              <a:t>Gzip</a:t>
+            </a:r>
+            <a:r>
+              <a:rPr lang="zh-CN" altLang="en-US" sz="1600" dirty="0" smtClean="0">
+                <a:latin typeface="宋体" charset="-122"/>
+              </a:rPr>
+              <a:t>压缩以降低流量</a:t>
+            </a:r>
+            <a:endParaRPr lang="en-US" altLang="zh-CN" sz="1600" dirty="0" smtClean="0">
+              <a:latin typeface="宋体" charset="-122"/>
+            </a:endParaRPr>
+          </a:p>
+          <a:p>
             <a:pPr marL="342900" indent="-342900" eaLnBrk="0" hangingPunct="0">
               <a:spcBef>
                 <a:spcPct val="20000"/>
@@ -8755,7 +8845,7 @@
         </p:nvSpPr>
         <p:spPr bwMode="auto">
           <a:xfrm>
-            <a:off x="3857620" y="4286256"/>
+            <a:off x="3857620" y="4786322"/>
             <a:ext cx="4500594" cy="1357322"/>
           </a:xfrm>
           <a:prstGeom prst="rect">
@@ -27923,11 +28013,7 @@
             </a:pPr>
             <a:r>
               <a:rPr lang="zh-CN" altLang="en-US" sz="2000" dirty="0" smtClean="0"/>
-              <a:t>联系方式</a:t>
-            </a:r>
-            <a:r>
-              <a:rPr lang="zh-CN" altLang="en-US" sz="2000" dirty="0" smtClean="0"/>
-              <a:t>：</a:t>
+              <a:t>联系方式：</a:t>
             </a:r>
             <a:r>
               <a:rPr lang="en-US" altLang="zh-CN" sz="2000" dirty="0" smtClean="0">
@@ -28995,12 +29081,23 @@
               <a:t>Webservice</a:t>
             </a:r>
             <a:r>
+              <a:rPr lang="en-US" altLang="zh-CN" sz="2000" dirty="0" smtClean="0">
+                <a:latin typeface="宋体" charset="-122"/>
+                <a:ea typeface="宋体" charset="-122"/>
+              </a:rPr>
+              <a:t>/Http</a:t>
+            </a:r>
+            <a:r>
               <a:rPr lang="zh-CN" altLang="en-US" sz="2000" dirty="0" smtClean="0">
                 <a:latin typeface="宋体" charset="-122"/>
                 <a:ea typeface="宋体" charset="-122"/>
               </a:rPr>
               <a:t>）</a:t>
             </a:r>
+            <a:endParaRPr lang="zh-CN" altLang="en-US" sz="2000" dirty="0" smtClean="0">
+              <a:latin typeface="宋体" charset="-122"/>
+              <a:ea typeface="宋体" charset="-122"/>
+            </a:endParaRPr>
           </a:p>
           <a:p>
             <a:pPr>
@@ -29247,7 +29344,7 @@
               <a:buNone/>
             </a:pPr>
             <a:r>
-              <a:rPr lang="en-US" altLang="zh-CN" sz="2000" dirty="0" smtClean="0">
+              <a:rPr lang="en-US" altLang="zh-CN" sz="1600" dirty="0" smtClean="0">
                 <a:latin typeface="Arial" charset="0"/>
                 <a:ea typeface="宋体" charset="-122"/>
               </a:rPr>
@@ -29260,21 +29357,21 @@
               <a:buNone/>
             </a:pPr>
             <a:r>
-              <a:rPr lang="en-US" altLang="zh-CN" sz="2000" dirty="0" smtClean="0">
+              <a:rPr lang="en-US" altLang="zh-CN" sz="1600" dirty="0" smtClean="0">
                 <a:latin typeface="Arial" charset="0"/>
                 <a:ea typeface="宋体" charset="-122"/>
               </a:rPr>
               <a:t>     -- contains ‘</a:t>
             </a:r>
             <a:r>
-              <a:rPr lang="en-US" altLang="zh-CN" sz="2000" dirty="0" err="1" smtClean="0">
+              <a:rPr lang="en-US" altLang="zh-CN" sz="1600" dirty="0" err="1" smtClean="0">
                 <a:latin typeface="Arial" charset="0"/>
                 <a:ea typeface="宋体" charset="-122"/>
               </a:rPr>
               <a:t>src</a:t>
             </a:r>
             <a:r>
-              <a:rPr lang="en-US" altLang="zh-CN" sz="2000" dirty="0" smtClean="0">
+              <a:rPr lang="en-US" altLang="zh-CN" sz="1600" dirty="0" smtClean="0">
                 <a:latin typeface="Arial" charset="0"/>
                 <a:ea typeface="宋体" charset="-122"/>
               </a:rPr>
@@ -29287,35 +29384,35 @@
               <a:buNone/>
             </a:pPr>
             <a:r>
-              <a:rPr lang="en-US" altLang="zh-CN" sz="2000" dirty="0" smtClean="0">
+              <a:rPr lang="en-US" altLang="zh-CN" sz="1600" dirty="0" smtClean="0">
                 <a:latin typeface="Arial" charset="0"/>
                 <a:ea typeface="宋体" charset="-122"/>
               </a:rPr>
               <a:t>     -- depends on </a:t>
             </a:r>
             <a:r>
-              <a:rPr lang="en-US" altLang="zh-CN" sz="2000" dirty="0" err="1" smtClean="0">
+              <a:rPr lang="en-US" altLang="zh-CN" sz="1600" dirty="0" err="1" smtClean="0">
                 <a:latin typeface="Arial" charset="0"/>
                 <a:ea typeface="宋体" charset="-122"/>
               </a:rPr>
               <a:t>jts</a:t>
             </a:r>
             <a:r>
-              <a:rPr lang="en-US" altLang="zh-CN" sz="2000" dirty="0" smtClean="0">
+              <a:rPr lang="en-US" altLang="zh-CN" sz="1600" dirty="0" smtClean="0">
                 <a:latin typeface="Arial" charset="0"/>
                 <a:ea typeface="宋体" charset="-122"/>
               </a:rPr>
               <a:t> and </a:t>
             </a:r>
             <a:r>
-              <a:rPr lang="en-US" altLang="zh-CN" sz="2000" dirty="0" err="1" smtClean="0">
+              <a:rPr lang="en-US" altLang="zh-CN" sz="1600" dirty="0" err="1" smtClean="0">
                 <a:latin typeface="Arial" charset="0"/>
                 <a:ea typeface="宋体" charset="-122"/>
               </a:rPr>
               <a:t>lucene</a:t>
             </a:r>
             <a:r>
-              <a:rPr lang="en-US" altLang="zh-CN" sz="2000" dirty="0" smtClean="0">
+              <a:rPr lang="en-US" altLang="zh-CN" sz="1600" dirty="0" smtClean="0">
                 <a:latin typeface="Arial" charset="0"/>
                 <a:ea typeface="宋体" charset="-122"/>
               </a:rPr>
@@ -29337,21 +29434,21 @@
               <a:buNone/>
             </a:pPr>
             <a:r>
-              <a:rPr lang="en-US" altLang="zh-CN" sz="2000" dirty="0" smtClean="0">
+              <a:rPr lang="en-US" altLang="zh-CN" sz="1600" dirty="0" smtClean="0">
                 <a:latin typeface="Arial" charset="0"/>
                 <a:ea typeface="宋体" charset="-122"/>
               </a:rPr>
               <a:t>     -- java </a:t>
             </a:r>
             <a:r>
-              <a:rPr lang="en-US" altLang="zh-CN" sz="2000" dirty="0" err="1" smtClean="0">
+              <a:rPr lang="en-US" altLang="zh-CN" sz="1600" dirty="0" err="1" smtClean="0">
                 <a:latin typeface="Arial" charset="0"/>
                 <a:ea typeface="宋体" charset="-122"/>
               </a:rPr>
               <a:t>webservice</a:t>
             </a:r>
             <a:r>
-              <a:rPr lang="en-US" altLang="zh-CN" sz="2000" dirty="0" smtClean="0">
+              <a:rPr lang="en-US" altLang="zh-CN" sz="1600" dirty="0" smtClean="0">
                 <a:latin typeface="Arial" charset="0"/>
                 <a:ea typeface="宋体" charset="-122"/>
               </a:rPr>
@@ -29364,12 +29461,150 @@
               <a:buNone/>
             </a:pPr>
             <a:r>
-              <a:rPr lang="en-US" altLang="zh-CN" sz="2000" dirty="0" smtClean="0">
+              <a:rPr lang="en-US" altLang="zh-CN" sz="1600" dirty="0" smtClean="0">
                 <a:latin typeface="Arial" charset="0"/>
                 <a:ea typeface="宋体" charset="-122"/>
               </a:rPr>
-              <a:t>     -- depends on sse4j project</a:t>
-            </a:r>
+              <a:t>     -- depends on sse4j </a:t>
+            </a:r>
+            <a:r>
+              <a:rPr lang="en-US" altLang="zh-CN" sz="1600" dirty="0" smtClean="0">
+                <a:latin typeface="Arial" charset="0"/>
+                <a:ea typeface="宋体" charset="-122"/>
+              </a:rPr>
+              <a:t>project</a:t>
+            </a:r>
+          </a:p>
+          <a:p>
+            <a:r>
+              <a:rPr lang="en-US" altLang="zh-CN" sz="2400" dirty="0" smtClean="0">
+                <a:latin typeface="Arial" charset="0"/>
+                <a:ea typeface="宋体" charset="-122"/>
+              </a:rPr>
+              <a:t>sse4j.http</a:t>
+            </a:r>
+            <a:endParaRPr lang="en-US" altLang="zh-CN" sz="2400" dirty="0" smtClean="0">
+              <a:latin typeface="Arial" charset="0"/>
+              <a:ea typeface="宋体" charset="-122"/>
+            </a:endParaRPr>
+          </a:p>
+          <a:p>
+            <a:pPr>
+              <a:buFontTx/>
+              <a:buNone/>
+            </a:pPr>
+            <a:r>
+              <a:rPr lang="en-US" altLang="zh-CN" sz="1600" dirty="0" smtClean="0">
+                <a:latin typeface="Arial" charset="0"/>
+                <a:ea typeface="宋体" charset="-122"/>
+              </a:rPr>
+              <a:t>     -- java </a:t>
+            </a:r>
+            <a:r>
+              <a:rPr lang="en-US" altLang="zh-CN" sz="1600" dirty="0" smtClean="0">
+                <a:latin typeface="Arial" charset="0"/>
+                <a:ea typeface="宋体" charset="-122"/>
+              </a:rPr>
+              <a:t>web </a:t>
+            </a:r>
+            <a:r>
+              <a:rPr lang="en-US" altLang="zh-CN" sz="1600" dirty="0" smtClean="0">
+                <a:latin typeface="Arial" charset="0"/>
+                <a:ea typeface="宋体" charset="-122"/>
+              </a:rPr>
+              <a:t>project</a:t>
+            </a:r>
+          </a:p>
+          <a:p>
+            <a:pPr>
+              <a:buFontTx/>
+              <a:buNone/>
+            </a:pPr>
+            <a:r>
+              <a:rPr lang="en-US" altLang="zh-CN" sz="1600" dirty="0" smtClean="0">
+                <a:latin typeface="Arial" charset="0"/>
+                <a:ea typeface="宋体" charset="-122"/>
+              </a:rPr>
+              <a:t>     </a:t>
+            </a:r>
+            <a:r>
+              <a:rPr lang="en-US" altLang="zh-CN" sz="1600" dirty="0" smtClean="0">
+                <a:latin typeface="Arial" charset="0"/>
+                <a:ea typeface="宋体" charset="-122"/>
+              </a:rPr>
+              <a:t>-- depends on sse4j project</a:t>
+            </a:r>
+          </a:p>
+          <a:p>
+            <a:r>
+              <a:rPr lang="en-US" altLang="zh-CN" sz="2400" dirty="0" smtClean="0">
+                <a:latin typeface="Arial" charset="0"/>
+                <a:ea typeface="宋体" charset="-122"/>
+              </a:rPr>
+              <a:t>sse4j.exe</a:t>
+            </a:r>
+            <a:endParaRPr lang="en-US" altLang="zh-CN" sz="2400" dirty="0" smtClean="0">
+              <a:latin typeface="Arial" charset="0"/>
+              <a:ea typeface="宋体" charset="-122"/>
+            </a:endParaRPr>
+          </a:p>
+          <a:p>
+            <a:pPr>
+              <a:buFontTx/>
+              <a:buNone/>
+            </a:pPr>
+            <a:r>
+              <a:rPr lang="en-US" altLang="zh-CN" sz="1600" dirty="0" smtClean="0">
+                <a:latin typeface="Arial" charset="0"/>
+                <a:ea typeface="宋体" charset="-122"/>
+              </a:rPr>
+              <a:t>     -- java </a:t>
+            </a:r>
+            <a:r>
+              <a:rPr lang="en-US" altLang="zh-CN" sz="1600" dirty="0" smtClean="0">
+                <a:latin typeface="Arial" charset="0"/>
+                <a:ea typeface="宋体" charset="-122"/>
+              </a:rPr>
+              <a:t>project</a:t>
+            </a:r>
+            <a:endParaRPr lang="en-US" altLang="zh-CN" sz="1600" dirty="0" smtClean="0">
+              <a:latin typeface="Arial" charset="0"/>
+              <a:ea typeface="宋体" charset="-122"/>
+            </a:endParaRPr>
+          </a:p>
+          <a:p>
+            <a:pPr>
+              <a:buFontTx/>
+              <a:buNone/>
+            </a:pPr>
+            <a:r>
+              <a:rPr lang="en-US" altLang="zh-CN" sz="1600" dirty="0" smtClean="0">
+                <a:latin typeface="Arial" charset="0"/>
+                <a:ea typeface="宋体" charset="-122"/>
+              </a:rPr>
+              <a:t>     -- </a:t>
+            </a:r>
+            <a:r>
+              <a:rPr lang="en-US" altLang="zh-CN" sz="1600" dirty="0" smtClean="0">
+                <a:latin typeface="Arial" charset="0"/>
+                <a:ea typeface="宋体" charset="-122"/>
+              </a:rPr>
+              <a:t>contains some executable tools</a:t>
+            </a:r>
+            <a:endParaRPr lang="en-US" altLang="zh-CN" sz="1600" dirty="0" smtClean="0">
+              <a:latin typeface="Arial" charset="0"/>
+              <a:ea typeface="宋体" charset="-122"/>
+            </a:endParaRPr>
+          </a:p>
+          <a:p>
+            <a:pPr>
+              <a:buFontTx/>
+              <a:buNone/>
+            </a:pPr>
+            <a:endParaRPr lang="en-US" altLang="zh-CN" sz="2000" dirty="0" smtClean="0">
+              <a:latin typeface="Arial" charset="0"/>
+              <a:ea typeface="宋体" charset="-122"/>
+            </a:endParaRPr>
           </a:p>
         </p:txBody>
       </p:sp>

--- a/doc/sse4j.pptx
+++ b/doc/sse4j.pptx
@@ -268,7 +268,7 @@
               <a:pPr>
                 <a:defRPr/>
               </a:pPr>
-              <a:t>3/25/2011</a:t>
+              <a:t>4/6/2011</a:t>
             </a:fld>
             <a:endParaRPr lang="en-US" altLang="zh-CN"/>
           </a:p>
@@ -1097,7 +1097,7 @@
               <a:pPr>
                 <a:defRPr/>
               </a:pPr>
-              <a:t>3/25/2011</a:t>
+              <a:t>4/6/2011</a:t>
             </a:fld>
             <a:endParaRPr lang="en-US" altLang="zh-CN"/>
           </a:p>
@@ -1289,7 +1289,7 @@
               <a:pPr>
                 <a:defRPr/>
               </a:pPr>
-              <a:t>3/25/2011</a:t>
+              <a:t>4/6/2011</a:t>
             </a:fld>
             <a:endParaRPr lang="en-US" altLang="zh-CN"/>
           </a:p>
@@ -1491,7 +1491,7 @@
               <a:pPr>
                 <a:defRPr/>
               </a:pPr>
-              <a:t>3/25/2011</a:t>
+              <a:t>4/6/2011</a:t>
             </a:fld>
             <a:endParaRPr lang="en-US" altLang="zh-CN"/>
           </a:p>
@@ -1661,7 +1661,7 @@
               <a:pPr>
                 <a:defRPr/>
               </a:pPr>
-              <a:t>3/25/2011</a:t>
+              <a:t>4/6/2011</a:t>
             </a:fld>
             <a:endParaRPr lang="en-US" altLang="zh-CN"/>
           </a:p>
@@ -1853,7 +1853,7 @@
               <a:pPr>
                 <a:defRPr/>
               </a:pPr>
-              <a:t>3/25/2011</a:t>
+              <a:t>4/6/2011</a:t>
             </a:fld>
             <a:endParaRPr lang="en-US" altLang="zh-CN"/>
           </a:p>
@@ -2121,7 +2121,7 @@
               <a:pPr>
                 <a:defRPr/>
               </a:pPr>
-              <a:t>3/25/2011</a:t>
+              <a:t>4/6/2011</a:t>
             </a:fld>
             <a:endParaRPr lang="en-US" altLang="zh-CN"/>
           </a:p>
@@ -2431,7 +2431,7 @@
               <a:pPr>
                 <a:defRPr/>
               </a:pPr>
-              <a:t>3/25/2011</a:t>
+              <a:t>4/6/2011</a:t>
             </a:fld>
             <a:endParaRPr lang="en-US" altLang="zh-CN"/>
           </a:p>
@@ -2887,7 +2887,7 @@
               <a:pPr>
                 <a:defRPr/>
               </a:pPr>
-              <a:t>3/25/2011</a:t>
+              <a:t>4/6/2011</a:t>
             </a:fld>
             <a:endParaRPr lang="en-US" altLang="zh-CN"/>
           </a:p>
@@ -3027,7 +3027,7 @@
               <a:pPr>
                 <a:defRPr/>
               </a:pPr>
-              <a:t>3/25/2011</a:t>
+              <a:t>4/6/2011</a:t>
             </a:fld>
             <a:endParaRPr lang="en-US" altLang="zh-CN"/>
           </a:p>
@@ -3144,7 +3144,7 @@
               <a:pPr>
                 <a:defRPr/>
               </a:pPr>
-              <a:t>3/25/2011</a:t>
+              <a:t>4/6/2011</a:t>
             </a:fld>
             <a:endParaRPr lang="en-US" altLang="zh-CN"/>
           </a:p>
@@ -3443,7 +3443,7 @@
               <a:pPr>
                 <a:defRPr/>
               </a:pPr>
-              <a:t>3/25/2011</a:t>
+              <a:t>4/6/2011</a:t>
             </a:fld>
             <a:endParaRPr lang="en-US" altLang="zh-CN"/>
           </a:p>
@@ -3725,7 +3725,7 @@
               <a:pPr>
                 <a:defRPr/>
               </a:pPr>
-              <a:t>3/25/2011</a:t>
+              <a:t>4/6/2011</a:t>
             </a:fld>
             <a:endParaRPr lang="en-US" altLang="zh-CN"/>
           </a:p>
@@ -3978,7 +3978,7 @@
               <a:pPr>
                 <a:defRPr/>
               </a:pPr>
-              <a:t>3/25/2011</a:t>
+              <a:t>4/6/2011</a:t>
             </a:fld>
             <a:endParaRPr lang="en-US" altLang="zh-CN"/>
           </a:p>
@@ -9287,7 +9287,7 @@
                         <a:tabLst/>
                       </a:pPr>
                       <a:r>
-                        <a:rPr kumimoji="0" lang="en-US" altLang="zh-CN" sz="1800" b="1" i="0" u="none" strike="noStrike" cap="none" normalizeH="0" baseline="0" smtClean="0">
+                        <a:rPr kumimoji="0" lang="en-US" altLang="zh-CN" sz="1800" b="1" i="0" u="none" strike="noStrike" cap="none" normalizeH="0" baseline="0" dirty="0" smtClean="0">
                           <a:ln>
                             <a:noFill/>
                           </a:ln>
@@ -9300,7 +9300,7 @@
                         </a:rPr>
                         <a:t>SOAP INPUT</a:t>
                       </a:r>
-                      <a:endParaRPr kumimoji="0" lang="zh-CN" altLang="en-US" sz="1800" b="1" i="0" u="none" strike="noStrike" cap="none" normalizeH="0" baseline="0" smtClean="0">
+                      <a:endParaRPr kumimoji="0" lang="zh-CN" altLang="en-US" sz="1800" b="1" i="0" u="none" strike="noStrike" cap="none" normalizeH="0" baseline="0" dirty="0" smtClean="0">
                         <a:ln>
                           <a:noFill/>
                         </a:ln>
@@ -9537,19 +9537,49 @@
                         <a:tabLst/>
                       </a:pPr>
                       <a:r>
-                        <a:rPr kumimoji="0" lang="en-US" altLang="zh-CN" sz="1400" b="0" i="0" u="none" strike="noStrike" cap="none" normalizeH="0" baseline="0" smtClean="0">
-                          <a:ln>
-                            <a:noFill/>
-                          </a:ln>
-                          <a:solidFill>
-                            <a:srgbClr val="000000"/>
-                          </a:solidFill>
-                          <a:effectLst/>
-                          <a:latin typeface="Arial" charset="0"/>
-                          <a:ea typeface="华文新魏" pitchFamily="2" charset="-122"/>
-                          <a:cs typeface="Arial" charset="0"/>
-                        </a:rPr>
-                        <a:t>&lt;ws:poiInfo&gt;</a:t>
+                        <a:rPr kumimoji="0" lang="en-US" altLang="zh-CN" sz="1400" b="0" i="0" u="none" strike="noStrike" cap="none" normalizeH="0" baseline="0" dirty="0" smtClean="0">
+                          <a:ln>
+                            <a:noFill/>
+                          </a:ln>
+                          <a:solidFill>
+                            <a:srgbClr val="000000"/>
+                          </a:solidFill>
+                          <a:effectLst/>
+                          <a:latin typeface="Arial" charset="0"/>
+                          <a:ea typeface="华文新魏" pitchFamily="2" charset="-122"/>
+                          <a:cs typeface="Arial" charset="0"/>
+                        </a:rPr>
+                        <a:t>&lt;</a:t>
+                      </a:r>
+                      <a:r>
+                        <a:rPr kumimoji="0" lang="en-US" altLang="zh-CN" sz="1400" b="0" i="0" u="none" strike="noStrike" cap="none" normalizeH="0" baseline="0" dirty="0" err="1" smtClean="0">
+                          <a:ln>
+                            <a:noFill/>
+                          </a:ln>
+                          <a:solidFill>
+                            <a:srgbClr val="000000"/>
+                          </a:solidFill>
+                          <a:effectLst/>
+                          <a:latin typeface="Arial" charset="0"/>
+                          <a:ea typeface="华文新魏" pitchFamily="2" charset="-122"/>
+                          <a:cs typeface="Arial" charset="0"/>
+                        </a:rPr>
+                        <a:t>ws:poiInfo</a:t>
+                      </a:r>
+                      <a:r>
+                        <a:rPr kumimoji="0" lang="en-US" altLang="zh-CN" sz="1400" b="0" i="0" u="none" strike="noStrike" cap="none" normalizeH="0" baseline="0" dirty="0" smtClean="0">
+                          <a:ln>
+                            <a:noFill/>
+                          </a:ln>
+                          <a:solidFill>
+                            <a:srgbClr val="000000"/>
+                          </a:solidFill>
+                          <a:effectLst/>
+                          <a:latin typeface="Arial" charset="0"/>
+                          <a:ea typeface="华文新魏" pitchFamily="2" charset="-122"/>
+                          <a:cs typeface="Arial" charset="0"/>
+                        </a:rPr>
+                        <a:t>&gt;</a:t>
                       </a:r>
                     </a:p>
                     <a:p>
@@ -9570,7 +9600,7 @@
                         <a:tabLst/>
                       </a:pPr>
                       <a:r>
-                        <a:rPr kumimoji="0" lang="zh-CN" altLang="en-US" sz="1400" b="0" i="0" u="none" strike="noStrike" cap="none" normalizeH="0" baseline="0" smtClean="0">
+                        <a:rPr kumimoji="0" lang="zh-CN" altLang="en-US" sz="1400" b="0" i="0" u="none" strike="noStrike" cap="none" normalizeH="0" baseline="0" dirty="0" smtClean="0">
                           <a:ln>
                             <a:noFill/>
                           </a:ln>
@@ -9585,7 +9615,7 @@
                         <a:t>  </a:t>
                       </a:r>
                       <a:r>
-                        <a:rPr kumimoji="0" lang="en-US" altLang="zh-CN" sz="1400" b="0" i="0" u="none" strike="noStrike" cap="none" normalizeH="0" baseline="0" smtClean="0">
+                        <a:rPr kumimoji="0" lang="en-US" altLang="zh-CN" sz="1400" b="0" i="0" u="none" strike="noStrike" cap="none" normalizeH="0" baseline="0" dirty="0" smtClean="0">
                           <a:ln>
                             <a:noFill/>
                           </a:ln>
@@ -9618,7 +9648,7 @@
                         <a:tabLst/>
                       </a:pPr>
                       <a:r>
-                        <a:rPr kumimoji="0" lang="zh-CN" altLang="en-US" sz="1400" b="0" i="0" u="none" strike="noStrike" cap="none" normalizeH="0" baseline="0" smtClean="0">
+                        <a:rPr kumimoji="0" lang="zh-CN" altLang="en-US" sz="1400" b="0" i="0" u="none" strike="noStrike" cap="none" normalizeH="0" baseline="0" dirty="0" smtClean="0">
                           <a:ln>
                             <a:noFill/>
                           </a:ln>
@@ -9633,7 +9663,7 @@
                         <a:t>    </a:t>
                       </a:r>
                       <a:r>
-                        <a:rPr kumimoji="0" lang="en-US" altLang="zh-CN" sz="1400" b="0" i="0" u="none" strike="noStrike" cap="none" normalizeH="0" baseline="0" smtClean="0">
+                        <a:rPr kumimoji="0" lang="en-US" altLang="zh-CN" sz="1400" b="0" i="0" u="none" strike="noStrike" cap="none" normalizeH="0" baseline="0" dirty="0" smtClean="0">
                           <a:ln>
                             <a:noFill/>
                           </a:ln>
@@ -9648,22 +9678,22 @@
                         <a:t>&lt;</a:t>
                       </a:r>
                       <a:r>
-                        <a:rPr kumimoji="0" lang="en-US" altLang="zh-CN" sz="1400" b="0" i="0" u="none" strike="noStrike" cap="none" normalizeH="0" baseline="0" smtClean="0">
-                          <a:ln>
-                            <a:noFill/>
-                          </a:ln>
-                          <a:solidFill>
-                            <a:srgbClr val="000000"/>
-                          </a:solidFill>
-                          <a:effectLst/>
-                          <a:latin typeface="宋体" charset="-122"/>
-                          <a:ea typeface="华文新魏" pitchFamily="2" charset="-122"/>
-                          <a:cs typeface="Arial" charset="0"/>
+                        <a:rPr kumimoji="0" lang="en-US" altLang="zh-CN" sz="1400" b="0" i="0" u="none" strike="noStrike" cap="none" normalizeH="0" baseline="0" dirty="0" smtClean="0">
+                          <a:ln>
+                            <a:noFill/>
+                          </a:ln>
+                          <a:solidFill>
+                            <a:srgbClr val="000000"/>
+                          </a:solidFill>
+                          <a:effectLst/>
+                          <a:latin typeface="Arial" pitchFamily="34" charset="0"/>
+                          <a:ea typeface="华文新魏" pitchFamily="2" charset="-122"/>
+                          <a:cs typeface="Arial" pitchFamily="34" charset="0"/>
                         </a:rPr>
                         <a:t>id&gt;</a:t>
                       </a:r>
                       <a:r>
-                        <a:rPr kumimoji="0" lang="en-US" altLang="zh-CN" sz="1400" b="0" i="0" u="none" strike="noStrike" cap="none" normalizeH="0" baseline="0" smtClean="0">
+                        <a:rPr kumimoji="0" lang="en-US" altLang="zh-CN" sz="1400" b="0" i="0" u="none" strike="noStrike" cap="none" normalizeH="0" baseline="0" dirty="0" smtClean="0">
                           <a:ln>
                             <a:noFill/>
                           </a:ln>
@@ -9678,7 +9708,7 @@
                         <a:t>POI</a:t>
                       </a:r>
                       <a:r>
-                        <a:rPr kumimoji="0" lang="zh-CN" altLang="en-US" sz="1400" b="0" i="0" u="none" strike="noStrike" cap="none" normalizeH="0" baseline="0" smtClean="0">
+                        <a:rPr kumimoji="0" lang="zh-CN" altLang="en-US" sz="1400" b="0" i="0" u="none" strike="noStrike" cap="none" normalizeH="0" baseline="0" dirty="0" smtClean="0">
                           <a:ln>
                             <a:noFill/>
                           </a:ln>
@@ -9693,7 +9723,7 @@
                         <a:t>编号</a:t>
                       </a:r>
                       <a:r>
-                        <a:rPr kumimoji="0" lang="en-US" altLang="zh-CN" sz="1400" b="0" i="0" u="none" strike="noStrike" cap="none" normalizeH="0" baseline="0" smtClean="0">
+                        <a:rPr kumimoji="0" lang="en-US" altLang="zh-CN" sz="1400" b="0" i="0" u="none" strike="noStrike" cap="none" normalizeH="0" baseline="0" dirty="0" smtClean="0">
                           <a:ln>
                             <a:noFill/>
                           </a:ln>
@@ -9708,7 +9738,7 @@
                         <a:t>[</a:t>
                       </a:r>
                       <a:r>
-                        <a:rPr kumimoji="0" lang="zh-CN" altLang="en-US" sz="1400" b="0" i="0" u="none" strike="noStrike" cap="none" normalizeH="0" baseline="0" smtClean="0">
+                        <a:rPr kumimoji="0" lang="zh-CN" altLang="en-US" sz="1400" b="0" i="0" u="none" strike="noStrike" cap="none" normalizeH="0" baseline="0" dirty="0" smtClean="0">
                           <a:ln>
                             <a:noFill/>
                           </a:ln>
@@ -9723,7 +9753,7 @@
                         <a:t>数字</a:t>
                       </a:r>
                       <a:r>
-                        <a:rPr kumimoji="0" lang="en-US" altLang="zh-CN" sz="1400" b="0" i="0" u="none" strike="noStrike" cap="none" normalizeH="0" baseline="0" smtClean="0">
+                        <a:rPr kumimoji="0" lang="en-US" altLang="zh-CN" sz="1400" b="0" i="0" u="none" strike="noStrike" cap="none" normalizeH="0" baseline="0" dirty="0" smtClean="0">
                           <a:ln>
                             <a:noFill/>
                           </a:ln>
@@ -9738,7 +9768,7 @@
                         <a:t>]</a:t>
                       </a:r>
                       <a:r>
-                        <a:rPr kumimoji="0" lang="zh-CN" altLang="en-US" sz="1400" b="0" i="0" u="none" strike="noStrike" cap="none" normalizeH="0" baseline="0" smtClean="0">
+                        <a:rPr kumimoji="0" lang="zh-CN" altLang="en-US" sz="1400" b="0" i="0" u="none" strike="noStrike" cap="none" normalizeH="0" baseline="0" dirty="0" smtClean="0">
                           <a:ln>
                             <a:noFill/>
                           </a:ln>
@@ -9753,7 +9783,7 @@
                         <a:t>，必须</a:t>
                       </a:r>
                       <a:r>
-                        <a:rPr kumimoji="0" lang="en-US" altLang="zh-CN" sz="1400" b="0" i="0" u="none" strike="noStrike" cap="none" normalizeH="0" baseline="0" smtClean="0">
+                        <a:rPr kumimoji="0" lang="en-US" altLang="zh-CN" sz="1400" b="0" i="0" u="none" strike="noStrike" cap="none" normalizeH="0" baseline="0" dirty="0" smtClean="0">
                           <a:ln>
                             <a:noFill/>
                           </a:ln>
@@ -9767,7 +9797,7 @@
                         </a:rPr>
                         <a:t>&lt;/id&gt;</a:t>
                       </a:r>
-                      <a:endParaRPr kumimoji="0" lang="en-US" altLang="zh-CN" sz="1400" b="1" i="0" u="none" strike="noStrike" cap="none" normalizeH="0" baseline="0" smtClean="0">
+                      <a:endParaRPr kumimoji="0" lang="en-US" altLang="zh-CN" sz="1400" b="1" i="0" u="none" strike="noStrike" cap="none" normalizeH="0" baseline="0" dirty="0" smtClean="0">
                         <a:ln>
                           <a:noFill/>
                         </a:ln>
@@ -9798,7 +9828,7 @@
                         <a:tabLst/>
                       </a:pPr>
                       <a:r>
-                        <a:rPr kumimoji="0" lang="zh-CN" altLang="en-US" sz="1400" b="0" i="0" u="none" strike="noStrike" cap="none" normalizeH="0" baseline="0" smtClean="0">
+                        <a:rPr kumimoji="0" lang="zh-CN" altLang="en-US" sz="1400" b="0" i="0" u="none" strike="noStrike" cap="none" normalizeH="0" baseline="0" dirty="0" smtClean="0">
                           <a:ln>
                             <a:noFill/>
                           </a:ln>
@@ -9812,7 +9842,7 @@
                         <a:t>    </a:t>
                       </a:r>
                       <a:r>
-                        <a:rPr kumimoji="0" lang="en-US" altLang="zh-CN" sz="1400" b="0" i="0" u="none" strike="noStrike" cap="none" normalizeH="0" baseline="0" smtClean="0">
+                        <a:rPr kumimoji="0" lang="en-US" altLang="zh-CN" sz="1400" b="0" i="0" u="none" strike="noStrike" cap="none" normalizeH="0" baseline="0" dirty="0" smtClean="0">
                           <a:ln>
                             <a:noFill/>
                           </a:ln>
@@ -9826,7 +9856,7 @@
                         <a:t>&lt;key&gt;</a:t>
                       </a:r>
                       <a:r>
-                        <a:rPr kumimoji="0" lang="zh-CN" altLang="en-US" sz="1400" b="0" i="0" u="none" strike="noStrike" cap="none" normalizeH="0" baseline="0" smtClean="0">
+                        <a:rPr kumimoji="0" lang="zh-CN" altLang="en-US" sz="1400" b="0" i="0" u="none" strike="noStrike" cap="none" normalizeH="0" baseline="0" dirty="0" smtClean="0">
                           <a:ln>
                             <a:noFill/>
                           </a:ln>
@@ -9840,7 +9870,7 @@
                         <a:t>城市代码</a:t>
                       </a:r>
                       <a:r>
-                        <a:rPr kumimoji="0" lang="en-US" altLang="zh-CN" sz="1400" b="0" i="0" u="none" strike="noStrike" cap="none" normalizeH="0" baseline="0" smtClean="0">
+                        <a:rPr kumimoji="0" lang="en-US" altLang="zh-CN" sz="1400" b="0" i="0" u="none" strike="noStrike" cap="none" normalizeH="0" baseline="0" dirty="0" smtClean="0">
                           <a:ln>
                             <a:noFill/>
                           </a:ln>
@@ -9854,7 +9884,7 @@
                         <a:t>[</a:t>
                       </a:r>
                       <a:r>
-                        <a:rPr kumimoji="0" lang="zh-CN" altLang="en-US" sz="1400" b="0" i="0" u="none" strike="noStrike" cap="none" normalizeH="0" baseline="0" smtClean="0">
+                        <a:rPr kumimoji="0" lang="zh-CN" altLang="en-US" sz="1400" b="0" i="0" u="none" strike="noStrike" cap="none" normalizeH="0" baseline="0" dirty="0" smtClean="0">
                           <a:ln>
                             <a:noFill/>
                           </a:ln>
@@ -9868,7 +9898,7 @@
                         <a:t>与</a:t>
                       </a:r>
                       <a:r>
-                        <a:rPr kumimoji="0" lang="en-US" altLang="zh-CN" sz="1400" b="0" i="0" u="none" strike="noStrike" cap="none" normalizeH="0" baseline="0" smtClean="0">
+                        <a:rPr kumimoji="0" lang="en-US" altLang="zh-CN" sz="1400" b="0" i="0" u="none" strike="noStrike" cap="none" normalizeH="0" baseline="0" dirty="0" smtClean="0">
                           <a:ln>
                             <a:noFill/>
                           </a:ln>
@@ -9882,7 +9912,7 @@
                         <a:t>navi.xml</a:t>
                       </a:r>
                       <a:r>
-                        <a:rPr kumimoji="0" lang="zh-CN" altLang="en-US" sz="1400" b="0" i="0" u="none" strike="noStrike" cap="none" normalizeH="0" baseline="0" smtClean="0">
+                        <a:rPr kumimoji="0" lang="zh-CN" altLang="en-US" sz="1400" b="0" i="0" u="none" strike="noStrike" cap="none" normalizeH="0" baseline="0" dirty="0" smtClean="0">
                           <a:ln>
                             <a:noFill/>
                           </a:ln>
@@ -9896,7 +9926,7 @@
                         <a:t>中</a:t>
                       </a:r>
                       <a:r>
-                        <a:rPr kumimoji="0" lang="en-US" altLang="zh-CN" sz="1400" b="0" i="0" u="none" strike="noStrike" cap="none" normalizeH="0" baseline="0" smtClean="0">
+                        <a:rPr kumimoji="0" lang="en-US" altLang="zh-CN" sz="1400" b="0" i="0" u="none" strike="noStrike" cap="none" normalizeH="0" baseline="0" dirty="0" smtClean="0">
                           <a:ln>
                             <a:noFill/>
                           </a:ln>
@@ -9910,7 +9940,7 @@
                         <a:t>key</a:t>
                       </a:r>
                       <a:r>
-                        <a:rPr kumimoji="0" lang="zh-CN" altLang="en-US" sz="1400" b="0" i="0" u="none" strike="noStrike" cap="none" normalizeH="0" baseline="0" smtClean="0">
+                        <a:rPr kumimoji="0" lang="zh-CN" altLang="en-US" sz="1400" b="0" i="0" u="none" strike="noStrike" cap="none" normalizeH="0" baseline="0" dirty="0" smtClean="0">
                           <a:ln>
                             <a:noFill/>
                           </a:ln>
@@ -9924,7 +9954,7 @@
                         <a:t>一致</a:t>
                       </a:r>
                       <a:r>
-                        <a:rPr kumimoji="0" lang="en-US" altLang="zh-CN" sz="1400" b="0" i="0" u="none" strike="noStrike" cap="none" normalizeH="0" baseline="0" smtClean="0">
+                        <a:rPr kumimoji="0" lang="en-US" altLang="zh-CN" sz="1400" b="0" i="0" u="none" strike="noStrike" cap="none" normalizeH="0" baseline="0" dirty="0" smtClean="0">
                           <a:ln>
                             <a:noFill/>
                           </a:ln>
@@ -9938,7 +9968,7 @@
                         <a:t>]</a:t>
                       </a:r>
                       <a:r>
-                        <a:rPr kumimoji="0" lang="zh-CN" altLang="en-US" sz="1400" b="0" i="0" u="none" strike="noStrike" cap="none" normalizeH="0" baseline="0" smtClean="0">
+                        <a:rPr kumimoji="0" lang="zh-CN" altLang="en-US" sz="1400" b="0" i="0" u="none" strike="noStrike" cap="none" normalizeH="0" baseline="0" dirty="0" smtClean="0">
                           <a:ln>
                             <a:noFill/>
                           </a:ln>
@@ -9952,7 +9982,7 @@
                         <a:t>，必须</a:t>
                       </a:r>
                       <a:r>
-                        <a:rPr kumimoji="0" lang="en-US" altLang="zh-CN" sz="1400" b="0" i="0" u="none" strike="noStrike" cap="none" normalizeH="0" baseline="0" smtClean="0">
+                        <a:rPr kumimoji="0" lang="en-US" altLang="zh-CN" sz="1400" b="0" i="0" u="none" strike="noStrike" cap="none" normalizeH="0" baseline="0" dirty="0" smtClean="0">
                           <a:ln>
                             <a:noFill/>
                           </a:ln>
@@ -9965,7 +9995,7 @@
                         </a:rPr>
                         <a:t>&lt;/key&gt;</a:t>
                       </a:r>
-                      <a:endParaRPr kumimoji="0" lang="en-US" altLang="zh-CN" sz="1400" b="1" i="0" u="none" strike="noStrike" cap="none" normalizeH="0" baseline="0" smtClean="0">
+                      <a:endParaRPr kumimoji="0" lang="en-US" altLang="zh-CN" sz="1400" b="1" i="0" u="none" strike="noStrike" cap="none" normalizeH="0" baseline="0" dirty="0" smtClean="0">
                         <a:ln>
                           <a:noFill/>
                         </a:ln>
@@ -9995,7 +10025,7 @@
                         <a:tabLst/>
                       </a:pPr>
                       <a:r>
-                        <a:rPr kumimoji="0" lang="zh-CN" altLang="en-US" sz="1400" b="0" i="0" u="none" strike="noStrike" cap="none" normalizeH="0" baseline="0" smtClean="0">
+                        <a:rPr kumimoji="0" lang="zh-CN" altLang="en-US" sz="1400" b="0" i="0" u="none" strike="noStrike" cap="none" normalizeH="0" baseline="0" dirty="0" smtClean="0">
                           <a:ln>
                             <a:noFill/>
                           </a:ln>
@@ -10009,7 +10039,7 @@
                         <a:t>  </a:t>
                       </a:r>
                       <a:r>
-                        <a:rPr kumimoji="0" lang="en-US" altLang="zh-CN" sz="1400" b="0" i="0" u="none" strike="noStrike" cap="none" normalizeH="0" baseline="0" smtClean="0">
+                        <a:rPr kumimoji="0" lang="en-US" altLang="zh-CN" sz="1400" b="0" i="0" u="none" strike="noStrike" cap="none" normalizeH="0" baseline="0" dirty="0" smtClean="0">
                           <a:ln>
                             <a:noFill/>
                           </a:ln>
@@ -10041,18 +10071,46 @@
                         <a:tabLst/>
                       </a:pPr>
                       <a:r>
-                        <a:rPr kumimoji="0" lang="en-US" altLang="zh-CN" sz="1400" b="0" i="0" u="none" strike="noStrike" cap="none" normalizeH="0" baseline="0" smtClean="0">
-                          <a:ln>
-                            <a:noFill/>
-                          </a:ln>
-                          <a:solidFill>
-                            <a:srgbClr val="000000"/>
-                          </a:solidFill>
-                          <a:effectLst/>
-                          <a:latin typeface="Arial" charset="0"/>
-                          <a:ea typeface="华文新魏" pitchFamily="2" charset="-122"/>
-                        </a:rPr>
-                        <a:t>&lt;/ws:poiInfo&gt;</a:t>
+                        <a:rPr kumimoji="0" lang="en-US" altLang="zh-CN" sz="1400" b="0" i="0" u="none" strike="noStrike" cap="none" normalizeH="0" baseline="0" dirty="0" smtClean="0">
+                          <a:ln>
+                            <a:noFill/>
+                          </a:ln>
+                          <a:solidFill>
+                            <a:srgbClr val="000000"/>
+                          </a:solidFill>
+                          <a:effectLst/>
+                          <a:latin typeface="Arial" charset="0"/>
+                          <a:ea typeface="华文新魏" pitchFamily="2" charset="-122"/>
+                        </a:rPr>
+                        <a:t>&lt;/</a:t>
+                      </a:r>
+                      <a:r>
+                        <a:rPr kumimoji="0" lang="en-US" altLang="zh-CN" sz="1400" b="0" i="0" u="none" strike="noStrike" cap="none" normalizeH="0" baseline="0" dirty="0" err="1" smtClean="0">
+                          <a:ln>
+                            <a:noFill/>
+                          </a:ln>
+                          <a:solidFill>
+                            <a:srgbClr val="000000"/>
+                          </a:solidFill>
+                          <a:effectLst/>
+                          <a:latin typeface="Arial" charset="0"/>
+                          <a:ea typeface="华文新魏" pitchFamily="2" charset="-122"/>
+                        </a:rPr>
+                        <a:t>ws:poiInfo</a:t>
+                      </a:r>
+                      <a:r>
+                        <a:rPr kumimoji="0" lang="en-US" altLang="zh-CN" sz="1400" b="0" i="0" u="none" strike="noStrike" cap="none" normalizeH="0" baseline="0" dirty="0" smtClean="0">
+                          <a:ln>
+                            <a:noFill/>
+                          </a:ln>
+                          <a:solidFill>
+                            <a:srgbClr val="000000"/>
+                          </a:solidFill>
+                          <a:effectLst/>
+                          <a:latin typeface="Arial" charset="0"/>
+                          <a:ea typeface="华文新魏" pitchFamily="2" charset="-122"/>
+                        </a:rPr>
+                        <a:t>&gt;</a:t>
                       </a:r>
                     </a:p>
                   </a:txBody>
@@ -29094,10 +29152,6 @@
               </a:rPr>
               <a:t>）</a:t>
             </a:r>
-            <a:endParaRPr lang="zh-CN" altLang="en-US" sz="2000" dirty="0" smtClean="0">
-              <a:latin typeface="宋体" charset="-122"/>
-              <a:ea typeface="宋体" charset="-122"/>
-            </a:endParaRPr>
           </a:p>
           <a:p>
             <a:pPr>
@@ -29465,14 +29519,7 @@
                 <a:latin typeface="Arial" charset="0"/>
                 <a:ea typeface="宋体" charset="-122"/>
               </a:rPr>
-              <a:t>     -- depends on sse4j </a:t>
-            </a:r>
-            <a:r>
-              <a:rPr lang="en-US" altLang="zh-CN" sz="1600" dirty="0" smtClean="0">
-                <a:latin typeface="Arial" charset="0"/>
-                <a:ea typeface="宋体" charset="-122"/>
-              </a:rPr>
-              <a:t>project</a:t>
+              <a:t>     -- depends on sse4j project</a:t>
             </a:r>
           </a:p>
           <a:p>
@@ -29483,10 +29530,6 @@
               </a:rPr>
               <a:t>sse4j.http</a:t>
             </a:r>
-            <a:endParaRPr lang="en-US" altLang="zh-CN" sz="2400" dirty="0" smtClean="0">
-              <a:latin typeface="Arial" charset="0"/>
-              <a:ea typeface="宋体" charset="-122"/>
-            </a:endParaRPr>
           </a:p>
           <a:p>
             <a:pPr>
@@ -29498,21 +29541,7 @@
                 <a:latin typeface="Arial" charset="0"/>
                 <a:ea typeface="宋体" charset="-122"/>
               </a:rPr>
-              <a:t>     -- java </a:t>
-            </a:r>
-            <a:r>
-              <a:rPr lang="en-US" altLang="zh-CN" sz="1600" dirty="0" smtClean="0">
-                <a:latin typeface="Arial" charset="0"/>
-                <a:ea typeface="宋体" charset="-122"/>
-              </a:rPr>
-              <a:t>web </a:t>
-            </a:r>
-            <a:r>
-              <a:rPr lang="en-US" altLang="zh-CN" sz="1600" dirty="0" smtClean="0">
-                <a:latin typeface="Arial" charset="0"/>
-                <a:ea typeface="宋体" charset="-122"/>
-              </a:rPr>
-              <a:t>project</a:t>
+              <a:t>     -- java web project</a:t>
             </a:r>
           </a:p>
           <a:p>
@@ -29525,14 +29554,7 @@
                 <a:latin typeface="Arial" charset="0"/>
                 <a:ea typeface="宋体" charset="-122"/>
               </a:rPr>
-              <a:t>     </a:t>
-            </a:r>
-            <a:r>
-              <a:rPr lang="en-US" altLang="zh-CN" sz="1600" dirty="0" smtClean="0">
-                <a:latin typeface="Arial" charset="0"/>
-                <a:ea typeface="宋体" charset="-122"/>
-              </a:rPr>
-              <a:t>-- depends on sse4j project</a:t>
+              <a:t>     -- depends on sse4j project</a:t>
             </a:r>
           </a:p>
           <a:p>
@@ -29543,10 +29565,6 @@
               </a:rPr>
               <a:t>sse4j.exe</a:t>
             </a:r>
-            <a:endParaRPr lang="en-US" altLang="zh-CN" sz="2400" dirty="0" smtClean="0">
-              <a:latin typeface="Arial" charset="0"/>
-              <a:ea typeface="宋体" charset="-122"/>
-            </a:endParaRPr>
           </a:p>
           <a:p>
             <a:pPr>
@@ -29558,19 +29576,8 @@
                 <a:latin typeface="Arial" charset="0"/>
                 <a:ea typeface="宋体" charset="-122"/>
               </a:rPr>
-              <a:t>     -- java </a:t>
-            </a:r>
-            <a:r>
-              <a:rPr lang="en-US" altLang="zh-CN" sz="1600" dirty="0" smtClean="0">
-                <a:latin typeface="Arial" charset="0"/>
-                <a:ea typeface="宋体" charset="-122"/>
-              </a:rPr>
-              <a:t>project</a:t>
-            </a:r>
-            <a:endParaRPr lang="en-US" altLang="zh-CN" sz="1600" dirty="0" smtClean="0">
-              <a:latin typeface="Arial" charset="0"/>
-              <a:ea typeface="宋体" charset="-122"/>
-            </a:endParaRPr>
+              <a:t>     -- java project</a:t>
+            </a:r>
           </a:p>
           <a:p>
             <a:pPr>
@@ -29582,19 +29589,8 @@
                 <a:latin typeface="Arial" charset="0"/>
                 <a:ea typeface="宋体" charset="-122"/>
               </a:rPr>
-              <a:t>     -- </a:t>
-            </a:r>
-            <a:r>
-              <a:rPr lang="en-US" altLang="zh-CN" sz="1600" dirty="0" smtClean="0">
-                <a:latin typeface="Arial" charset="0"/>
-                <a:ea typeface="宋体" charset="-122"/>
-              </a:rPr>
-              <a:t>contains some executable tools</a:t>
-            </a:r>
-            <a:endParaRPr lang="en-US" altLang="zh-CN" sz="1600" dirty="0" smtClean="0">
-              <a:latin typeface="Arial" charset="0"/>
-              <a:ea typeface="宋体" charset="-122"/>
-            </a:endParaRPr>
+              <a:t>     -- contains some executable tools</a:t>
+            </a:r>
           </a:p>
           <a:p>
             <a:pPr>

--- a/doc/sse4j.pptx
+++ b/doc/sse4j.pptx
@@ -268,7 +268,7 @@
               <a:pPr>
                 <a:defRPr/>
               </a:pPr>
-              <a:t>4/6/2011</a:t>
+              <a:t>4/8/2011</a:t>
             </a:fld>
             <a:endParaRPr lang="en-US" altLang="zh-CN"/>
           </a:p>
@@ -1097,7 +1097,7 @@
               <a:pPr>
                 <a:defRPr/>
               </a:pPr>
-              <a:t>4/6/2011</a:t>
+              <a:t>4/8/2011</a:t>
             </a:fld>
             <a:endParaRPr lang="en-US" altLang="zh-CN"/>
           </a:p>
@@ -1289,7 +1289,7 @@
               <a:pPr>
                 <a:defRPr/>
               </a:pPr>
-              <a:t>4/6/2011</a:t>
+              <a:t>4/8/2011</a:t>
             </a:fld>
             <a:endParaRPr lang="en-US" altLang="zh-CN"/>
           </a:p>
@@ -1491,7 +1491,7 @@
               <a:pPr>
                 <a:defRPr/>
               </a:pPr>
-              <a:t>4/6/2011</a:t>
+              <a:t>4/8/2011</a:t>
             </a:fld>
             <a:endParaRPr lang="en-US" altLang="zh-CN"/>
           </a:p>
@@ -1661,7 +1661,7 @@
               <a:pPr>
                 <a:defRPr/>
               </a:pPr>
-              <a:t>4/6/2011</a:t>
+              <a:t>4/8/2011</a:t>
             </a:fld>
             <a:endParaRPr lang="en-US" altLang="zh-CN"/>
           </a:p>
@@ -1853,7 +1853,7 @@
               <a:pPr>
                 <a:defRPr/>
               </a:pPr>
-              <a:t>4/6/2011</a:t>
+              <a:t>4/8/2011</a:t>
             </a:fld>
             <a:endParaRPr lang="en-US" altLang="zh-CN"/>
           </a:p>
@@ -2121,7 +2121,7 @@
               <a:pPr>
                 <a:defRPr/>
               </a:pPr>
-              <a:t>4/6/2011</a:t>
+              <a:t>4/8/2011</a:t>
             </a:fld>
             <a:endParaRPr lang="en-US" altLang="zh-CN"/>
           </a:p>
@@ -2431,7 +2431,7 @@
               <a:pPr>
                 <a:defRPr/>
               </a:pPr>
-              <a:t>4/6/2011</a:t>
+              <a:t>4/8/2011</a:t>
             </a:fld>
             <a:endParaRPr lang="en-US" altLang="zh-CN"/>
           </a:p>
@@ -2887,7 +2887,7 @@
               <a:pPr>
                 <a:defRPr/>
               </a:pPr>
-              <a:t>4/6/2011</a:t>
+              <a:t>4/8/2011</a:t>
             </a:fld>
             <a:endParaRPr lang="en-US" altLang="zh-CN"/>
           </a:p>
@@ -3027,7 +3027,7 @@
               <a:pPr>
                 <a:defRPr/>
               </a:pPr>
-              <a:t>4/6/2011</a:t>
+              <a:t>4/8/2011</a:t>
             </a:fld>
             <a:endParaRPr lang="en-US" altLang="zh-CN"/>
           </a:p>
@@ -3144,7 +3144,7 @@
               <a:pPr>
                 <a:defRPr/>
               </a:pPr>
-              <a:t>4/6/2011</a:t>
+              <a:t>4/8/2011</a:t>
             </a:fld>
             <a:endParaRPr lang="en-US" altLang="zh-CN"/>
           </a:p>
@@ -3443,7 +3443,7 @@
               <a:pPr>
                 <a:defRPr/>
               </a:pPr>
-              <a:t>4/6/2011</a:t>
+              <a:t>4/8/2011</a:t>
             </a:fld>
             <a:endParaRPr lang="en-US" altLang="zh-CN"/>
           </a:p>
@@ -3725,7 +3725,7 @@
               <a:pPr>
                 <a:defRPr/>
               </a:pPr>
-              <a:t>4/6/2011</a:t>
+              <a:t>4/8/2011</a:t>
             </a:fld>
             <a:endParaRPr lang="en-US" altLang="zh-CN"/>
           </a:p>
@@ -3978,7 +3978,7 @@
               <a:pPr>
                 <a:defRPr/>
               </a:pPr>
-              <a:t>4/6/2011</a:t>
+              <a:t>4/8/2011</a:t>
             </a:fld>
             <a:endParaRPr lang="en-US" altLang="zh-CN"/>
           </a:p>
@@ -28069,26 +28069,6 @@
                 <a:spcPct val="20000"/>
               </a:spcBef>
             </a:pPr>
-            <a:r>
-              <a:rPr lang="zh-CN" altLang="en-US" sz="2000" dirty="0" smtClean="0"/>
-              <a:t>联系方式：</a:t>
-            </a:r>
-            <a:r>
-              <a:rPr lang="en-US" altLang="zh-CN" sz="2000" dirty="0" smtClean="0">
-                <a:hlinkClick r:id="rId4"/>
-              </a:rPr>
-              <a:t>charmdx@126.com</a:t>
-            </a:r>
-            <a:r>
-              <a:rPr lang="en-US" altLang="zh-CN" sz="2000" dirty="0" smtClean="0"/>
-              <a:t>   </a:t>
-            </a:r>
-            <a:r>
-              <a:rPr lang="en-US" altLang="zh-CN" sz="2000" dirty="0" smtClean="0">
-                <a:hlinkClick r:id="rId5"/>
-              </a:rPr>
-              <a:t>sse4j_dux@126.com</a:t>
-            </a:r>
             <a:endParaRPr lang="en-US" altLang="zh-CN" sz="2000" dirty="0" smtClean="0"/>
           </a:p>
           <a:p>
@@ -28097,6 +28077,18 @@
                 <a:spcPct val="20000"/>
               </a:spcBef>
             </a:pPr>
+            <a:r>
+              <a:rPr lang="zh-CN" altLang="en-US" sz="2000" dirty="0" smtClean="0"/>
+              <a:t>欢迎有兴趣的技术人员加入进来，一起把</a:t>
+            </a:r>
+            <a:r>
+              <a:rPr lang="en-US" altLang="zh-CN" sz="2000" dirty="0" smtClean="0"/>
+              <a:t>sse4j</a:t>
+            </a:r>
+            <a:r>
+              <a:rPr lang="zh-CN" altLang="en-US" sz="2000" dirty="0" smtClean="0"/>
+              <a:t>做得更好。</a:t>
+            </a:r>
             <a:endParaRPr lang="en-US" altLang="zh-CN" sz="2000" dirty="0" smtClean="0"/>
           </a:p>
           <a:p>
@@ -28106,16 +28098,12 @@
               </a:spcBef>
             </a:pPr>
             <a:r>
-              <a:rPr lang="zh-CN" altLang="en-US" sz="2000" dirty="0" smtClean="0"/>
-              <a:t>欢迎有兴趣的技术人员加入进来，一起把</a:t>
-            </a:r>
-            <a:r>
               <a:rPr lang="en-US" altLang="zh-CN" sz="2000" dirty="0" smtClean="0"/>
               <a:t>sse4j</a:t>
             </a:r>
             <a:r>
               <a:rPr lang="zh-CN" altLang="en-US" sz="2000" dirty="0" smtClean="0"/>
-              <a:t>做得更好。</a:t>
+              <a:t>需要做的工作非常多，比如：</a:t>
             </a:r>
             <a:endParaRPr lang="en-US" altLang="zh-CN" sz="2000" dirty="0" smtClean="0"/>
           </a:p>
@@ -28126,22 +28114,6 @@
               </a:spcBef>
             </a:pPr>
             <a:r>
-              <a:rPr lang="en-US" altLang="zh-CN" sz="2000" dirty="0" smtClean="0"/>
-              <a:t>sse4j</a:t>
-            </a:r>
-            <a:r>
-              <a:rPr lang="zh-CN" altLang="en-US" sz="2000" dirty="0" smtClean="0"/>
-              <a:t>需要做的工作非常多，比如：</a:t>
-            </a:r>
-            <a:endParaRPr lang="en-US" altLang="zh-CN" sz="2000" dirty="0" smtClean="0"/>
-          </a:p>
-          <a:p>
-            <a:pPr marL="342900" indent="-342900" eaLnBrk="0" hangingPunct="0">
-              <a:spcBef>
-                <a:spcPct val="20000"/>
-              </a:spcBef>
-            </a:pPr>
-            <a:r>
               <a:rPr lang="zh-CN" altLang="en-US" sz="2000" dirty="0" smtClean="0"/>
               <a:t>    </a:t>
             </a:r>
@@ -28151,15 +28123,11 @@
             </a:r>
             <a:r>
               <a:rPr lang="zh-CN" altLang="en-US" sz="2000" dirty="0" smtClean="0"/>
-              <a:t>）提供更为丰富的用户接口（</a:t>
-            </a:r>
-            <a:r>
-              <a:rPr lang="en-US" altLang="zh-CN" sz="2000" dirty="0" smtClean="0"/>
-              <a:t>HTTP</a:t>
+              <a:t>）提供更为丰富的用户接口</a:t>
             </a:r>
             <a:r>
               <a:rPr lang="zh-CN" altLang="en-US" sz="2000" dirty="0" smtClean="0"/>
-              <a:t>方式，</a:t>
+              <a:t>（</a:t>
             </a:r>
             <a:r>
               <a:rPr lang="en-US" altLang="zh-CN" sz="2000" dirty="0" smtClean="0"/>

--- a/doc/sse4j.pptx
+++ b/doc/sse4j.pptx
@@ -5,7 +5,7 @@
     <p:sldMasterId id="2147483648" r:id="rId1"/>
   </p:sldMasterIdLst>
   <p:notesMasterIdLst>
-    <p:notesMasterId r:id="rId26"/>
+    <p:notesMasterId r:id="rId27"/>
   </p:notesMasterIdLst>
   <p:sldIdLst>
     <p:sldId id="256" r:id="rId2"/>
@@ -28,10 +28,11 @@
     <p:sldId id="273" r:id="rId19"/>
     <p:sldId id="274" r:id="rId20"/>
     <p:sldId id="275" r:id="rId21"/>
-    <p:sldId id="276" r:id="rId22"/>
-    <p:sldId id="277" r:id="rId23"/>
-    <p:sldId id="278" r:id="rId24"/>
-    <p:sldId id="279" r:id="rId25"/>
+    <p:sldId id="280" r:id="rId22"/>
+    <p:sldId id="276" r:id="rId23"/>
+    <p:sldId id="277" r:id="rId24"/>
+    <p:sldId id="278" r:id="rId25"/>
+    <p:sldId id="279" r:id="rId26"/>
   </p:sldIdLst>
   <p:sldSz cx="9144000" cy="6858000" type="screen4x3"/>
   <p:notesSz cx="6858000" cy="9144000"/>
@@ -268,7 +269,7 @@
               <a:pPr>
                 <a:defRPr/>
               </a:pPr>
-              <a:t>4/8/2011</a:t>
+              <a:t>4/12/2011</a:t>
             </a:fld>
             <a:endParaRPr lang="en-US" altLang="zh-CN"/>
           </a:p>
@@ -799,7 +800,7 @@
                 <a:ea typeface="宋体" charset="-122"/>
               </a:rPr>
               <a:pPr/>
-              <a:t>24</a:t>
+              <a:t>25</a:t>
             </a:fld>
             <a:endParaRPr lang="en-US" altLang="zh-CN" smtClean="0">
               <a:ea typeface="宋体" charset="-122"/>
@@ -1097,7 +1098,7 @@
               <a:pPr>
                 <a:defRPr/>
               </a:pPr>
-              <a:t>4/8/2011</a:t>
+              <a:t>4/12/2011</a:t>
             </a:fld>
             <a:endParaRPr lang="en-US" altLang="zh-CN"/>
           </a:p>
@@ -1289,7 +1290,7 @@
               <a:pPr>
                 <a:defRPr/>
               </a:pPr>
-              <a:t>4/8/2011</a:t>
+              <a:t>4/12/2011</a:t>
             </a:fld>
             <a:endParaRPr lang="en-US" altLang="zh-CN"/>
           </a:p>
@@ -1491,7 +1492,7 @@
               <a:pPr>
                 <a:defRPr/>
               </a:pPr>
-              <a:t>4/8/2011</a:t>
+              <a:t>4/12/2011</a:t>
             </a:fld>
             <a:endParaRPr lang="en-US" altLang="zh-CN"/>
           </a:p>
@@ -1661,7 +1662,7 @@
               <a:pPr>
                 <a:defRPr/>
               </a:pPr>
-              <a:t>4/8/2011</a:t>
+              <a:t>4/12/2011</a:t>
             </a:fld>
             <a:endParaRPr lang="en-US" altLang="zh-CN"/>
           </a:p>
@@ -1853,7 +1854,7 @@
               <a:pPr>
                 <a:defRPr/>
               </a:pPr>
-              <a:t>4/8/2011</a:t>
+              <a:t>4/12/2011</a:t>
             </a:fld>
             <a:endParaRPr lang="en-US" altLang="zh-CN"/>
           </a:p>
@@ -2121,7 +2122,7 @@
               <a:pPr>
                 <a:defRPr/>
               </a:pPr>
-              <a:t>4/8/2011</a:t>
+              <a:t>4/12/2011</a:t>
             </a:fld>
             <a:endParaRPr lang="en-US" altLang="zh-CN"/>
           </a:p>
@@ -2431,7 +2432,7 @@
               <a:pPr>
                 <a:defRPr/>
               </a:pPr>
-              <a:t>4/8/2011</a:t>
+              <a:t>4/12/2011</a:t>
             </a:fld>
             <a:endParaRPr lang="en-US" altLang="zh-CN"/>
           </a:p>
@@ -2887,7 +2888,7 @@
               <a:pPr>
                 <a:defRPr/>
               </a:pPr>
-              <a:t>4/8/2011</a:t>
+              <a:t>4/12/2011</a:t>
             </a:fld>
             <a:endParaRPr lang="en-US" altLang="zh-CN"/>
           </a:p>
@@ -3027,7 +3028,7 @@
               <a:pPr>
                 <a:defRPr/>
               </a:pPr>
-              <a:t>4/8/2011</a:t>
+              <a:t>4/12/2011</a:t>
             </a:fld>
             <a:endParaRPr lang="en-US" altLang="zh-CN"/>
           </a:p>
@@ -3144,7 +3145,7 @@
               <a:pPr>
                 <a:defRPr/>
               </a:pPr>
-              <a:t>4/8/2011</a:t>
+              <a:t>4/12/2011</a:t>
             </a:fld>
             <a:endParaRPr lang="en-US" altLang="zh-CN"/>
           </a:p>
@@ -3443,7 +3444,7 @@
               <a:pPr>
                 <a:defRPr/>
               </a:pPr>
-              <a:t>4/8/2011</a:t>
+              <a:t>4/12/2011</a:t>
             </a:fld>
             <a:endParaRPr lang="en-US" altLang="zh-CN"/>
           </a:p>
@@ -3725,7 +3726,7 @@
               <a:pPr>
                 <a:defRPr/>
               </a:pPr>
-              <a:t>4/8/2011</a:t>
+              <a:t>4/12/2011</a:t>
             </a:fld>
             <a:endParaRPr lang="en-US" altLang="zh-CN"/>
           </a:p>
@@ -3978,7 +3979,7 @@
               <a:pPr>
                 <a:defRPr/>
               </a:pPr>
-              <a:t>4/8/2011</a:t>
+              <a:t>4/12/2011</a:t>
             </a:fld>
             <a:endParaRPr lang="en-US" altLang="zh-CN"/>
           </a:p>
@@ -8581,6 +8582,24 @@
               </a:rPr>
               <a:t>接口</a:t>
             </a:r>
+            <a:r>
+              <a:rPr lang="zh-CN" altLang="en-US" sz="1600" dirty="0" smtClean="0">
+                <a:latin typeface="宋体" charset="-122"/>
+              </a:rPr>
+              <a:t>（</a:t>
+            </a:r>
+            <a:r>
+              <a:rPr lang="en-US" altLang="zh-CN" sz="1600" dirty="0" err="1" smtClean="0">
+                <a:latin typeface="宋体" charset="-122"/>
+              </a:rPr>
+              <a:t>HotTile</a:t>
+            </a:r>
+            <a:r>
+              <a:rPr lang="zh-CN" altLang="en-US" sz="1600" dirty="0" smtClean="0">
+                <a:latin typeface="宋体" charset="-122"/>
+              </a:rPr>
+              <a:t>除外）</a:t>
+            </a:r>
             <a:endParaRPr lang="en-US" altLang="zh-CN" sz="1600" dirty="0" smtClean="0">
               <a:latin typeface="宋体" charset="-122"/>
             </a:endParaRPr>
@@ -8759,6 +8778,36 @@
                 <a:latin typeface="宋体" charset="-122"/>
               </a:rPr>
               <a:t>Matching</a:t>
+            </a:r>
+            <a:r>
+              <a:rPr lang="zh-CN" altLang="en-US" sz="1600" dirty="0" smtClean="0">
+                <a:latin typeface="宋体" charset="-122"/>
+              </a:rPr>
+              <a:t>）</a:t>
+            </a:r>
+            <a:endParaRPr lang="en-US" altLang="zh-CN" sz="1600" dirty="0" smtClean="0">
+              <a:latin typeface="宋体" charset="-122"/>
+            </a:endParaRPr>
+          </a:p>
+          <a:p>
+            <a:pPr marL="800100" lvl="1" indent="-342900" eaLnBrk="0" hangingPunct="0">
+              <a:spcBef>
+                <a:spcPct val="20000"/>
+              </a:spcBef>
+              <a:buFont typeface="Wingdings" pitchFamily="2" charset="2"/>
+              <a:buChar char="n"/>
+            </a:pPr>
+            <a:r>
+              <a:rPr lang="zh-CN" altLang="en-US" sz="1600" dirty="0" smtClean="0">
+                <a:latin typeface="宋体" charset="-122"/>
+              </a:rPr>
+              <a:t>热点地图接口（</a:t>
+            </a:r>
+            <a:r>
+              <a:rPr lang="en-US" altLang="zh-CN" sz="1600" dirty="0" err="1" smtClean="0">
+                <a:latin typeface="宋体" charset="-122"/>
+              </a:rPr>
+              <a:t>HotTile</a:t>
             </a:r>
             <a:r>
               <a:rPr lang="zh-CN" altLang="en-US" sz="1600" dirty="0" smtClean="0">
@@ -9253,7 +9302,7 @@
           <p:nvPr/>
         </p:nvGraphicFramePr>
         <p:xfrm>
-          <a:off x="500063" y="2428875"/>
+          <a:off x="500063" y="2571744"/>
           <a:ext cx="7929562" cy="3538855"/>
         </p:xfrm>
         <a:graphic>
@@ -9298,7 +9347,7 @@
                           <a:latin typeface="Arial" charset="0"/>
                           <a:ea typeface="华文新魏" pitchFamily="2" charset="-122"/>
                         </a:rPr>
-                        <a:t>SOAP INPUT</a:t>
+                        <a:t>INPUT</a:t>
                       </a:r>
                       <a:endParaRPr kumimoji="0" lang="zh-CN" altLang="en-US" sz="1800" b="1" i="0" u="none" strike="noStrike" cap="none" normalizeH="0" baseline="0" dirty="0" smtClean="0">
                         <a:ln>
@@ -9383,7 +9432,7 @@
                         <a:tabLst/>
                       </a:pPr>
                       <a:r>
-                        <a:rPr kumimoji="0" lang="en-US" altLang="zh-CN" sz="1800" b="1" i="0" u="none" strike="noStrike" cap="none" normalizeH="0" baseline="0" smtClean="0">
+                        <a:rPr kumimoji="0" lang="en-US" altLang="zh-CN" sz="1800" b="1" i="0" u="none" strike="noStrike" cap="none" normalizeH="0" baseline="0" dirty="0" smtClean="0">
                           <a:ln>
                             <a:noFill/>
                           </a:ln>
@@ -9397,7 +9446,7 @@
                         <a:t>Return</a:t>
                       </a:r>
                       <a:r>
-                        <a:rPr kumimoji="0" lang="zh-CN" altLang="en-US" sz="1800" b="1" i="0" u="none" strike="noStrike" cap="none" normalizeH="0" baseline="0" smtClean="0">
+                        <a:rPr kumimoji="0" lang="zh-CN" altLang="en-US" sz="1800" b="1" i="0" u="none" strike="noStrike" cap="none" normalizeH="0" baseline="0" dirty="0" smtClean="0">
                           <a:ln>
                             <a:noFill/>
                           </a:ln>
@@ -9411,7 +9460,7 @@
                         <a:t> </a:t>
                       </a:r>
                       <a:r>
-                        <a:rPr kumimoji="0" lang="en-US" altLang="zh-CN" sz="1800" b="1" i="0" u="none" strike="noStrike" cap="none" normalizeH="0" baseline="0" smtClean="0">
+                        <a:rPr kumimoji="0" lang="en-US" altLang="zh-CN" sz="1800" b="1" i="0" u="none" strike="noStrike" cap="none" normalizeH="0" baseline="0" dirty="0" smtClean="0">
                           <a:ln>
                             <a:noFill/>
                           </a:ln>
@@ -9425,7 +9474,7 @@
                         <a:t>JSON</a:t>
                       </a:r>
                       <a:r>
-                        <a:rPr kumimoji="0" lang="zh-CN" altLang="en-US" sz="1800" b="1" i="0" u="none" strike="noStrike" cap="none" normalizeH="0" baseline="0" smtClean="0">
+                        <a:rPr kumimoji="0" lang="zh-CN" altLang="en-US" sz="1800" b="1" i="0" u="none" strike="noStrike" cap="none" normalizeH="0" baseline="0" dirty="0" smtClean="0">
                           <a:ln>
                             <a:noFill/>
                           </a:ln>
@@ -9439,7 +9488,7 @@
                         <a:t> </a:t>
                       </a:r>
                       <a:r>
-                        <a:rPr kumimoji="0" lang="en-US" altLang="zh-CN" sz="1800" b="1" i="0" u="none" strike="noStrike" cap="none" normalizeH="0" baseline="0" smtClean="0">
+                        <a:rPr kumimoji="0" lang="en-US" altLang="zh-CN" sz="1800" b="1" i="0" u="none" strike="noStrike" cap="none" normalizeH="0" baseline="0" dirty="0" smtClean="0">
                           <a:ln>
                             <a:noFill/>
                           </a:ln>
@@ -9452,7 +9501,7 @@
                         </a:rPr>
                         <a:t>Structure</a:t>
                       </a:r>
-                      <a:endParaRPr kumimoji="0" lang="zh-CN" altLang="en-US" sz="1800" b="1" i="0" u="none" strike="noStrike" cap="none" normalizeH="0" baseline="0" smtClean="0">
+                      <a:endParaRPr kumimoji="0" lang="zh-CN" altLang="en-US" sz="1800" b="1" i="0" u="none" strike="noStrike" cap="none" normalizeH="0" baseline="0" dirty="0" smtClean="0">
                         <a:ln>
                           <a:noFill/>
                         </a:ln>
@@ -10184,7 +10233,7 @@
                         <a:tabLst/>
                       </a:pPr>
                       <a:r>
-                        <a:rPr kumimoji="0" lang="en-US" altLang="zh-CN" sz="1400" b="0" i="0" u="none" strike="noStrike" cap="none" normalizeH="0" baseline="0" smtClean="0">
+                        <a:rPr kumimoji="0" lang="en-US" altLang="zh-CN" sz="1400" b="0" i="0" u="none" strike="noStrike" cap="none" normalizeH="0" baseline="0" dirty="0" smtClean="0">
                           <a:ln>
                             <a:noFill/>
                           </a:ln>
@@ -10217,7 +10266,7 @@
                         <a:tabLst/>
                       </a:pPr>
                       <a:r>
-                        <a:rPr kumimoji="0" lang="en-US" altLang="zh-CN" sz="1400" b="0" i="0" u="none" strike="noStrike" cap="none" normalizeH="0" baseline="0" smtClean="0">
+                        <a:rPr kumimoji="0" lang="en-US" altLang="zh-CN" sz="1400" b="0" i="0" u="none" strike="noStrike" cap="none" normalizeH="0" baseline="0" dirty="0" smtClean="0">
                           <a:ln>
                             <a:noFill/>
                           </a:ln>
@@ -10232,7 +10281,7 @@
                         <a:t>“id”:“”,</a:t>
                       </a:r>
                       <a:r>
-                        <a:rPr kumimoji="0" lang="zh-CN" altLang="en-US" sz="1400" b="0" i="0" u="none" strike="noStrike" cap="none" normalizeH="0" baseline="0" smtClean="0">
+                        <a:rPr kumimoji="0" lang="zh-CN" altLang="en-US" sz="1400" b="0" i="0" u="none" strike="noStrike" cap="none" normalizeH="0" baseline="0" dirty="0" smtClean="0">
                           <a:ln>
                             <a:noFill/>
                           </a:ln>
@@ -10246,7 +10295,7 @@
                         </a:rPr>
                         <a:t> </a:t>
                       </a:r>
-                      <a:endParaRPr kumimoji="0" lang="en-US" altLang="zh-CN" sz="1400" b="0" i="0" u="none" strike="noStrike" cap="none" normalizeH="0" baseline="0" smtClean="0">
+                      <a:endParaRPr kumimoji="0" lang="en-US" altLang="zh-CN" sz="1400" b="0" i="0" u="none" strike="noStrike" cap="none" normalizeH="0" baseline="0" dirty="0" smtClean="0">
                         <a:ln>
                           <a:noFill/>
                         </a:ln>
@@ -10277,7 +10326,7 @@
                         <a:tabLst/>
                       </a:pPr>
                       <a:r>
-                        <a:rPr kumimoji="0" lang="en-US" altLang="zh-CN" sz="1400" b="0" i="0" u="none" strike="noStrike" cap="none" normalizeH="0" baseline="0" smtClean="0">
+                        <a:rPr kumimoji="0" lang="en-US" altLang="zh-CN" sz="1400" b="0" i="0" u="none" strike="noStrike" cap="none" normalizeH="0" baseline="0" dirty="0" smtClean="0">
                           <a:ln>
                             <a:noFill/>
                           </a:ln>
@@ -10292,7 +10341,7 @@
                         <a:t>“name”:“”,</a:t>
                       </a:r>
                       <a:r>
-                        <a:rPr kumimoji="0" lang="zh-CN" altLang="en-US" sz="1400" b="0" i="0" u="none" strike="noStrike" cap="none" normalizeH="0" baseline="0" smtClean="0">
+                        <a:rPr kumimoji="0" lang="zh-CN" altLang="en-US" sz="1400" b="0" i="0" u="none" strike="noStrike" cap="none" normalizeH="0" baseline="0" dirty="0" smtClean="0">
                           <a:ln>
                             <a:noFill/>
                           </a:ln>
@@ -10306,7 +10355,7 @@
                         </a:rPr>
                         <a:t> </a:t>
                       </a:r>
-                      <a:endParaRPr kumimoji="0" lang="en-US" altLang="zh-CN" sz="1400" b="0" i="0" u="none" strike="noStrike" cap="none" normalizeH="0" baseline="0" smtClean="0">
+                      <a:endParaRPr kumimoji="0" lang="en-US" altLang="zh-CN" sz="1400" b="0" i="0" u="none" strike="noStrike" cap="none" normalizeH="0" baseline="0" dirty="0" smtClean="0">
                         <a:ln>
                           <a:noFill/>
                         </a:ln>
@@ -10337,7 +10386,7 @@
                         <a:tabLst/>
                       </a:pPr>
                       <a:r>
-                        <a:rPr kumimoji="0" lang="en-US" altLang="zh-CN" sz="1400" b="0" i="0" u="none" strike="noStrike" cap="none" normalizeH="0" baseline="0" smtClean="0">
+                        <a:rPr kumimoji="0" lang="en-US" altLang="zh-CN" sz="1400" b="0" i="0" u="none" strike="noStrike" cap="none" normalizeH="0" baseline="0" dirty="0" smtClean="0">
                           <a:ln>
                             <a:noFill/>
                           </a:ln>
@@ -10352,7 +10401,7 @@
                         <a:t>“kind”:“”,</a:t>
                       </a:r>
                       <a:r>
-                        <a:rPr kumimoji="0" lang="zh-CN" altLang="en-US" sz="1400" b="0" i="0" u="none" strike="noStrike" cap="none" normalizeH="0" baseline="0" smtClean="0">
+                        <a:rPr kumimoji="0" lang="zh-CN" altLang="en-US" sz="1400" b="0" i="0" u="none" strike="noStrike" cap="none" normalizeH="0" baseline="0" dirty="0" smtClean="0">
                           <a:ln>
                             <a:noFill/>
                           </a:ln>
@@ -10366,7 +10415,7 @@
                         </a:rPr>
                         <a:t> </a:t>
                       </a:r>
-                      <a:endParaRPr kumimoji="0" lang="en-US" altLang="zh-CN" sz="1400" b="0" i="0" u="none" strike="noStrike" cap="none" normalizeH="0" baseline="0" smtClean="0">
+                      <a:endParaRPr kumimoji="0" lang="en-US" altLang="zh-CN" sz="1400" b="0" i="0" u="none" strike="noStrike" cap="none" normalizeH="0" baseline="0" dirty="0" smtClean="0">
                         <a:ln>
                           <a:noFill/>
                         </a:ln>
@@ -10397,7 +10446,7 @@
                         <a:tabLst/>
                       </a:pPr>
                       <a:r>
-                        <a:rPr kumimoji="0" lang="en-US" altLang="zh-CN" sz="1400" b="0" i="0" u="none" strike="noStrike" cap="none" normalizeH="0" baseline="0" smtClean="0">
+                        <a:rPr kumimoji="0" lang="en-US" altLang="zh-CN" sz="1400" b="0" i="0" u="none" strike="noStrike" cap="none" normalizeH="0" baseline="0" dirty="0" smtClean="0">
                           <a:ln>
                             <a:noFill/>
                           </a:ln>
@@ -10430,7 +10479,7 @@
                         <a:tabLst/>
                       </a:pPr>
                       <a:r>
-                        <a:rPr kumimoji="0" lang="en-US" altLang="zh-CN" sz="1400" b="0" i="0" u="none" strike="noStrike" cap="none" normalizeH="0" baseline="0" smtClean="0">
+                        <a:rPr kumimoji="0" lang="en-US" altLang="zh-CN" sz="1400" b="0" i="0" u="none" strike="noStrike" cap="none" normalizeH="0" baseline="0" dirty="0" smtClean="0">
                           <a:ln>
                             <a:noFill/>
                           </a:ln>
@@ -10463,7 +10512,7 @@
                         <a:tabLst/>
                       </a:pPr>
                       <a:r>
-                        <a:rPr kumimoji="0" lang="en-US" altLang="zh-CN" sz="1400" b="0" i="0" u="none" strike="noStrike" cap="none" normalizeH="0" baseline="0" smtClean="0">
+                        <a:rPr kumimoji="0" lang="en-US" altLang="zh-CN" sz="1400" b="0" i="0" u="none" strike="noStrike" cap="none" normalizeH="0" baseline="0" dirty="0" smtClean="0">
                           <a:ln>
                             <a:noFill/>
                           </a:ln>
@@ -10496,7 +10545,7 @@
                         <a:tabLst/>
                       </a:pPr>
                       <a:r>
-                        <a:rPr kumimoji="0" lang="en-US" altLang="zh-CN" sz="1400" b="0" i="0" u="none" strike="noStrike" cap="none" normalizeH="0" baseline="0" smtClean="0">
+                        <a:rPr kumimoji="0" lang="en-US" altLang="zh-CN" sz="1400" b="0" i="0" u="none" strike="noStrike" cap="none" normalizeH="0" baseline="0" dirty="0" smtClean="0">
                           <a:ln>
                             <a:noFill/>
                           </a:ln>
@@ -10511,7 +10560,7 @@
                         <a:t>“vertex”:““</a:t>
                       </a:r>
                       <a:r>
-                        <a:rPr kumimoji="0" lang="zh-CN" altLang="en-US" sz="1400" b="0" i="0" u="none" strike="noStrike" cap="none" normalizeH="0" baseline="0" smtClean="0">
+                        <a:rPr kumimoji="0" lang="zh-CN" altLang="en-US" sz="1400" b="0" i="0" u="none" strike="noStrike" cap="none" normalizeH="0" baseline="0" dirty="0" smtClean="0">
                           <a:ln>
                             <a:noFill/>
                           </a:ln>
@@ -10526,7 +10575,7 @@
                         <a:t> </a:t>
                       </a:r>
                       <a:r>
-                        <a:rPr kumimoji="0" lang="en-US" altLang="zh-CN" sz="1400" b="0" i="0" u="none" strike="noStrike" cap="none" normalizeH="0" baseline="0" smtClean="0">
+                        <a:rPr kumimoji="0" lang="en-US" altLang="zh-CN" sz="1400" b="0" i="0" u="none" strike="noStrike" cap="none" normalizeH="0" baseline="0" dirty="0" smtClean="0">
                           <a:ln>
                             <a:noFill/>
                           </a:ln>
@@ -10541,7 +10590,7 @@
                         <a:t>//</a:t>
                       </a:r>
                       <a:r>
-                        <a:rPr kumimoji="0" lang="zh-CN" altLang="en-US" sz="1400" b="0" i="0" u="none" strike="noStrike" cap="none" normalizeH="0" baseline="0" smtClean="0">
+                        <a:rPr kumimoji="0" lang="zh-CN" altLang="en-US" sz="1400" b="0" i="0" u="none" strike="noStrike" cap="none" normalizeH="0" baseline="0" dirty="0" smtClean="0">
                           <a:ln>
                             <a:noFill/>
                           </a:ln>
@@ -10556,7 +10605,7 @@
                         <a:t>坐标</a:t>
                       </a:r>
                       <a:r>
-                        <a:rPr kumimoji="0" lang="en-US" altLang="zh-CN" sz="1400" b="0" i="0" u="none" strike="noStrike" cap="none" normalizeH="0" baseline="0" smtClean="0">
+                        <a:rPr kumimoji="0" lang="en-US" altLang="zh-CN" sz="1400" b="0" i="0" u="none" strike="noStrike" cap="none" normalizeH="0" baseline="0" dirty="0" smtClean="0">
                           <a:ln>
                             <a:noFill/>
                           </a:ln>
@@ -10568,7 +10617,37 @@
                           <a:ea typeface="宋体" charset="-122"/>
                           <a:cs typeface="Arial" charset="0"/>
                         </a:rPr>
-                        <a:t>[x,y]</a:t>
+                        <a:t>[</a:t>
+                      </a:r>
+                      <a:r>
+                        <a:rPr kumimoji="0" lang="en-US" altLang="zh-CN" sz="1400" b="0" i="0" u="none" strike="noStrike" cap="none" normalizeH="0" baseline="0" dirty="0" err="1" smtClean="0">
+                          <a:ln>
+                            <a:noFill/>
+                          </a:ln>
+                          <a:solidFill>
+                            <a:srgbClr val="0070C0"/>
+                          </a:solidFill>
+                          <a:effectLst/>
+                          <a:latin typeface="宋体" charset="-122"/>
+                          <a:ea typeface="宋体" charset="-122"/>
+                          <a:cs typeface="Arial" charset="0"/>
+                        </a:rPr>
+                        <a:t>x,y</a:t>
+                      </a:r>
+                      <a:r>
+                        <a:rPr kumimoji="0" lang="en-US" altLang="zh-CN" sz="1400" b="0" i="0" u="none" strike="noStrike" cap="none" normalizeH="0" baseline="0" dirty="0" smtClean="0">
+                          <a:ln>
+                            <a:noFill/>
+                          </a:ln>
+                          <a:solidFill>
+                            <a:srgbClr val="0070C0"/>
+                          </a:solidFill>
+                          <a:effectLst/>
+                          <a:latin typeface="宋体" charset="-122"/>
+                          <a:ea typeface="宋体" charset="-122"/>
+                          <a:cs typeface="Arial" charset="0"/>
+                        </a:rPr>
+                        <a:t>]</a:t>
                       </a:r>
                     </a:p>
                     <a:p>
@@ -10589,7 +10668,7 @@
                         <a:tabLst/>
                       </a:pPr>
                       <a:r>
-                        <a:rPr kumimoji="0" lang="en-US" altLang="zh-CN" sz="1400" b="0" i="0" u="none" strike="noStrike" cap="none" normalizeH="0" baseline="0" smtClean="0">
+                        <a:rPr kumimoji="0" lang="en-US" altLang="zh-CN" sz="1400" b="0" i="0" u="none" strike="noStrike" cap="none" normalizeH="0" baseline="0" dirty="0" smtClean="0">
                           <a:ln>
                             <a:noFill/>
                           </a:ln>
@@ -10621,7 +10700,7 @@
                         <a:buNone/>
                         <a:tabLst/>
                       </a:pPr>
-                      <a:endParaRPr kumimoji="0" lang="en-US" altLang="zh-CN" sz="1400" b="0" i="0" u="none" strike="noStrike" cap="none" normalizeH="0" baseline="0" smtClean="0">
+                      <a:endParaRPr kumimoji="0" lang="en-US" altLang="zh-CN" sz="1400" b="0" i="0" u="none" strike="noStrike" cap="none" normalizeH="0" baseline="0" dirty="0" smtClean="0">
                         <a:ln>
                           <a:noFill/>
                         </a:ln>
@@ -10652,7 +10731,7 @@
                         <a:tabLst/>
                       </a:pPr>
                       <a:r>
-                        <a:rPr kumimoji="0" lang="en-US" altLang="zh-CN" sz="1400" b="0" i="0" u="none" strike="noStrike" cap="none" normalizeH="0" baseline="0" smtClean="0">
+                        <a:rPr kumimoji="0" lang="en-US" altLang="zh-CN" sz="1400" b="0" i="0" u="none" strike="noStrike" cap="none" normalizeH="0" baseline="0" dirty="0" smtClean="0">
                           <a:ln>
                             <a:noFill/>
                           </a:ln>
@@ -10685,7 +10764,7 @@
                         <a:tabLst/>
                       </a:pPr>
                       <a:r>
-                        <a:rPr kumimoji="0" lang="en-US" altLang="zh-CN" sz="1400" b="0" i="0" u="none" strike="noStrike" cap="none" normalizeH="0" baseline="0" smtClean="0">
+                        <a:rPr kumimoji="0" lang="en-US" altLang="zh-CN" sz="1400" b="0" i="0" u="none" strike="noStrike" cap="none" normalizeH="0" baseline="0" dirty="0" smtClean="0">
                           <a:ln>
                             <a:noFill/>
                           </a:ln>
@@ -10700,7 +10779,7 @@
                         <a:t>{“id”:“1245”,“name”:“</a:t>
                       </a:r>
                       <a:r>
-                        <a:rPr kumimoji="0" lang="zh-CN" altLang="en-US" sz="1400" b="0" i="0" u="none" strike="noStrike" cap="none" normalizeH="0" baseline="0" smtClean="0">
+                        <a:rPr kumimoji="0" lang="zh-CN" altLang="en-US" sz="1400" b="0" i="0" u="none" strike="noStrike" cap="none" normalizeH="0" baseline="0" dirty="0" smtClean="0">
                           <a:ln>
                             <a:noFill/>
                           </a:ln>
@@ -10715,7 +10794,7 @@
                         <a:t>北工院会议中心</a:t>
                       </a:r>
                       <a:r>
-                        <a:rPr kumimoji="0" lang="en-US" altLang="zh-CN" sz="1400" b="0" i="0" u="none" strike="noStrike" cap="none" normalizeH="0" baseline="0" smtClean="0">
+                        <a:rPr kumimoji="0" lang="en-US" altLang="zh-CN" sz="1400" b="0" i="0" u="none" strike="noStrike" cap="none" normalizeH="0" baseline="0" dirty="0" smtClean="0">
                           <a:ln>
                             <a:noFill/>
                           </a:ln>
@@ -10729,7 +10808,7 @@
                         </a:rPr>
                         <a:t>”,“kind”:“”,“phone”:“”,“address”:”","remark":"","vertex":"12927183,4859618"}</a:t>
                       </a:r>
-                      <a:endParaRPr kumimoji="0" lang="zh-CN" altLang="en-US" sz="1400" b="0" i="0" u="none" strike="noStrike" cap="none" normalizeH="0" baseline="0" smtClean="0">
+                      <a:endParaRPr kumimoji="0" lang="zh-CN" altLang="en-US" sz="1400" b="0" i="0" u="none" strike="noStrike" cap="none" normalizeH="0" baseline="0" dirty="0" smtClean="0">
                         <a:ln>
                           <a:noFill/>
                         </a:ln>
@@ -10807,7 +10886,7 @@
         <p:spPr bwMode="auto">
           <a:xfrm>
             <a:off x="571500" y="1428750"/>
-            <a:ext cx="7786688" cy="825500"/>
+            <a:ext cx="7786688" cy="1077218"/>
           </a:xfrm>
           <a:prstGeom prst="rect">
             <a:avLst/>
@@ -10827,51 +10906,94 @@
           <a:lstStyle/>
           <a:p>
             <a:r>
-              <a:rPr lang="zh-CN" altLang="en-US" sz="1600"/>
+              <a:rPr lang="zh-CN" altLang="en-US" sz="1600" dirty="0"/>
               <a:t>接口：</a:t>
             </a:r>
             <a:r>
-              <a:rPr lang="en-US" altLang="zh-CN" sz="1600"/>
+              <a:rPr lang="en-US" altLang="zh-CN" sz="1600" dirty="0" err="1"/>
               <a:t>poiInfo</a:t>
             </a:r>
+            <a:endParaRPr lang="en-US" altLang="zh-CN" sz="1600" dirty="0"/>
           </a:p>
           <a:p>
             <a:r>
-              <a:rPr lang="zh-CN" altLang="en-US" sz="1600"/>
+              <a:rPr lang="zh-CN" altLang="en-US" sz="1600" dirty="0"/>
               <a:t>描述：根据</a:t>
             </a:r>
             <a:r>
-              <a:rPr lang="en-US" altLang="zh-CN" sz="1600"/>
+              <a:rPr lang="en-US" altLang="zh-CN" sz="1600" dirty="0"/>
               <a:t>ID</a:t>
             </a:r>
             <a:r>
-              <a:rPr lang="zh-CN" altLang="en-US" sz="1600"/>
+              <a:rPr lang="zh-CN" altLang="en-US" sz="1600" dirty="0"/>
               <a:t>号获取</a:t>
             </a:r>
             <a:r>
-              <a:rPr lang="en-US" altLang="zh-CN" sz="1600"/>
+              <a:rPr lang="en-US" altLang="zh-CN" sz="1600" dirty="0"/>
               <a:t>POI</a:t>
             </a:r>
             <a:r>
-              <a:rPr lang="zh-CN" altLang="en-US" sz="1600"/>
+              <a:rPr lang="zh-CN" altLang="en-US" sz="1600" dirty="0"/>
               <a:t>的详细信息</a:t>
             </a:r>
-            <a:endParaRPr lang="en-US" altLang="zh-CN" sz="1600"/>
+            <a:endParaRPr lang="en-US" altLang="zh-CN" sz="1600" dirty="0"/>
           </a:p>
           <a:p>
             <a:r>
-              <a:rPr lang="en-US" altLang="zh-CN" sz="1600"/>
+              <a:rPr lang="en-US" altLang="zh-CN" sz="1600" dirty="0"/>
               <a:t>WSDL</a:t>
             </a:r>
             <a:r>
-              <a:rPr lang="zh-CN" altLang="en-US" sz="1600"/>
+              <a:rPr lang="zh-CN" altLang="en-US" sz="1600" dirty="0"/>
               <a:t>：</a:t>
             </a:r>
             <a:r>
-              <a:rPr lang="en-US" altLang="zh-CN" sz="1600"/>
-              <a:t> http://&lt;server&gt;:&lt;port&gt;/sse4j/SearchingPort?wsdl</a:t>
-            </a:r>
-            <a:endParaRPr lang="zh-CN" altLang="en-US" sz="1600"/>
+              <a:rPr lang="en-US" altLang="zh-CN" sz="1600" dirty="0"/>
+              <a:t> http://&lt;server&gt;:&lt;port&gt;/</a:t>
+            </a:r>
+            <a:r>
+              <a:rPr lang="en-US" altLang="zh-CN" sz="1600" dirty="0" smtClean="0"/>
+              <a:t>sse4j/SearchingPort?wsdl</a:t>
+            </a:r>
+          </a:p>
+          <a:p>
+            <a:r>
+              <a:rPr lang="en-US" altLang="zh-CN" sz="1600" dirty="0" smtClean="0"/>
+              <a:t>Http</a:t>
+            </a:r>
+            <a:r>
+              <a:rPr lang="zh-CN" altLang="en-US" sz="1600" dirty="0" smtClean="0"/>
+              <a:t> </a:t>
+            </a:r>
+            <a:r>
+              <a:rPr lang="en-US" altLang="zh-CN" sz="1600" dirty="0" smtClean="0"/>
+              <a:t>Post</a:t>
+            </a:r>
+            <a:r>
+              <a:rPr lang="zh-CN" altLang="en-US" sz="1600" dirty="0" smtClean="0"/>
+              <a:t>：</a:t>
+            </a:r>
+            <a:r>
+              <a:rPr lang="en-US" altLang="zh-CN" sz="1600" dirty="0" smtClean="0"/>
+              <a:t> http://&lt;server&gt;:&lt;port&gt;/</a:t>
+            </a:r>
+            <a:r>
+              <a:rPr lang="en-US" altLang="zh-CN" sz="1600" dirty="0" smtClean="0"/>
+              <a:t>sse4j/servlet/Searching  </a:t>
+            </a:r>
+            <a:r>
+              <a:rPr lang="en-US" altLang="zh-CN" sz="1600" dirty="0" smtClean="0">
+                <a:solidFill>
+                  <a:srgbClr val="FF0000"/>
+                </a:solidFill>
+              </a:rPr>
+              <a:t>(xml={input})</a:t>
+            </a:r>
+            <a:endParaRPr lang="zh-CN" altLang="en-US" sz="1600" dirty="0">
+              <a:solidFill>
+                <a:srgbClr val="FF0000"/>
+              </a:solidFill>
+            </a:endParaRPr>
           </a:p>
         </p:txBody>
       </p:sp>
@@ -10972,7 +11094,7 @@
           <p:nvPr/>
         </p:nvGraphicFramePr>
         <p:xfrm>
-          <a:off x="500063" y="2428875"/>
+          <a:off x="500063" y="2571744"/>
           <a:ext cx="7929562" cy="3538855"/>
         </p:xfrm>
         <a:graphic>
@@ -11017,7 +11139,7 @@
                           <a:latin typeface="Arial" charset="0"/>
                           <a:ea typeface="华文新魏" pitchFamily="2" charset="-122"/>
                         </a:rPr>
-                        <a:t>SOAP INPUT</a:t>
+                        <a:t>INPUT</a:t>
                       </a:r>
                       <a:endParaRPr kumimoji="0" lang="zh-CN" altLang="en-US" sz="1800" b="1" i="0" u="none" strike="noStrike" cap="none" normalizeH="0" baseline="0" dirty="0" smtClean="0">
                         <a:ln>
@@ -11102,7 +11224,7 @@
                         <a:tabLst/>
                       </a:pPr>
                       <a:r>
-                        <a:rPr kumimoji="0" lang="en-US" altLang="zh-CN" sz="1800" b="1" i="0" u="none" strike="noStrike" cap="none" normalizeH="0" baseline="0" smtClean="0">
+                        <a:rPr kumimoji="0" lang="en-US" altLang="zh-CN" sz="1800" b="1" i="0" u="none" strike="noStrike" cap="none" normalizeH="0" baseline="0" dirty="0" smtClean="0">
                           <a:ln>
                             <a:noFill/>
                           </a:ln>
@@ -11116,7 +11238,7 @@
                         <a:t>Return</a:t>
                       </a:r>
                       <a:r>
-                        <a:rPr kumimoji="0" lang="zh-CN" altLang="en-US" sz="1800" b="1" i="0" u="none" strike="noStrike" cap="none" normalizeH="0" baseline="0" smtClean="0">
+                        <a:rPr kumimoji="0" lang="zh-CN" altLang="en-US" sz="1800" b="1" i="0" u="none" strike="noStrike" cap="none" normalizeH="0" baseline="0" dirty="0" smtClean="0">
                           <a:ln>
                             <a:noFill/>
                           </a:ln>
@@ -11130,7 +11252,7 @@
                         <a:t> </a:t>
                       </a:r>
                       <a:r>
-                        <a:rPr kumimoji="0" lang="en-US" altLang="zh-CN" sz="1800" b="1" i="0" u="none" strike="noStrike" cap="none" normalizeH="0" baseline="0" smtClean="0">
+                        <a:rPr kumimoji="0" lang="en-US" altLang="zh-CN" sz="1800" b="1" i="0" u="none" strike="noStrike" cap="none" normalizeH="0" baseline="0" dirty="0" smtClean="0">
                           <a:ln>
                             <a:noFill/>
                           </a:ln>
@@ -11144,7 +11266,7 @@
                         <a:t>JSON</a:t>
                       </a:r>
                       <a:r>
-                        <a:rPr kumimoji="0" lang="zh-CN" altLang="en-US" sz="1800" b="1" i="0" u="none" strike="noStrike" cap="none" normalizeH="0" baseline="0" smtClean="0">
+                        <a:rPr kumimoji="0" lang="zh-CN" altLang="en-US" sz="1800" b="1" i="0" u="none" strike="noStrike" cap="none" normalizeH="0" baseline="0" dirty="0" smtClean="0">
                           <a:ln>
                             <a:noFill/>
                           </a:ln>
@@ -11158,7 +11280,7 @@
                         <a:t> </a:t>
                       </a:r>
                       <a:r>
-                        <a:rPr kumimoji="0" lang="en-US" altLang="zh-CN" sz="1800" b="1" i="0" u="none" strike="noStrike" cap="none" normalizeH="0" baseline="0" smtClean="0">
+                        <a:rPr kumimoji="0" lang="en-US" altLang="zh-CN" sz="1800" b="1" i="0" u="none" strike="noStrike" cap="none" normalizeH="0" baseline="0" dirty="0" smtClean="0">
                           <a:ln>
                             <a:noFill/>
                           </a:ln>
@@ -11171,7 +11293,7 @@
                         </a:rPr>
                         <a:t>Structure</a:t>
                       </a:r>
-                      <a:endParaRPr kumimoji="0" lang="zh-CN" altLang="en-US" sz="1800" b="1" i="0" u="none" strike="noStrike" cap="none" normalizeH="0" baseline="0" smtClean="0">
+                      <a:endParaRPr kumimoji="0" lang="zh-CN" altLang="en-US" sz="1800" b="1" i="0" u="none" strike="noStrike" cap="none" normalizeH="0" baseline="0" dirty="0" smtClean="0">
                         <a:ln>
                           <a:noFill/>
                         </a:ln>
@@ -12955,7 +13077,7 @@
         <p:spPr bwMode="auto">
           <a:xfrm>
             <a:off x="571500" y="1428750"/>
-            <a:ext cx="7786688" cy="830263"/>
+            <a:ext cx="7786688" cy="1077218"/>
           </a:xfrm>
           <a:prstGeom prst="rect">
             <a:avLst/>
@@ -12975,43 +13097,89 @@
           <a:lstStyle/>
           <a:p>
             <a:r>
-              <a:rPr lang="zh-CN" altLang="en-US" sz="1600"/>
+              <a:rPr lang="zh-CN" altLang="en-US" sz="1600" dirty="0"/>
               <a:t>接口：</a:t>
             </a:r>
             <a:r>
-              <a:rPr lang="en-US" altLang="zh-CN" sz="1600"/>
+              <a:rPr lang="en-US" altLang="zh-CN" sz="1600" dirty="0"/>
               <a:t>search</a:t>
             </a:r>
           </a:p>
           <a:p>
             <a:r>
-              <a:rPr lang="zh-CN" altLang="en-US" sz="1600"/>
+              <a:rPr lang="zh-CN" altLang="en-US" sz="1600" dirty="0"/>
               <a:t>描述：根据关键字、范围等条件搜索</a:t>
             </a:r>
             <a:r>
-              <a:rPr lang="en-US" altLang="zh-CN" sz="1600"/>
+              <a:rPr lang="en-US" altLang="zh-CN" sz="1600" dirty="0"/>
               <a:t>POI</a:t>
             </a:r>
             <a:r>
-              <a:rPr lang="zh-CN" altLang="en-US" sz="1600"/>
+              <a:rPr lang="zh-CN" altLang="en-US" sz="1600" dirty="0"/>
               <a:t>、道路、行政区划等信息</a:t>
             </a:r>
-            <a:endParaRPr lang="en-US" altLang="zh-CN" sz="1600"/>
+            <a:endParaRPr lang="en-US" altLang="zh-CN" sz="1600" dirty="0"/>
           </a:p>
           <a:p>
             <a:r>
-              <a:rPr lang="en-US" altLang="zh-CN" sz="1600"/>
+              <a:rPr lang="en-US" altLang="zh-CN" sz="1600" dirty="0"/>
               <a:t>WSDL</a:t>
             </a:r>
             <a:r>
-              <a:rPr lang="zh-CN" altLang="en-US" sz="1600"/>
+              <a:rPr lang="zh-CN" altLang="en-US" sz="1600" dirty="0"/>
               <a:t>：</a:t>
             </a:r>
             <a:r>
-              <a:rPr lang="en-US" altLang="zh-CN" sz="1600"/>
-              <a:t> http://&lt;server&gt;:&lt;port&gt;/sse4j/SearchingPort?wsdl</a:t>
-            </a:r>
-            <a:endParaRPr lang="zh-CN" altLang="en-US" sz="1600"/>
+              <a:rPr lang="en-US" altLang="zh-CN" sz="1600" dirty="0"/>
+              <a:t> http://&lt;server&gt;:&lt;port&gt;/</a:t>
+            </a:r>
+            <a:r>
+              <a:rPr lang="en-US" altLang="zh-CN" sz="1600" dirty="0" smtClean="0"/>
+              <a:t>sse4j/SearchingPort?wsdl</a:t>
+            </a:r>
+          </a:p>
+          <a:p>
+            <a:r>
+              <a:rPr lang="en-US" altLang="zh-CN" sz="1600" dirty="0" smtClean="0"/>
+              <a:t>Http</a:t>
+            </a:r>
+            <a:r>
+              <a:rPr lang="zh-CN" altLang="en-US" sz="1600" dirty="0" smtClean="0"/>
+              <a:t> </a:t>
+            </a:r>
+            <a:r>
+              <a:rPr lang="en-US" altLang="zh-CN" sz="1600" dirty="0" smtClean="0"/>
+              <a:t>Post</a:t>
+            </a:r>
+            <a:r>
+              <a:rPr lang="zh-CN" altLang="en-US" sz="1600" dirty="0" smtClean="0"/>
+              <a:t>：</a:t>
+            </a:r>
+            <a:r>
+              <a:rPr lang="en-US" altLang="zh-CN" sz="1600" dirty="0" smtClean="0"/>
+              <a:t> http://&lt;server&gt;:&lt;port&gt;/sse4j/servlet/Searching  </a:t>
+            </a:r>
+            <a:r>
+              <a:rPr lang="en-US" altLang="zh-CN" sz="1600" dirty="0" smtClean="0">
+                <a:solidFill>
+                  <a:srgbClr val="FF0000"/>
+                </a:solidFill>
+              </a:rPr>
+              <a:t>(xml={input</a:t>
+            </a:r>
+            <a:r>
+              <a:rPr lang="en-US" altLang="zh-CN" sz="1600" dirty="0" smtClean="0">
+                <a:solidFill>
+                  <a:srgbClr val="FF0000"/>
+                </a:solidFill>
+              </a:rPr>
+              <a:t>})</a:t>
+            </a:r>
+            <a:endParaRPr lang="zh-CN" altLang="en-US" sz="1600" dirty="0" smtClean="0">
+              <a:solidFill>
+                <a:srgbClr val="FF0000"/>
+              </a:solidFill>
+            </a:endParaRPr>
           </a:p>
         </p:txBody>
       </p:sp>
@@ -13065,7 +13233,7 @@
           <a:lstStyle/>
           <a:p>
             <a:r>
-              <a:rPr lang="en-US" altLang="zh-CN" sz="3200" u="sng" smtClean="0">
+              <a:rPr lang="en-US" altLang="zh-CN" sz="3200" u="sng" dirty="0" smtClean="0">
                 <a:ln>
                   <a:noFill/>
                 </a:ln>
@@ -13075,7 +13243,7 @@
               <a:t>3.3</a:t>
             </a:r>
             <a:r>
-              <a:rPr lang="en-US" altLang="zh-CN" sz="3200" smtClean="0">
+              <a:rPr lang="en-US" altLang="zh-CN" sz="3200" dirty="0" smtClean="0">
                 <a:ln>
                   <a:noFill/>
                 </a:ln>
@@ -13085,7 +13253,7 @@
               <a:t> Routing</a:t>
             </a:r>
             <a:r>
-              <a:rPr lang="zh-CN" altLang="en-US" sz="3200" smtClean="0">
+              <a:rPr lang="zh-CN" altLang="en-US" sz="3200" dirty="0" smtClean="0">
                 <a:ln>
                   <a:noFill/>
                 </a:ln>
@@ -13094,7 +13262,7 @@
               </a:rPr>
               <a:t>接口</a:t>
             </a:r>
-            <a:endParaRPr lang="zh-CN" altLang="en-US" sz="3200" smtClean="0">
+            <a:endParaRPr lang="zh-CN" altLang="en-US" sz="3200" dirty="0" smtClean="0">
               <a:ln>
                 <a:noFill/>
               </a:ln>
@@ -13157,7 +13325,7 @@
                           <a:latin typeface="Arial" charset="0"/>
                           <a:ea typeface="华文新魏" pitchFamily="2" charset="-122"/>
                         </a:rPr>
-                        <a:t>SOAP INPUT</a:t>
+                        <a:t>INPUT</a:t>
                       </a:r>
                       <a:endParaRPr kumimoji="0" lang="zh-CN" altLang="en-US" sz="1800" b="1" i="0" u="none" strike="noStrike" cap="none" normalizeH="0" baseline="0" dirty="0" smtClean="0">
                         <a:ln>
@@ -14913,22 +15081,52 @@
                         <a:tabLst/>
                       </a:pPr>
                       <a:r>
-                        <a:rPr kumimoji="0" lang="en-US" altLang="zh-CN" sz="1200" b="0" i="0" u="none" strike="noStrike" cap="none" normalizeH="0" baseline="0" smtClean="0">
-                          <a:ln>
-                            <a:noFill/>
-                          </a:ln>
-                          <a:solidFill>
-                            <a:srgbClr val="000000"/>
-                          </a:solidFill>
-                          <a:effectLst/>
-                          <a:latin typeface="Arial" charset="0"/>
-                          <a:ea typeface="华文新魏" pitchFamily="2" charset="-122"/>
-                          <a:cs typeface="Arial" charset="0"/>
-                        </a:rPr>
-                        <a:t>{"dis":,     </a:t>
-                      </a:r>
-                      <a:r>
-                        <a:rPr kumimoji="0" lang="en-US" altLang="zh-CN" sz="1200" b="0" i="0" u="none" strike="noStrike" cap="none" normalizeH="0" baseline="0" smtClean="0">
+                        <a:rPr kumimoji="0" lang="en-US" altLang="zh-CN" sz="1200" b="0" i="0" u="none" strike="noStrike" cap="none" normalizeH="0" baseline="0" dirty="0" smtClean="0">
+                          <a:ln>
+                            <a:noFill/>
+                          </a:ln>
+                          <a:solidFill>
+                            <a:srgbClr val="000000"/>
+                          </a:solidFill>
+                          <a:effectLst/>
+                          <a:latin typeface="Arial" charset="0"/>
+                          <a:ea typeface="华文新魏" pitchFamily="2" charset="-122"/>
+                          <a:cs typeface="Arial" charset="0"/>
+                        </a:rPr>
+                        <a:t>{"</a:t>
+                      </a:r>
+                      <a:r>
+                        <a:rPr kumimoji="0" lang="en-US" altLang="zh-CN" sz="1200" b="0" i="0" u="none" strike="noStrike" cap="none" normalizeH="0" baseline="0" dirty="0" err="1" smtClean="0">
+                          <a:ln>
+                            <a:noFill/>
+                          </a:ln>
+                          <a:solidFill>
+                            <a:srgbClr val="000000"/>
+                          </a:solidFill>
+                          <a:effectLst/>
+                          <a:latin typeface="Arial" charset="0"/>
+                          <a:ea typeface="华文新魏" pitchFamily="2" charset="-122"/>
+                          <a:cs typeface="Arial" charset="0"/>
+                        </a:rPr>
+                        <a:t>dis</a:t>
+                      </a:r>
+                      <a:r>
+                        <a:rPr kumimoji="0" lang="en-US" altLang="zh-CN" sz="1200" b="0" i="0" u="none" strike="noStrike" cap="none" normalizeH="0" baseline="0" dirty="0" smtClean="0">
+                          <a:ln>
+                            <a:noFill/>
+                          </a:ln>
+                          <a:solidFill>
+                            <a:srgbClr val="000000"/>
+                          </a:solidFill>
+                          <a:effectLst/>
+                          <a:latin typeface="Arial" charset="0"/>
+                          <a:ea typeface="华文新魏" pitchFamily="2" charset="-122"/>
+                          <a:cs typeface="Arial" charset="0"/>
+                        </a:rPr>
+                        <a:t>":,     </a:t>
+                      </a:r>
+                      <a:r>
+                        <a:rPr kumimoji="0" lang="en-US" altLang="zh-CN" sz="1200" b="0" i="0" u="none" strike="noStrike" cap="none" normalizeH="0" baseline="0" dirty="0" smtClean="0">
                           <a:ln>
                             <a:noFill/>
                           </a:ln>
@@ -14943,7 +15141,7 @@
                         <a:t>//</a:t>
                       </a:r>
                       <a:r>
-                        <a:rPr kumimoji="0" lang="zh-CN" altLang="en-US" sz="1200" b="0" i="0" u="none" strike="noStrike" cap="none" normalizeH="0" baseline="0" smtClean="0">
+                        <a:rPr kumimoji="0" lang="zh-CN" altLang="en-US" sz="1200" b="0" i="0" u="none" strike="noStrike" cap="none" normalizeH="0" baseline="0" dirty="0" smtClean="0">
                           <a:ln>
                             <a:noFill/>
                           </a:ln>
@@ -14958,7 +15156,7 @@
                         <a:t>总路程</a:t>
                       </a:r>
                       <a:r>
-                        <a:rPr kumimoji="0" lang="en-US" altLang="zh-CN" sz="1200" b="0" i="0" u="none" strike="noStrike" cap="none" normalizeH="0" baseline="0" smtClean="0">
+                        <a:rPr kumimoji="0" lang="en-US" altLang="zh-CN" sz="1200" b="0" i="0" u="none" strike="noStrike" cap="none" normalizeH="0" baseline="0" dirty="0" smtClean="0">
                           <a:ln>
                             <a:noFill/>
                           </a:ln>
@@ -14973,7 +15171,7 @@
                         <a:t>[</a:t>
                       </a:r>
                       <a:r>
-                        <a:rPr kumimoji="0" lang="zh-CN" altLang="en-US" sz="1200" b="0" i="0" u="none" strike="noStrike" cap="none" normalizeH="0" baseline="0" smtClean="0">
+                        <a:rPr kumimoji="0" lang="zh-CN" altLang="en-US" sz="1200" b="0" i="0" u="none" strike="noStrike" cap="none" normalizeH="0" baseline="0" dirty="0" smtClean="0">
                           <a:ln>
                             <a:noFill/>
                           </a:ln>
@@ -14988,7 +15186,7 @@
                         <a:t>米</a:t>
                       </a:r>
                       <a:r>
-                        <a:rPr kumimoji="0" lang="en-US" altLang="zh-CN" sz="1200" b="0" i="0" u="none" strike="noStrike" cap="none" normalizeH="0" baseline="0" smtClean="0">
+                        <a:rPr kumimoji="0" lang="en-US" altLang="zh-CN" sz="1200" b="0" i="0" u="none" strike="noStrike" cap="none" normalizeH="0" baseline="0" dirty="0" smtClean="0">
                           <a:ln>
                             <a:noFill/>
                           </a:ln>
@@ -15021,7 +15219,7 @@
                         <a:tabLst/>
                       </a:pPr>
                       <a:r>
-                        <a:rPr kumimoji="0" lang="en-US" altLang="zh-CN" sz="1200" b="0" i="0" u="none" strike="noStrike" cap="none" normalizeH="0" baseline="0" smtClean="0">
+                        <a:rPr kumimoji="0" lang="en-US" altLang="zh-CN" sz="1200" b="0" i="0" u="none" strike="noStrike" cap="none" normalizeH="0" baseline="0" dirty="0" smtClean="0">
                           <a:ln>
                             <a:noFill/>
                           </a:ln>
@@ -15036,7 +15234,7 @@
                         <a:t>"cost":,    </a:t>
                       </a:r>
                       <a:r>
-                        <a:rPr kumimoji="0" lang="en-US" altLang="zh-CN" sz="1200" b="0" i="0" u="none" strike="noStrike" cap="none" normalizeH="0" baseline="0" smtClean="0">
+                        <a:rPr kumimoji="0" lang="en-US" altLang="zh-CN" sz="1200" b="0" i="0" u="none" strike="noStrike" cap="none" normalizeH="0" baseline="0" dirty="0" smtClean="0">
                           <a:ln>
                             <a:noFill/>
                           </a:ln>
@@ -15051,7 +15249,7 @@
                         <a:t>//</a:t>
                       </a:r>
                       <a:r>
-                        <a:rPr kumimoji="0" lang="zh-CN" altLang="en-US" sz="1200" b="0" i="0" u="none" strike="noStrike" cap="none" normalizeH="0" baseline="0" smtClean="0">
+                        <a:rPr kumimoji="0" lang="zh-CN" altLang="en-US" sz="1200" b="0" i="0" u="none" strike="noStrike" cap="none" normalizeH="0" baseline="0" dirty="0" smtClean="0">
                           <a:ln>
                             <a:noFill/>
                           </a:ln>
@@ -15066,7 +15264,7 @@
                         <a:t>总花费</a:t>
                       </a:r>
                       <a:r>
-                        <a:rPr kumimoji="0" lang="en-US" altLang="zh-CN" sz="1200" b="0" i="0" u="none" strike="noStrike" cap="none" normalizeH="0" baseline="0" smtClean="0">
+                        <a:rPr kumimoji="0" lang="en-US" altLang="zh-CN" sz="1200" b="0" i="0" u="none" strike="noStrike" cap="none" normalizeH="0" baseline="0" dirty="0" smtClean="0">
                           <a:ln>
                             <a:noFill/>
                           </a:ln>
@@ -15081,7 +15279,7 @@
                         <a:t>[</a:t>
                       </a:r>
                       <a:r>
-                        <a:rPr kumimoji="0" lang="zh-CN" altLang="en-US" sz="1200" b="0" i="0" u="none" strike="noStrike" cap="none" normalizeH="0" baseline="0" smtClean="0">
+                        <a:rPr kumimoji="0" lang="zh-CN" altLang="en-US" sz="1200" b="0" i="0" u="none" strike="noStrike" cap="none" normalizeH="0" baseline="0" dirty="0" smtClean="0">
                           <a:ln>
                             <a:noFill/>
                           </a:ln>
@@ -15096,7 +15294,7 @@
                         <a:t>分钟</a:t>
                       </a:r>
                       <a:r>
-                        <a:rPr kumimoji="0" lang="en-US" altLang="zh-CN" sz="1200" b="0" i="0" u="none" strike="noStrike" cap="none" normalizeH="0" baseline="0" smtClean="0">
+                        <a:rPr kumimoji="0" lang="en-US" altLang="zh-CN" sz="1200" b="0" i="0" u="none" strike="noStrike" cap="none" normalizeH="0" baseline="0" dirty="0" smtClean="0">
                           <a:ln>
                             <a:noFill/>
                           </a:ln>
@@ -15129,7 +15327,7 @@
                         <a:tabLst/>
                       </a:pPr>
                       <a:r>
-                        <a:rPr kumimoji="0" lang="en-US" altLang="zh-CN" sz="1200" b="0" i="0" u="none" strike="noStrike" cap="none" normalizeH="0" baseline="0" smtClean="0">
+                        <a:rPr kumimoji="0" lang="en-US" altLang="zh-CN" sz="1200" b="0" i="0" u="none" strike="noStrike" cap="none" normalizeH="0" baseline="0" dirty="0" smtClean="0">
                           <a:ln>
                             <a:noFill/>
                           </a:ln>
@@ -15144,7 +15342,7 @@
                         <a:t>“minx”:,   </a:t>
                       </a:r>
                       <a:r>
-                        <a:rPr kumimoji="0" lang="en-US" altLang="zh-CN" sz="1200" b="0" i="0" u="none" strike="noStrike" cap="none" normalizeH="0" baseline="0" smtClean="0">
+                        <a:rPr kumimoji="0" lang="en-US" altLang="zh-CN" sz="1200" b="0" i="0" u="none" strike="noStrike" cap="none" normalizeH="0" baseline="0" dirty="0" smtClean="0">
                           <a:ln>
                             <a:noFill/>
                           </a:ln>
@@ -15159,7 +15357,7 @@
                         <a:t>//</a:t>
                       </a:r>
                       <a:r>
-                        <a:rPr kumimoji="0" lang="zh-CN" altLang="en-US" sz="1200" b="0" i="0" u="none" strike="noStrike" cap="none" normalizeH="0" baseline="0" smtClean="0">
+                        <a:rPr kumimoji="0" lang="zh-CN" altLang="en-US" sz="1200" b="0" i="0" u="none" strike="noStrike" cap="none" normalizeH="0" baseline="0" dirty="0" smtClean="0">
                           <a:ln>
                             <a:noFill/>
                           </a:ln>
@@ -15173,7 +15371,7 @@
                         </a:rPr>
                         <a:t>路径范围</a:t>
                       </a:r>
-                      <a:endParaRPr kumimoji="0" lang="en-US" altLang="zh-CN" sz="1200" b="0" i="0" u="none" strike="noStrike" cap="none" normalizeH="0" baseline="0" smtClean="0">
+                      <a:endParaRPr kumimoji="0" lang="en-US" altLang="zh-CN" sz="1200" b="0" i="0" u="none" strike="noStrike" cap="none" normalizeH="0" baseline="0" dirty="0" smtClean="0">
                         <a:ln>
                           <a:noFill/>
                         </a:ln>
@@ -15204,22 +15402,52 @@
                         <a:tabLst/>
                       </a:pPr>
                       <a:r>
-                        <a:rPr kumimoji="0" lang="en-US" altLang="zh-CN" sz="1200" b="0" i="0" u="none" strike="noStrike" cap="none" normalizeH="0" baseline="0" smtClean="0">
-                          <a:ln>
-                            <a:noFill/>
-                          </a:ln>
-                          <a:solidFill>
-                            <a:srgbClr val="000000"/>
-                          </a:solidFill>
-                          <a:effectLst/>
-                          <a:latin typeface="Arial" charset="0"/>
-                          <a:ea typeface="华文新魏" pitchFamily="2" charset="-122"/>
-                          <a:cs typeface="Arial" charset="0"/>
-                        </a:rPr>
-                        <a:t>"miny":,   </a:t>
-                      </a:r>
-                      <a:r>
-                        <a:rPr kumimoji="0" lang="en-US" altLang="zh-CN" sz="1200" b="0" i="0" u="none" strike="noStrike" cap="none" normalizeH="0" baseline="0" smtClean="0">
+                        <a:rPr kumimoji="0" lang="en-US" altLang="zh-CN" sz="1200" b="0" i="0" u="none" strike="noStrike" cap="none" normalizeH="0" baseline="0" dirty="0" smtClean="0">
+                          <a:ln>
+                            <a:noFill/>
+                          </a:ln>
+                          <a:solidFill>
+                            <a:srgbClr val="000000"/>
+                          </a:solidFill>
+                          <a:effectLst/>
+                          <a:latin typeface="Arial" charset="0"/>
+                          <a:ea typeface="华文新魏" pitchFamily="2" charset="-122"/>
+                          <a:cs typeface="Arial" charset="0"/>
+                        </a:rPr>
+                        <a:t>"</a:t>
+                      </a:r>
+                      <a:r>
+                        <a:rPr kumimoji="0" lang="en-US" altLang="zh-CN" sz="1200" b="0" i="0" u="none" strike="noStrike" cap="none" normalizeH="0" baseline="0" dirty="0" err="1" smtClean="0">
+                          <a:ln>
+                            <a:noFill/>
+                          </a:ln>
+                          <a:solidFill>
+                            <a:srgbClr val="000000"/>
+                          </a:solidFill>
+                          <a:effectLst/>
+                          <a:latin typeface="Arial" charset="0"/>
+                          <a:ea typeface="华文新魏" pitchFamily="2" charset="-122"/>
+                          <a:cs typeface="Arial" charset="0"/>
+                        </a:rPr>
+                        <a:t>miny</a:t>
+                      </a:r>
+                      <a:r>
+                        <a:rPr kumimoji="0" lang="en-US" altLang="zh-CN" sz="1200" b="0" i="0" u="none" strike="noStrike" cap="none" normalizeH="0" baseline="0" dirty="0" smtClean="0">
+                          <a:ln>
+                            <a:noFill/>
+                          </a:ln>
+                          <a:solidFill>
+                            <a:srgbClr val="000000"/>
+                          </a:solidFill>
+                          <a:effectLst/>
+                          <a:latin typeface="Arial" charset="0"/>
+                          <a:ea typeface="华文新魏" pitchFamily="2" charset="-122"/>
+                          <a:cs typeface="Arial" charset="0"/>
+                        </a:rPr>
+                        <a:t>":,   </a:t>
+                      </a:r>
+                      <a:r>
+                        <a:rPr kumimoji="0" lang="en-US" altLang="zh-CN" sz="1200" b="0" i="0" u="none" strike="noStrike" cap="none" normalizeH="0" baseline="0" dirty="0" smtClean="0">
                           <a:ln>
                             <a:noFill/>
                           </a:ln>
@@ -15234,7 +15462,7 @@
                         <a:t>//</a:t>
                       </a:r>
                       <a:r>
-                        <a:rPr kumimoji="0" lang="zh-CN" altLang="en-US" sz="1200" b="0" i="0" u="none" strike="noStrike" cap="none" normalizeH="0" baseline="0" smtClean="0">
+                        <a:rPr kumimoji="0" lang="zh-CN" altLang="en-US" sz="1200" b="0" i="0" u="none" strike="noStrike" cap="none" normalizeH="0" baseline="0" dirty="0" smtClean="0">
                           <a:ln>
                             <a:noFill/>
                           </a:ln>
@@ -15248,7 +15476,7 @@
                         </a:rPr>
                         <a:t>路径范围</a:t>
                       </a:r>
-                      <a:endParaRPr kumimoji="0" lang="en-US" altLang="zh-CN" sz="1200" b="0" i="0" u="none" strike="noStrike" cap="none" normalizeH="0" baseline="0" smtClean="0">
+                      <a:endParaRPr kumimoji="0" lang="en-US" altLang="zh-CN" sz="1200" b="0" i="0" u="none" strike="noStrike" cap="none" normalizeH="0" baseline="0" dirty="0" smtClean="0">
                         <a:ln>
                           <a:noFill/>
                         </a:ln>
@@ -15279,22 +15507,52 @@
                         <a:tabLst/>
                       </a:pPr>
                       <a:r>
-                        <a:rPr kumimoji="0" lang="en-US" altLang="zh-CN" sz="1200" b="0" i="0" u="none" strike="noStrike" cap="none" normalizeH="0" baseline="0" smtClean="0">
-                          <a:ln>
-                            <a:noFill/>
-                          </a:ln>
-                          <a:solidFill>
-                            <a:srgbClr val="000000"/>
-                          </a:solidFill>
-                          <a:effectLst/>
-                          <a:latin typeface="Arial" charset="0"/>
-                          <a:ea typeface="华文新魏" pitchFamily="2" charset="-122"/>
-                          <a:cs typeface="Arial" charset="0"/>
-                        </a:rPr>
-                        <a:t>"maxx":,  </a:t>
-                      </a:r>
-                      <a:r>
-                        <a:rPr kumimoji="0" lang="en-US" altLang="zh-CN" sz="1200" b="0" i="0" u="none" strike="noStrike" cap="none" normalizeH="0" baseline="0" smtClean="0">
+                        <a:rPr kumimoji="0" lang="en-US" altLang="zh-CN" sz="1200" b="0" i="0" u="none" strike="noStrike" cap="none" normalizeH="0" baseline="0" dirty="0" smtClean="0">
+                          <a:ln>
+                            <a:noFill/>
+                          </a:ln>
+                          <a:solidFill>
+                            <a:srgbClr val="000000"/>
+                          </a:solidFill>
+                          <a:effectLst/>
+                          <a:latin typeface="Arial" charset="0"/>
+                          <a:ea typeface="华文新魏" pitchFamily="2" charset="-122"/>
+                          <a:cs typeface="Arial" charset="0"/>
+                        </a:rPr>
+                        <a:t>"</a:t>
+                      </a:r>
+                      <a:r>
+                        <a:rPr kumimoji="0" lang="en-US" altLang="zh-CN" sz="1200" b="0" i="0" u="none" strike="noStrike" cap="none" normalizeH="0" baseline="0" dirty="0" err="1" smtClean="0">
+                          <a:ln>
+                            <a:noFill/>
+                          </a:ln>
+                          <a:solidFill>
+                            <a:srgbClr val="000000"/>
+                          </a:solidFill>
+                          <a:effectLst/>
+                          <a:latin typeface="Arial" charset="0"/>
+                          <a:ea typeface="华文新魏" pitchFamily="2" charset="-122"/>
+                          <a:cs typeface="Arial" charset="0"/>
+                        </a:rPr>
+                        <a:t>maxx</a:t>
+                      </a:r>
+                      <a:r>
+                        <a:rPr kumimoji="0" lang="en-US" altLang="zh-CN" sz="1200" b="0" i="0" u="none" strike="noStrike" cap="none" normalizeH="0" baseline="0" dirty="0" smtClean="0">
+                          <a:ln>
+                            <a:noFill/>
+                          </a:ln>
+                          <a:solidFill>
+                            <a:srgbClr val="000000"/>
+                          </a:solidFill>
+                          <a:effectLst/>
+                          <a:latin typeface="Arial" charset="0"/>
+                          <a:ea typeface="华文新魏" pitchFamily="2" charset="-122"/>
+                          <a:cs typeface="Arial" charset="0"/>
+                        </a:rPr>
+                        <a:t>":,  </a:t>
+                      </a:r>
+                      <a:r>
+                        <a:rPr kumimoji="0" lang="en-US" altLang="zh-CN" sz="1200" b="0" i="0" u="none" strike="noStrike" cap="none" normalizeH="0" baseline="0" dirty="0" smtClean="0">
                           <a:ln>
                             <a:noFill/>
                           </a:ln>
@@ -15309,7 +15567,7 @@
                         <a:t>//</a:t>
                       </a:r>
                       <a:r>
-                        <a:rPr kumimoji="0" lang="zh-CN" altLang="en-US" sz="1200" b="0" i="0" u="none" strike="noStrike" cap="none" normalizeH="0" baseline="0" smtClean="0">
+                        <a:rPr kumimoji="0" lang="zh-CN" altLang="en-US" sz="1200" b="0" i="0" u="none" strike="noStrike" cap="none" normalizeH="0" baseline="0" dirty="0" smtClean="0">
                           <a:ln>
                             <a:noFill/>
                           </a:ln>
@@ -15323,7 +15581,7 @@
                         </a:rPr>
                         <a:t>路径范围</a:t>
                       </a:r>
-                      <a:endParaRPr kumimoji="0" lang="en-US" altLang="zh-CN" sz="1200" b="0" i="0" u="none" strike="noStrike" cap="none" normalizeH="0" baseline="0" smtClean="0">
+                      <a:endParaRPr kumimoji="0" lang="en-US" altLang="zh-CN" sz="1200" b="0" i="0" u="none" strike="noStrike" cap="none" normalizeH="0" baseline="0" dirty="0" smtClean="0">
                         <a:ln>
                           <a:noFill/>
                         </a:ln>
@@ -15354,22 +15612,52 @@
                         <a:tabLst/>
                       </a:pPr>
                       <a:r>
-                        <a:rPr kumimoji="0" lang="en-US" altLang="zh-CN" sz="1200" b="0" i="0" u="none" strike="noStrike" cap="none" normalizeH="0" baseline="0" smtClean="0">
-                          <a:ln>
-                            <a:noFill/>
-                          </a:ln>
-                          <a:solidFill>
-                            <a:srgbClr val="000000"/>
-                          </a:solidFill>
-                          <a:effectLst/>
-                          <a:latin typeface="Arial" charset="0"/>
-                          <a:ea typeface="华文新魏" pitchFamily="2" charset="-122"/>
-                          <a:cs typeface="Arial" charset="0"/>
-                        </a:rPr>
-                        <a:t>"maxy":,  </a:t>
-                      </a:r>
-                      <a:r>
-                        <a:rPr kumimoji="0" lang="en-US" altLang="zh-CN" sz="1200" b="0" i="0" u="none" strike="noStrike" cap="none" normalizeH="0" baseline="0" smtClean="0">
+                        <a:rPr kumimoji="0" lang="en-US" altLang="zh-CN" sz="1200" b="0" i="0" u="none" strike="noStrike" cap="none" normalizeH="0" baseline="0" dirty="0" smtClean="0">
+                          <a:ln>
+                            <a:noFill/>
+                          </a:ln>
+                          <a:solidFill>
+                            <a:srgbClr val="000000"/>
+                          </a:solidFill>
+                          <a:effectLst/>
+                          <a:latin typeface="Arial" charset="0"/>
+                          <a:ea typeface="华文新魏" pitchFamily="2" charset="-122"/>
+                          <a:cs typeface="Arial" charset="0"/>
+                        </a:rPr>
+                        <a:t>"</a:t>
+                      </a:r>
+                      <a:r>
+                        <a:rPr kumimoji="0" lang="en-US" altLang="zh-CN" sz="1200" b="0" i="0" u="none" strike="noStrike" cap="none" normalizeH="0" baseline="0" dirty="0" err="1" smtClean="0">
+                          <a:ln>
+                            <a:noFill/>
+                          </a:ln>
+                          <a:solidFill>
+                            <a:srgbClr val="000000"/>
+                          </a:solidFill>
+                          <a:effectLst/>
+                          <a:latin typeface="Arial" charset="0"/>
+                          <a:ea typeface="华文新魏" pitchFamily="2" charset="-122"/>
+                          <a:cs typeface="Arial" charset="0"/>
+                        </a:rPr>
+                        <a:t>maxy</a:t>
+                      </a:r>
+                      <a:r>
+                        <a:rPr kumimoji="0" lang="en-US" altLang="zh-CN" sz="1200" b="0" i="0" u="none" strike="noStrike" cap="none" normalizeH="0" baseline="0" dirty="0" smtClean="0">
+                          <a:ln>
+                            <a:noFill/>
+                          </a:ln>
+                          <a:solidFill>
+                            <a:srgbClr val="000000"/>
+                          </a:solidFill>
+                          <a:effectLst/>
+                          <a:latin typeface="Arial" charset="0"/>
+                          <a:ea typeface="华文新魏" pitchFamily="2" charset="-122"/>
+                          <a:cs typeface="Arial" charset="0"/>
+                        </a:rPr>
+                        <a:t>":,  </a:t>
+                      </a:r>
+                      <a:r>
+                        <a:rPr kumimoji="0" lang="en-US" altLang="zh-CN" sz="1200" b="0" i="0" u="none" strike="noStrike" cap="none" normalizeH="0" baseline="0" dirty="0" smtClean="0">
                           <a:ln>
                             <a:noFill/>
                           </a:ln>
@@ -15384,7 +15672,7 @@
                         <a:t>//</a:t>
                       </a:r>
                       <a:r>
-                        <a:rPr kumimoji="0" lang="zh-CN" altLang="en-US" sz="1200" b="0" i="0" u="none" strike="noStrike" cap="none" normalizeH="0" baseline="0" smtClean="0">
+                        <a:rPr kumimoji="0" lang="zh-CN" altLang="en-US" sz="1200" b="0" i="0" u="none" strike="noStrike" cap="none" normalizeH="0" baseline="0" dirty="0" smtClean="0">
                           <a:ln>
                             <a:noFill/>
                           </a:ln>
@@ -15398,7 +15686,7 @@
                         </a:rPr>
                         <a:t>路径范围</a:t>
                       </a:r>
-                      <a:endParaRPr kumimoji="0" lang="en-US" altLang="zh-CN" sz="1200" b="0" i="0" u="none" strike="noStrike" cap="none" normalizeH="0" baseline="0" smtClean="0">
+                      <a:endParaRPr kumimoji="0" lang="en-US" altLang="zh-CN" sz="1200" b="0" i="0" u="none" strike="noStrike" cap="none" normalizeH="0" baseline="0" dirty="0" smtClean="0">
                         <a:ln>
                           <a:noFill/>
                         </a:ln>
@@ -15429,22 +15717,52 @@
                         <a:tabLst/>
                       </a:pPr>
                       <a:r>
-                        <a:rPr kumimoji="0" lang="en-US" altLang="zh-CN" sz="1200" b="0" i="0" u="none" strike="noStrike" cap="none" normalizeH="0" baseline="0" smtClean="0">
-                          <a:ln>
-                            <a:noFill/>
-                          </a:ln>
-                          <a:solidFill>
-                            <a:srgbClr val="000000"/>
-                          </a:solidFill>
-                          <a:effectLst/>
-                          <a:latin typeface="Arial" charset="0"/>
-                          <a:ea typeface="华文新魏" pitchFamily="2" charset="-122"/>
-                          <a:cs typeface="Arial" charset="0"/>
-                        </a:rPr>
-                        <a:t>“segs”:[   </a:t>
-                      </a:r>
-                      <a:r>
-                        <a:rPr kumimoji="0" lang="en-US" altLang="zh-CN" sz="1200" b="0" i="0" u="none" strike="noStrike" cap="none" normalizeH="0" baseline="0" smtClean="0">
+                        <a:rPr kumimoji="0" lang="en-US" altLang="zh-CN" sz="1200" b="0" i="0" u="none" strike="noStrike" cap="none" normalizeH="0" baseline="0" dirty="0" smtClean="0">
+                          <a:ln>
+                            <a:noFill/>
+                          </a:ln>
+                          <a:solidFill>
+                            <a:srgbClr val="000000"/>
+                          </a:solidFill>
+                          <a:effectLst/>
+                          <a:latin typeface="Arial" charset="0"/>
+                          <a:ea typeface="华文新魏" pitchFamily="2" charset="-122"/>
+                          <a:cs typeface="Arial" charset="0"/>
+                        </a:rPr>
+                        <a:t>“</a:t>
+                      </a:r>
+                      <a:r>
+                        <a:rPr kumimoji="0" lang="en-US" altLang="zh-CN" sz="1200" b="0" i="0" u="none" strike="noStrike" cap="none" normalizeH="0" baseline="0" dirty="0" err="1" smtClean="0">
+                          <a:ln>
+                            <a:noFill/>
+                          </a:ln>
+                          <a:solidFill>
+                            <a:srgbClr val="000000"/>
+                          </a:solidFill>
+                          <a:effectLst/>
+                          <a:latin typeface="Arial" charset="0"/>
+                          <a:ea typeface="华文新魏" pitchFamily="2" charset="-122"/>
+                          <a:cs typeface="Arial" charset="0"/>
+                        </a:rPr>
+                        <a:t>segs</a:t>
+                      </a:r>
+                      <a:r>
+                        <a:rPr kumimoji="0" lang="en-US" altLang="zh-CN" sz="1200" b="0" i="0" u="none" strike="noStrike" cap="none" normalizeH="0" baseline="0" dirty="0" smtClean="0">
+                          <a:ln>
+                            <a:noFill/>
+                          </a:ln>
+                          <a:solidFill>
+                            <a:srgbClr val="000000"/>
+                          </a:solidFill>
+                          <a:effectLst/>
+                          <a:latin typeface="Arial" charset="0"/>
+                          <a:ea typeface="华文新魏" pitchFamily="2" charset="-122"/>
+                          <a:cs typeface="Arial" charset="0"/>
+                        </a:rPr>
+                        <a:t>”:[   </a:t>
+                      </a:r>
+                      <a:r>
+                        <a:rPr kumimoji="0" lang="en-US" altLang="zh-CN" sz="1200" b="0" i="0" u="none" strike="noStrike" cap="none" normalizeH="0" baseline="0" dirty="0" smtClean="0">
                           <a:ln>
                             <a:noFill/>
                           </a:ln>
@@ -15459,7 +15777,7 @@
                         <a:t>//</a:t>
                       </a:r>
                       <a:r>
-                        <a:rPr kumimoji="0" lang="zh-CN" altLang="en-US" sz="1200" b="0" i="0" u="none" strike="noStrike" cap="none" normalizeH="0" baseline="0" smtClean="0">
+                        <a:rPr kumimoji="0" lang="zh-CN" altLang="en-US" sz="1200" b="0" i="0" u="none" strike="noStrike" cap="none" normalizeH="0" baseline="0" dirty="0" smtClean="0">
                           <a:ln>
                             <a:noFill/>
                           </a:ln>
@@ -15473,7 +15791,7 @@
                         </a:rPr>
                         <a:t>路段描述</a:t>
                       </a:r>
-                      <a:endParaRPr kumimoji="0" lang="en-US" altLang="zh-CN" sz="1200" b="0" i="0" u="none" strike="noStrike" cap="none" normalizeH="0" baseline="0" smtClean="0">
+                      <a:endParaRPr kumimoji="0" lang="en-US" altLang="zh-CN" sz="1200" b="0" i="0" u="none" strike="noStrike" cap="none" normalizeH="0" baseline="0" dirty="0" smtClean="0">
                         <a:ln>
                           <a:noFill/>
                         </a:ln>
@@ -15504,7 +15822,7 @@
                         <a:tabLst/>
                       </a:pPr>
                       <a:r>
-                        <a:rPr kumimoji="0" lang="zh-CN" altLang="en-US" sz="1200" b="0" i="0" u="none" strike="noStrike" cap="none" normalizeH="0" baseline="0" smtClean="0">
+                        <a:rPr kumimoji="0" lang="zh-CN" altLang="en-US" sz="1200" b="0" i="0" u="none" strike="noStrike" cap="none" normalizeH="0" baseline="0" dirty="0" smtClean="0">
                           <a:ln>
                             <a:noFill/>
                           </a:ln>
@@ -15519,7 +15837,7 @@
                         <a:t>  </a:t>
                       </a:r>
                       <a:r>
-                        <a:rPr kumimoji="0" lang="en-US" altLang="zh-CN" sz="1200" b="0" i="0" u="none" strike="noStrike" cap="none" normalizeH="0" baseline="0" smtClean="0">
+                        <a:rPr kumimoji="0" lang="en-US" altLang="zh-CN" sz="1200" b="0" i="0" u="none" strike="noStrike" cap="none" normalizeH="0" baseline="0" dirty="0" smtClean="0">
                           <a:ln>
                             <a:noFill/>
                           </a:ln>
@@ -15534,7 +15852,7 @@
                         <a:t>{“kind”:,           </a:t>
                       </a:r>
                       <a:r>
-                        <a:rPr kumimoji="0" lang="en-US" altLang="zh-CN" sz="1200" b="0" i="0" u="none" strike="noStrike" cap="none" normalizeH="0" baseline="0" smtClean="0">
+                        <a:rPr kumimoji="0" lang="en-US" altLang="zh-CN" sz="1200" b="0" i="0" u="none" strike="noStrike" cap="none" normalizeH="0" baseline="0" dirty="0" smtClean="0">
                           <a:ln>
                             <a:noFill/>
                           </a:ln>
@@ -15549,7 +15867,7 @@
                         <a:t>  </a:t>
                       </a:r>
                       <a:r>
-                        <a:rPr kumimoji="0" lang="en-US" altLang="zh-CN" sz="1200" b="0" i="0" u="none" strike="noStrike" cap="none" normalizeH="0" baseline="0" smtClean="0">
+                        <a:rPr kumimoji="0" lang="en-US" altLang="zh-CN" sz="1200" b="0" i="0" u="none" strike="noStrike" cap="none" normalizeH="0" baseline="0" dirty="0" smtClean="0">
                           <a:ln>
                             <a:noFill/>
                           </a:ln>
@@ -15564,7 +15882,7 @@
                         <a:t>//</a:t>
                       </a:r>
                       <a:r>
-                        <a:rPr kumimoji="0" lang="zh-CN" altLang="en-US" sz="1200" b="0" i="0" u="none" strike="noStrike" cap="none" normalizeH="0" baseline="0" smtClean="0">
+                        <a:rPr kumimoji="0" lang="zh-CN" altLang="en-US" sz="1200" b="0" i="0" u="none" strike="noStrike" cap="none" normalizeH="0" baseline="0" dirty="0" smtClean="0">
                           <a:ln>
                             <a:noFill/>
                           </a:ln>
@@ -15578,7 +15896,7 @@
                         </a:rPr>
                         <a:t>路段等级</a:t>
                       </a:r>
-                      <a:endParaRPr kumimoji="0" lang="en-US" altLang="zh-CN" sz="1200" b="0" i="0" u="none" strike="noStrike" cap="none" normalizeH="0" baseline="0" smtClean="0">
+                      <a:endParaRPr kumimoji="0" lang="en-US" altLang="zh-CN" sz="1200" b="0" i="0" u="none" strike="noStrike" cap="none" normalizeH="0" baseline="0" dirty="0" smtClean="0">
                         <a:ln>
                           <a:noFill/>
                         </a:ln>
@@ -15609,7 +15927,7 @@
                         <a:tabLst/>
                       </a:pPr>
                       <a:r>
-                        <a:rPr kumimoji="0" lang="zh-CN" altLang="en-US" sz="1200" b="0" i="0" u="none" strike="noStrike" cap="none" normalizeH="0" baseline="0" smtClean="0">
+                        <a:rPr kumimoji="0" lang="zh-CN" altLang="en-US" sz="1200" b="0" i="0" u="none" strike="noStrike" cap="none" normalizeH="0" baseline="0" dirty="0" smtClean="0">
                           <a:ln>
                             <a:noFill/>
                           </a:ln>
@@ -15624,7 +15942,7 @@
                         <a:t>    </a:t>
                       </a:r>
                       <a:r>
-                        <a:rPr kumimoji="0" lang="en-US" altLang="zh-CN" sz="1200" b="0" i="0" u="none" strike="noStrike" cap="none" normalizeH="0" baseline="0" smtClean="0">
+                        <a:rPr kumimoji="0" lang="en-US" altLang="zh-CN" sz="1200" b="0" i="0" u="none" strike="noStrike" cap="none" normalizeH="0" baseline="0" dirty="0" smtClean="0">
                           <a:ln>
                             <a:noFill/>
                           </a:ln>
@@ -15639,7 +15957,7 @@
                         <a:t>“attrib”:,           </a:t>
                       </a:r>
                       <a:r>
-                        <a:rPr kumimoji="0" lang="en-US" altLang="zh-CN" sz="1200" b="0" i="0" u="none" strike="noStrike" cap="none" normalizeH="0" baseline="0" smtClean="0">
+                        <a:rPr kumimoji="0" lang="en-US" altLang="zh-CN" sz="1200" b="0" i="0" u="none" strike="noStrike" cap="none" normalizeH="0" baseline="0" dirty="0" smtClean="0">
                           <a:ln>
                             <a:noFill/>
                           </a:ln>
@@ -15654,7 +15972,7 @@
                         <a:t>//</a:t>
                       </a:r>
                       <a:r>
-                        <a:rPr kumimoji="0" lang="zh-CN" altLang="en-US" sz="1200" b="0" i="0" u="none" strike="noStrike" cap="none" normalizeH="0" baseline="0" smtClean="0">
+                        <a:rPr kumimoji="0" lang="zh-CN" altLang="en-US" sz="1200" b="0" i="0" u="none" strike="noStrike" cap="none" normalizeH="0" baseline="0" dirty="0" smtClean="0">
                           <a:ln>
                             <a:noFill/>
                           </a:ln>
@@ -15668,7 +15986,7 @@
                         </a:rPr>
                         <a:t>路段形态特征</a:t>
                       </a:r>
-                      <a:endParaRPr kumimoji="0" lang="en-US" altLang="zh-CN" sz="1200" b="0" i="0" u="none" strike="noStrike" cap="none" normalizeH="0" baseline="0" smtClean="0">
+                      <a:endParaRPr kumimoji="0" lang="en-US" altLang="zh-CN" sz="1200" b="0" i="0" u="none" strike="noStrike" cap="none" normalizeH="0" baseline="0" dirty="0" smtClean="0">
                         <a:ln>
                           <a:noFill/>
                         </a:ln>
@@ -15699,7 +16017,7 @@
                         <a:tabLst/>
                       </a:pPr>
                       <a:r>
-                        <a:rPr kumimoji="0" lang="zh-CN" altLang="en-US" sz="1200" b="0" i="0" u="none" strike="noStrike" cap="none" normalizeH="0" baseline="0" smtClean="0">
+                        <a:rPr kumimoji="0" lang="zh-CN" altLang="en-US" sz="1200" b="0" i="0" u="none" strike="noStrike" cap="none" normalizeH="0" baseline="0" dirty="0" smtClean="0">
                           <a:ln>
                             <a:noFill/>
                           </a:ln>
@@ -15714,7 +16032,7 @@
                         <a:t>    </a:t>
                       </a:r>
                       <a:r>
-                        <a:rPr kumimoji="0" lang="en-US" altLang="zh-CN" sz="1200" b="0" i="0" u="none" strike="noStrike" cap="none" normalizeH="0" baseline="0" smtClean="0">
+                        <a:rPr kumimoji="0" lang="en-US" altLang="zh-CN" sz="1200" b="0" i="0" u="none" strike="noStrike" cap="none" normalizeH="0" baseline="0" dirty="0" smtClean="0">
                           <a:ln>
                             <a:noFill/>
                           </a:ln>
@@ -15729,7 +16047,7 @@
                         <a:t>“circle”:,         </a:t>
                       </a:r>
                       <a:r>
-                        <a:rPr kumimoji="0" lang="en-US" altLang="zh-CN" sz="1200" b="0" i="0" u="none" strike="noStrike" cap="none" normalizeH="0" baseline="0" smtClean="0">
+                        <a:rPr kumimoji="0" lang="en-US" altLang="zh-CN" sz="1200" b="0" i="0" u="none" strike="noStrike" cap="none" normalizeH="0" baseline="0" dirty="0" smtClean="0">
                           <a:ln>
                             <a:noFill/>
                           </a:ln>
@@ -15744,7 +16062,7 @@
                         <a:t> </a:t>
                       </a:r>
                       <a:r>
-                        <a:rPr kumimoji="0" lang="en-US" altLang="zh-CN" sz="1200" b="0" i="0" u="none" strike="noStrike" cap="none" normalizeH="0" baseline="0" smtClean="0">
+                        <a:rPr kumimoji="0" lang="en-US" altLang="zh-CN" sz="1200" b="0" i="0" u="none" strike="noStrike" cap="none" normalizeH="0" baseline="0" dirty="0" smtClean="0">
                           <a:ln>
                             <a:noFill/>
                           </a:ln>
@@ -15759,7 +16077,7 @@
                         <a:t>//</a:t>
                       </a:r>
                       <a:r>
-                        <a:rPr kumimoji="0" lang="zh-CN" altLang="en-US" sz="1200" b="0" i="0" u="none" strike="noStrike" cap="none" normalizeH="0" baseline="0" smtClean="0">
+                        <a:rPr kumimoji="0" lang="zh-CN" altLang="en-US" sz="1200" b="0" i="0" u="none" strike="noStrike" cap="none" normalizeH="0" baseline="0" dirty="0" smtClean="0">
                           <a:ln>
                             <a:noFill/>
                           </a:ln>
@@ -15773,7 +16091,7 @@
                         </a:rPr>
                         <a:t>环岛出口序号</a:t>
                       </a:r>
-                      <a:endParaRPr kumimoji="0" lang="en-US" altLang="zh-CN" sz="1200" b="0" i="0" u="none" strike="noStrike" cap="none" normalizeH="0" baseline="0" smtClean="0">
+                      <a:endParaRPr kumimoji="0" lang="en-US" altLang="zh-CN" sz="1200" b="0" i="0" u="none" strike="noStrike" cap="none" normalizeH="0" baseline="0" dirty="0" smtClean="0">
                         <a:ln>
                           <a:noFill/>
                         </a:ln>
@@ -15804,7 +16122,7 @@
                         <a:tabLst/>
                       </a:pPr>
                       <a:r>
-                        <a:rPr kumimoji="0" lang="zh-CN" altLang="en-US" sz="1200" b="0" i="0" u="none" strike="noStrike" cap="none" normalizeH="0" baseline="0" smtClean="0">
+                        <a:rPr kumimoji="0" lang="zh-CN" altLang="en-US" sz="1200" b="0" i="0" u="none" strike="noStrike" cap="none" normalizeH="0" baseline="0" dirty="0" smtClean="0">
                           <a:ln>
                             <a:noFill/>
                           </a:ln>
@@ -15819,7 +16137,7 @@
                         <a:t>    </a:t>
                       </a:r>
                       <a:r>
-                        <a:rPr kumimoji="0" lang="en-US" altLang="zh-CN" sz="1200" b="0" i="0" u="none" strike="noStrike" cap="none" normalizeH="0" baseline="0" smtClean="0">
+                        <a:rPr kumimoji="0" lang="en-US" altLang="zh-CN" sz="1200" b="0" i="0" u="none" strike="noStrike" cap="none" normalizeH="0" baseline="0" dirty="0" smtClean="0">
                           <a:ln>
                             <a:noFill/>
                           </a:ln>
@@ -15834,7 +16152,7 @@
                         <a:t>“light”:,            </a:t>
                       </a:r>
                       <a:r>
-                        <a:rPr kumimoji="0" lang="en-US" altLang="zh-CN" sz="1200" b="0" i="0" u="none" strike="noStrike" cap="none" normalizeH="0" baseline="0" smtClean="0">
+                        <a:rPr kumimoji="0" lang="en-US" altLang="zh-CN" sz="1200" b="0" i="0" u="none" strike="noStrike" cap="none" normalizeH="0" baseline="0" dirty="0" smtClean="0">
                           <a:ln>
                             <a:noFill/>
                           </a:ln>
@@ -15849,7 +16167,7 @@
                         <a:t>//</a:t>
                       </a:r>
                       <a:r>
-                        <a:rPr kumimoji="0" lang="zh-CN" altLang="en-US" sz="1200" b="0" i="0" u="none" strike="noStrike" cap="none" normalizeH="0" baseline="0" smtClean="0">
+                        <a:rPr kumimoji="0" lang="zh-CN" altLang="en-US" sz="1200" b="0" i="0" u="none" strike="noStrike" cap="none" normalizeH="0" baseline="0" dirty="0" smtClean="0">
                           <a:ln>
                             <a:noFill/>
                           </a:ln>
@@ -15863,7 +16181,7 @@
                         </a:rPr>
                         <a:t>路段终点红绿灯标识</a:t>
                       </a:r>
-                      <a:endParaRPr kumimoji="0" lang="en-US" altLang="zh-CN" sz="1200" b="0" i="0" u="none" strike="noStrike" cap="none" normalizeH="0" baseline="0" smtClean="0">
+                      <a:endParaRPr kumimoji="0" lang="en-US" altLang="zh-CN" sz="1200" b="0" i="0" u="none" strike="noStrike" cap="none" normalizeH="0" baseline="0" dirty="0" smtClean="0">
                         <a:ln>
                           <a:noFill/>
                         </a:ln>
@@ -15894,7 +16212,7 @@
                         <a:tabLst/>
                       </a:pPr>
                       <a:r>
-                        <a:rPr kumimoji="0" lang="zh-CN" altLang="en-US" sz="1200" b="0" i="0" u="none" strike="noStrike" cap="none" normalizeH="0" baseline="0" smtClean="0">
+                        <a:rPr kumimoji="0" lang="zh-CN" altLang="en-US" sz="1200" b="0" i="0" u="none" strike="noStrike" cap="none" normalizeH="0" baseline="0" dirty="0" smtClean="0">
                           <a:ln>
                             <a:noFill/>
                           </a:ln>
@@ -15909,7 +16227,7 @@
                         <a:t>    </a:t>
                       </a:r>
                       <a:r>
-                        <a:rPr kumimoji="0" lang="en-US" altLang="zh-CN" sz="1200" b="0" i="0" u="none" strike="noStrike" cap="none" normalizeH="0" baseline="0" smtClean="0">
+                        <a:rPr kumimoji="0" lang="en-US" altLang="zh-CN" sz="1200" b="0" i="0" u="none" strike="noStrike" cap="none" normalizeH="0" baseline="0" dirty="0" smtClean="0">
                           <a:ln>
                             <a:noFill/>
                           </a:ln>
@@ -15924,7 +16242,7 @@
                         <a:t>“name”:“”,       </a:t>
                       </a:r>
                       <a:r>
-                        <a:rPr kumimoji="0" lang="en-US" altLang="zh-CN" sz="1200" b="0" i="0" u="none" strike="noStrike" cap="none" normalizeH="0" baseline="0" smtClean="0">
+                        <a:rPr kumimoji="0" lang="en-US" altLang="zh-CN" sz="1200" b="0" i="0" u="none" strike="noStrike" cap="none" normalizeH="0" baseline="0" dirty="0" smtClean="0">
                           <a:ln>
                             <a:noFill/>
                           </a:ln>
@@ -15939,7 +16257,7 @@
                         <a:t>//</a:t>
                       </a:r>
                       <a:r>
-                        <a:rPr kumimoji="0" lang="zh-CN" altLang="en-US" sz="1200" b="0" i="0" u="none" strike="noStrike" cap="none" normalizeH="0" baseline="0" smtClean="0">
+                        <a:rPr kumimoji="0" lang="zh-CN" altLang="en-US" sz="1200" b="0" i="0" u="none" strike="noStrike" cap="none" normalizeH="0" baseline="0" dirty="0" smtClean="0">
                           <a:ln>
                             <a:noFill/>
                           </a:ln>
@@ -15953,7 +16271,7 @@
                         </a:rPr>
                         <a:t>路段名</a:t>
                       </a:r>
-                      <a:endParaRPr kumimoji="0" lang="en-US" altLang="zh-CN" sz="1200" b="0" i="0" u="none" strike="noStrike" cap="none" normalizeH="0" baseline="0" smtClean="0">
+                      <a:endParaRPr kumimoji="0" lang="en-US" altLang="zh-CN" sz="1200" b="0" i="0" u="none" strike="noStrike" cap="none" normalizeH="0" baseline="0" dirty="0" smtClean="0">
                         <a:ln>
                           <a:noFill/>
                         </a:ln>
@@ -15984,7 +16302,7 @@
                         <a:tabLst/>
                       </a:pPr>
                       <a:r>
-                        <a:rPr kumimoji="0" lang="zh-CN" altLang="en-US" sz="1200" b="0" i="0" u="none" strike="noStrike" cap="none" normalizeH="0" baseline="0" smtClean="0">
+                        <a:rPr kumimoji="0" lang="zh-CN" altLang="en-US" sz="1200" b="0" i="0" u="none" strike="noStrike" cap="none" normalizeH="0" baseline="0" dirty="0" smtClean="0">
                           <a:ln>
                             <a:noFill/>
                           </a:ln>
@@ -15999,7 +16317,7 @@
                         <a:t>    </a:t>
                       </a:r>
                       <a:r>
-                        <a:rPr kumimoji="0" lang="en-US" altLang="zh-CN" sz="1200" b="0" i="0" u="none" strike="noStrike" cap="none" normalizeH="0" baseline="0" smtClean="0">
+                        <a:rPr kumimoji="0" lang="en-US" altLang="zh-CN" sz="1200" b="0" i="0" u="none" strike="noStrike" cap="none" normalizeH="0" baseline="0" dirty="0" smtClean="0">
                           <a:ln>
                             <a:noFill/>
                           </a:ln>
@@ -16014,7 +16332,7 @@
                         <a:t>“roads”:“”,       </a:t>
                       </a:r>
                       <a:r>
-                        <a:rPr kumimoji="0" lang="en-US" altLang="zh-CN" sz="1200" b="0" i="0" u="none" strike="noStrike" cap="none" normalizeH="0" baseline="0" smtClean="0">
+                        <a:rPr kumimoji="0" lang="en-US" altLang="zh-CN" sz="1200" b="0" i="0" u="none" strike="noStrike" cap="none" normalizeH="0" baseline="0" dirty="0" smtClean="0">
                           <a:ln>
                             <a:noFill/>
                           </a:ln>
@@ -16029,7 +16347,7 @@
                         <a:t>//</a:t>
                       </a:r>
                       <a:r>
-                        <a:rPr kumimoji="0" lang="zh-CN" altLang="en-US" sz="1200" b="0" i="0" u="none" strike="noStrike" cap="none" normalizeH="0" baseline="0" smtClean="0">
+                        <a:rPr kumimoji="0" lang="zh-CN" altLang="en-US" sz="1200" b="0" i="0" u="none" strike="noStrike" cap="none" normalizeH="0" baseline="0" dirty="0" smtClean="0">
                           <a:ln>
                             <a:noFill/>
                           </a:ln>
@@ -16044,7 +16362,7 @@
                         <a:t>路段</a:t>
                       </a:r>
                       <a:r>
-                        <a:rPr kumimoji="0" lang="en-US" altLang="zh-CN" sz="1200" b="0" i="0" u="none" strike="noStrike" cap="none" normalizeH="0" baseline="0" smtClean="0">
+                        <a:rPr kumimoji="0" lang="en-US" altLang="zh-CN" sz="1200" b="0" i="0" u="none" strike="noStrike" cap="none" normalizeH="0" baseline="0" dirty="0" smtClean="0">
                           <a:ln>
                             <a:noFill/>
                           </a:ln>
@@ -16059,7 +16377,7 @@
                         <a:t>ID</a:t>
                       </a:r>
                       <a:r>
-                        <a:rPr kumimoji="0" lang="zh-CN" altLang="en-US" sz="1200" b="0" i="0" u="none" strike="noStrike" cap="none" normalizeH="0" baseline="0" smtClean="0">
+                        <a:rPr kumimoji="0" lang="zh-CN" altLang="en-US" sz="1200" b="0" i="0" u="none" strike="noStrike" cap="none" normalizeH="0" baseline="0" dirty="0" smtClean="0">
                           <a:ln>
                             <a:noFill/>
                           </a:ln>
@@ -16074,7 +16392,7 @@
                         <a:t>集合</a:t>
                       </a:r>
                       <a:r>
-                        <a:rPr kumimoji="0" lang="en-US" altLang="zh-CN" sz="1200" b="0" i="0" u="none" strike="noStrike" cap="none" normalizeH="0" baseline="0" smtClean="0">
+                        <a:rPr kumimoji="0" lang="en-US" altLang="zh-CN" sz="1200" b="0" i="0" u="none" strike="noStrike" cap="none" normalizeH="0" baseline="0" dirty="0" smtClean="0">
                           <a:ln>
                             <a:noFill/>
                           </a:ln>
@@ -16107,7 +16425,7 @@
                         <a:tabLst/>
                       </a:pPr>
                       <a:r>
-                        <a:rPr kumimoji="0" lang="zh-CN" altLang="en-US" sz="1200" b="0" i="0" u="none" strike="noStrike" cap="none" normalizeH="0" baseline="0" smtClean="0">
+                        <a:rPr kumimoji="0" lang="zh-CN" altLang="en-US" sz="1200" b="0" i="0" u="none" strike="noStrike" cap="none" normalizeH="0" baseline="0" dirty="0" smtClean="0">
                           <a:ln>
                             <a:noFill/>
                           </a:ln>
@@ -16122,7 +16440,7 @@
                         <a:t>    </a:t>
                       </a:r>
                       <a:r>
-                        <a:rPr kumimoji="0" lang="en-US" altLang="zh-CN" sz="1200" b="0" i="0" u="none" strike="noStrike" cap="none" normalizeH="0" baseline="0" smtClean="0">
+                        <a:rPr kumimoji="0" lang="en-US" altLang="zh-CN" sz="1200" b="0" i="0" u="none" strike="noStrike" cap="none" normalizeH="0" baseline="0" dirty="0" smtClean="0">
                           <a:ln>
                             <a:noFill/>
                           </a:ln>
@@ -16137,7 +16455,7 @@
                         <a:t>“vertexes”:““    </a:t>
                       </a:r>
                       <a:r>
-                        <a:rPr kumimoji="0" lang="en-US" altLang="zh-CN" sz="1200" b="0" i="0" u="none" strike="noStrike" cap="none" normalizeH="0" baseline="0" smtClean="0">
+                        <a:rPr kumimoji="0" lang="en-US" altLang="zh-CN" sz="1200" b="0" i="0" u="none" strike="noStrike" cap="none" normalizeH="0" baseline="0" dirty="0" smtClean="0">
                           <a:ln>
                             <a:noFill/>
                           </a:ln>
@@ -16152,7 +16470,7 @@
                         <a:t>//</a:t>
                       </a:r>
                       <a:r>
-                        <a:rPr kumimoji="0" lang="zh-CN" altLang="en-US" sz="1200" b="0" i="0" u="none" strike="noStrike" cap="none" normalizeH="0" baseline="0" smtClean="0">
+                        <a:rPr kumimoji="0" lang="zh-CN" altLang="en-US" sz="1200" b="0" i="0" u="none" strike="noStrike" cap="none" normalizeH="0" baseline="0" dirty="0" smtClean="0">
                           <a:ln>
                             <a:noFill/>
                           </a:ln>
@@ -16167,7 +16485,7 @@
                         <a:t>路段加密坐标序列</a:t>
                       </a:r>
                       <a:r>
-                        <a:rPr kumimoji="0" lang="en-US" altLang="zh-CN" sz="1200" b="0" i="0" u="none" strike="noStrike" cap="none" normalizeH="0" baseline="0" smtClean="0">
+                        <a:rPr kumimoji="0" lang="en-US" altLang="zh-CN" sz="1200" b="0" i="0" u="none" strike="noStrike" cap="none" normalizeH="0" baseline="0" dirty="0" smtClean="0">
                           <a:ln>
                             <a:noFill/>
                           </a:ln>
@@ -16200,7 +16518,7 @@
                         <a:tabLst/>
                       </a:pPr>
                       <a:r>
-                        <a:rPr kumimoji="0" lang="zh-CN" altLang="en-US" sz="1200" b="0" i="0" u="none" strike="noStrike" cap="none" normalizeH="0" baseline="0" smtClean="0">
+                        <a:rPr kumimoji="0" lang="zh-CN" altLang="en-US" sz="1200" b="0" i="0" u="none" strike="noStrike" cap="none" normalizeH="0" baseline="0" dirty="0" smtClean="0">
                           <a:ln>
                             <a:noFill/>
                           </a:ln>
@@ -16215,7 +16533,7 @@
                         <a:t>  </a:t>
                       </a:r>
                       <a:r>
-                        <a:rPr kumimoji="0" lang="en-US" altLang="zh-CN" sz="1200" b="0" i="0" u="none" strike="noStrike" cap="none" normalizeH="0" baseline="0" smtClean="0">
+                        <a:rPr kumimoji="0" lang="en-US" altLang="zh-CN" sz="1200" b="0" i="0" u="none" strike="noStrike" cap="none" normalizeH="0" baseline="0" dirty="0" smtClean="0">
                           <a:ln>
                             <a:noFill/>
                           </a:ln>
@@ -16248,22 +16566,52 @@
                         <a:tabLst/>
                       </a:pPr>
                       <a:r>
-                        <a:rPr kumimoji="0" lang="en-US" altLang="zh-CN" sz="1200" b="0" i="0" u="none" strike="noStrike" cap="none" normalizeH="0" baseline="0" smtClean="0">
-                          <a:ln>
-                            <a:noFill/>
-                          </a:ln>
-                          <a:solidFill>
-                            <a:srgbClr val="000000"/>
-                          </a:solidFill>
-                          <a:effectLst/>
-                          <a:latin typeface="Arial" charset="0"/>
-                          <a:ea typeface="华文新魏" pitchFamily="2" charset="-122"/>
-                          <a:cs typeface="Arial" charset="0"/>
-                        </a:rPr>
-                        <a:t>“guids”:[  </a:t>
-                      </a:r>
-                      <a:r>
-                        <a:rPr kumimoji="0" lang="en-US" altLang="zh-CN" sz="1200" b="0" i="0" u="none" strike="noStrike" cap="none" normalizeH="0" baseline="0" smtClean="0">
+                        <a:rPr kumimoji="0" lang="en-US" altLang="zh-CN" sz="1200" b="0" i="0" u="none" strike="noStrike" cap="none" normalizeH="0" baseline="0" dirty="0" smtClean="0">
+                          <a:ln>
+                            <a:noFill/>
+                          </a:ln>
+                          <a:solidFill>
+                            <a:srgbClr val="000000"/>
+                          </a:solidFill>
+                          <a:effectLst/>
+                          <a:latin typeface="Arial" charset="0"/>
+                          <a:ea typeface="华文新魏" pitchFamily="2" charset="-122"/>
+                          <a:cs typeface="Arial" charset="0"/>
+                        </a:rPr>
+                        <a:t>“</a:t>
+                      </a:r>
+                      <a:r>
+                        <a:rPr kumimoji="0" lang="en-US" altLang="zh-CN" sz="1200" b="0" i="0" u="none" strike="noStrike" cap="none" normalizeH="0" baseline="0" dirty="0" err="1" smtClean="0">
+                          <a:ln>
+                            <a:noFill/>
+                          </a:ln>
+                          <a:solidFill>
+                            <a:srgbClr val="000000"/>
+                          </a:solidFill>
+                          <a:effectLst/>
+                          <a:latin typeface="Arial" charset="0"/>
+                          <a:ea typeface="华文新魏" pitchFamily="2" charset="-122"/>
+                          <a:cs typeface="Arial" charset="0"/>
+                        </a:rPr>
+                        <a:t>guids</a:t>
+                      </a:r>
+                      <a:r>
+                        <a:rPr kumimoji="0" lang="en-US" altLang="zh-CN" sz="1200" b="0" i="0" u="none" strike="noStrike" cap="none" normalizeH="0" baseline="0" dirty="0" smtClean="0">
+                          <a:ln>
+                            <a:noFill/>
+                          </a:ln>
+                          <a:solidFill>
+                            <a:srgbClr val="000000"/>
+                          </a:solidFill>
+                          <a:effectLst/>
+                          <a:latin typeface="Arial" charset="0"/>
+                          <a:ea typeface="华文新魏" pitchFamily="2" charset="-122"/>
+                          <a:cs typeface="Arial" charset="0"/>
+                        </a:rPr>
+                        <a:t>”:[  </a:t>
+                      </a:r>
+                      <a:r>
+                        <a:rPr kumimoji="0" lang="en-US" altLang="zh-CN" sz="1200" b="0" i="0" u="none" strike="noStrike" cap="none" normalizeH="0" baseline="0" dirty="0" smtClean="0">
                           <a:ln>
                             <a:noFill/>
                           </a:ln>
@@ -16278,7 +16626,7 @@
                         <a:t>//</a:t>
                       </a:r>
                       <a:r>
-                        <a:rPr kumimoji="0" lang="zh-CN" altLang="en-US" sz="1200" b="0" i="0" u="none" strike="noStrike" cap="none" normalizeH="0" baseline="0" smtClean="0">
+                        <a:rPr kumimoji="0" lang="zh-CN" altLang="en-US" sz="1200" b="0" i="0" u="none" strike="noStrike" cap="none" normalizeH="0" baseline="0" dirty="0" smtClean="0">
                           <a:ln>
                             <a:noFill/>
                           </a:ln>
@@ -16293,7 +16641,7 @@
                         <a:t>路径描述，参考</a:t>
                       </a:r>
                       <a:r>
-                        <a:rPr kumimoji="0" lang="en-US" altLang="zh-CN" sz="1200" b="0" i="0" u="none" strike="noStrike" cap="none" normalizeH="0" baseline="0" smtClean="0">
+                        <a:rPr kumimoji="0" lang="en-US" altLang="zh-CN" sz="1200" b="0" i="0" u="none" strike="noStrike" cap="none" normalizeH="0" baseline="0" dirty="0" smtClean="0">
                           <a:ln>
                             <a:noFill/>
                           </a:ln>
@@ -16305,10 +16653,40 @@
                           <a:ea typeface="宋体" charset="-122"/>
                           <a:cs typeface="Arial" charset="0"/>
                         </a:rPr>
-                        <a:t>[webPlan]</a:t>
-                      </a:r>
-                      <a:r>
-                        <a:rPr kumimoji="0" lang="zh-CN" altLang="en-US" sz="1200" b="0" i="0" u="none" strike="noStrike" cap="none" normalizeH="0" baseline="0" smtClean="0">
+                        <a:t>[</a:t>
+                      </a:r>
+                      <a:r>
+                        <a:rPr kumimoji="0" lang="en-US" altLang="zh-CN" sz="1200" b="0" i="0" u="none" strike="noStrike" cap="none" normalizeH="0" baseline="0" dirty="0" err="1" smtClean="0">
+                          <a:ln>
+                            <a:noFill/>
+                          </a:ln>
+                          <a:solidFill>
+                            <a:srgbClr val="0070C0"/>
+                          </a:solidFill>
+                          <a:effectLst/>
+                          <a:latin typeface="宋体" charset="-122"/>
+                          <a:ea typeface="宋体" charset="-122"/>
+                          <a:cs typeface="Arial" charset="0"/>
+                        </a:rPr>
+                        <a:t>webPlan</a:t>
+                      </a:r>
+                      <a:r>
+                        <a:rPr kumimoji="0" lang="en-US" altLang="zh-CN" sz="1200" b="0" i="0" u="none" strike="noStrike" cap="none" normalizeH="0" baseline="0" dirty="0" smtClean="0">
+                          <a:ln>
+                            <a:noFill/>
+                          </a:ln>
+                          <a:solidFill>
+                            <a:srgbClr val="0070C0"/>
+                          </a:solidFill>
+                          <a:effectLst/>
+                          <a:latin typeface="宋体" charset="-122"/>
+                          <a:ea typeface="宋体" charset="-122"/>
+                          <a:cs typeface="Arial" charset="0"/>
+                        </a:rPr>
+                        <a:t>]</a:t>
+                      </a:r>
+                      <a:r>
+                        <a:rPr kumimoji="0" lang="zh-CN" altLang="en-US" sz="1200" b="0" i="0" u="none" strike="noStrike" cap="none" normalizeH="0" baseline="0" dirty="0" smtClean="0">
                           <a:ln>
                             <a:noFill/>
                           </a:ln>
@@ -16341,19 +16719,49 @@
                         <a:tabLst/>
                       </a:pPr>
                       <a:r>
-                        <a:rPr kumimoji="0" lang="en-US" altLang="zh-CN" sz="1200" b="0" i="0" u="none" strike="noStrike" cap="none" normalizeH="0" baseline="0" smtClean="0">
-                          <a:ln>
-                            <a:noFill/>
-                          </a:ln>
-                          <a:solidFill>
-                            <a:srgbClr val="000000"/>
-                          </a:solidFill>
-                          <a:effectLst/>
-                          <a:latin typeface="Arial" charset="0"/>
-                          <a:ea typeface="华文新魏" pitchFamily="2" charset="-122"/>
-                          <a:cs typeface="Arial" charset="0"/>
-                        </a:rPr>
-                        <a:t>{“name”:“”,“state”:“”,“turn”:“”,“len”:,“cost”:,“vertexes”:““}]</a:t>
+                        <a:rPr kumimoji="0" lang="en-US" altLang="zh-CN" sz="1200" b="0" i="0" u="none" strike="noStrike" cap="none" normalizeH="0" baseline="0" dirty="0" smtClean="0">
+                          <a:ln>
+                            <a:noFill/>
+                          </a:ln>
+                          <a:solidFill>
+                            <a:srgbClr val="000000"/>
+                          </a:solidFill>
+                          <a:effectLst/>
+                          <a:latin typeface="Arial" charset="0"/>
+                          <a:ea typeface="华文新魏" pitchFamily="2" charset="-122"/>
+                          <a:cs typeface="Arial" charset="0"/>
+                        </a:rPr>
+                        <a:t>{“name”:“”,“state”:“”,“turn”:“”,“</a:t>
+                      </a:r>
+                      <a:r>
+                        <a:rPr kumimoji="0" lang="en-US" altLang="zh-CN" sz="1200" b="0" i="0" u="none" strike="noStrike" cap="none" normalizeH="0" baseline="0" dirty="0" err="1" smtClean="0">
+                          <a:ln>
+                            <a:noFill/>
+                          </a:ln>
+                          <a:solidFill>
+                            <a:srgbClr val="000000"/>
+                          </a:solidFill>
+                          <a:effectLst/>
+                          <a:latin typeface="Arial" charset="0"/>
+                          <a:ea typeface="华文新魏" pitchFamily="2" charset="-122"/>
+                          <a:cs typeface="Arial" charset="0"/>
+                        </a:rPr>
+                        <a:t>len</a:t>
+                      </a:r>
+                      <a:r>
+                        <a:rPr kumimoji="0" lang="en-US" altLang="zh-CN" sz="1200" b="0" i="0" u="none" strike="noStrike" cap="none" normalizeH="0" baseline="0" dirty="0" smtClean="0">
+                          <a:ln>
+                            <a:noFill/>
+                          </a:ln>
+                          <a:solidFill>
+                            <a:srgbClr val="000000"/>
+                          </a:solidFill>
+                          <a:effectLst/>
+                          <a:latin typeface="Arial" charset="0"/>
+                          <a:ea typeface="华文新魏" pitchFamily="2" charset="-122"/>
+                          <a:cs typeface="Arial" charset="0"/>
+                        </a:rPr>
+                        <a:t>”:,“cost”:,“vertexes”:““}]</a:t>
                       </a:r>
                     </a:p>
                     <a:p>
@@ -16374,7 +16782,7 @@
                         <a:tabLst/>
                       </a:pPr>
                       <a:r>
-                        <a:rPr kumimoji="0" lang="en-US" altLang="zh-CN" sz="1200" b="0" i="0" u="none" strike="noStrike" cap="none" normalizeH="0" baseline="0" smtClean="0">
+                        <a:rPr kumimoji="0" lang="en-US" altLang="zh-CN" sz="1200" b="0" i="0" u="none" strike="noStrike" cap="none" normalizeH="0" baseline="0" dirty="0" smtClean="0">
                           <a:ln>
                             <a:noFill/>
                           </a:ln>
@@ -16407,7 +16815,7 @@
                         <a:tabLst/>
                       </a:pPr>
                       <a:r>
-                        <a:rPr kumimoji="0" lang="zh-CN" altLang="en-US" sz="1200" b="0" i="0" u="none" strike="noStrike" cap="none" normalizeH="0" baseline="0" smtClean="0">
+                        <a:rPr kumimoji="0" lang="zh-CN" altLang="en-US" sz="1200" b="0" i="0" u="none" strike="noStrike" cap="none" normalizeH="0" baseline="0" dirty="0" smtClean="0">
                           <a:ln>
                             <a:noFill/>
                           </a:ln>
@@ -16422,7 +16830,7 @@
                         <a:t>注：参考</a:t>
                       </a:r>
                       <a:r>
-                        <a:rPr kumimoji="0" lang="en-US" altLang="zh-CN" sz="1200" b="0" i="0" u="none" strike="noStrike" cap="none" normalizeH="0" baseline="0" smtClean="0">
+                        <a:rPr kumimoji="0" lang="en-US" altLang="zh-CN" sz="1200" b="0" i="0" u="none" strike="noStrike" cap="none" normalizeH="0" baseline="0" dirty="0" err="1" smtClean="0">
                           <a:ln>
                             <a:noFill/>
                           </a:ln>
@@ -16436,6 +16844,18 @@
                         </a:rPr>
                         <a:t>org.sse.ws.base.WSRouteDataSet</a:t>
                       </a:r>
+                      <a:endParaRPr kumimoji="0" lang="en-US" altLang="zh-CN" sz="1200" b="0" i="0" u="none" strike="noStrike" cap="none" normalizeH="0" baseline="0" dirty="0" smtClean="0">
+                        <a:ln>
+                          <a:noFill/>
+                        </a:ln>
+                        <a:solidFill>
+                          <a:srgbClr val="C00000"/>
+                        </a:solidFill>
+                        <a:effectLst/>
+                        <a:latin typeface="宋体" charset="-122"/>
+                        <a:ea typeface="宋体" charset="-122"/>
+                        <a:cs typeface="Arial" charset="0"/>
+                      </a:endParaRPr>
                     </a:p>
                     <a:p>
                       <a:pPr marL="0" marR="0" lvl="0" indent="0" algn="l" defTabSz="914400" rtl="0" eaLnBrk="1" fontAlgn="base" latinLnBrk="0" hangingPunct="1">
@@ -16455,7 +16875,7 @@
                         <a:tabLst/>
                       </a:pPr>
                       <a:r>
-                        <a:rPr kumimoji="0" lang="zh-CN" altLang="en-US" sz="1200" b="0" i="0" u="none" strike="noStrike" cap="none" normalizeH="0" baseline="0" smtClean="0">
+                        <a:rPr kumimoji="0" lang="zh-CN" altLang="en-US" sz="1200" b="0" i="0" u="none" strike="noStrike" cap="none" normalizeH="0" baseline="0" dirty="0" smtClean="0">
                           <a:ln>
                             <a:noFill/>
                           </a:ln>
@@ -16470,7 +16890,7 @@
                         <a:t>坐标序列解密参考</a:t>
                       </a:r>
                       <a:r>
-                        <a:rPr kumimoji="0" lang="en-US" altLang="zh-CN" sz="1200" b="0" i="0" u="none" strike="noStrike" cap="none" normalizeH="0" baseline="0" smtClean="0">
+                        <a:rPr kumimoji="0" lang="en-US" altLang="zh-CN" sz="1200" b="0" i="0" u="none" strike="noStrike" cap="none" normalizeH="0" baseline="0" dirty="0" smtClean="0">
                           <a:ln>
                             <a:noFill/>
                           </a:ln>
@@ -16549,8 +16969,8 @@
         </p:nvSpPr>
         <p:spPr bwMode="auto">
           <a:xfrm>
-            <a:off x="571500" y="1285875"/>
-            <a:ext cx="7786688" cy="830263"/>
+            <a:off x="571500" y="1142984"/>
+            <a:ext cx="7786688" cy="1077218"/>
           </a:xfrm>
           <a:prstGeom prst="rect">
             <a:avLst/>
@@ -16570,35 +16990,85 @@
           <a:lstStyle/>
           <a:p>
             <a:r>
-              <a:rPr lang="zh-CN" altLang="en-US" sz="1600"/>
+              <a:rPr lang="zh-CN" altLang="en-US" sz="1600" dirty="0"/>
               <a:t>接口：</a:t>
             </a:r>
             <a:r>
-              <a:rPr lang="en-US" altLang="zh-CN" sz="1600"/>
+              <a:rPr lang="en-US" altLang="zh-CN" sz="1600" dirty="0"/>
               <a:t>plan</a:t>
             </a:r>
           </a:p>
           <a:p>
             <a:r>
-              <a:rPr lang="zh-CN" altLang="en-US" sz="1600"/>
+              <a:rPr lang="zh-CN" altLang="en-US" sz="1600" dirty="0"/>
               <a:t>描述：根据起点、终点、途径点规划一条路径，返回路径详细信息</a:t>
             </a:r>
-            <a:endParaRPr lang="en-US" altLang="zh-CN" sz="1600"/>
+            <a:endParaRPr lang="en-US" altLang="zh-CN" sz="1600" dirty="0"/>
           </a:p>
           <a:p>
             <a:r>
-              <a:rPr lang="en-US" altLang="zh-CN" sz="1600"/>
+              <a:rPr lang="en-US" altLang="zh-CN" sz="1600" dirty="0"/>
               <a:t>WSDL</a:t>
             </a:r>
             <a:r>
-              <a:rPr lang="zh-CN" altLang="en-US" sz="1600"/>
+              <a:rPr lang="zh-CN" altLang="en-US" sz="1600" dirty="0"/>
               <a:t>：</a:t>
             </a:r>
             <a:r>
-              <a:rPr lang="en-US" altLang="zh-CN" sz="1600"/>
-              <a:t> http://&lt;server&gt;:&lt;port&gt;/sse4j/RoutingPort?wsdl</a:t>
-            </a:r>
-            <a:endParaRPr lang="zh-CN" altLang="en-US" sz="1600"/>
+              <a:rPr lang="en-US" altLang="zh-CN" sz="1600" dirty="0"/>
+              <a:t> http://&lt;server&gt;:&lt;port&gt;/</a:t>
+            </a:r>
+            <a:r>
+              <a:rPr lang="en-US" altLang="zh-CN" sz="1600" dirty="0" smtClean="0"/>
+              <a:t>sse4j/RoutingPort?wsdl</a:t>
+            </a:r>
+          </a:p>
+          <a:p>
+            <a:r>
+              <a:rPr lang="en-US" altLang="zh-CN" sz="1600" dirty="0" smtClean="0"/>
+              <a:t>Http</a:t>
+            </a:r>
+            <a:r>
+              <a:rPr lang="zh-CN" altLang="en-US" sz="1600" dirty="0" smtClean="0"/>
+              <a:t> </a:t>
+            </a:r>
+            <a:r>
+              <a:rPr lang="en-US" altLang="zh-CN" sz="1600" dirty="0" smtClean="0"/>
+              <a:t>Post</a:t>
+            </a:r>
+            <a:r>
+              <a:rPr lang="zh-CN" altLang="en-US" sz="1600" dirty="0" smtClean="0"/>
+              <a:t>：</a:t>
+            </a:r>
+            <a:r>
+              <a:rPr lang="en-US" altLang="zh-CN" sz="1600" dirty="0" smtClean="0"/>
+              <a:t> http://&lt;server&gt;:&lt;port&gt;/</a:t>
+            </a:r>
+            <a:r>
+              <a:rPr lang="en-US" altLang="zh-CN" sz="1600" dirty="0" smtClean="0"/>
+              <a:t>sse4j/servlet/Routing  </a:t>
+            </a:r>
+            <a:r>
+              <a:rPr lang="en-US" altLang="zh-CN" sz="1600" dirty="0" smtClean="0">
+                <a:solidFill>
+                  <a:srgbClr val="FF0000"/>
+                </a:solidFill>
+              </a:rPr>
+              <a:t>(xml={input</a:t>
+            </a:r>
+            <a:r>
+              <a:rPr lang="en-US" altLang="zh-CN" sz="1600" dirty="0" smtClean="0">
+                <a:solidFill>
+                  <a:srgbClr val="FF0000"/>
+                </a:solidFill>
+              </a:rPr>
+              <a:t>})</a:t>
+            </a:r>
+            <a:endParaRPr lang="zh-CN" altLang="en-US" sz="1600" dirty="0" smtClean="0">
+              <a:solidFill>
+                <a:srgbClr val="FF0000"/>
+              </a:solidFill>
+            </a:endParaRPr>
           </a:p>
         </p:txBody>
       </p:sp>
@@ -16744,7 +17214,7 @@
                           <a:latin typeface="Arial" charset="0"/>
                           <a:ea typeface="华文新魏" pitchFamily="2" charset="-122"/>
                         </a:rPr>
-                        <a:t>SOAP INPUT</a:t>
+                        <a:t>INPUT</a:t>
                       </a:r>
                       <a:endParaRPr kumimoji="0" lang="zh-CN" altLang="en-US" sz="1800" b="1" i="0" u="none" strike="noStrike" cap="none" normalizeH="0" baseline="0" dirty="0" smtClean="0">
                         <a:ln>
@@ -20091,8 +20561,8 @@
         </p:nvSpPr>
         <p:spPr bwMode="auto">
           <a:xfrm>
-            <a:off x="571500" y="1285875"/>
-            <a:ext cx="7786688" cy="830263"/>
+            <a:off x="571500" y="1137336"/>
+            <a:ext cx="7786688" cy="1077218"/>
           </a:xfrm>
           <a:prstGeom prst="rect">
             <a:avLst/>
@@ -20112,35 +20582,82 @@
           <a:lstStyle/>
           <a:p>
             <a:r>
-              <a:rPr lang="zh-CN" altLang="en-US" sz="1600"/>
+              <a:rPr lang="zh-CN" altLang="en-US" sz="1600" dirty="0"/>
               <a:t>接口：</a:t>
             </a:r>
             <a:r>
-              <a:rPr lang="en-US" altLang="zh-CN" sz="1600"/>
+              <a:rPr lang="en-US" altLang="zh-CN" sz="1600" dirty="0" err="1"/>
               <a:t>webPlan</a:t>
             </a:r>
+            <a:endParaRPr lang="en-US" altLang="zh-CN" sz="1600" dirty="0"/>
           </a:p>
           <a:p>
             <a:r>
-              <a:rPr lang="zh-CN" altLang="en-US" sz="1600"/>
+              <a:rPr lang="zh-CN" altLang="en-US" sz="1600" dirty="0"/>
               <a:t>描述：根据起点、终点、途径点规划一条路径，返回路径描述信息</a:t>
             </a:r>
-            <a:endParaRPr lang="en-US" altLang="zh-CN" sz="1600"/>
+            <a:endParaRPr lang="en-US" altLang="zh-CN" sz="1600" dirty="0"/>
           </a:p>
           <a:p>
             <a:r>
-              <a:rPr lang="en-US" altLang="zh-CN" sz="1600"/>
+              <a:rPr lang="en-US" altLang="zh-CN" sz="1600" dirty="0"/>
               <a:t>WSDL</a:t>
             </a:r>
             <a:r>
-              <a:rPr lang="zh-CN" altLang="en-US" sz="1600"/>
+              <a:rPr lang="zh-CN" altLang="en-US" sz="1600" dirty="0"/>
               <a:t>：</a:t>
             </a:r>
             <a:r>
-              <a:rPr lang="en-US" altLang="zh-CN" sz="1600"/>
-              <a:t> http://&lt;server&gt;:&lt;port&gt;/sse4j/RoutingPort?wsdl</a:t>
-            </a:r>
-            <a:endParaRPr lang="zh-CN" altLang="en-US" sz="1600"/>
+              <a:rPr lang="en-US" altLang="zh-CN" sz="1600" dirty="0"/>
+              <a:t> http://&lt;server&gt;:&lt;port&gt;/</a:t>
+            </a:r>
+            <a:r>
+              <a:rPr lang="en-US" altLang="zh-CN" sz="1600" dirty="0" smtClean="0"/>
+              <a:t>sse4j/RoutingPort?wsdl</a:t>
+            </a:r>
+          </a:p>
+          <a:p>
+            <a:r>
+              <a:rPr lang="en-US" altLang="zh-CN" sz="1600" dirty="0" smtClean="0"/>
+              <a:t>Http</a:t>
+            </a:r>
+            <a:r>
+              <a:rPr lang="zh-CN" altLang="en-US" sz="1600" dirty="0" smtClean="0"/>
+              <a:t> </a:t>
+            </a:r>
+            <a:r>
+              <a:rPr lang="en-US" altLang="zh-CN" sz="1600" dirty="0" smtClean="0"/>
+              <a:t>Post</a:t>
+            </a:r>
+            <a:r>
+              <a:rPr lang="zh-CN" altLang="en-US" sz="1600" dirty="0" smtClean="0"/>
+              <a:t>：</a:t>
+            </a:r>
+            <a:r>
+              <a:rPr lang="en-US" altLang="zh-CN" sz="1600" dirty="0" smtClean="0"/>
+              <a:t> http://&lt;server&gt;:&lt;port&gt;/sse4j/servlet/Routing  </a:t>
+            </a:r>
+            <a:r>
+              <a:rPr lang="en-US" altLang="zh-CN" sz="1600" dirty="0" smtClean="0">
+                <a:solidFill>
+                  <a:srgbClr val="FF0000"/>
+                </a:solidFill>
+              </a:rPr>
+              <a:t>(xml={input</a:t>
+            </a:r>
+            <a:r>
+              <a:rPr lang="en-US" altLang="zh-CN" sz="1600" dirty="0" smtClean="0">
+                <a:solidFill>
+                  <a:srgbClr val="FF0000"/>
+                </a:solidFill>
+              </a:rPr>
+              <a:t>})</a:t>
+            </a:r>
+            <a:endParaRPr lang="zh-CN" altLang="en-US" sz="1600" dirty="0" smtClean="0">
+              <a:solidFill>
+                <a:srgbClr val="FF0000"/>
+              </a:solidFill>
+            </a:endParaRPr>
           </a:p>
         </p:txBody>
       </p:sp>
@@ -20241,7 +20758,7 @@
           <p:nvPr/>
         </p:nvGraphicFramePr>
         <p:xfrm>
-          <a:off x="428625" y="2297113"/>
+          <a:off x="428625" y="2510801"/>
           <a:ext cx="8215313" cy="2561273"/>
         </p:xfrm>
         <a:graphic>
@@ -20286,7 +20803,7 @@
                           <a:latin typeface="Arial" charset="0"/>
                           <a:ea typeface="华文新魏" pitchFamily="2" charset="-122"/>
                         </a:rPr>
-                        <a:t>SOAP INPUT</a:t>
+                        <a:t>INPUT</a:t>
                       </a:r>
                       <a:endParaRPr kumimoji="0" lang="zh-CN" altLang="en-US" sz="1800" b="1" i="0" u="none" strike="noStrike" cap="none" normalizeH="0" baseline="0" dirty="0" smtClean="0">
                         <a:ln>
@@ -21129,7 +21646,7 @@
         <p:spPr bwMode="auto">
           <a:xfrm>
             <a:off x="571500" y="1285875"/>
-            <a:ext cx="7786688" cy="830263"/>
+            <a:ext cx="7786688" cy="1077218"/>
           </a:xfrm>
           <a:prstGeom prst="rect">
             <a:avLst/>
@@ -21149,35 +21666,86 @@
           <a:lstStyle/>
           <a:p>
             <a:r>
-              <a:rPr lang="zh-CN" altLang="en-US" sz="1600"/>
+              <a:rPr lang="zh-CN" altLang="en-US" sz="1600" dirty="0"/>
               <a:t>接口：</a:t>
             </a:r>
             <a:r>
-              <a:rPr lang="en-US" altLang="zh-CN" sz="1600"/>
+              <a:rPr lang="en-US" altLang="zh-CN" sz="1600" dirty="0" err="1"/>
               <a:t>geocoding</a:t>
             </a:r>
+            <a:endParaRPr lang="en-US" altLang="zh-CN" sz="1600" dirty="0"/>
           </a:p>
           <a:p>
             <a:r>
-              <a:rPr lang="zh-CN" altLang="en-US" sz="1600"/>
+              <a:rPr lang="zh-CN" altLang="en-US" sz="1600" dirty="0"/>
               <a:t>描述：根据地址获取坐标信息</a:t>
             </a:r>
-            <a:endParaRPr lang="en-US" altLang="zh-CN" sz="1600"/>
+            <a:endParaRPr lang="en-US" altLang="zh-CN" sz="1600" dirty="0"/>
           </a:p>
           <a:p>
             <a:r>
-              <a:rPr lang="en-US" altLang="zh-CN" sz="1600"/>
+              <a:rPr lang="en-US" altLang="zh-CN" sz="1600" dirty="0"/>
               <a:t>WSDL</a:t>
             </a:r>
             <a:r>
-              <a:rPr lang="zh-CN" altLang="en-US" sz="1600"/>
+              <a:rPr lang="zh-CN" altLang="en-US" sz="1600" dirty="0"/>
               <a:t>：</a:t>
             </a:r>
             <a:r>
-              <a:rPr lang="en-US" altLang="zh-CN" sz="1600"/>
-              <a:t> http://&lt;server&gt;:&lt;port&gt;/sse4j/LocatingPort?wsdl</a:t>
-            </a:r>
-            <a:endParaRPr lang="zh-CN" altLang="en-US" sz="1600"/>
+              <a:rPr lang="en-US" altLang="zh-CN" sz="1600" dirty="0"/>
+              <a:t> http://&lt;server&gt;:&lt;port&gt;/</a:t>
+            </a:r>
+            <a:r>
+              <a:rPr lang="en-US" altLang="zh-CN" sz="1600" dirty="0" smtClean="0"/>
+              <a:t>sse4j/LocatingPort?wsdl</a:t>
+            </a:r>
+          </a:p>
+          <a:p>
+            <a:r>
+              <a:rPr lang="en-US" altLang="zh-CN" sz="1600" dirty="0" smtClean="0"/>
+              <a:t>Http</a:t>
+            </a:r>
+            <a:r>
+              <a:rPr lang="zh-CN" altLang="en-US" sz="1600" dirty="0" smtClean="0"/>
+              <a:t> </a:t>
+            </a:r>
+            <a:r>
+              <a:rPr lang="en-US" altLang="zh-CN" sz="1600" dirty="0" smtClean="0"/>
+              <a:t>Post</a:t>
+            </a:r>
+            <a:r>
+              <a:rPr lang="zh-CN" altLang="en-US" sz="1600" dirty="0" smtClean="0"/>
+              <a:t>：</a:t>
+            </a:r>
+            <a:r>
+              <a:rPr lang="en-US" altLang="zh-CN" sz="1600" dirty="0" smtClean="0"/>
+              <a:t> http://&lt;server&gt;:&lt;port&gt;/</a:t>
+            </a:r>
+            <a:r>
+              <a:rPr lang="en-US" altLang="zh-CN" sz="1600" dirty="0" smtClean="0"/>
+              <a:t>sse4j/servlet/Locating  </a:t>
+            </a:r>
+            <a:r>
+              <a:rPr lang="en-US" altLang="zh-CN" sz="1600" dirty="0" smtClean="0">
+                <a:solidFill>
+                  <a:srgbClr val="FF0000"/>
+                </a:solidFill>
+              </a:rPr>
+              <a:t>(xml={input</a:t>
+            </a:r>
+            <a:r>
+              <a:rPr lang="en-US" altLang="zh-CN" sz="1600" dirty="0" smtClean="0">
+                <a:solidFill>
+                  <a:srgbClr val="FF0000"/>
+                </a:solidFill>
+              </a:rPr>
+              <a:t>})</a:t>
+            </a:r>
+            <a:endParaRPr lang="zh-CN" altLang="en-US" sz="1600" dirty="0" smtClean="0">
+              <a:solidFill>
+                <a:srgbClr val="FF0000"/>
+              </a:solidFill>
+            </a:endParaRPr>
           </a:p>
         </p:txBody>
       </p:sp>
@@ -21278,7 +21846,7 @@
           <p:nvPr/>
         </p:nvGraphicFramePr>
         <p:xfrm>
-          <a:off x="428625" y="2297113"/>
+          <a:off x="428625" y="2510801"/>
           <a:ext cx="8215313" cy="2561273"/>
         </p:xfrm>
         <a:graphic>
@@ -21312,7 +21880,7 @@
                         <a:tabLst/>
                       </a:pPr>
                       <a:r>
-                        <a:rPr kumimoji="0" lang="en-US" altLang="zh-CN" sz="1800" b="1" i="0" u="none" strike="noStrike" cap="none" normalizeH="0" baseline="0" smtClean="0">
+                        <a:rPr kumimoji="0" lang="en-US" altLang="zh-CN" sz="1800" b="1" i="0" u="none" strike="noStrike" cap="none" normalizeH="0" baseline="0" dirty="0" smtClean="0">
                           <a:ln>
                             <a:noFill/>
                           </a:ln>
@@ -21323,9 +21891,9 @@
                           <a:latin typeface="Arial" charset="0"/>
                           <a:ea typeface="华文新魏" pitchFamily="2" charset="-122"/>
                         </a:rPr>
-                        <a:t>SOAP INPUT</a:t>
-                      </a:r>
-                      <a:endParaRPr kumimoji="0" lang="zh-CN" altLang="en-US" sz="1800" b="1" i="0" u="none" strike="noStrike" cap="none" normalizeH="0" baseline="0" smtClean="0">
+                        <a:t>INPUT</a:t>
+                      </a:r>
+                      <a:endParaRPr kumimoji="0" lang="zh-CN" altLang="en-US" sz="1800" b="1" i="0" u="none" strike="noStrike" cap="none" normalizeH="0" baseline="0" dirty="0" smtClean="0">
                         <a:ln>
                           <a:noFill/>
                         </a:ln>
@@ -21873,7 +22441,7 @@
                         <a:tabLst/>
                       </a:pPr>
                       <a:r>
-                        <a:rPr kumimoji="0" lang="en-US" altLang="zh-CN" sz="1400" b="0" i="0" u="none" strike="noStrike" cap="none" normalizeH="0" baseline="0" smtClean="0">
+                        <a:rPr kumimoji="0" lang="en-US" altLang="zh-CN" sz="1400" b="0" i="0" u="none" strike="noStrike" cap="none" normalizeH="0" baseline="0" dirty="0" smtClean="0">
                           <a:ln>
                             <a:noFill/>
                           </a:ln>
@@ -21906,7 +22474,7 @@
                         <a:tabLst/>
                       </a:pPr>
                       <a:r>
-                        <a:rPr kumimoji="0" lang="en-US" altLang="zh-CN" sz="1400" b="0" i="0" u="none" strike="noStrike" cap="none" normalizeH="0" baseline="0" smtClean="0">
+                        <a:rPr kumimoji="0" lang="en-US" altLang="zh-CN" sz="1400" b="0" i="0" u="none" strike="noStrike" cap="none" normalizeH="0" baseline="0" dirty="0" smtClean="0">
                           <a:ln>
                             <a:noFill/>
                           </a:ln>
@@ -21918,10 +22486,10 @@
                           <a:ea typeface="宋体" charset="-122"/>
                           <a:cs typeface="Arial" charset="0"/>
                         </a:rPr>
-                        <a:t>“geoc”:”</a:t>
-                      </a:r>
-                      <a:r>
-                        <a:rPr kumimoji="0" lang="zh-CN" altLang="en-US" sz="1400" b="0" i="0" u="none" strike="noStrike" cap="none" normalizeH="0" baseline="0" smtClean="0">
+                        <a:t>“</a:t>
+                      </a:r>
+                      <a:r>
+                        <a:rPr kumimoji="0" lang="en-US" altLang="zh-CN" sz="1400" b="0" i="0" u="none" strike="noStrike" cap="none" normalizeH="0" baseline="0" dirty="0" err="1" smtClean="0">
                           <a:ln>
                             <a:noFill/>
                           </a:ln>
@@ -21933,10 +22501,40 @@
                           <a:ea typeface="宋体" charset="-122"/>
                           <a:cs typeface="Arial" charset="0"/>
                         </a:rPr>
+                        <a:t>geoc</a:t>
+                      </a:r>
+                      <a:r>
+                        <a:rPr kumimoji="0" lang="en-US" altLang="zh-CN" sz="1400" b="0" i="0" u="none" strike="noStrike" cap="none" normalizeH="0" baseline="0" dirty="0" smtClean="0">
+                          <a:ln>
+                            <a:noFill/>
+                          </a:ln>
+                          <a:solidFill>
+                            <a:schemeClr val="tx1"/>
+                          </a:solidFill>
+                          <a:effectLst/>
+                          <a:latin typeface="Arial" charset="0"/>
+                          <a:ea typeface="宋体" charset="-122"/>
+                          <a:cs typeface="Arial" charset="0"/>
+                        </a:rPr>
+                        <a:t>”:”</a:t>
+                      </a:r>
+                      <a:r>
+                        <a:rPr kumimoji="0" lang="zh-CN" altLang="en-US" sz="1400" b="0" i="0" u="none" strike="noStrike" cap="none" normalizeH="0" baseline="0" dirty="0" smtClean="0">
+                          <a:ln>
+                            <a:noFill/>
+                          </a:ln>
+                          <a:solidFill>
+                            <a:schemeClr val="tx1"/>
+                          </a:solidFill>
+                          <a:effectLst/>
+                          <a:latin typeface="Arial" charset="0"/>
+                          <a:ea typeface="宋体" charset="-122"/>
+                          <a:cs typeface="Arial" charset="0"/>
+                        </a:rPr>
                         <a:t> </a:t>
                       </a:r>
                       <a:r>
-                        <a:rPr kumimoji="0" lang="en-US" altLang="zh-CN" sz="1400" b="0" i="0" u="none" strike="noStrike" cap="none" normalizeH="0" baseline="0" smtClean="0">
+                        <a:rPr kumimoji="0" lang="en-US" altLang="zh-CN" sz="1400" b="0" i="0" u="none" strike="noStrike" cap="none" normalizeH="0" baseline="0" dirty="0" smtClean="0">
                           <a:ln>
                             <a:noFill/>
                           </a:ln>
@@ -21951,7 +22549,7 @@
                         <a:t>“</a:t>
                       </a:r>
                       <a:r>
-                        <a:rPr kumimoji="0" lang="zh-CN" altLang="en-US" sz="1400" b="0" i="0" u="none" strike="noStrike" cap="none" normalizeH="0" baseline="0" smtClean="0">
+                        <a:rPr kumimoji="0" lang="zh-CN" altLang="en-US" sz="1400" b="0" i="0" u="none" strike="noStrike" cap="none" normalizeH="0" baseline="0" dirty="0" smtClean="0">
                           <a:ln>
                             <a:noFill/>
                           </a:ln>
@@ -21966,7 +22564,7 @@
                         <a:t>    </a:t>
                       </a:r>
                       <a:r>
-                        <a:rPr kumimoji="0" lang="en-US" altLang="zh-CN" sz="1400" b="0" i="0" u="none" strike="noStrike" cap="none" normalizeH="0" baseline="0" smtClean="0">
+                        <a:rPr kumimoji="0" lang="en-US" altLang="zh-CN" sz="1400" b="0" i="0" u="none" strike="noStrike" cap="none" normalizeH="0" baseline="0" dirty="0" smtClean="0">
                           <a:ln>
                             <a:noFill/>
                           </a:ln>
@@ -21981,7 +22579,7 @@
                         <a:t>//</a:t>
                       </a:r>
                       <a:r>
-                        <a:rPr kumimoji="0" lang="zh-CN" altLang="en-US" sz="1400" b="0" i="0" u="none" strike="noStrike" cap="none" normalizeH="0" baseline="0" smtClean="0">
+                        <a:rPr kumimoji="0" lang="zh-CN" altLang="en-US" sz="1400" b="0" i="0" u="none" strike="noStrike" cap="none" normalizeH="0" baseline="0" dirty="0" smtClean="0">
                           <a:ln>
                             <a:noFill/>
                           </a:ln>
@@ -21995,7 +22593,7 @@
                         </a:rPr>
                         <a:t>地址</a:t>
                       </a:r>
-                      <a:endParaRPr kumimoji="0" lang="en-US" altLang="zh-CN" sz="1400" b="0" i="0" u="none" strike="noStrike" cap="none" normalizeH="0" baseline="0" smtClean="0">
+                      <a:endParaRPr kumimoji="0" lang="en-US" altLang="zh-CN" sz="1400" b="0" i="0" u="none" strike="noStrike" cap="none" normalizeH="0" baseline="0" dirty="0" smtClean="0">
                         <a:ln>
                           <a:noFill/>
                         </a:ln>
@@ -22026,7 +22624,7 @@
                         <a:tabLst/>
                       </a:pPr>
                       <a:r>
-                        <a:rPr kumimoji="0" lang="en-US" altLang="zh-CN" sz="1400" b="0" i="0" u="none" strike="noStrike" cap="none" normalizeH="0" baseline="0" smtClean="0">
+                        <a:rPr kumimoji="0" lang="en-US" altLang="zh-CN" sz="1400" b="0" i="0" u="none" strike="noStrike" cap="none" normalizeH="0" baseline="0" dirty="0" smtClean="0">
                           <a:ln>
                             <a:noFill/>
                           </a:ln>
@@ -22106,7 +22704,7 @@
         <p:spPr bwMode="auto">
           <a:xfrm>
             <a:off x="571500" y="1285875"/>
-            <a:ext cx="7786688" cy="830263"/>
+            <a:ext cx="7786688" cy="1077218"/>
           </a:xfrm>
           <a:prstGeom prst="rect">
             <a:avLst/>
@@ -22126,35 +22724,82 @@
           <a:lstStyle/>
           <a:p>
             <a:r>
-              <a:rPr lang="zh-CN" altLang="en-US" sz="1600"/>
+              <a:rPr lang="zh-CN" altLang="en-US" sz="1600" dirty="0"/>
               <a:t>接口：</a:t>
             </a:r>
             <a:r>
-              <a:rPr lang="en-US" altLang="zh-CN" sz="1600"/>
+              <a:rPr lang="en-US" altLang="zh-CN" sz="1600" dirty="0" err="1"/>
               <a:t>reverseGeocoding</a:t>
             </a:r>
+            <a:endParaRPr lang="en-US" altLang="zh-CN" sz="1600" dirty="0"/>
           </a:p>
           <a:p>
             <a:r>
-              <a:rPr lang="zh-CN" altLang="en-US" sz="1600"/>
+              <a:rPr lang="zh-CN" altLang="en-US" sz="1600" dirty="0"/>
               <a:t>描述：根据经纬度获取地址信息</a:t>
             </a:r>
-            <a:endParaRPr lang="en-US" altLang="zh-CN" sz="1600"/>
+            <a:endParaRPr lang="en-US" altLang="zh-CN" sz="1600" dirty="0"/>
           </a:p>
           <a:p>
             <a:r>
-              <a:rPr lang="en-US" altLang="zh-CN" sz="1600"/>
+              <a:rPr lang="en-US" altLang="zh-CN" sz="1600" dirty="0"/>
               <a:t>WSDL</a:t>
             </a:r>
             <a:r>
-              <a:rPr lang="zh-CN" altLang="en-US" sz="1600"/>
+              <a:rPr lang="zh-CN" altLang="en-US" sz="1600" dirty="0"/>
               <a:t>：</a:t>
             </a:r>
             <a:r>
-              <a:rPr lang="en-US" altLang="zh-CN" sz="1600"/>
-              <a:t> http://&lt;server&gt;:&lt;port&gt;/sse4j/LocatingPort?wsdl</a:t>
-            </a:r>
-            <a:endParaRPr lang="zh-CN" altLang="en-US" sz="1600"/>
+              <a:rPr lang="en-US" altLang="zh-CN" sz="1600" dirty="0"/>
+              <a:t> http://&lt;server&gt;:&lt;port&gt;/</a:t>
+            </a:r>
+            <a:r>
+              <a:rPr lang="en-US" altLang="zh-CN" sz="1600" dirty="0" smtClean="0"/>
+              <a:t>sse4j/LocatingPort?wsdl</a:t>
+            </a:r>
+          </a:p>
+          <a:p>
+            <a:r>
+              <a:rPr lang="en-US" altLang="zh-CN" sz="1600" dirty="0" smtClean="0"/>
+              <a:t>Http</a:t>
+            </a:r>
+            <a:r>
+              <a:rPr lang="zh-CN" altLang="en-US" sz="1600" dirty="0" smtClean="0"/>
+              <a:t> </a:t>
+            </a:r>
+            <a:r>
+              <a:rPr lang="en-US" altLang="zh-CN" sz="1600" dirty="0" smtClean="0"/>
+              <a:t>Post</a:t>
+            </a:r>
+            <a:r>
+              <a:rPr lang="zh-CN" altLang="en-US" sz="1600" dirty="0" smtClean="0"/>
+              <a:t>：</a:t>
+            </a:r>
+            <a:r>
+              <a:rPr lang="en-US" altLang="zh-CN" sz="1600" dirty="0" smtClean="0"/>
+              <a:t> http://&lt;server&gt;:&lt;port&gt;/sse4j/servlet/Locating  </a:t>
+            </a:r>
+            <a:r>
+              <a:rPr lang="en-US" altLang="zh-CN" sz="1600" dirty="0" smtClean="0">
+                <a:solidFill>
+                  <a:srgbClr val="FF0000"/>
+                </a:solidFill>
+              </a:rPr>
+              <a:t>(xml={input</a:t>
+            </a:r>
+            <a:r>
+              <a:rPr lang="en-US" altLang="zh-CN" sz="1600" dirty="0" smtClean="0">
+                <a:solidFill>
+                  <a:srgbClr val="FF0000"/>
+                </a:solidFill>
+              </a:rPr>
+              <a:t>})</a:t>
+            </a:r>
+            <a:endParaRPr lang="zh-CN" altLang="en-US" sz="1600" dirty="0" smtClean="0">
+              <a:solidFill>
+                <a:srgbClr val="FF0000"/>
+              </a:solidFill>
+            </a:endParaRPr>
           </a:p>
         </p:txBody>
       </p:sp>
@@ -22255,7 +22900,7 @@
           <p:nvPr/>
         </p:nvGraphicFramePr>
         <p:xfrm>
-          <a:off x="428625" y="2297113"/>
+          <a:off x="428625" y="2510801"/>
           <a:ext cx="8215313" cy="2561273"/>
         </p:xfrm>
         <a:graphic>
@@ -22300,7 +22945,7 @@
                           <a:latin typeface="Arial" charset="0"/>
                           <a:ea typeface="华文新魏" pitchFamily="2" charset="-122"/>
                         </a:rPr>
-                        <a:t>SOAP INPUT</a:t>
+                        <a:t>INPUT</a:t>
                       </a:r>
                       <a:endParaRPr kumimoji="0" lang="zh-CN" altLang="en-US" sz="1800" b="1" i="0" u="none" strike="noStrike" cap="none" normalizeH="0" baseline="0" dirty="0" smtClean="0">
                         <a:ln>
@@ -22385,7 +23030,7 @@
                         <a:tabLst/>
                       </a:pPr>
                       <a:r>
-                        <a:rPr kumimoji="0" lang="en-US" altLang="zh-CN" sz="1800" b="1" i="0" u="none" strike="noStrike" cap="none" normalizeH="0" baseline="0" smtClean="0">
+                        <a:rPr kumimoji="0" lang="en-US" altLang="zh-CN" sz="1800" b="1" i="0" u="none" strike="noStrike" cap="none" normalizeH="0" baseline="0" dirty="0" smtClean="0">
                           <a:ln>
                             <a:noFill/>
                           </a:ln>
@@ -22399,7 +23044,7 @@
                         <a:t>Return</a:t>
                       </a:r>
                       <a:r>
-                        <a:rPr kumimoji="0" lang="zh-CN" altLang="en-US" sz="1800" b="1" i="0" u="none" strike="noStrike" cap="none" normalizeH="0" baseline="0" smtClean="0">
+                        <a:rPr kumimoji="0" lang="zh-CN" altLang="en-US" sz="1800" b="1" i="0" u="none" strike="noStrike" cap="none" normalizeH="0" baseline="0" dirty="0" smtClean="0">
                           <a:ln>
                             <a:noFill/>
                           </a:ln>
@@ -22413,7 +23058,7 @@
                         <a:t> </a:t>
                       </a:r>
                       <a:r>
-                        <a:rPr kumimoji="0" lang="en-US" altLang="zh-CN" sz="1800" b="1" i="0" u="none" strike="noStrike" cap="none" normalizeH="0" baseline="0" smtClean="0">
+                        <a:rPr kumimoji="0" lang="en-US" altLang="zh-CN" sz="1800" b="1" i="0" u="none" strike="noStrike" cap="none" normalizeH="0" baseline="0" dirty="0" smtClean="0">
                           <a:ln>
                             <a:noFill/>
                           </a:ln>
@@ -22427,7 +23072,7 @@
                         <a:t>JSON</a:t>
                       </a:r>
                       <a:r>
-                        <a:rPr kumimoji="0" lang="zh-CN" altLang="en-US" sz="1800" b="1" i="0" u="none" strike="noStrike" cap="none" normalizeH="0" baseline="0" smtClean="0">
+                        <a:rPr kumimoji="0" lang="zh-CN" altLang="en-US" sz="1800" b="1" i="0" u="none" strike="noStrike" cap="none" normalizeH="0" baseline="0" dirty="0" smtClean="0">
                           <a:ln>
                             <a:noFill/>
                           </a:ln>
@@ -22441,7 +23086,7 @@
                         <a:t> </a:t>
                       </a:r>
                       <a:r>
-                        <a:rPr kumimoji="0" lang="en-US" altLang="zh-CN" sz="1800" b="1" i="0" u="none" strike="noStrike" cap="none" normalizeH="0" baseline="0" smtClean="0">
+                        <a:rPr kumimoji="0" lang="en-US" altLang="zh-CN" sz="1800" b="1" i="0" u="none" strike="noStrike" cap="none" normalizeH="0" baseline="0" dirty="0" smtClean="0">
                           <a:ln>
                             <a:noFill/>
                           </a:ln>
@@ -22454,7 +23099,7 @@
                         </a:rPr>
                         <a:t>Structure</a:t>
                       </a:r>
-                      <a:endParaRPr kumimoji="0" lang="zh-CN" altLang="en-US" sz="1800" b="1" i="0" u="none" strike="noStrike" cap="none" normalizeH="0" baseline="0" smtClean="0">
+                      <a:endParaRPr kumimoji="0" lang="zh-CN" altLang="en-US" sz="1800" b="1" i="0" u="none" strike="noStrike" cap="none" normalizeH="0" baseline="0" dirty="0" smtClean="0">
                         <a:ln>
                           <a:noFill/>
                         </a:ln>
@@ -23533,7 +24178,7 @@
         <p:spPr bwMode="auto">
           <a:xfrm>
             <a:off x="571500" y="1285875"/>
-            <a:ext cx="7786688" cy="830263"/>
+            <a:ext cx="7786688" cy="1077218"/>
           </a:xfrm>
           <a:prstGeom prst="rect">
             <a:avLst/>
@@ -23598,7 +24243,53 @@
               <a:rPr lang="en-US" altLang="zh-CN" sz="1600" dirty="0" smtClean="0"/>
               <a:t>sse4j/MatchingPort?wsdl</a:t>
             </a:r>
-            <a:endParaRPr lang="zh-CN" altLang="en-US" sz="1600" dirty="0"/>
+          </a:p>
+          <a:p>
+            <a:r>
+              <a:rPr lang="en-US" altLang="zh-CN" sz="1600" dirty="0" smtClean="0"/>
+              <a:t>Http</a:t>
+            </a:r>
+            <a:r>
+              <a:rPr lang="zh-CN" altLang="en-US" sz="1600" dirty="0" smtClean="0"/>
+              <a:t> </a:t>
+            </a:r>
+            <a:r>
+              <a:rPr lang="en-US" altLang="zh-CN" sz="1600" dirty="0" smtClean="0"/>
+              <a:t>Post</a:t>
+            </a:r>
+            <a:r>
+              <a:rPr lang="zh-CN" altLang="en-US" sz="1600" dirty="0" smtClean="0"/>
+              <a:t>：</a:t>
+            </a:r>
+            <a:r>
+              <a:rPr lang="en-US" altLang="zh-CN" sz="1600" dirty="0" smtClean="0"/>
+              <a:t> http://&lt;server&gt;:&lt;port&gt;/</a:t>
+            </a:r>
+            <a:r>
+              <a:rPr lang="en-US" altLang="zh-CN" sz="1600" dirty="0" smtClean="0"/>
+              <a:t>sse4j/servlet/Matching  </a:t>
+            </a:r>
+            <a:r>
+              <a:rPr lang="en-US" altLang="zh-CN" sz="1600" dirty="0" smtClean="0">
+                <a:solidFill>
+                  <a:srgbClr val="FF0000"/>
+                </a:solidFill>
+              </a:rPr>
+              <a:t>(xml={input</a:t>
+            </a:r>
+            <a:r>
+              <a:rPr lang="en-US" altLang="zh-CN" sz="1600" dirty="0" smtClean="0">
+                <a:solidFill>
+                  <a:srgbClr val="FF0000"/>
+                </a:solidFill>
+              </a:rPr>
+              <a:t>})</a:t>
+            </a:r>
+            <a:endParaRPr lang="zh-CN" altLang="en-US" sz="1600" dirty="0" smtClean="0">
+              <a:solidFill>
+                <a:srgbClr val="FF0000"/>
+              </a:solidFill>
+            </a:endParaRPr>
           </a:p>
         </p:txBody>
       </p:sp>
@@ -23885,14 +24576,14 @@
               </a:buBlip>
             </a:pPr>
             <a:r>
-              <a:rPr lang="en-US" altLang="zh-CN" sz="2400">
+              <a:rPr lang="en-US" altLang="zh-CN" sz="2400" dirty="0">
                 <a:latin typeface="黑体" pitchFamily="2" charset="-122"/>
                 <a:ea typeface="黑体" pitchFamily="2" charset="-122"/>
               </a:rPr>
               <a:t>3 SSE4J</a:t>
             </a:r>
             <a:r>
-              <a:rPr lang="zh-CN" altLang="en-US" sz="2400">
+              <a:rPr lang="zh-CN" altLang="en-US" sz="2400" dirty="0">
                 <a:latin typeface="黑体" pitchFamily="2" charset="-122"/>
                 <a:ea typeface="黑体" pitchFamily="2" charset="-122"/>
               </a:rPr>
@@ -23910,14 +24601,14 @@
               </a:buBlip>
             </a:pPr>
             <a:r>
-              <a:rPr lang="en-US" altLang="zh-CN">
+              <a:rPr lang="en-US" altLang="zh-CN" dirty="0">
                 <a:latin typeface="黑体" pitchFamily="2" charset="-122"/>
                 <a:ea typeface="黑体" pitchFamily="2" charset="-122"/>
               </a:rPr>
               <a:t>3.1 </a:t>
             </a:r>
             <a:r>
-              <a:rPr lang="zh-CN" altLang="en-US">
+              <a:rPr lang="zh-CN" altLang="en-US" dirty="0">
                 <a:latin typeface="黑体" pitchFamily="2" charset="-122"/>
                 <a:ea typeface="黑体" pitchFamily="2" charset="-122"/>
               </a:rPr>
@@ -23935,14 +24626,14 @@
               </a:buBlip>
             </a:pPr>
             <a:r>
-              <a:rPr lang="en-US" altLang="zh-CN">
+              <a:rPr lang="en-US" altLang="zh-CN" dirty="0">
                 <a:latin typeface="黑体" pitchFamily="2" charset="-122"/>
                 <a:ea typeface="黑体" pitchFamily="2" charset="-122"/>
               </a:rPr>
               <a:t>3.2 Searching</a:t>
             </a:r>
             <a:r>
-              <a:rPr lang="zh-CN" altLang="en-US">
+              <a:rPr lang="zh-CN" altLang="en-US" dirty="0">
                 <a:latin typeface="黑体" pitchFamily="2" charset="-122"/>
                 <a:ea typeface="黑体" pitchFamily="2" charset="-122"/>
               </a:rPr>
@@ -23960,14 +24651,14 @@
               </a:buBlip>
             </a:pPr>
             <a:r>
-              <a:rPr lang="en-US" altLang="zh-CN">
+              <a:rPr lang="en-US" altLang="zh-CN" dirty="0">
                 <a:latin typeface="黑体" pitchFamily="2" charset="-122"/>
                 <a:ea typeface="黑体" pitchFamily="2" charset="-122"/>
               </a:rPr>
               <a:t>3.3 Routing</a:t>
             </a:r>
             <a:r>
-              <a:rPr lang="zh-CN" altLang="en-US">
+              <a:rPr lang="zh-CN" altLang="en-US" dirty="0">
                 <a:latin typeface="黑体" pitchFamily="2" charset="-122"/>
                 <a:ea typeface="黑体" pitchFamily="2" charset="-122"/>
               </a:rPr>
@@ -23985,14 +24676,14 @@
               </a:buBlip>
             </a:pPr>
             <a:r>
-              <a:rPr lang="en-US" altLang="zh-CN">
+              <a:rPr lang="en-US" altLang="zh-CN" dirty="0">
                 <a:latin typeface="黑体" pitchFamily="2" charset="-122"/>
                 <a:ea typeface="黑体" pitchFamily="2" charset="-122"/>
               </a:rPr>
               <a:t>3.4 Locating</a:t>
             </a:r>
             <a:r>
-              <a:rPr lang="zh-CN" altLang="en-US">
+              <a:rPr lang="zh-CN" altLang="en-US" dirty="0">
                 <a:latin typeface="黑体" pitchFamily="2" charset="-122"/>
                 <a:ea typeface="黑体" pitchFamily="2" charset="-122"/>
               </a:rPr>
@@ -24010,19 +24701,59 @@
               </a:buBlip>
             </a:pPr>
             <a:r>
-              <a:rPr lang="en-US" altLang="zh-CN">
+              <a:rPr lang="en-US" altLang="zh-CN" dirty="0">
                 <a:latin typeface="黑体" pitchFamily="2" charset="-122"/>
                 <a:ea typeface="黑体" pitchFamily="2" charset="-122"/>
               </a:rPr>
               <a:t>3.5 Matching</a:t>
             </a:r>
             <a:r>
-              <a:rPr lang="zh-CN" altLang="en-US">
+              <a:rPr lang="zh-CN" altLang="en-US" dirty="0" smtClean="0">
                 <a:latin typeface="黑体" pitchFamily="2" charset="-122"/>
                 <a:ea typeface="黑体" pitchFamily="2" charset="-122"/>
               </a:rPr>
               <a:t>接口</a:t>
             </a:r>
+            <a:endParaRPr lang="en-US" altLang="zh-CN" dirty="0" smtClean="0">
+              <a:latin typeface="黑体" pitchFamily="2" charset="-122"/>
+              <a:ea typeface="黑体" pitchFamily="2" charset="-122"/>
+            </a:endParaRPr>
+          </a:p>
+          <a:p>
+            <a:pPr marL="742950" lvl="1" indent="-285750">
+              <a:spcBef>
+                <a:spcPct val="20000"/>
+              </a:spcBef>
+              <a:buFontTx/>
+              <a:buBlip>
+                <a:blip r:embed="rId3"/>
+              </a:buBlip>
+            </a:pPr>
+            <a:r>
+              <a:rPr lang="en-US" altLang="zh-CN" dirty="0" smtClean="0">
+                <a:latin typeface="黑体" pitchFamily="2" charset="-122"/>
+                <a:ea typeface="黑体" pitchFamily="2" charset="-122"/>
+              </a:rPr>
+              <a:t>3.6 </a:t>
+            </a:r>
+            <a:r>
+              <a:rPr lang="en-US" altLang="zh-CN" dirty="0" err="1" smtClean="0">
+                <a:latin typeface="黑体" pitchFamily="2" charset="-122"/>
+                <a:ea typeface="黑体" pitchFamily="2" charset="-122"/>
+              </a:rPr>
+              <a:t>HotTile</a:t>
+            </a:r>
+            <a:r>
+              <a:rPr lang="zh-CN" altLang="en-US" dirty="0" smtClean="0">
+                <a:latin typeface="黑体" pitchFamily="2" charset="-122"/>
+                <a:ea typeface="黑体" pitchFamily="2" charset="-122"/>
+              </a:rPr>
+              <a:t>接口</a:t>
+            </a:r>
+            <a:endParaRPr lang="zh-CN" altLang="en-US" dirty="0">
+              <a:latin typeface="黑体" pitchFamily="2" charset="-122"/>
+              <a:ea typeface="黑体" pitchFamily="2" charset="-122"/>
+            </a:endParaRPr>
           </a:p>
           <a:p>
             <a:pPr marL="342900" indent="-342900">
@@ -24035,14 +24766,14 @@
               </a:buBlip>
             </a:pPr>
             <a:r>
-              <a:rPr lang="en-US" altLang="zh-CN" sz="2000">
+              <a:rPr lang="en-US" altLang="zh-CN" sz="2000" dirty="0">
                 <a:latin typeface="黑体" pitchFamily="2" charset="-122"/>
                 <a:ea typeface="黑体" pitchFamily="2" charset="-122"/>
               </a:rPr>
               <a:t>4 </a:t>
             </a:r>
             <a:r>
-              <a:rPr lang="zh-CN" altLang="en-US" sz="2000">
+              <a:rPr lang="zh-CN" altLang="en-US" sz="2000" dirty="0">
                 <a:latin typeface="黑体" pitchFamily="2" charset="-122"/>
                 <a:ea typeface="黑体" pitchFamily="2" charset="-122"/>
               </a:rPr>
@@ -24060,14 +24791,14 @@
               </a:buBlip>
             </a:pPr>
             <a:r>
-              <a:rPr lang="en-US" altLang="zh-CN">
+              <a:rPr lang="en-US" altLang="zh-CN" dirty="0">
                 <a:latin typeface="黑体" pitchFamily="2" charset="-122"/>
                 <a:ea typeface="黑体" pitchFamily="2" charset="-122"/>
               </a:rPr>
               <a:t>4.1 </a:t>
             </a:r>
             <a:r>
-              <a:rPr lang="zh-CN" altLang="en-US">
+              <a:rPr lang="zh-CN" altLang="en-US" dirty="0">
                 <a:latin typeface="黑体" pitchFamily="2" charset="-122"/>
                 <a:ea typeface="黑体" pitchFamily="2" charset="-122"/>
               </a:rPr>
@@ -24085,14 +24816,14 @@
               </a:buBlip>
             </a:pPr>
             <a:r>
-              <a:rPr lang="en-US" altLang="zh-CN">
+              <a:rPr lang="en-US" altLang="zh-CN" dirty="0">
                 <a:latin typeface="黑体" pitchFamily="2" charset="-122"/>
                 <a:ea typeface="黑体" pitchFamily="2" charset="-122"/>
               </a:rPr>
               <a:t>4.2 </a:t>
             </a:r>
             <a:r>
-              <a:rPr lang="zh-CN" altLang="en-US">
+              <a:rPr lang="zh-CN" altLang="en-US" dirty="0">
                 <a:latin typeface="黑体" pitchFamily="2" charset="-122"/>
                 <a:ea typeface="黑体" pitchFamily="2" charset="-122"/>
               </a:rPr>
@@ -24110,14 +24841,14 @@
               </a:buBlip>
             </a:pPr>
             <a:r>
-              <a:rPr lang="en-US" altLang="zh-CN">
+              <a:rPr lang="en-US" altLang="zh-CN" dirty="0">
                 <a:latin typeface="黑体" pitchFamily="2" charset="-122"/>
                 <a:ea typeface="黑体" pitchFamily="2" charset="-122"/>
               </a:rPr>
               <a:t>4.3 </a:t>
             </a:r>
             <a:r>
-              <a:rPr lang="zh-CN" altLang="en-US">
+              <a:rPr lang="zh-CN" altLang="en-US" dirty="0">
                 <a:latin typeface="黑体" pitchFamily="2" charset="-122"/>
                 <a:ea typeface="黑体" pitchFamily="2" charset="-122"/>
               </a:rPr>
@@ -24223,7 +24954,7 @@
           <p:nvPr/>
         </p:nvGraphicFramePr>
         <p:xfrm>
-          <a:off x="428625" y="2297113"/>
+          <a:off x="428625" y="2484136"/>
           <a:ext cx="8215313" cy="3230880"/>
         </p:xfrm>
         <a:graphic>
@@ -24268,7 +24999,7 @@
                           <a:latin typeface="Arial" charset="0"/>
                           <a:ea typeface="华文新魏" pitchFamily="2" charset="-122"/>
                         </a:rPr>
-                        <a:t>SOAP INPUT</a:t>
+                        <a:t>INPUT</a:t>
                       </a:r>
                       <a:endParaRPr kumimoji="0" lang="zh-CN" altLang="en-US" sz="1800" b="1" i="0" u="none" strike="noStrike" cap="none" normalizeH="0" baseline="0" dirty="0" smtClean="0">
                         <a:ln>
@@ -25894,7 +26625,7 @@
         <p:spPr bwMode="auto">
           <a:xfrm>
             <a:off x="571500" y="1285875"/>
-            <a:ext cx="7786688" cy="830263"/>
+            <a:ext cx="7786688" cy="1077218"/>
           </a:xfrm>
           <a:prstGeom prst="rect">
             <a:avLst/>
@@ -25955,7 +26686,53 @@
               <a:rPr lang="en-US" altLang="zh-CN" sz="1600" dirty="0" smtClean="0"/>
               <a:t>sse4j/MatchingPort?wsdl</a:t>
             </a:r>
-            <a:endParaRPr lang="zh-CN" altLang="en-US" sz="1600" dirty="0"/>
+          </a:p>
+          <a:p>
+            <a:r>
+              <a:rPr lang="en-US" altLang="zh-CN" sz="1600" dirty="0" smtClean="0"/>
+              <a:t>Http</a:t>
+            </a:r>
+            <a:r>
+              <a:rPr lang="zh-CN" altLang="en-US" sz="1600" dirty="0" smtClean="0"/>
+              <a:t> </a:t>
+            </a:r>
+            <a:r>
+              <a:rPr lang="en-US" altLang="zh-CN" sz="1600" dirty="0" smtClean="0"/>
+              <a:t>Post</a:t>
+            </a:r>
+            <a:r>
+              <a:rPr lang="zh-CN" altLang="en-US" sz="1600" dirty="0" smtClean="0"/>
+              <a:t>：</a:t>
+            </a:r>
+            <a:r>
+              <a:rPr lang="en-US" altLang="zh-CN" sz="1600" dirty="0" smtClean="0"/>
+              <a:t> http://&lt;server&gt;:&lt;port&gt;/</a:t>
+            </a:r>
+            <a:r>
+              <a:rPr lang="en-US" altLang="zh-CN" sz="1600" dirty="0" smtClean="0"/>
+              <a:t>sse4j/servlet/Matching  </a:t>
+            </a:r>
+            <a:r>
+              <a:rPr lang="en-US" altLang="zh-CN" sz="1600" dirty="0" smtClean="0">
+                <a:solidFill>
+                  <a:srgbClr val="FF0000"/>
+                </a:solidFill>
+              </a:rPr>
+              <a:t>(xml={input</a:t>
+            </a:r>
+            <a:r>
+              <a:rPr lang="en-US" altLang="zh-CN" sz="1600" dirty="0" smtClean="0">
+                <a:solidFill>
+                  <a:srgbClr val="FF0000"/>
+                </a:solidFill>
+              </a:rPr>
+              <a:t>})</a:t>
+            </a:r>
+            <a:endParaRPr lang="zh-CN" altLang="en-US" sz="1600" dirty="0" smtClean="0">
+              <a:solidFill>
+                <a:srgbClr val="FF0000"/>
+              </a:solidFill>
+            </a:endParaRPr>
           </a:p>
         </p:txBody>
       </p:sp>
@@ -25993,7 +26770,7 @@
       </p:grpSpPr>
       <p:sp>
         <p:nvSpPr>
-          <p:cNvPr id="14338" name="标题 1"/>
+          <p:cNvPr id="20482" name="标题 1"/>
           <p:cNvSpPr>
             <a:spLocks noGrp="1"/>
           </p:cNvSpPr>
@@ -26016,7 +26793,7 @@
                 <a:latin typeface="宋体" charset="-122"/>
                 <a:ea typeface="宋体" charset="-122"/>
               </a:rPr>
-              <a:t>4.1</a:t>
+              <a:t>3.6</a:t>
             </a:r>
             <a:r>
               <a:rPr lang="en-US" altLang="zh-CN" sz="3200" dirty="0" smtClean="0">
@@ -26029,6 +26806,16 @@
               <a:t> </a:t>
             </a:r>
             <a:r>
+              <a:rPr lang="en-US" altLang="zh-CN" sz="3200" dirty="0" err="1" smtClean="0">
+                <a:ln>
+                  <a:noFill/>
+                </a:ln>
+                <a:latin typeface="宋体" charset="-122"/>
+                <a:ea typeface="宋体" charset="-122"/>
+              </a:rPr>
+              <a:t>HotTile</a:t>
+            </a:r>
+            <a:r>
               <a:rPr lang="zh-CN" altLang="en-US" sz="3200" dirty="0" smtClean="0">
                 <a:ln>
                   <a:noFill/>
@@ -26036,7 +26823,7 @@
                 <a:latin typeface="宋体" charset="-122"/>
                 <a:ea typeface="宋体" charset="-122"/>
               </a:rPr>
-              <a:t>部署说明</a:t>
+              <a:t>接口</a:t>
             </a:r>
             <a:endParaRPr lang="zh-CN" altLang="en-US" sz="3200" dirty="0" smtClean="0">
               <a:ln>
@@ -26047,18 +26834,773 @@
           </a:p>
         </p:txBody>
       </p:sp>
+      <p:graphicFrame>
+        <p:nvGraphicFramePr>
+          <p:cNvPr id="4" name="表格 3"/>
+          <p:cNvGraphicFramePr>
+            <a:graphicFrameLocks noGrp="1"/>
+          </p:cNvGraphicFramePr>
+          <p:nvPr/>
+        </p:nvGraphicFramePr>
+        <p:xfrm>
+          <a:off x="428625" y="2357430"/>
+          <a:ext cx="8215313" cy="2561273"/>
+        </p:xfrm>
+        <a:graphic>
+          <a:graphicData uri="http://schemas.openxmlformats.org/drawingml/2006/table">
+            <a:tbl>
+              <a:tblPr/>
+              <a:tblGrid>
+                <a:gridCol w="4440238"/>
+                <a:gridCol w="3775075"/>
+              </a:tblGrid>
+              <a:tr h="357188">
+                <a:tc>
+                  <a:txBody>
+                    <a:bodyPr/>
+                    <a:lstStyle/>
+                    <a:p>
+                      <a:pPr marL="0" marR="0" lvl="0" indent="0" algn="l" defTabSz="914400" rtl="0" eaLnBrk="1" fontAlgn="base" latinLnBrk="0" hangingPunct="1">
+                        <a:lnSpc>
+                          <a:spcPct val="100000"/>
+                        </a:lnSpc>
+                        <a:spcBef>
+                          <a:spcPct val="0"/>
+                        </a:spcBef>
+                        <a:spcAft>
+                          <a:spcPct val="0"/>
+                        </a:spcAft>
+                        <a:buClrTx/>
+                        <a:buSzTx/>
+                        <a:buFontTx/>
+                        <a:buNone/>
+                        <a:tabLst/>
+                      </a:pPr>
+                      <a:r>
+                        <a:rPr kumimoji="0" lang="en-US" altLang="zh-CN" sz="1800" b="1" i="0" u="none" strike="noStrike" cap="none" normalizeH="0" baseline="0" dirty="0" smtClean="0">
+                          <a:ln>
+                            <a:noFill/>
+                          </a:ln>
+                          <a:solidFill>
+                            <a:srgbClr val="FFFFFF"/>
+                          </a:solidFill>
+                          <a:effectLst/>
+                          <a:latin typeface="Arial" charset="0"/>
+                          <a:ea typeface="华文新魏" pitchFamily="2" charset="-122"/>
+                        </a:rPr>
+                        <a:t>INPUT</a:t>
+                      </a:r>
+                      <a:endParaRPr kumimoji="0" lang="zh-CN" altLang="en-US" sz="1800" b="1" i="0" u="none" strike="noStrike" cap="none" normalizeH="0" baseline="0" dirty="0" smtClean="0">
+                        <a:ln>
+                          <a:noFill/>
+                        </a:ln>
+                        <a:solidFill>
+                          <a:srgbClr val="FFFFFF"/>
+                        </a:solidFill>
+                        <a:effectLst/>
+                        <a:latin typeface="Arial" charset="0"/>
+                        <a:ea typeface="华文新魏" pitchFamily="2" charset="-122"/>
+                      </a:endParaRPr>
+                    </a:p>
+                  </a:txBody>
+                  <a:tcPr horzOverflow="overflow">
+                    <a:lnL w="12700" cap="flat" cmpd="sng" algn="ctr">
+                      <a:solidFill>
+                        <a:schemeClr val="bg1"/>
+                      </a:solidFill>
+                      <a:prstDash val="solid"/>
+                      <a:round/>
+                      <a:headEnd type="none" w="med" len="med"/>
+                      <a:tailEnd type="none" w="med" len="med"/>
+                    </a:lnL>
+                    <a:lnR w="12700" cap="flat" cmpd="sng" algn="ctr">
+                      <a:solidFill>
+                        <a:schemeClr val="bg1"/>
+                      </a:solidFill>
+                      <a:prstDash val="solid"/>
+                      <a:round/>
+                      <a:headEnd type="none" w="med" len="med"/>
+                      <a:tailEnd type="none" w="med" len="med"/>
+                    </a:lnR>
+                    <a:lnT w="12700" cap="flat" cmpd="sng" algn="ctr">
+                      <a:solidFill>
+                        <a:schemeClr val="bg1"/>
+                      </a:solidFill>
+                      <a:prstDash val="solid"/>
+                      <a:round/>
+                      <a:headEnd type="none" w="med" len="med"/>
+                      <a:tailEnd type="none" w="med" len="med"/>
+                    </a:lnT>
+                    <a:lnB w="38100" cap="flat" cmpd="sng" algn="ctr">
+                      <a:solidFill>
+                        <a:schemeClr val="bg1"/>
+                      </a:solidFill>
+                      <a:prstDash val="solid"/>
+                      <a:round/>
+                      <a:headEnd type="none" w="med" len="med"/>
+                      <a:tailEnd type="none" w="med" len="med"/>
+                    </a:lnB>
+                    <a:lnTlToBr>
+                      <a:noFill/>
+                    </a:lnTlToBr>
+                    <a:lnBlToTr>
+                      <a:noFill/>
+                    </a:lnBlToTr>
+                    <a:solidFill>
+                      <a:schemeClr val="accent1"/>
+                    </a:solidFill>
+                  </a:tcPr>
+                </a:tc>
+                <a:tc>
+                  <a:txBody>
+                    <a:bodyPr/>
+                    <a:lstStyle/>
+                    <a:p>
+                      <a:pPr marL="0" marR="0" lvl="0" indent="0" algn="l" defTabSz="914400" rtl="0" eaLnBrk="1" fontAlgn="base" latinLnBrk="0" hangingPunct="1">
+                        <a:lnSpc>
+                          <a:spcPct val="100000"/>
+                        </a:lnSpc>
+                        <a:spcBef>
+                          <a:spcPct val="0"/>
+                        </a:spcBef>
+                        <a:spcAft>
+                          <a:spcPct val="0"/>
+                        </a:spcAft>
+                        <a:buClrTx/>
+                        <a:buSzTx/>
+                        <a:buFontTx/>
+                        <a:buNone/>
+                        <a:tabLst/>
+                      </a:pPr>
+                      <a:r>
+                        <a:rPr kumimoji="0" lang="en-US" altLang="zh-CN" sz="1800" b="1" i="0" u="none" strike="noStrike" cap="none" normalizeH="0" baseline="0" dirty="0" smtClean="0">
+                          <a:ln>
+                            <a:noFill/>
+                          </a:ln>
+                          <a:solidFill>
+                            <a:srgbClr val="FFFFFF"/>
+                          </a:solidFill>
+                          <a:effectLst/>
+                          <a:latin typeface="Arial" charset="0"/>
+                          <a:ea typeface="华文新魏" pitchFamily="2" charset="-122"/>
+                        </a:rPr>
+                        <a:t>Return</a:t>
+                      </a:r>
+                      <a:endParaRPr kumimoji="0" lang="zh-CN" altLang="en-US" sz="1800" b="1" i="0" u="none" strike="noStrike" cap="none" normalizeH="0" baseline="0" dirty="0" smtClean="0">
+                        <a:ln>
+                          <a:noFill/>
+                        </a:ln>
+                        <a:solidFill>
+                          <a:srgbClr val="FFFFFF"/>
+                        </a:solidFill>
+                        <a:effectLst/>
+                        <a:latin typeface="Arial" charset="0"/>
+                        <a:ea typeface="华文新魏" pitchFamily="2" charset="-122"/>
+                      </a:endParaRPr>
+                    </a:p>
+                  </a:txBody>
+                  <a:tcPr horzOverflow="overflow">
+                    <a:lnL w="12700" cap="flat" cmpd="sng" algn="ctr">
+                      <a:solidFill>
+                        <a:schemeClr val="bg1"/>
+                      </a:solidFill>
+                      <a:prstDash val="solid"/>
+                      <a:round/>
+                      <a:headEnd type="none" w="med" len="med"/>
+                      <a:tailEnd type="none" w="med" len="med"/>
+                    </a:lnL>
+                    <a:lnR w="12700" cap="flat" cmpd="sng" algn="ctr">
+                      <a:solidFill>
+                        <a:schemeClr val="bg1"/>
+                      </a:solidFill>
+                      <a:prstDash val="solid"/>
+                      <a:round/>
+                      <a:headEnd type="none" w="med" len="med"/>
+                      <a:tailEnd type="none" w="med" len="med"/>
+                    </a:lnR>
+                    <a:lnT w="12700" cap="flat" cmpd="sng" algn="ctr">
+                      <a:solidFill>
+                        <a:schemeClr val="bg1"/>
+                      </a:solidFill>
+                      <a:prstDash val="solid"/>
+                      <a:round/>
+                      <a:headEnd type="none" w="med" len="med"/>
+                      <a:tailEnd type="none" w="med" len="med"/>
+                    </a:lnT>
+                    <a:lnB w="38100" cap="flat" cmpd="sng" algn="ctr">
+                      <a:solidFill>
+                        <a:schemeClr val="bg1"/>
+                      </a:solidFill>
+                      <a:prstDash val="solid"/>
+                      <a:round/>
+                      <a:headEnd type="none" w="med" len="med"/>
+                      <a:tailEnd type="none" w="med" len="med"/>
+                    </a:lnB>
+                    <a:lnTlToBr>
+                      <a:noFill/>
+                    </a:lnTlToBr>
+                    <a:lnBlToTr>
+                      <a:noFill/>
+                    </a:lnBlToTr>
+                    <a:solidFill>
+                      <a:schemeClr val="accent1"/>
+                    </a:solidFill>
+                  </a:tcPr>
+                </a:tc>
+              </a:tr>
+              <a:tr h="2195513">
+                <a:tc>
+                  <a:txBody>
+                    <a:bodyPr/>
+                    <a:lstStyle/>
+                    <a:p>
+                      <a:pPr marL="0" marR="0" lvl="0" indent="0" algn="l" defTabSz="914400" rtl="0" eaLnBrk="1" fontAlgn="base" latinLnBrk="0" hangingPunct="1">
+                        <a:lnSpc>
+                          <a:spcPct val="100000"/>
+                        </a:lnSpc>
+                        <a:spcBef>
+                          <a:spcPct val="0"/>
+                        </a:spcBef>
+                        <a:spcAft>
+                          <a:spcPct val="0"/>
+                        </a:spcAft>
+                        <a:buClrTx/>
+                        <a:buSzTx/>
+                        <a:buFontTx/>
+                        <a:buNone/>
+                        <a:tabLst/>
+                      </a:pPr>
+                      <a:r>
+                        <a:rPr kumimoji="0" lang="en-US" altLang="zh-CN" sz="1400" b="0" i="0" u="none" strike="noStrike" cap="none" normalizeH="0" baseline="0" dirty="0" smtClean="0">
+                          <a:ln>
+                            <a:noFill/>
+                          </a:ln>
+                          <a:solidFill>
+                            <a:srgbClr val="000000"/>
+                          </a:solidFill>
+                          <a:effectLst/>
+                          <a:latin typeface="Arial" charset="0"/>
+                          <a:ea typeface="华文新魏" pitchFamily="2" charset="-122"/>
+                          <a:cs typeface="Arial" charset="0"/>
+                        </a:rPr>
+                        <a:t>Zoom={10 ~ 17}</a:t>
+                      </a:r>
+                    </a:p>
+                    <a:p>
+                      <a:pPr marL="0" marR="0" lvl="0" indent="0" algn="l" defTabSz="914400" rtl="0" eaLnBrk="1" fontAlgn="base" latinLnBrk="0" hangingPunct="1">
+                        <a:lnSpc>
+                          <a:spcPct val="100000"/>
+                        </a:lnSpc>
+                        <a:spcBef>
+                          <a:spcPct val="0"/>
+                        </a:spcBef>
+                        <a:spcAft>
+                          <a:spcPct val="0"/>
+                        </a:spcAft>
+                        <a:buClrTx/>
+                        <a:buSzTx/>
+                        <a:buFontTx/>
+                        <a:buNone/>
+                        <a:tabLst/>
+                      </a:pPr>
+                      <a:r>
+                        <a:rPr kumimoji="0" lang="en-US" altLang="zh-CN" sz="1400" b="0" i="0" u="none" strike="noStrike" cap="none" normalizeH="0" baseline="0" dirty="0" smtClean="0">
+                          <a:ln>
+                            <a:noFill/>
+                          </a:ln>
+                          <a:solidFill>
+                            <a:srgbClr val="000000"/>
+                          </a:solidFill>
+                          <a:effectLst/>
+                          <a:latin typeface="Arial" charset="0"/>
+                          <a:ea typeface="华文新魏" pitchFamily="2" charset="-122"/>
+                          <a:cs typeface="Arial" charset="0"/>
+                        </a:rPr>
+                        <a:t>X={0 ~ </a:t>
+                      </a:r>
+                      <a:r>
+                        <a:rPr kumimoji="0" lang="en-US" altLang="zh-CN" sz="1400" b="0" i="0" u="none" strike="noStrike" cap="none" normalizeH="0" baseline="0" dirty="0" err="1" smtClean="0">
+                          <a:ln>
+                            <a:noFill/>
+                          </a:ln>
+                          <a:solidFill>
+                            <a:srgbClr val="000000"/>
+                          </a:solidFill>
+                          <a:effectLst/>
+                          <a:latin typeface="Arial" charset="0"/>
+                          <a:ea typeface="华文新魏" pitchFamily="2" charset="-122"/>
+                          <a:cs typeface="Arial" charset="0"/>
+                        </a:rPr>
+                        <a:t>Pow</a:t>
+                      </a:r>
+                      <a:r>
+                        <a:rPr kumimoji="0" lang="en-US" altLang="zh-CN" sz="1400" b="0" i="0" u="none" strike="noStrike" cap="none" normalizeH="0" baseline="0" dirty="0" smtClean="0">
+                          <a:ln>
+                            <a:noFill/>
+                          </a:ln>
+                          <a:solidFill>
+                            <a:srgbClr val="000000"/>
+                          </a:solidFill>
+                          <a:effectLst/>
+                          <a:latin typeface="Arial" charset="0"/>
+                          <a:ea typeface="华文新魏" pitchFamily="2" charset="-122"/>
+                          <a:cs typeface="Arial" charset="0"/>
+                        </a:rPr>
+                        <a:t>(2,zoom)-1}</a:t>
+                      </a:r>
+                    </a:p>
+                    <a:p>
+                      <a:pPr marL="0" marR="0" lvl="0" indent="0" algn="l" defTabSz="914400" rtl="0" eaLnBrk="1" fontAlgn="base" latinLnBrk="0" hangingPunct="1">
+                        <a:lnSpc>
+                          <a:spcPct val="100000"/>
+                        </a:lnSpc>
+                        <a:spcBef>
+                          <a:spcPct val="0"/>
+                        </a:spcBef>
+                        <a:spcAft>
+                          <a:spcPct val="0"/>
+                        </a:spcAft>
+                        <a:buClrTx/>
+                        <a:buSzTx/>
+                        <a:buFontTx/>
+                        <a:buNone/>
+                        <a:tabLst/>
+                      </a:pPr>
+                      <a:r>
+                        <a:rPr kumimoji="0" lang="en-US" altLang="zh-CN" sz="1400" b="0" i="0" u="none" strike="noStrike" cap="none" normalizeH="0" baseline="0" dirty="0" smtClean="0">
+                          <a:ln>
+                            <a:noFill/>
+                          </a:ln>
+                          <a:solidFill>
+                            <a:srgbClr val="000000"/>
+                          </a:solidFill>
+                          <a:effectLst/>
+                          <a:latin typeface="Arial" charset="0"/>
+                          <a:ea typeface="华文新魏" pitchFamily="2" charset="-122"/>
+                          <a:cs typeface="Arial" charset="0"/>
+                        </a:rPr>
+                        <a:t>Y={0 ~ </a:t>
+                      </a:r>
+                      <a:r>
+                        <a:rPr kumimoji="0" lang="en-US" altLang="zh-CN" sz="1400" b="0" i="0" u="none" strike="noStrike" cap="none" normalizeH="0" baseline="0" dirty="0" err="1" smtClean="0">
+                          <a:ln>
+                            <a:noFill/>
+                          </a:ln>
+                          <a:solidFill>
+                            <a:srgbClr val="000000"/>
+                          </a:solidFill>
+                          <a:effectLst/>
+                          <a:latin typeface="Arial" charset="0"/>
+                          <a:ea typeface="华文新魏" pitchFamily="2" charset="-122"/>
+                          <a:cs typeface="Arial" charset="0"/>
+                        </a:rPr>
+                        <a:t>Pow</a:t>
+                      </a:r>
+                      <a:r>
+                        <a:rPr kumimoji="0" lang="en-US" altLang="zh-CN" sz="1400" b="0" i="0" u="none" strike="noStrike" cap="none" normalizeH="0" baseline="0" dirty="0" smtClean="0">
+                          <a:ln>
+                            <a:noFill/>
+                          </a:ln>
+                          <a:solidFill>
+                            <a:srgbClr val="000000"/>
+                          </a:solidFill>
+                          <a:effectLst/>
+                          <a:latin typeface="Arial" charset="0"/>
+                          <a:ea typeface="华文新魏" pitchFamily="2" charset="-122"/>
+                          <a:cs typeface="Arial" charset="0"/>
+                        </a:rPr>
+                        <a:t>(2,zoom)-1}</a:t>
+                      </a:r>
+                    </a:p>
+                    <a:p>
+                      <a:pPr marL="0" marR="0" lvl="0" indent="0" algn="l" defTabSz="914400" rtl="0" eaLnBrk="1" fontAlgn="base" latinLnBrk="0" hangingPunct="1">
+                        <a:lnSpc>
+                          <a:spcPct val="100000"/>
+                        </a:lnSpc>
+                        <a:spcBef>
+                          <a:spcPct val="0"/>
+                        </a:spcBef>
+                        <a:spcAft>
+                          <a:spcPct val="0"/>
+                        </a:spcAft>
+                        <a:buClrTx/>
+                        <a:buSzTx/>
+                        <a:buFontTx/>
+                        <a:buNone/>
+                        <a:tabLst/>
+                      </a:pPr>
+                      <a:r>
+                        <a:rPr kumimoji="0" lang="en-US" altLang="zh-CN" sz="1400" b="0" i="0" u="none" strike="noStrike" cap="none" normalizeH="0" baseline="0" dirty="0" smtClean="0">
+                          <a:ln>
+                            <a:noFill/>
+                          </a:ln>
+                          <a:solidFill>
+                            <a:srgbClr val="000000"/>
+                          </a:solidFill>
+                          <a:effectLst/>
+                          <a:latin typeface="Arial" charset="0"/>
+                          <a:ea typeface="华文新魏" pitchFamily="2" charset="-122"/>
+                          <a:cs typeface="Arial" charset="0"/>
+                        </a:rPr>
+                        <a:t>Type={ </a:t>
+                      </a:r>
+                      <a:r>
+                        <a:rPr kumimoji="0" lang="en-US" altLang="zh-CN" sz="1400" b="0" i="0" u="none" strike="noStrike" cap="none" normalizeH="0" baseline="0" dirty="0" err="1" smtClean="0">
+                          <a:ln>
+                            <a:noFill/>
+                          </a:ln>
+                          <a:solidFill>
+                            <a:srgbClr val="000000"/>
+                          </a:solidFill>
+                          <a:effectLst/>
+                          <a:latin typeface="Arial" charset="0"/>
+                          <a:ea typeface="华文新魏" pitchFamily="2" charset="-122"/>
+                          <a:cs typeface="Arial" charset="0"/>
+                        </a:rPr>
+                        <a:t>img</a:t>
+                      </a:r>
+                      <a:r>
+                        <a:rPr kumimoji="0" lang="en-US" altLang="zh-CN" sz="1400" b="0" i="0" u="none" strike="noStrike" cap="none" normalizeH="0" baseline="0" dirty="0" smtClean="0">
+                          <a:ln>
+                            <a:noFill/>
+                          </a:ln>
+                          <a:solidFill>
+                            <a:srgbClr val="000000"/>
+                          </a:solidFill>
+                          <a:effectLst/>
+                          <a:latin typeface="Arial" charset="0"/>
+                          <a:ea typeface="华文新魏" pitchFamily="2" charset="-122"/>
+                          <a:cs typeface="Arial" charset="0"/>
+                        </a:rPr>
+                        <a:t> , </a:t>
+                      </a:r>
+                      <a:r>
+                        <a:rPr kumimoji="0" lang="en-US" altLang="zh-CN" sz="1400" b="0" i="0" u="none" strike="noStrike" cap="none" normalizeH="0" baseline="0" dirty="0" err="1" smtClean="0">
+                          <a:ln>
+                            <a:noFill/>
+                          </a:ln>
+                          <a:solidFill>
+                            <a:srgbClr val="000000"/>
+                          </a:solidFill>
+                          <a:effectLst/>
+                          <a:latin typeface="Arial" charset="0"/>
+                          <a:ea typeface="华文新魏" pitchFamily="2" charset="-122"/>
+                          <a:cs typeface="Arial" charset="0"/>
+                        </a:rPr>
+                        <a:t>js</a:t>
+                      </a:r>
+                      <a:r>
+                        <a:rPr kumimoji="0" lang="en-US" altLang="zh-CN" sz="1400" b="0" i="0" u="none" strike="noStrike" cap="none" normalizeH="0" baseline="0" dirty="0" smtClean="0">
+                          <a:ln>
+                            <a:noFill/>
+                          </a:ln>
+                          <a:solidFill>
+                            <a:srgbClr val="000000"/>
+                          </a:solidFill>
+                          <a:effectLst/>
+                          <a:latin typeface="Arial" charset="0"/>
+                          <a:ea typeface="华文新魏" pitchFamily="2" charset="-122"/>
+                          <a:cs typeface="Arial" charset="0"/>
+                        </a:rPr>
+                        <a:t> }</a:t>
+                      </a:r>
+                      <a:endParaRPr kumimoji="0" lang="en-US" altLang="zh-CN" sz="1400" b="0" i="0" u="none" strike="noStrike" cap="none" normalizeH="0" baseline="0" dirty="0" smtClean="0">
+                        <a:ln>
+                          <a:noFill/>
+                        </a:ln>
+                        <a:solidFill>
+                          <a:srgbClr val="000000"/>
+                        </a:solidFill>
+                        <a:effectLst/>
+                        <a:latin typeface="Arial" charset="0"/>
+                        <a:ea typeface="华文新魏" pitchFamily="2" charset="-122"/>
+                        <a:cs typeface="Arial" charset="0"/>
+                      </a:endParaRPr>
+                    </a:p>
+                    <a:p>
+                      <a:pPr marL="0" marR="0" lvl="0" indent="0" algn="l" defTabSz="914400" rtl="0" eaLnBrk="1" fontAlgn="base" latinLnBrk="0" hangingPunct="1">
+                        <a:lnSpc>
+                          <a:spcPct val="100000"/>
+                        </a:lnSpc>
+                        <a:spcBef>
+                          <a:spcPct val="0"/>
+                        </a:spcBef>
+                        <a:spcAft>
+                          <a:spcPct val="0"/>
+                        </a:spcAft>
+                        <a:buClrTx/>
+                        <a:buSzTx/>
+                        <a:buFontTx/>
+                        <a:buNone/>
+                        <a:tabLst/>
+                      </a:pPr>
+                      <a:r>
+                        <a:rPr kumimoji="0" lang="en-US" altLang="zh-CN" sz="1400" b="0" i="0" u="none" strike="noStrike" cap="none" normalizeH="0" baseline="0" dirty="0" smtClean="0">
+                          <a:ln>
+                            <a:noFill/>
+                          </a:ln>
+                          <a:solidFill>
+                            <a:schemeClr val="tx1"/>
+                          </a:solidFill>
+                          <a:effectLst/>
+                          <a:latin typeface="Arial" charset="0"/>
+                          <a:ea typeface="宋体" charset="-122"/>
+                          <a:cs typeface="Arial" charset="0"/>
+                        </a:rPr>
+                        <a:t>Keyword={  POI</a:t>
+                      </a:r>
+                      <a:r>
+                        <a:rPr kumimoji="0" lang="zh-CN" altLang="en-US" sz="1400" b="0" i="0" u="none" strike="noStrike" cap="none" normalizeH="0" baseline="0" dirty="0" smtClean="0">
+                          <a:ln>
+                            <a:noFill/>
+                          </a:ln>
+                          <a:solidFill>
+                            <a:schemeClr val="tx1"/>
+                          </a:solidFill>
+                          <a:effectLst/>
+                          <a:latin typeface="Arial" charset="0"/>
+                          <a:ea typeface="宋体" charset="-122"/>
+                          <a:cs typeface="Arial" charset="0"/>
+                        </a:rPr>
+                        <a:t>名称</a:t>
+                      </a:r>
+                      <a:r>
+                        <a:rPr kumimoji="0" lang="en-US" altLang="zh-CN" sz="1400" b="0" i="0" u="none" strike="noStrike" cap="none" normalizeH="0" baseline="0" dirty="0" smtClean="0">
+                          <a:ln>
+                            <a:noFill/>
+                          </a:ln>
+                          <a:solidFill>
+                            <a:schemeClr val="tx1"/>
+                          </a:solidFill>
+                          <a:effectLst/>
+                          <a:latin typeface="Arial" charset="0"/>
+                          <a:ea typeface="宋体" charset="-122"/>
+                          <a:cs typeface="Arial" charset="0"/>
+                        </a:rPr>
+                        <a:t> }</a:t>
+                      </a:r>
+                      <a:endParaRPr kumimoji="0" lang="en-US" altLang="zh-CN" sz="1400" b="0" i="0" u="none" strike="noStrike" cap="none" normalizeH="0" baseline="0" dirty="0" smtClean="0">
+                        <a:ln>
+                          <a:noFill/>
+                        </a:ln>
+                        <a:solidFill>
+                          <a:schemeClr val="tx1"/>
+                        </a:solidFill>
+                        <a:effectLst/>
+                        <a:latin typeface="Arial" charset="0"/>
+                        <a:ea typeface="宋体" charset="-122"/>
+                        <a:cs typeface="Arial" charset="0"/>
+                      </a:endParaRPr>
+                    </a:p>
+                  </a:txBody>
+                  <a:tcPr horzOverflow="overflow">
+                    <a:lnL w="12700" cap="flat" cmpd="sng" algn="ctr">
+                      <a:solidFill>
+                        <a:schemeClr val="bg1"/>
+                      </a:solidFill>
+                      <a:prstDash val="solid"/>
+                      <a:round/>
+                      <a:headEnd type="none" w="med" len="med"/>
+                      <a:tailEnd type="none" w="med" len="med"/>
+                    </a:lnL>
+                    <a:lnR w="12700" cap="flat" cmpd="sng" algn="ctr">
+                      <a:solidFill>
+                        <a:schemeClr val="bg1"/>
+                      </a:solidFill>
+                      <a:prstDash val="solid"/>
+                      <a:round/>
+                      <a:headEnd type="none" w="med" len="med"/>
+                      <a:tailEnd type="none" w="med" len="med"/>
+                    </a:lnR>
+                    <a:lnT w="38100" cap="flat" cmpd="sng" algn="ctr">
+                      <a:solidFill>
+                        <a:schemeClr val="bg1"/>
+                      </a:solidFill>
+                      <a:prstDash val="solid"/>
+                      <a:round/>
+                      <a:headEnd type="none" w="med" len="med"/>
+                      <a:tailEnd type="none" w="med" len="med"/>
+                    </a:lnT>
+                    <a:lnB w="12700" cap="flat" cmpd="sng" algn="ctr">
+                      <a:solidFill>
+                        <a:schemeClr val="bg1"/>
+                      </a:solidFill>
+                      <a:prstDash val="solid"/>
+                      <a:round/>
+                      <a:headEnd type="none" w="med" len="med"/>
+                      <a:tailEnd type="none" w="med" len="med"/>
+                    </a:lnB>
+                    <a:lnTlToBr>
+                      <a:noFill/>
+                    </a:lnTlToBr>
+                    <a:lnBlToTr>
+                      <a:noFill/>
+                    </a:lnBlToTr>
+                    <a:solidFill>
+                      <a:srgbClr val="F9D8CC"/>
+                    </a:solidFill>
+                  </a:tcPr>
+                </a:tc>
+                <a:tc>
+                  <a:txBody>
+                    <a:bodyPr/>
+                    <a:lstStyle/>
+                    <a:p>
+                      <a:pPr marL="0" marR="0" lvl="0" indent="0" algn="l" defTabSz="914400" rtl="0" eaLnBrk="1" fontAlgn="base" latinLnBrk="0" hangingPunct="1">
+                        <a:lnSpc>
+                          <a:spcPct val="100000"/>
+                        </a:lnSpc>
+                        <a:spcBef>
+                          <a:spcPct val="0"/>
+                        </a:spcBef>
+                        <a:spcAft>
+                          <a:spcPct val="0"/>
+                        </a:spcAft>
+                        <a:buClrTx/>
+                        <a:buSzTx/>
+                        <a:buFontTx/>
+                        <a:buNone/>
+                        <a:tabLst/>
+                      </a:pPr>
+                      <a:r>
+                        <a:rPr kumimoji="0" lang="en-US" altLang="zh-CN" sz="1400" b="0" i="0" u="none" strike="noStrike" cap="none" normalizeH="0" baseline="0" dirty="0" smtClean="0">
+                          <a:ln>
+                            <a:noFill/>
+                          </a:ln>
+                          <a:solidFill>
+                            <a:srgbClr val="000000"/>
+                          </a:solidFill>
+                          <a:effectLst/>
+                          <a:latin typeface="Arial" charset="0"/>
+                          <a:ea typeface="华文新魏" pitchFamily="2" charset="-122"/>
+                          <a:cs typeface="Arial" charset="0"/>
+                        </a:rPr>
+                        <a:t>JavaScript  or PNG </a:t>
+                      </a:r>
+                      <a:r>
+                        <a:rPr kumimoji="0" lang="en-US" altLang="zh-CN" sz="1400" b="0" i="0" u="none" strike="noStrike" cap="none" normalizeH="0" baseline="0" dirty="0" err="1" smtClean="0">
+                          <a:ln>
+                            <a:noFill/>
+                          </a:ln>
+                          <a:solidFill>
+                            <a:srgbClr val="000000"/>
+                          </a:solidFill>
+                          <a:effectLst/>
+                          <a:latin typeface="Arial" charset="0"/>
+                          <a:ea typeface="华文新魏" pitchFamily="2" charset="-122"/>
+                          <a:cs typeface="Arial" charset="0"/>
+                        </a:rPr>
+                        <a:t>url</a:t>
+                      </a:r>
+                      <a:endParaRPr kumimoji="0" lang="en-US" altLang="zh-CN" sz="1400" b="0" i="0" u="none" strike="noStrike" cap="none" normalizeH="0" baseline="0" dirty="0" smtClean="0">
+                        <a:ln>
+                          <a:noFill/>
+                        </a:ln>
+                        <a:solidFill>
+                          <a:srgbClr val="000000"/>
+                        </a:solidFill>
+                        <a:effectLst/>
+                        <a:latin typeface="Arial" charset="0"/>
+                        <a:ea typeface="华文新魏" pitchFamily="2" charset="-122"/>
+                        <a:cs typeface="Arial" charset="0"/>
+                      </a:endParaRPr>
+                    </a:p>
+                    <a:p>
+                      <a:pPr marL="0" marR="0" lvl="0" indent="0" algn="l" defTabSz="914400" rtl="0" eaLnBrk="1" fontAlgn="base" latinLnBrk="0" hangingPunct="1">
+                        <a:lnSpc>
+                          <a:spcPct val="100000"/>
+                        </a:lnSpc>
+                        <a:spcBef>
+                          <a:spcPct val="0"/>
+                        </a:spcBef>
+                        <a:spcAft>
+                          <a:spcPct val="0"/>
+                        </a:spcAft>
+                        <a:buClrTx/>
+                        <a:buSzTx/>
+                        <a:buFontTx/>
+                        <a:buNone/>
+                        <a:tabLst/>
+                      </a:pPr>
+                      <a:endParaRPr kumimoji="0" lang="en-US" altLang="zh-CN" sz="1400" b="0" i="0" u="none" strike="noStrike" cap="none" normalizeH="0" baseline="0" dirty="0" smtClean="0">
+                        <a:ln>
+                          <a:noFill/>
+                        </a:ln>
+                        <a:solidFill>
+                          <a:schemeClr val="tx1"/>
+                        </a:solidFill>
+                        <a:effectLst/>
+                        <a:latin typeface="Arial" charset="0"/>
+                        <a:ea typeface="宋体" charset="-122"/>
+                        <a:cs typeface="Arial" charset="0"/>
+                      </a:endParaRPr>
+                    </a:p>
+                  </a:txBody>
+                  <a:tcPr horzOverflow="overflow">
+                    <a:lnL w="12700" cap="flat" cmpd="sng" algn="ctr">
+                      <a:solidFill>
+                        <a:schemeClr val="bg1"/>
+                      </a:solidFill>
+                      <a:prstDash val="solid"/>
+                      <a:round/>
+                      <a:headEnd type="none" w="med" len="med"/>
+                      <a:tailEnd type="none" w="med" len="med"/>
+                    </a:lnL>
+                    <a:lnR w="12700" cap="flat" cmpd="sng" algn="ctr">
+                      <a:solidFill>
+                        <a:schemeClr val="bg1"/>
+                      </a:solidFill>
+                      <a:prstDash val="solid"/>
+                      <a:round/>
+                      <a:headEnd type="none" w="med" len="med"/>
+                      <a:tailEnd type="none" w="med" len="med"/>
+                    </a:lnR>
+                    <a:lnT w="38100" cap="flat" cmpd="sng" algn="ctr">
+                      <a:solidFill>
+                        <a:schemeClr val="bg1"/>
+                      </a:solidFill>
+                      <a:prstDash val="solid"/>
+                      <a:round/>
+                      <a:headEnd type="none" w="med" len="med"/>
+                      <a:tailEnd type="none" w="med" len="med"/>
+                    </a:lnT>
+                    <a:lnB w="12700" cap="flat" cmpd="sng" algn="ctr">
+                      <a:solidFill>
+                        <a:schemeClr val="bg1"/>
+                      </a:solidFill>
+                      <a:prstDash val="solid"/>
+                      <a:round/>
+                      <a:headEnd type="none" w="med" len="med"/>
+                      <a:tailEnd type="none" w="med" len="med"/>
+                    </a:lnB>
+                    <a:lnTlToBr>
+                      <a:noFill/>
+                    </a:lnTlToBr>
+                    <a:lnBlToTr>
+                      <a:noFill/>
+                    </a:lnBlToTr>
+                    <a:solidFill>
+                      <a:srgbClr val="F9D8CC"/>
+                    </a:solidFill>
+                  </a:tcPr>
+                </a:tc>
+              </a:tr>
+            </a:tbl>
+          </a:graphicData>
+        </a:graphic>
+      </p:graphicFrame>
       <p:sp>
         <p:nvSpPr>
-          <p:cNvPr id="14339" name="Rectangle 46"/>
-          <p:cNvSpPr>
-            <a:spLocks/>
+          <p:cNvPr id="20494" name="Text Box 46"/>
+          <p:cNvSpPr txBox="1">
+            <a:spLocks noChangeArrowheads="1"/>
           </p:cNvSpPr>
           <p:nvPr/>
         </p:nvSpPr>
         <p:spPr bwMode="auto">
           <a:xfrm>
-            <a:off x="457200" y="1600200"/>
-            <a:ext cx="8229600" cy="4525963"/>
+            <a:off x="428596" y="1285875"/>
+            <a:ext cx="8215370" cy="830997"/>
           </a:xfrm>
           <a:prstGeom prst="rect">
             <a:avLst/>
@@ -26072,555 +27614,85 @@
           </a:ln>
         </p:spPr>
         <p:txBody>
-          <a:bodyPr/>
+          <a:bodyPr wrap="square">
+            <a:spAutoFit/>
+          </a:bodyPr>
           <a:lstStyle/>
           <a:p>
-            <a:pPr marL="342900" indent="-342900" eaLnBrk="0" hangingPunct="0">
-              <a:lnSpc>
-                <a:spcPct val="110000"/>
-              </a:lnSpc>
-              <a:spcBef>
-                <a:spcPct val="20000"/>
-              </a:spcBef>
-              <a:buFontTx/>
-              <a:buBlip>
-                <a:blip r:embed="rId2"/>
-              </a:buBlip>
-            </a:pPr>
-            <a:r>
-              <a:rPr lang="zh-CN" altLang="en-US" sz="2000" dirty="0" smtClean="0">
-                <a:latin typeface="宋体" pitchFamily="2" charset="-122"/>
-                <a:ea typeface="宋体" pitchFamily="2" charset="-122"/>
-              </a:rPr>
-              <a:t>部署环境</a:t>
-            </a:r>
-            <a:endParaRPr lang="en-US" altLang="zh-CN" sz="2000" dirty="0" smtClean="0">
-              <a:latin typeface="宋体" pitchFamily="2" charset="-122"/>
-              <a:ea typeface="宋体" pitchFamily="2" charset="-122"/>
-            </a:endParaRPr>
+            <a:r>
+              <a:rPr lang="zh-CN" altLang="en-US" sz="1600" dirty="0"/>
+              <a:t>接口</a:t>
+            </a:r>
+            <a:r>
+              <a:rPr lang="zh-CN" altLang="en-US" sz="1600" dirty="0" smtClean="0"/>
+              <a:t>：</a:t>
+            </a:r>
+            <a:r>
+              <a:rPr lang="en-US" altLang="zh-CN" sz="1600" dirty="0" err="1" smtClean="0"/>
+              <a:t>HotTile</a:t>
+            </a:r>
+            <a:endParaRPr lang="en-US" altLang="zh-CN" sz="1600" dirty="0"/>
           </a:p>
           <a:p>
-            <a:pPr marL="800100" lvl="1" indent="-342900" eaLnBrk="0" hangingPunct="0">
-              <a:lnSpc>
-                <a:spcPct val="110000"/>
-              </a:lnSpc>
-              <a:spcBef>
-                <a:spcPct val="20000"/>
-              </a:spcBef>
-            </a:pPr>
-            <a:r>
-              <a:rPr lang="en-US" altLang="zh-CN" dirty="0" smtClean="0">
-                <a:latin typeface="宋体" pitchFamily="2" charset="-122"/>
-                <a:ea typeface="宋体" pitchFamily="2" charset="-122"/>
-              </a:rPr>
-              <a:t>Web</a:t>
-            </a:r>
-            <a:r>
-              <a:rPr lang="zh-CN" altLang="en-US" dirty="0" smtClean="0">
-                <a:latin typeface="宋体" pitchFamily="2" charset="-122"/>
-                <a:ea typeface="宋体" pitchFamily="2" charset="-122"/>
-              </a:rPr>
-              <a:t>容器：</a:t>
-            </a:r>
-            <a:r>
-              <a:rPr lang="en-US" altLang="zh-CN" dirty="0" smtClean="0">
-                <a:latin typeface="宋体" pitchFamily="2" charset="-122"/>
-                <a:ea typeface="宋体" pitchFamily="2" charset="-122"/>
-              </a:rPr>
-              <a:t>Tomcat6</a:t>
-            </a:r>
-            <a:r>
-              <a:rPr lang="zh-CN" altLang="en-US" dirty="0" smtClean="0">
-                <a:latin typeface="宋体" pitchFamily="2" charset="-122"/>
-                <a:ea typeface="宋体" pitchFamily="2" charset="-122"/>
-              </a:rPr>
-              <a:t> </a:t>
-            </a:r>
-            <a:r>
-              <a:rPr lang="en-US" altLang="zh-CN" dirty="0" smtClean="0">
-                <a:latin typeface="宋体" pitchFamily="2" charset="-122"/>
-                <a:ea typeface="宋体" pitchFamily="2" charset="-122"/>
-              </a:rPr>
-              <a:t>+</a:t>
-            </a:r>
-            <a:r>
-              <a:rPr lang="zh-CN" altLang="en-US" dirty="0" smtClean="0">
-                <a:latin typeface="宋体" pitchFamily="2" charset="-122"/>
-                <a:ea typeface="宋体" pitchFamily="2" charset="-122"/>
-              </a:rPr>
-              <a:t> </a:t>
-            </a:r>
-            <a:r>
-              <a:rPr lang="en-US" altLang="zh-CN" dirty="0" smtClean="0">
-                <a:latin typeface="宋体" pitchFamily="2" charset="-122"/>
-                <a:ea typeface="宋体" pitchFamily="2" charset="-122"/>
-              </a:rPr>
-              <a:t>JDK1.6</a:t>
-            </a:r>
+            <a:r>
+              <a:rPr lang="zh-CN" altLang="en-US" sz="1600" dirty="0"/>
+              <a:t>描述：</a:t>
+            </a:r>
+            <a:r>
+              <a:rPr lang="zh-CN" altLang="en-US" sz="1600" dirty="0" smtClean="0"/>
+              <a:t>根据关键字，缩放级别，行列号，搜索</a:t>
+            </a:r>
+            <a:r>
+              <a:rPr lang="en-US" altLang="zh-CN" sz="1600" dirty="0" smtClean="0"/>
+              <a:t>POI</a:t>
+            </a:r>
+            <a:r>
+              <a:rPr lang="zh-CN" altLang="en-US" sz="1600" dirty="0" smtClean="0"/>
+              <a:t>并返回热点图和</a:t>
+            </a:r>
+            <a:r>
+              <a:rPr lang="en-US" altLang="zh-CN" sz="1600" dirty="0" smtClean="0"/>
+              <a:t>JS</a:t>
+            </a:r>
+            <a:r>
+              <a:rPr lang="zh-CN" altLang="en-US" sz="1600" dirty="0" smtClean="0"/>
+              <a:t>脚本</a:t>
+            </a:r>
+            <a:endParaRPr lang="en-US" altLang="zh-CN" sz="1600" dirty="0"/>
           </a:p>
           <a:p>
-            <a:pPr marL="800100" lvl="1" indent="-342900" eaLnBrk="0" hangingPunct="0">
-              <a:lnSpc>
-                <a:spcPct val="110000"/>
-              </a:lnSpc>
-              <a:spcBef>
-                <a:spcPct val="20000"/>
-              </a:spcBef>
-            </a:pPr>
-            <a:r>
-              <a:rPr lang="zh-CN" altLang="en-US" dirty="0" smtClean="0">
-                <a:latin typeface="宋体" pitchFamily="2" charset="-122"/>
-                <a:ea typeface="宋体" pitchFamily="2" charset="-122"/>
-              </a:rPr>
-              <a:t>操作系统：</a:t>
-            </a:r>
-            <a:r>
-              <a:rPr lang="en-US" altLang="zh-CN" dirty="0" smtClean="0">
-                <a:latin typeface="宋体" pitchFamily="2" charset="-122"/>
-                <a:ea typeface="宋体" pitchFamily="2" charset="-122"/>
-              </a:rPr>
-              <a:t>Windows</a:t>
-            </a:r>
-            <a:r>
-              <a:rPr lang="zh-CN" altLang="en-US" dirty="0" smtClean="0">
-                <a:latin typeface="宋体" pitchFamily="2" charset="-122"/>
-                <a:ea typeface="宋体" pitchFamily="2" charset="-122"/>
-              </a:rPr>
-              <a:t>或</a:t>
-            </a:r>
-            <a:r>
-              <a:rPr lang="en-US" altLang="zh-CN" dirty="0" smtClean="0">
-                <a:latin typeface="宋体" pitchFamily="2" charset="-122"/>
-                <a:ea typeface="宋体" pitchFamily="2" charset="-122"/>
-              </a:rPr>
-              <a:t>Linux</a:t>
-            </a:r>
-          </a:p>
-          <a:p>
-            <a:pPr marL="342900" indent="-342900" eaLnBrk="0" hangingPunct="0">
-              <a:lnSpc>
-                <a:spcPct val="110000"/>
-              </a:lnSpc>
-              <a:spcBef>
-                <a:spcPct val="20000"/>
-              </a:spcBef>
-              <a:buFontTx/>
-              <a:buBlip>
-                <a:blip r:embed="rId2"/>
-              </a:buBlip>
-            </a:pPr>
-            <a:r>
-              <a:rPr lang="zh-CN" altLang="en-US" sz="2000" dirty="0" smtClean="0">
-                <a:latin typeface="宋体" pitchFamily="2" charset="-122"/>
-                <a:ea typeface="宋体" pitchFamily="2" charset="-122"/>
-              </a:rPr>
-              <a:t>部署步骤</a:t>
-            </a:r>
-            <a:endParaRPr lang="en-US" altLang="zh-CN" sz="2000" dirty="0" smtClean="0">
-              <a:latin typeface="宋体" pitchFamily="2" charset="-122"/>
-              <a:ea typeface="宋体" pitchFamily="2" charset="-122"/>
-            </a:endParaRPr>
-          </a:p>
-          <a:p>
-            <a:pPr marL="800100" lvl="1" indent="-342900" eaLnBrk="0" hangingPunct="0">
-              <a:lnSpc>
-                <a:spcPct val="110000"/>
-              </a:lnSpc>
-              <a:spcBef>
-                <a:spcPct val="20000"/>
-              </a:spcBef>
-              <a:buFont typeface="Wingdings" pitchFamily="2" charset="2"/>
-              <a:buChar char="n"/>
-            </a:pPr>
-            <a:r>
-              <a:rPr lang="zh-CN" altLang="en-US" dirty="0" smtClean="0">
-                <a:latin typeface="宋体" pitchFamily="2" charset="-122"/>
-                <a:ea typeface="宋体" pitchFamily="2" charset="-122"/>
-                <a:cs typeface="Arial" pitchFamily="34" charset="0"/>
-              </a:rPr>
-              <a:t>从</a:t>
-            </a:r>
-            <a:r>
-              <a:rPr lang="en-US" altLang="zh-CN" dirty="0" smtClean="0">
-                <a:latin typeface="宋体" pitchFamily="2" charset="-122"/>
-                <a:ea typeface="宋体" pitchFamily="2" charset="-122"/>
-                <a:cs typeface="Arial" pitchFamily="34" charset="0"/>
-                <a:hlinkClick r:id="rId3"/>
-              </a:rPr>
-              <a:t>http://code.google.com/p/sse4j/downloads/list</a:t>
-            </a:r>
-            <a:r>
-              <a:rPr lang="zh-CN" altLang="en-US" dirty="0" smtClean="0">
-                <a:latin typeface="宋体" pitchFamily="2" charset="-122"/>
-                <a:ea typeface="宋体" pitchFamily="2" charset="-122"/>
-                <a:cs typeface="Arial" pitchFamily="34" charset="0"/>
-              </a:rPr>
-              <a:t>下载</a:t>
-            </a:r>
-            <a:r>
-              <a:rPr lang="en-US" altLang="zh-CN" dirty="0" smtClean="0">
-                <a:latin typeface="宋体" pitchFamily="2" charset="-122"/>
-                <a:ea typeface="宋体" pitchFamily="2" charset="-122"/>
-                <a:cs typeface="Arial" pitchFamily="34" charset="0"/>
-              </a:rPr>
-              <a:t>sse4j_out_***.zip</a:t>
-            </a:r>
-            <a:r>
-              <a:rPr lang="zh-CN" altLang="en-US" dirty="0" smtClean="0">
-                <a:latin typeface="宋体" pitchFamily="2" charset="-122"/>
-                <a:ea typeface="宋体" pitchFamily="2" charset="-122"/>
-                <a:cs typeface="Arial" pitchFamily="34" charset="0"/>
-              </a:rPr>
-              <a:t>，解压并将</a:t>
-            </a:r>
-            <a:r>
-              <a:rPr lang="en-US" altLang="zh-CN" dirty="0" smtClean="0">
-                <a:latin typeface="宋体" pitchFamily="2" charset="-122"/>
-                <a:ea typeface="宋体" pitchFamily="2" charset="-122"/>
-                <a:cs typeface="Arial" pitchFamily="34" charset="0"/>
-              </a:rPr>
-              <a:t>\sse4j_out\</a:t>
-            </a:r>
-            <a:r>
-              <a:rPr lang="en-US" altLang="zh-CN" dirty="0" err="1" smtClean="0">
-                <a:latin typeface="宋体" pitchFamily="2" charset="-122"/>
-                <a:ea typeface="宋体" pitchFamily="2" charset="-122"/>
-                <a:cs typeface="Arial" pitchFamily="34" charset="0"/>
-              </a:rPr>
-              <a:t>wsapp</a:t>
-            </a:r>
-            <a:r>
-              <a:rPr lang="zh-CN" altLang="en-US" dirty="0" smtClean="0">
-                <a:latin typeface="宋体" pitchFamily="2" charset="-122"/>
-                <a:ea typeface="宋体" pitchFamily="2" charset="-122"/>
-                <a:cs typeface="Arial" pitchFamily="34" charset="0"/>
-              </a:rPr>
-              <a:t>下</a:t>
-            </a:r>
-            <a:r>
-              <a:rPr lang="en-US" altLang="zh-CN" dirty="0" err="1" smtClean="0">
-                <a:latin typeface="宋体" pitchFamily="2" charset="-122"/>
-                <a:ea typeface="宋体" pitchFamily="2" charset="-122"/>
-                <a:cs typeface="Arial" pitchFamily="34" charset="0"/>
-              </a:rPr>
-              <a:t>sse</a:t>
-            </a:r>
-            <a:r>
-              <a:rPr lang="zh-CN" altLang="en-US" dirty="0" smtClean="0">
-                <a:latin typeface="宋体" pitchFamily="2" charset="-122"/>
-                <a:ea typeface="宋体" pitchFamily="2" charset="-122"/>
-                <a:cs typeface="Arial" pitchFamily="34" charset="0"/>
-              </a:rPr>
-              <a:t>目录复制到</a:t>
-            </a:r>
-            <a:r>
-              <a:rPr lang="en-US" altLang="zh-CN" dirty="0" smtClean="0">
-                <a:latin typeface="宋体" pitchFamily="2" charset="-122"/>
-                <a:ea typeface="宋体" pitchFamily="2" charset="-122"/>
-                <a:cs typeface="Arial" pitchFamily="34" charset="0"/>
-              </a:rPr>
-              <a:t>Tomcat6</a:t>
-            </a:r>
-            <a:r>
-              <a:rPr lang="zh-CN" altLang="en-US" dirty="0" smtClean="0">
-                <a:latin typeface="宋体" pitchFamily="2" charset="-122"/>
-                <a:ea typeface="宋体" pitchFamily="2" charset="-122"/>
-                <a:cs typeface="Arial" pitchFamily="34" charset="0"/>
-              </a:rPr>
-              <a:t>的</a:t>
-            </a:r>
-            <a:r>
-              <a:rPr lang="en-US" altLang="zh-CN" dirty="0" err="1" smtClean="0">
-                <a:latin typeface="宋体" pitchFamily="2" charset="-122"/>
-                <a:ea typeface="宋体" pitchFamily="2" charset="-122"/>
-                <a:cs typeface="Arial" pitchFamily="34" charset="0"/>
-              </a:rPr>
-              <a:t>webapps</a:t>
-            </a:r>
-            <a:r>
-              <a:rPr lang="zh-CN" altLang="en-US" dirty="0" smtClean="0">
-                <a:latin typeface="宋体" pitchFamily="2" charset="-122"/>
-                <a:ea typeface="宋体" pitchFamily="2" charset="-122"/>
-                <a:cs typeface="Arial" pitchFamily="34" charset="0"/>
-              </a:rPr>
-              <a:t>目录下（或者利用</a:t>
-            </a:r>
-            <a:r>
-              <a:rPr lang="en-US" altLang="zh-CN" dirty="0" err="1" smtClean="0">
-                <a:latin typeface="宋体" pitchFamily="2" charset="-122"/>
-                <a:ea typeface="宋体" pitchFamily="2" charset="-122"/>
-                <a:cs typeface="Arial" pitchFamily="34" charset="0"/>
-              </a:rPr>
-              <a:t>MyEclipse</a:t>
-            </a:r>
-            <a:r>
-              <a:rPr lang="zh-CN" altLang="en-US" dirty="0" smtClean="0">
-                <a:latin typeface="宋体" pitchFamily="2" charset="-122"/>
-                <a:ea typeface="宋体" pitchFamily="2" charset="-122"/>
-                <a:cs typeface="Arial" pitchFamily="34" charset="0"/>
-              </a:rPr>
-              <a:t>直接将</a:t>
-            </a:r>
-            <a:r>
-              <a:rPr lang="en-US" altLang="zh-CN" dirty="0" smtClean="0">
-                <a:latin typeface="宋体" pitchFamily="2" charset="-122"/>
-                <a:ea typeface="宋体" pitchFamily="2" charset="-122"/>
-                <a:cs typeface="Arial" pitchFamily="34" charset="0"/>
-              </a:rPr>
-              <a:t>sse4j.ws</a:t>
-            </a:r>
-            <a:r>
-              <a:rPr lang="zh-CN" altLang="en-US" dirty="0" smtClean="0">
-                <a:latin typeface="宋体" pitchFamily="2" charset="-122"/>
-                <a:ea typeface="宋体" pitchFamily="2" charset="-122"/>
-                <a:cs typeface="Arial" pitchFamily="34" charset="0"/>
-              </a:rPr>
-              <a:t>工程部署到</a:t>
-            </a:r>
-            <a:r>
-              <a:rPr lang="en-US" altLang="zh-CN" dirty="0" smtClean="0">
-                <a:latin typeface="宋体" pitchFamily="2" charset="-122"/>
-                <a:ea typeface="宋体" pitchFamily="2" charset="-122"/>
-                <a:cs typeface="Arial" pitchFamily="34" charset="0"/>
-              </a:rPr>
-              <a:t>Tomcat6</a:t>
-            </a:r>
-            <a:r>
-              <a:rPr lang="zh-CN" altLang="en-US" dirty="0" smtClean="0">
-                <a:latin typeface="宋体" pitchFamily="2" charset="-122"/>
-                <a:ea typeface="宋体" pitchFamily="2" charset="-122"/>
-                <a:cs typeface="Arial" pitchFamily="34" charset="0"/>
-              </a:rPr>
-              <a:t>的</a:t>
-            </a:r>
-            <a:r>
-              <a:rPr lang="en-US" altLang="zh-CN" dirty="0" err="1" smtClean="0">
-                <a:latin typeface="宋体" pitchFamily="2" charset="-122"/>
-                <a:ea typeface="宋体" pitchFamily="2" charset="-122"/>
-                <a:cs typeface="Arial" pitchFamily="34" charset="0"/>
-              </a:rPr>
-              <a:t>webapps</a:t>
-            </a:r>
-            <a:r>
-              <a:rPr lang="zh-CN" altLang="en-US" dirty="0" smtClean="0">
-                <a:latin typeface="宋体" pitchFamily="2" charset="-122"/>
-                <a:ea typeface="宋体" pitchFamily="2" charset="-122"/>
-                <a:cs typeface="Arial" pitchFamily="34" charset="0"/>
-              </a:rPr>
-              <a:t>目录下），文件夹重新命名为“</a:t>
-            </a:r>
-            <a:r>
-              <a:rPr lang="en-US" altLang="zh-CN" dirty="0" smtClean="0">
-                <a:solidFill>
-                  <a:srgbClr val="C00000"/>
-                </a:solidFill>
-                <a:latin typeface="宋体" pitchFamily="2" charset="-122"/>
-                <a:ea typeface="宋体" pitchFamily="2" charset="-122"/>
-                <a:cs typeface="Arial" pitchFamily="34" charset="0"/>
-              </a:rPr>
-              <a:t>sse4j</a:t>
-            </a:r>
-            <a:r>
-              <a:rPr lang="zh-CN" altLang="en-US" dirty="0" smtClean="0">
-                <a:latin typeface="宋体" pitchFamily="2" charset="-122"/>
-                <a:ea typeface="宋体" pitchFamily="2" charset="-122"/>
-                <a:cs typeface="Arial" pitchFamily="34" charset="0"/>
-              </a:rPr>
-              <a:t>”；</a:t>
-            </a:r>
-            <a:endParaRPr lang="en-US" altLang="zh-CN" dirty="0" smtClean="0">
-              <a:latin typeface="宋体" pitchFamily="2" charset="-122"/>
-              <a:ea typeface="宋体" pitchFamily="2" charset="-122"/>
-              <a:cs typeface="Arial" pitchFamily="34" charset="0"/>
-            </a:endParaRPr>
-          </a:p>
-          <a:p>
-            <a:pPr marL="800100" lvl="1" indent="-342900" eaLnBrk="0" hangingPunct="0">
-              <a:lnSpc>
-                <a:spcPct val="110000"/>
-              </a:lnSpc>
-              <a:spcBef>
-                <a:spcPct val="20000"/>
-              </a:spcBef>
-              <a:buFont typeface="Wingdings" pitchFamily="2" charset="2"/>
-              <a:buChar char="n"/>
-            </a:pPr>
-            <a:r>
-              <a:rPr lang="zh-CN" altLang="en-US" dirty="0" smtClean="0">
-                <a:latin typeface="宋体" pitchFamily="2" charset="-122"/>
-                <a:ea typeface="宋体" pitchFamily="2" charset="-122"/>
-                <a:cs typeface="Arial" pitchFamily="34" charset="0"/>
-              </a:rPr>
-              <a:t>根据</a:t>
-            </a:r>
-            <a:r>
-              <a:rPr lang="en-US" altLang="zh-CN" dirty="0" smtClean="0">
-                <a:latin typeface="宋体" pitchFamily="2" charset="-122"/>
-                <a:ea typeface="宋体" pitchFamily="2" charset="-122"/>
-                <a:cs typeface="Arial" pitchFamily="34" charset="0"/>
-              </a:rPr>
-              <a:t>\sse4j\WEB-INF\</a:t>
-            </a:r>
-            <a:r>
-              <a:rPr lang="en-US" altLang="zh-CN" dirty="0" err="1" smtClean="0">
-                <a:latin typeface="宋体" pitchFamily="2" charset="-122"/>
-                <a:ea typeface="宋体" pitchFamily="2" charset="-122"/>
-                <a:cs typeface="Arial" pitchFamily="34" charset="0"/>
-              </a:rPr>
-              <a:t>cfg</a:t>
-            </a:r>
-            <a:r>
-              <a:rPr lang="en-US" altLang="zh-CN" dirty="0" smtClean="0">
-                <a:latin typeface="宋体" pitchFamily="2" charset="-122"/>
-                <a:ea typeface="宋体" pitchFamily="2" charset="-122"/>
-                <a:cs typeface="Arial" pitchFamily="34" charset="0"/>
-              </a:rPr>
-              <a:t>\navi.xml</a:t>
-            </a:r>
-            <a:r>
-              <a:rPr lang="zh-CN" altLang="en-US" dirty="0" smtClean="0">
-                <a:latin typeface="宋体" pitchFamily="2" charset="-122"/>
-                <a:ea typeface="宋体" pitchFamily="2" charset="-122"/>
-                <a:cs typeface="Arial" pitchFamily="34" charset="0"/>
-              </a:rPr>
-              <a:t>数据配置路径将</a:t>
-            </a:r>
-            <a:r>
-              <a:rPr lang="en-US" altLang="zh-CN" dirty="0" smtClean="0">
-                <a:latin typeface="宋体" pitchFamily="2" charset="-122"/>
-                <a:ea typeface="宋体" pitchFamily="2" charset="-122"/>
-                <a:cs typeface="Arial" pitchFamily="34" charset="0"/>
-              </a:rPr>
-              <a:t>sse4j</a:t>
-            </a:r>
-            <a:r>
-              <a:rPr lang="zh-CN" altLang="en-US" dirty="0" smtClean="0">
-                <a:latin typeface="宋体" pitchFamily="2" charset="-122"/>
-                <a:ea typeface="宋体" pitchFamily="2" charset="-122"/>
-                <a:cs typeface="Arial" pitchFamily="34" charset="0"/>
-              </a:rPr>
-              <a:t>工程下的</a:t>
-            </a:r>
-            <a:r>
-              <a:rPr lang="en-US" altLang="zh-CN" dirty="0" smtClean="0">
-                <a:latin typeface="宋体" pitchFamily="2" charset="-122"/>
-                <a:ea typeface="宋体" pitchFamily="2" charset="-122"/>
-                <a:cs typeface="Arial" pitchFamily="34" charset="0"/>
-              </a:rPr>
-              <a:t>\sse4j\data</a:t>
-            </a:r>
-            <a:r>
-              <a:rPr lang="zh-CN" altLang="en-US" dirty="0" smtClean="0">
-                <a:latin typeface="宋体" pitchFamily="2" charset="-122"/>
-                <a:ea typeface="宋体" pitchFamily="2" charset="-122"/>
-                <a:cs typeface="Arial" pitchFamily="34" charset="0"/>
-              </a:rPr>
-              <a:t>目录复制到对应目录下（默认为</a:t>
-            </a:r>
-            <a:r>
-              <a:rPr lang="en-US" altLang="zh-CN" dirty="0" smtClean="0">
-                <a:latin typeface="宋体" pitchFamily="2" charset="-122"/>
-                <a:ea typeface="宋体" pitchFamily="2" charset="-122"/>
-                <a:cs typeface="Arial" pitchFamily="34" charset="0"/>
-              </a:rPr>
-              <a:t>Windows</a:t>
-            </a:r>
-            <a:r>
-              <a:rPr lang="zh-CN" altLang="en-US" dirty="0" smtClean="0">
-                <a:latin typeface="宋体" pitchFamily="2" charset="-122"/>
-                <a:ea typeface="宋体" pitchFamily="2" charset="-122"/>
-                <a:cs typeface="Arial" pitchFamily="34" charset="0"/>
-              </a:rPr>
-              <a:t>环境</a:t>
-            </a:r>
-            <a:r>
-              <a:rPr lang="en-US" altLang="zh-CN" dirty="0" smtClean="0">
-                <a:latin typeface="宋体" pitchFamily="2" charset="-122"/>
-                <a:ea typeface="宋体" pitchFamily="2" charset="-122"/>
-                <a:cs typeface="Arial" pitchFamily="34" charset="0"/>
-              </a:rPr>
-              <a:t>d:\</a:t>
-            </a:r>
-            <a:r>
-              <a:rPr lang="zh-CN" altLang="en-US" dirty="0" smtClean="0">
-                <a:latin typeface="宋体" pitchFamily="2" charset="-122"/>
-                <a:ea typeface="宋体" pitchFamily="2" charset="-122"/>
-                <a:cs typeface="Arial" pitchFamily="34" charset="0"/>
-              </a:rPr>
-              <a:t>）；</a:t>
-            </a:r>
-          </a:p>
-          <a:p>
-            <a:pPr marL="800100" lvl="1" indent="-342900" eaLnBrk="0" hangingPunct="0">
-              <a:lnSpc>
-                <a:spcPct val="110000"/>
-              </a:lnSpc>
-              <a:spcBef>
-                <a:spcPct val="20000"/>
-              </a:spcBef>
-            </a:pPr>
-            <a:r>
-              <a:rPr lang="zh-CN" altLang="en-US" dirty="0" smtClean="0">
-                <a:solidFill>
-                  <a:srgbClr val="C00000"/>
-                </a:solidFill>
-                <a:latin typeface="宋体" pitchFamily="2" charset="-122"/>
-                <a:ea typeface="宋体" pitchFamily="2" charset="-122"/>
-                <a:cs typeface="Arial" pitchFamily="34" charset="0"/>
-              </a:rPr>
-              <a:t>注：</a:t>
-            </a:r>
-            <a:r>
-              <a:rPr lang="en-US" altLang="zh-CN" dirty="0" smtClean="0">
-                <a:solidFill>
-                  <a:srgbClr val="C00000"/>
-                </a:solidFill>
-                <a:latin typeface="宋体" pitchFamily="2" charset="-122"/>
-                <a:ea typeface="宋体" pitchFamily="2" charset="-122"/>
-                <a:cs typeface="Arial" pitchFamily="34" charset="0"/>
-              </a:rPr>
-              <a:t>data</a:t>
-            </a:r>
-            <a:r>
-              <a:rPr lang="zh-CN" altLang="en-US" dirty="0" smtClean="0">
-                <a:solidFill>
-                  <a:srgbClr val="C00000"/>
-                </a:solidFill>
-                <a:latin typeface="宋体" pitchFamily="2" charset="-122"/>
-                <a:ea typeface="宋体" pitchFamily="2" charset="-122"/>
-                <a:cs typeface="Arial" pitchFamily="34" charset="0"/>
-              </a:rPr>
-              <a:t>目录下数据为</a:t>
-            </a:r>
-            <a:r>
-              <a:rPr lang="en-US" altLang="zh-CN" dirty="0" err="1" smtClean="0">
-                <a:solidFill>
-                  <a:srgbClr val="C00000"/>
-                </a:solidFill>
-                <a:latin typeface="宋体" pitchFamily="2" charset="-122"/>
-                <a:ea typeface="宋体" pitchFamily="2" charset="-122"/>
-                <a:cs typeface="Arial" pitchFamily="34" charset="0"/>
-              </a:rPr>
-              <a:t>Lucene</a:t>
-            </a:r>
-            <a:r>
-              <a:rPr lang="zh-CN" altLang="en-US" dirty="0" smtClean="0">
-                <a:solidFill>
-                  <a:srgbClr val="C00000"/>
-                </a:solidFill>
-                <a:latin typeface="宋体" pitchFamily="2" charset="-122"/>
-                <a:ea typeface="宋体" pitchFamily="2" charset="-122"/>
-                <a:cs typeface="Arial" pitchFamily="34" charset="0"/>
-              </a:rPr>
-              <a:t>索引格式的数据，限于学习研究使用。</a:t>
-            </a:r>
-            <a:endParaRPr lang="en-US" altLang="zh-CN" dirty="0" smtClean="0">
+            <a:r>
+              <a:rPr lang="en-US" altLang="zh-CN" sz="1600" dirty="0" smtClean="0"/>
+              <a:t>Http</a:t>
+            </a:r>
+            <a:r>
+              <a:rPr lang="zh-CN" altLang="en-US" sz="1600" dirty="0" smtClean="0"/>
+              <a:t> </a:t>
+            </a:r>
+            <a:r>
+              <a:rPr lang="en-US" altLang="zh-CN" sz="1600" dirty="0" smtClean="0"/>
+              <a:t>Get</a:t>
+            </a:r>
+            <a:r>
+              <a:rPr lang="zh-CN" altLang="en-US" sz="1600" dirty="0" smtClean="0"/>
+              <a:t>：</a:t>
+            </a:r>
+            <a:r>
+              <a:rPr lang="en-US" altLang="zh-CN" sz="1600" dirty="0" smtClean="0"/>
+              <a:t> </a:t>
+            </a:r>
+            <a:r>
+              <a:rPr lang="en-US" altLang="zh-CN" sz="1600" dirty="0" smtClean="0"/>
+              <a:t>http://&lt;server&gt;:&lt;port&gt;/</a:t>
+            </a:r>
+            <a:r>
+              <a:rPr lang="en-US" altLang="zh-CN" sz="1600" dirty="0" smtClean="0"/>
+              <a:t>sse4j/servlet/HotTile?zoom=&amp;x=&amp;y=&amp;type=&amp;keyword=</a:t>
+            </a:r>
+            <a:endParaRPr lang="zh-CN" altLang="en-US" sz="1600" dirty="0" smtClean="0">
               <a:solidFill>
-                <a:srgbClr val="C00000"/>
+                <a:srgbClr val="FF0000"/>
               </a:solidFill>
-              <a:latin typeface="宋体" pitchFamily="2" charset="-122"/>
-              <a:ea typeface="宋体" pitchFamily="2" charset="-122"/>
-              <a:cs typeface="Arial" pitchFamily="34" charset="0"/>
             </a:endParaRPr>
           </a:p>
         </p:txBody>
@@ -26682,7 +27754,7 @@
                 <a:latin typeface="宋体" charset="-122"/>
                 <a:ea typeface="宋体" charset="-122"/>
               </a:rPr>
-              <a:t>4.2</a:t>
+              <a:t>4.1</a:t>
             </a:r>
             <a:r>
               <a:rPr lang="en-US" altLang="zh-CN" sz="3200" dirty="0" smtClean="0">
@@ -26702,7 +27774,7 @@
                 <a:latin typeface="宋体" charset="-122"/>
                 <a:ea typeface="宋体" charset="-122"/>
               </a:rPr>
-              <a:t>配置说明</a:t>
+              <a:t>部署说明</a:t>
             </a:r>
             <a:endParaRPr lang="zh-CN" altLang="en-US" sz="3200" dirty="0" smtClean="0">
               <a:ln>
@@ -26723,8 +27795,8 @@
         </p:nvSpPr>
         <p:spPr bwMode="auto">
           <a:xfrm>
-            <a:off x="457200" y="1285860"/>
-            <a:ext cx="8229600" cy="5000660"/>
+            <a:off x="457200" y="1600200"/>
+            <a:ext cx="8229600" cy="4525963"/>
           </a:xfrm>
           <a:prstGeom prst="rect">
             <a:avLst/>
@@ -26742,1125 +27814,552 @@
           <a:lstStyle/>
           <a:p>
             <a:pPr marL="342900" indent="-342900" eaLnBrk="0" hangingPunct="0">
+              <a:lnSpc>
+                <a:spcPct val="110000"/>
+              </a:lnSpc>
+              <a:spcBef>
+                <a:spcPct val="20000"/>
+              </a:spcBef>
+              <a:buFontTx/>
+              <a:buBlip>
+                <a:blip r:embed="rId2"/>
+              </a:buBlip>
+            </a:pPr>
+            <a:r>
+              <a:rPr lang="zh-CN" altLang="en-US" sz="2000" dirty="0" smtClean="0">
+                <a:latin typeface="宋体" pitchFamily="2" charset="-122"/>
+                <a:ea typeface="宋体" pitchFamily="2" charset="-122"/>
+              </a:rPr>
+              <a:t>部署环境</a:t>
+            </a:r>
+            <a:endParaRPr lang="en-US" altLang="zh-CN" sz="2000" dirty="0" smtClean="0">
+              <a:latin typeface="宋体" pitchFamily="2" charset="-122"/>
+              <a:ea typeface="宋体" pitchFamily="2" charset="-122"/>
+            </a:endParaRPr>
+          </a:p>
+          <a:p>
+            <a:pPr marL="800100" lvl="1" indent="-342900" eaLnBrk="0" hangingPunct="0">
+              <a:lnSpc>
+                <a:spcPct val="110000"/>
+              </a:lnSpc>
               <a:spcBef>
                 <a:spcPct val="20000"/>
               </a:spcBef>
             </a:pPr>
             <a:r>
-              <a:rPr lang="en-US" altLang="zh-CN" sz="1000" dirty="0" smtClean="0">
-                <a:latin typeface="Arial" pitchFamily="34" charset="0"/>
-                <a:cs typeface="Arial" pitchFamily="34" charset="0"/>
-              </a:rPr>
-              <a:t>&lt;</a:t>
-            </a:r>
-            <a:r>
-              <a:rPr lang="en-US" altLang="zh-CN" sz="1000" dirty="0" err="1" smtClean="0">
-                <a:latin typeface="Arial" pitchFamily="34" charset="0"/>
-                <a:cs typeface="Arial" pitchFamily="34" charset="0"/>
-              </a:rPr>
-              <a:t>navi</a:t>
-            </a:r>
-            <a:r>
-              <a:rPr lang="en-US" altLang="zh-CN" sz="1000" dirty="0" smtClean="0">
-                <a:latin typeface="Arial" pitchFamily="34" charset="0"/>
-                <a:cs typeface="Arial" pitchFamily="34" charset="0"/>
-              </a:rPr>
-              <a:t>&gt;</a:t>
+              <a:rPr lang="en-US" altLang="zh-CN" dirty="0" smtClean="0">
+                <a:latin typeface="宋体" pitchFamily="2" charset="-122"/>
+                <a:ea typeface="宋体" pitchFamily="2" charset="-122"/>
+              </a:rPr>
+              <a:t>Web</a:t>
+            </a:r>
+            <a:r>
+              <a:rPr lang="zh-CN" altLang="en-US" dirty="0" smtClean="0">
+                <a:latin typeface="宋体" pitchFamily="2" charset="-122"/>
+                <a:ea typeface="宋体" pitchFamily="2" charset="-122"/>
+              </a:rPr>
+              <a:t>容器：</a:t>
+            </a:r>
+            <a:r>
+              <a:rPr lang="en-US" altLang="zh-CN" dirty="0" smtClean="0">
+                <a:latin typeface="宋体" pitchFamily="2" charset="-122"/>
+                <a:ea typeface="宋体" pitchFamily="2" charset="-122"/>
+              </a:rPr>
+              <a:t>Tomcat6</a:t>
+            </a:r>
+            <a:r>
+              <a:rPr lang="zh-CN" altLang="en-US" dirty="0" smtClean="0">
+                <a:latin typeface="宋体" pitchFamily="2" charset="-122"/>
+                <a:ea typeface="宋体" pitchFamily="2" charset="-122"/>
+              </a:rPr>
+              <a:t> </a:t>
+            </a:r>
+            <a:r>
+              <a:rPr lang="en-US" altLang="zh-CN" dirty="0" smtClean="0">
+                <a:latin typeface="宋体" pitchFamily="2" charset="-122"/>
+                <a:ea typeface="宋体" pitchFamily="2" charset="-122"/>
+              </a:rPr>
+              <a:t>+</a:t>
+            </a:r>
+            <a:r>
+              <a:rPr lang="zh-CN" altLang="en-US" dirty="0" smtClean="0">
+                <a:latin typeface="宋体" pitchFamily="2" charset="-122"/>
+                <a:ea typeface="宋体" pitchFamily="2" charset="-122"/>
+              </a:rPr>
+              <a:t> </a:t>
+            </a:r>
+            <a:r>
+              <a:rPr lang="en-US" altLang="zh-CN" dirty="0" smtClean="0">
+                <a:latin typeface="宋体" pitchFamily="2" charset="-122"/>
+                <a:ea typeface="宋体" pitchFamily="2" charset="-122"/>
+              </a:rPr>
+              <a:t>JDK1.6</a:t>
             </a:r>
           </a:p>
           <a:p>
-            <a:pPr marL="342900" indent="-342900" eaLnBrk="0" hangingPunct="0">
+            <a:pPr marL="800100" lvl="1" indent="-342900" eaLnBrk="0" hangingPunct="0">
+              <a:lnSpc>
+                <a:spcPct val="110000"/>
+              </a:lnSpc>
               <a:spcBef>
                 <a:spcPct val="20000"/>
               </a:spcBef>
             </a:pPr>
             <a:r>
-              <a:rPr lang="en-US" altLang="zh-CN" sz="1000" dirty="0" smtClean="0">
-                <a:latin typeface="Arial" pitchFamily="34" charset="0"/>
+              <a:rPr lang="zh-CN" altLang="en-US" dirty="0" smtClean="0">
+                <a:latin typeface="宋体" pitchFamily="2" charset="-122"/>
+                <a:ea typeface="宋体" pitchFamily="2" charset="-122"/>
+              </a:rPr>
+              <a:t>操作系统：</a:t>
+            </a:r>
+            <a:r>
+              <a:rPr lang="en-US" altLang="zh-CN" dirty="0" smtClean="0">
+                <a:latin typeface="宋体" pitchFamily="2" charset="-122"/>
+                <a:ea typeface="宋体" pitchFamily="2" charset="-122"/>
+              </a:rPr>
+              <a:t>Windows</a:t>
+            </a:r>
+            <a:r>
+              <a:rPr lang="zh-CN" altLang="en-US" dirty="0" smtClean="0">
+                <a:latin typeface="宋体" pitchFamily="2" charset="-122"/>
+                <a:ea typeface="宋体" pitchFamily="2" charset="-122"/>
+              </a:rPr>
+              <a:t>或</a:t>
+            </a:r>
+            <a:r>
+              <a:rPr lang="en-US" altLang="zh-CN" dirty="0" smtClean="0">
+                <a:latin typeface="宋体" pitchFamily="2" charset="-122"/>
+                <a:ea typeface="宋体" pitchFamily="2" charset="-122"/>
+              </a:rPr>
+              <a:t>Linux</a:t>
+            </a:r>
+          </a:p>
+          <a:p>
+            <a:pPr marL="342900" indent="-342900" eaLnBrk="0" hangingPunct="0">
+              <a:lnSpc>
+                <a:spcPct val="110000"/>
+              </a:lnSpc>
+              <a:spcBef>
+                <a:spcPct val="20000"/>
+              </a:spcBef>
+              <a:buFontTx/>
+              <a:buBlip>
+                <a:blip r:embed="rId2"/>
+              </a:buBlip>
+            </a:pPr>
+            <a:r>
+              <a:rPr lang="zh-CN" altLang="en-US" sz="2000" dirty="0" smtClean="0">
+                <a:latin typeface="宋体" pitchFamily="2" charset="-122"/>
+                <a:ea typeface="宋体" pitchFamily="2" charset="-122"/>
+              </a:rPr>
+              <a:t>部署步骤</a:t>
+            </a:r>
+            <a:endParaRPr lang="en-US" altLang="zh-CN" sz="2000" dirty="0" smtClean="0">
+              <a:latin typeface="宋体" pitchFamily="2" charset="-122"/>
+              <a:ea typeface="宋体" pitchFamily="2" charset="-122"/>
+            </a:endParaRPr>
+          </a:p>
+          <a:p>
+            <a:pPr marL="800100" lvl="1" indent="-342900" eaLnBrk="0" hangingPunct="0">
+              <a:lnSpc>
+                <a:spcPct val="110000"/>
+              </a:lnSpc>
+              <a:spcBef>
+                <a:spcPct val="20000"/>
+              </a:spcBef>
+              <a:buFont typeface="Wingdings" pitchFamily="2" charset="2"/>
+              <a:buChar char="n"/>
+            </a:pPr>
+            <a:r>
+              <a:rPr lang="zh-CN" altLang="en-US" dirty="0" smtClean="0">
+                <a:latin typeface="宋体" pitchFamily="2" charset="-122"/>
+                <a:ea typeface="宋体" pitchFamily="2" charset="-122"/>
                 <a:cs typeface="Arial" pitchFamily="34" charset="0"/>
               </a:rPr>
-              <a:t>    &lt;</a:t>
-            </a:r>
-            <a:r>
-              <a:rPr lang="en-US" altLang="zh-CN" sz="1000" dirty="0" err="1" smtClean="0">
-                <a:latin typeface="Arial" pitchFamily="34" charset="0"/>
+              <a:t>从</a:t>
+            </a:r>
+            <a:r>
+              <a:rPr lang="en-US" altLang="zh-CN" dirty="0" smtClean="0">
+                <a:latin typeface="宋体" pitchFamily="2" charset="-122"/>
+                <a:ea typeface="宋体" pitchFamily="2" charset="-122"/>
                 <a:cs typeface="Arial" pitchFamily="34" charset="0"/>
-              </a:rPr>
-              <a:t>netes</a:t>
-            </a:r>
-            <a:r>
-              <a:rPr lang="en-US" altLang="zh-CN" sz="1000" dirty="0" smtClean="0">
-                <a:latin typeface="Arial" pitchFamily="34" charset="0"/>
+                <a:hlinkClick r:id="rId3"/>
+              </a:rPr>
+              <a:t>http://code.google.com/p/sse4j/downloads/list</a:t>
+            </a:r>
+            <a:r>
+              <a:rPr lang="zh-CN" altLang="en-US" dirty="0" smtClean="0">
+                <a:latin typeface="宋体" pitchFamily="2" charset="-122"/>
+                <a:ea typeface="宋体" pitchFamily="2" charset="-122"/>
                 <a:cs typeface="Arial" pitchFamily="34" charset="0"/>
               </a:rPr>
-              <a:t>&gt; </a:t>
-            </a:r>
-            <a:r>
-              <a:rPr lang="zh-CN" altLang="en-US" sz="1000" dirty="0" smtClean="0">
-                <a:latin typeface="Arial" pitchFamily="34" charset="0"/>
+              <a:t>下载</a:t>
+            </a:r>
+            <a:r>
+              <a:rPr lang="en-US" altLang="zh-CN" dirty="0" smtClean="0">
+                <a:latin typeface="宋体" pitchFamily="2" charset="-122"/>
+                <a:ea typeface="宋体" pitchFamily="2" charset="-122"/>
                 <a:cs typeface="Arial" pitchFamily="34" charset="0"/>
               </a:rPr>
-              <a:t> </a:t>
-            </a:r>
-            <a:r>
-              <a:rPr lang="en-US" altLang="zh-CN" sz="1000" dirty="0" smtClean="0">
+              <a:t>sse4j_out_***.zip</a:t>
+            </a:r>
+            <a:r>
+              <a:rPr lang="zh-CN" altLang="en-US" dirty="0" smtClean="0">
+                <a:latin typeface="宋体" pitchFamily="2" charset="-122"/>
+                <a:ea typeface="宋体" pitchFamily="2" charset="-122"/>
+                <a:cs typeface="Arial" pitchFamily="34" charset="0"/>
+              </a:rPr>
+              <a:t>，解压并将</a:t>
+            </a:r>
+            <a:r>
+              <a:rPr lang="en-US" altLang="zh-CN" dirty="0" smtClean="0">
+                <a:latin typeface="宋体" pitchFamily="2" charset="-122"/>
+                <a:ea typeface="宋体" pitchFamily="2" charset="-122"/>
+                <a:cs typeface="Arial" pitchFamily="34" charset="0"/>
+              </a:rPr>
+              <a:t>\sse4j_out\</a:t>
+            </a:r>
+            <a:r>
+              <a:rPr lang="en-US" altLang="zh-CN" dirty="0" err="1" smtClean="0">
+                <a:latin typeface="宋体" pitchFamily="2" charset="-122"/>
+                <a:ea typeface="宋体" pitchFamily="2" charset="-122"/>
+                <a:cs typeface="Arial" pitchFamily="34" charset="0"/>
+              </a:rPr>
+              <a:t>wsapp</a:t>
+            </a:r>
+            <a:r>
+              <a:rPr lang="zh-CN" altLang="en-US" dirty="0" smtClean="0">
+                <a:latin typeface="宋体" pitchFamily="2" charset="-122"/>
+                <a:ea typeface="宋体" pitchFamily="2" charset="-122"/>
+                <a:cs typeface="Arial" pitchFamily="34" charset="0"/>
+              </a:rPr>
+              <a:t>下</a:t>
+            </a:r>
+            <a:r>
+              <a:rPr lang="en-US" altLang="zh-CN" dirty="0" err="1" smtClean="0">
+                <a:latin typeface="宋体" pitchFamily="2" charset="-122"/>
+                <a:ea typeface="宋体" pitchFamily="2" charset="-122"/>
+                <a:cs typeface="Arial" pitchFamily="34" charset="0"/>
+              </a:rPr>
+              <a:t>sse</a:t>
+            </a:r>
+            <a:r>
+              <a:rPr lang="zh-CN" altLang="en-US" dirty="0" smtClean="0">
+                <a:latin typeface="宋体" pitchFamily="2" charset="-122"/>
+                <a:ea typeface="宋体" pitchFamily="2" charset="-122"/>
+                <a:cs typeface="Arial" pitchFamily="34" charset="0"/>
+              </a:rPr>
+              <a:t>目录复制到</a:t>
+            </a:r>
+            <a:r>
+              <a:rPr lang="en-US" altLang="zh-CN" dirty="0" smtClean="0">
+                <a:latin typeface="宋体" pitchFamily="2" charset="-122"/>
+                <a:ea typeface="宋体" pitchFamily="2" charset="-122"/>
+                <a:cs typeface="Arial" pitchFamily="34" charset="0"/>
+              </a:rPr>
+              <a:t>Tomcat6</a:t>
+            </a:r>
+            <a:r>
+              <a:rPr lang="zh-CN" altLang="en-US" dirty="0" smtClean="0">
+                <a:latin typeface="宋体" pitchFamily="2" charset="-122"/>
+                <a:ea typeface="宋体" pitchFamily="2" charset="-122"/>
+                <a:cs typeface="Arial" pitchFamily="34" charset="0"/>
+              </a:rPr>
+              <a:t>的</a:t>
+            </a:r>
+            <a:r>
+              <a:rPr lang="en-US" altLang="zh-CN" dirty="0" err="1" smtClean="0">
+                <a:latin typeface="宋体" pitchFamily="2" charset="-122"/>
+                <a:ea typeface="宋体" pitchFamily="2" charset="-122"/>
+                <a:cs typeface="Arial" pitchFamily="34" charset="0"/>
+              </a:rPr>
+              <a:t>webapps</a:t>
+            </a:r>
+            <a:r>
+              <a:rPr lang="zh-CN" altLang="en-US" dirty="0" smtClean="0">
+                <a:latin typeface="宋体" pitchFamily="2" charset="-122"/>
+                <a:ea typeface="宋体" pitchFamily="2" charset="-122"/>
+                <a:cs typeface="Arial" pitchFamily="34" charset="0"/>
+              </a:rPr>
+              <a:t>目录下（或者利用</a:t>
+            </a:r>
+            <a:r>
+              <a:rPr lang="en-US" altLang="zh-CN" dirty="0" err="1" smtClean="0">
+                <a:latin typeface="宋体" pitchFamily="2" charset="-122"/>
+                <a:ea typeface="宋体" pitchFamily="2" charset="-122"/>
+                <a:cs typeface="Arial" pitchFamily="34" charset="0"/>
+              </a:rPr>
+              <a:t>MyEclipse</a:t>
+            </a:r>
+            <a:r>
+              <a:rPr lang="zh-CN" altLang="en-US" dirty="0" smtClean="0">
+                <a:latin typeface="宋体" pitchFamily="2" charset="-122"/>
+                <a:ea typeface="宋体" pitchFamily="2" charset="-122"/>
+                <a:cs typeface="Arial" pitchFamily="34" charset="0"/>
+              </a:rPr>
+              <a:t>直接将</a:t>
+            </a:r>
+            <a:r>
+              <a:rPr lang="en-US" altLang="zh-CN" dirty="0" smtClean="0">
+                <a:latin typeface="宋体" pitchFamily="2" charset="-122"/>
+                <a:ea typeface="宋体" pitchFamily="2" charset="-122"/>
+                <a:cs typeface="Arial" pitchFamily="34" charset="0"/>
+              </a:rPr>
+              <a:t>sse4j.ws</a:t>
+            </a:r>
+            <a:r>
+              <a:rPr lang="zh-CN" altLang="en-US" dirty="0" smtClean="0">
+                <a:latin typeface="宋体" pitchFamily="2" charset="-122"/>
+                <a:ea typeface="宋体" pitchFamily="2" charset="-122"/>
+                <a:cs typeface="Arial" pitchFamily="34" charset="0"/>
+              </a:rPr>
+              <a:t>工程部署到</a:t>
+            </a:r>
+            <a:r>
+              <a:rPr lang="en-US" altLang="zh-CN" dirty="0" smtClean="0">
+                <a:latin typeface="宋体" pitchFamily="2" charset="-122"/>
+                <a:ea typeface="宋体" pitchFamily="2" charset="-122"/>
+                <a:cs typeface="Arial" pitchFamily="34" charset="0"/>
+              </a:rPr>
+              <a:t>Tomcat6</a:t>
+            </a:r>
+            <a:r>
+              <a:rPr lang="zh-CN" altLang="en-US" dirty="0" smtClean="0">
+                <a:latin typeface="宋体" pitchFamily="2" charset="-122"/>
+                <a:ea typeface="宋体" pitchFamily="2" charset="-122"/>
+                <a:cs typeface="Arial" pitchFamily="34" charset="0"/>
+              </a:rPr>
+              <a:t>的</a:t>
+            </a:r>
+            <a:r>
+              <a:rPr lang="en-US" altLang="zh-CN" dirty="0" err="1" smtClean="0">
+                <a:latin typeface="宋体" pitchFamily="2" charset="-122"/>
+                <a:ea typeface="宋体" pitchFamily="2" charset="-122"/>
+                <a:cs typeface="Arial" pitchFamily="34" charset="0"/>
+              </a:rPr>
+              <a:t>webapps</a:t>
+            </a:r>
+            <a:r>
+              <a:rPr lang="zh-CN" altLang="en-US" dirty="0" smtClean="0">
+                <a:latin typeface="宋体" pitchFamily="2" charset="-122"/>
+                <a:ea typeface="宋体" pitchFamily="2" charset="-122"/>
+                <a:cs typeface="Arial" pitchFamily="34" charset="0"/>
+              </a:rPr>
+              <a:t>目录下），文件夹重新命名为“</a:t>
+            </a:r>
+            <a:r>
+              <a:rPr lang="en-US" altLang="zh-CN" dirty="0" smtClean="0">
                 <a:solidFill>
                   <a:srgbClr val="C00000"/>
                 </a:solidFill>
-                <a:latin typeface="Arial" pitchFamily="34" charset="0"/>
+                <a:latin typeface="宋体" pitchFamily="2" charset="-122"/>
+                <a:ea typeface="宋体" pitchFamily="2" charset="-122"/>
                 <a:cs typeface="Arial" pitchFamily="34" charset="0"/>
               </a:rPr>
-              <a:t>&lt;!—</a:t>
-            </a:r>
-            <a:r>
-              <a:rPr lang="zh-CN" altLang="en-US" sz="1000" dirty="0" smtClean="0">
-                <a:solidFill>
-                  <a:srgbClr val="C00000"/>
-                </a:solidFill>
-                <a:latin typeface="Arial" pitchFamily="34" charset="0"/>
+              <a:t>sse4j</a:t>
+            </a:r>
+            <a:r>
+              <a:rPr lang="zh-CN" altLang="en-US" dirty="0" smtClean="0">
+                <a:latin typeface="宋体" pitchFamily="2" charset="-122"/>
+                <a:ea typeface="宋体" pitchFamily="2" charset="-122"/>
                 <a:cs typeface="Arial" pitchFamily="34" charset="0"/>
               </a:rPr>
-              <a:t>路网配置项</a:t>
-            </a:r>
-            <a:r>
-              <a:rPr lang="en-US" altLang="zh-CN" sz="1000" dirty="0" smtClean="0">
-                <a:solidFill>
-                  <a:srgbClr val="C00000"/>
-                </a:solidFill>
-                <a:latin typeface="Arial" pitchFamily="34" charset="0"/>
-                <a:cs typeface="Arial" pitchFamily="34" charset="0"/>
-              </a:rPr>
-              <a:t>--&gt;</a:t>
-            </a:r>
+              <a:t>”；</a:t>
+            </a:r>
+            <a:endParaRPr lang="en-US" altLang="zh-CN" dirty="0" smtClean="0">
+              <a:latin typeface="宋体" pitchFamily="2" charset="-122"/>
+              <a:ea typeface="宋体" pitchFamily="2" charset="-122"/>
+              <a:cs typeface="Arial" pitchFamily="34" charset="0"/>
+            </a:endParaRPr>
           </a:p>
           <a:p>
-            <a:pPr marL="342900" indent="-342900" eaLnBrk="0" hangingPunct="0">
+            <a:pPr marL="800100" lvl="1" indent="-342900" eaLnBrk="0" hangingPunct="0">
+              <a:lnSpc>
+                <a:spcPct val="110000"/>
+              </a:lnSpc>
+              <a:spcBef>
+                <a:spcPct val="20000"/>
+              </a:spcBef>
+              <a:buFont typeface="Wingdings" pitchFamily="2" charset="2"/>
+              <a:buChar char="n"/>
+            </a:pPr>
+            <a:r>
+              <a:rPr lang="zh-CN" altLang="en-US" dirty="0" smtClean="0">
+                <a:latin typeface="宋体" pitchFamily="2" charset="-122"/>
+                <a:ea typeface="宋体" pitchFamily="2" charset="-122"/>
+                <a:cs typeface="Arial" pitchFamily="34" charset="0"/>
+              </a:rPr>
+              <a:t>根据</a:t>
+            </a:r>
+            <a:r>
+              <a:rPr lang="en-US" altLang="zh-CN" dirty="0" smtClean="0">
+                <a:latin typeface="宋体" pitchFamily="2" charset="-122"/>
+                <a:ea typeface="宋体" pitchFamily="2" charset="-122"/>
+                <a:cs typeface="Arial" pitchFamily="34" charset="0"/>
+              </a:rPr>
+              <a:t>\sse4j\WEB-INF\</a:t>
+            </a:r>
+            <a:r>
+              <a:rPr lang="en-US" altLang="zh-CN" dirty="0" err="1" smtClean="0">
+                <a:latin typeface="宋体" pitchFamily="2" charset="-122"/>
+                <a:ea typeface="宋体" pitchFamily="2" charset="-122"/>
+                <a:cs typeface="Arial" pitchFamily="34" charset="0"/>
+              </a:rPr>
+              <a:t>cfg</a:t>
+            </a:r>
+            <a:r>
+              <a:rPr lang="en-US" altLang="zh-CN" dirty="0" smtClean="0">
+                <a:latin typeface="宋体" pitchFamily="2" charset="-122"/>
+                <a:ea typeface="宋体" pitchFamily="2" charset="-122"/>
+                <a:cs typeface="Arial" pitchFamily="34" charset="0"/>
+              </a:rPr>
+              <a:t>\navi.xml</a:t>
+            </a:r>
+            <a:r>
+              <a:rPr lang="zh-CN" altLang="en-US" dirty="0" smtClean="0">
+                <a:latin typeface="宋体" pitchFamily="2" charset="-122"/>
+                <a:ea typeface="宋体" pitchFamily="2" charset="-122"/>
+                <a:cs typeface="Arial" pitchFamily="34" charset="0"/>
+              </a:rPr>
+              <a:t>数据配置路径将</a:t>
+            </a:r>
+            <a:r>
+              <a:rPr lang="en-US" altLang="zh-CN" dirty="0" smtClean="0">
+                <a:latin typeface="宋体" pitchFamily="2" charset="-122"/>
+                <a:ea typeface="宋体" pitchFamily="2" charset="-122"/>
+                <a:cs typeface="Arial" pitchFamily="34" charset="0"/>
+              </a:rPr>
+              <a:t>sse4j</a:t>
+            </a:r>
+            <a:r>
+              <a:rPr lang="zh-CN" altLang="en-US" dirty="0" smtClean="0">
+                <a:latin typeface="宋体" pitchFamily="2" charset="-122"/>
+                <a:ea typeface="宋体" pitchFamily="2" charset="-122"/>
+                <a:cs typeface="Arial" pitchFamily="34" charset="0"/>
+              </a:rPr>
+              <a:t>工程下的</a:t>
+            </a:r>
+            <a:r>
+              <a:rPr lang="en-US" altLang="zh-CN" dirty="0" smtClean="0">
+                <a:latin typeface="宋体" pitchFamily="2" charset="-122"/>
+                <a:ea typeface="宋体" pitchFamily="2" charset="-122"/>
+                <a:cs typeface="Arial" pitchFamily="34" charset="0"/>
+              </a:rPr>
+              <a:t>\sse4j\data</a:t>
+            </a:r>
+            <a:r>
+              <a:rPr lang="zh-CN" altLang="en-US" dirty="0" smtClean="0">
+                <a:latin typeface="宋体" pitchFamily="2" charset="-122"/>
+                <a:ea typeface="宋体" pitchFamily="2" charset="-122"/>
+                <a:cs typeface="Arial" pitchFamily="34" charset="0"/>
+              </a:rPr>
+              <a:t>目录复制到对应目录下（默认为</a:t>
+            </a:r>
+            <a:r>
+              <a:rPr lang="en-US" altLang="zh-CN" dirty="0" smtClean="0">
+                <a:latin typeface="宋体" pitchFamily="2" charset="-122"/>
+                <a:ea typeface="宋体" pitchFamily="2" charset="-122"/>
+                <a:cs typeface="Arial" pitchFamily="34" charset="0"/>
+              </a:rPr>
+              <a:t>Windows</a:t>
+            </a:r>
+            <a:r>
+              <a:rPr lang="zh-CN" altLang="en-US" dirty="0" smtClean="0">
+                <a:latin typeface="宋体" pitchFamily="2" charset="-122"/>
+                <a:ea typeface="宋体" pitchFamily="2" charset="-122"/>
+                <a:cs typeface="Arial" pitchFamily="34" charset="0"/>
+              </a:rPr>
+              <a:t>环境</a:t>
+            </a:r>
+            <a:r>
+              <a:rPr lang="en-US" altLang="zh-CN" dirty="0" smtClean="0">
+                <a:latin typeface="宋体" pitchFamily="2" charset="-122"/>
+                <a:ea typeface="宋体" pitchFamily="2" charset="-122"/>
+                <a:cs typeface="Arial" pitchFamily="34" charset="0"/>
+              </a:rPr>
+              <a:t>d:\</a:t>
+            </a:r>
+            <a:r>
+              <a:rPr lang="zh-CN" altLang="en-US" dirty="0" smtClean="0">
+                <a:latin typeface="宋体" pitchFamily="2" charset="-122"/>
+                <a:ea typeface="宋体" pitchFamily="2" charset="-122"/>
+                <a:cs typeface="Arial" pitchFamily="34" charset="0"/>
+              </a:rPr>
+              <a:t>）；</a:t>
+            </a:r>
+          </a:p>
+          <a:p>
+            <a:pPr marL="800100" lvl="1" indent="-342900" eaLnBrk="0" hangingPunct="0">
+              <a:lnSpc>
+                <a:spcPct val="110000"/>
+              </a:lnSpc>
               <a:spcBef>
                 <a:spcPct val="20000"/>
               </a:spcBef>
             </a:pPr>
             <a:r>
-              <a:rPr lang="en-US" altLang="zh-CN" sz="1000" dirty="0" smtClean="0">
-                <a:latin typeface="Arial" pitchFamily="34" charset="0"/>
-                <a:cs typeface="Arial" pitchFamily="34" charset="0"/>
-              </a:rPr>
-              <a:t>        &lt;net key=“</a:t>
-            </a:r>
-            <a:r>
-              <a:rPr lang="en-US" altLang="zh-CN" sz="1000" dirty="0" smtClean="0">
+              <a:rPr lang="zh-CN" altLang="en-US" dirty="0" smtClean="0">
                 <a:solidFill>
                   <a:srgbClr val="C00000"/>
                 </a:solidFill>
-                <a:latin typeface="Arial" pitchFamily="34" charset="0"/>
+                <a:latin typeface="宋体" pitchFamily="2" charset="-122"/>
+                <a:ea typeface="宋体" pitchFamily="2" charset="-122"/>
                 <a:cs typeface="Arial" pitchFamily="34" charset="0"/>
               </a:rPr>
-              <a:t>110000</a:t>
-            </a:r>
-            <a:r>
-              <a:rPr lang="en-US" altLang="zh-CN" sz="1000" dirty="0" smtClean="0">
-                <a:latin typeface="Arial" pitchFamily="34" charset="0"/>
-                <a:cs typeface="Arial" pitchFamily="34" charset="0"/>
-              </a:rPr>
-              <a:t>”&gt;</a:t>
-            </a:r>
-            <a:r>
-              <a:rPr lang="zh-CN" altLang="en-US" sz="1000" dirty="0" smtClean="0">
-                <a:latin typeface="Arial" pitchFamily="34" charset="0"/>
-                <a:cs typeface="Arial" pitchFamily="34" charset="0"/>
-              </a:rPr>
-              <a:t>  </a:t>
-            </a:r>
-            <a:r>
-              <a:rPr lang="en-US" altLang="zh-CN" sz="1000" dirty="0" smtClean="0">
+              <a:t>注：</a:t>
+            </a:r>
+            <a:r>
+              <a:rPr lang="en-US" altLang="zh-CN" dirty="0" smtClean="0">
                 <a:solidFill>
                   <a:srgbClr val="C00000"/>
                 </a:solidFill>
-                <a:latin typeface="Arial" pitchFamily="34" charset="0"/>
+                <a:latin typeface="宋体" pitchFamily="2" charset="-122"/>
+                <a:ea typeface="宋体" pitchFamily="2" charset="-122"/>
                 <a:cs typeface="Arial" pitchFamily="34" charset="0"/>
               </a:rPr>
-              <a:t>&lt;!—</a:t>
-            </a:r>
-            <a:r>
-              <a:rPr lang="zh-CN" altLang="en-US" sz="1000" dirty="0" smtClean="0">
+              <a:t>data</a:t>
+            </a:r>
+            <a:r>
+              <a:rPr lang="zh-CN" altLang="en-US" dirty="0" smtClean="0">
                 <a:solidFill>
                   <a:srgbClr val="C00000"/>
                 </a:solidFill>
-                <a:latin typeface="Arial" pitchFamily="34" charset="0"/>
+                <a:latin typeface="宋体" pitchFamily="2" charset="-122"/>
+                <a:ea typeface="宋体" pitchFamily="2" charset="-122"/>
                 <a:cs typeface="Arial" pitchFamily="34" charset="0"/>
               </a:rPr>
-              <a:t>北京地区路网</a:t>
-            </a:r>
-            <a:r>
-              <a:rPr lang="en-US" altLang="zh-CN" sz="1000" dirty="0" smtClean="0">
+              <a:t>目录下数据为</a:t>
+            </a:r>
+            <a:r>
+              <a:rPr lang="en-US" altLang="zh-CN" dirty="0" err="1" smtClean="0">
                 <a:solidFill>
                   <a:srgbClr val="C00000"/>
                 </a:solidFill>
-                <a:latin typeface="Arial" pitchFamily="34" charset="0"/>
+                <a:latin typeface="宋体" pitchFamily="2" charset="-122"/>
+                <a:ea typeface="宋体" pitchFamily="2" charset="-122"/>
                 <a:cs typeface="Arial" pitchFamily="34" charset="0"/>
               </a:rPr>
-              <a:t>--&gt;</a:t>
-            </a:r>
-          </a:p>
-          <a:p>
-            <a:pPr marL="342900" indent="-342900" eaLnBrk="0" hangingPunct="0">
-              <a:spcBef>
-                <a:spcPct val="20000"/>
-              </a:spcBef>
-            </a:pPr>
-            <a:r>
-              <a:rPr lang="en-US" altLang="zh-CN" sz="1000" dirty="0" smtClean="0">
-                <a:latin typeface="Arial" pitchFamily="34" charset="0"/>
-                <a:cs typeface="Arial" pitchFamily="34" charset="0"/>
-              </a:rPr>
-              <a:t>            &lt;junction name=“” path=“D:/data/idx/110000/Junction” /&gt;</a:t>
-            </a:r>
-            <a:r>
-              <a:rPr lang="zh-CN" altLang="en-US" sz="1000" dirty="0" smtClean="0">
-                <a:latin typeface="Arial" pitchFamily="34" charset="0"/>
-                <a:cs typeface="Arial" pitchFamily="34" charset="0"/>
-              </a:rPr>
-              <a:t>  </a:t>
-            </a:r>
-            <a:r>
-              <a:rPr lang="en-US" altLang="zh-CN" sz="1000" dirty="0" smtClean="0">
+              <a:t>Lucene</a:t>
+            </a:r>
+            <a:r>
+              <a:rPr lang="zh-CN" altLang="en-US" dirty="0" smtClean="0">
                 <a:solidFill>
                   <a:srgbClr val="C00000"/>
                 </a:solidFill>
-                <a:latin typeface="Arial" pitchFamily="34" charset="0"/>
+                <a:latin typeface="宋体" pitchFamily="2" charset="-122"/>
+                <a:ea typeface="宋体" pitchFamily="2" charset="-122"/>
                 <a:cs typeface="Arial" pitchFamily="34" charset="0"/>
               </a:rPr>
-              <a:t>&lt;!—NODE--&gt;</a:t>
-            </a:r>
-            <a:endParaRPr lang="en-US" altLang="zh-CN" sz="1000" dirty="0" smtClean="0">
-              <a:latin typeface="Arial" pitchFamily="34" charset="0"/>
+              <a:t>索引格式的数据，限于学习研究使用。</a:t>
+            </a:r>
+            <a:endParaRPr lang="en-US" altLang="zh-CN" dirty="0" smtClean="0">
+              <a:solidFill>
+                <a:srgbClr val="C00000"/>
+              </a:solidFill>
+              <a:latin typeface="宋体" pitchFamily="2" charset="-122"/>
+              <a:ea typeface="宋体" pitchFamily="2" charset="-122"/>
               <a:cs typeface="Arial" pitchFamily="34" charset="0"/>
             </a:endParaRPr>
-          </a:p>
-          <a:p>
-            <a:pPr marL="342900" indent="-342900" eaLnBrk="0" hangingPunct="0">
-              <a:spcBef>
-                <a:spcPct val="20000"/>
-              </a:spcBef>
-            </a:pPr>
-            <a:r>
-              <a:rPr lang="en-US" altLang="zh-CN" sz="1000" dirty="0" smtClean="0">
-                <a:latin typeface="Arial" pitchFamily="34" charset="0"/>
-                <a:cs typeface="Arial" pitchFamily="34" charset="0"/>
-              </a:rPr>
-              <a:t>            &lt;</a:t>
-            </a:r>
-            <a:r>
-              <a:rPr lang="en-US" altLang="zh-CN" sz="1000" dirty="0" err="1" smtClean="0">
-                <a:latin typeface="Arial" pitchFamily="34" charset="0"/>
-                <a:cs typeface="Arial" pitchFamily="34" charset="0"/>
-              </a:rPr>
-              <a:t>pathline</a:t>
-            </a:r>
-            <a:r>
-              <a:rPr lang="en-US" altLang="zh-CN" sz="1000" dirty="0" smtClean="0">
-                <a:latin typeface="Arial" pitchFamily="34" charset="0"/>
-                <a:cs typeface="Arial" pitchFamily="34" charset="0"/>
-              </a:rPr>
-              <a:t> name=“” path=“D:/data/idx/110000/Pathline” /&gt;</a:t>
-            </a:r>
-            <a:r>
-              <a:rPr lang="zh-CN" altLang="en-US" sz="1000" dirty="0" smtClean="0">
-                <a:latin typeface="Arial" pitchFamily="34" charset="0"/>
-                <a:cs typeface="Arial" pitchFamily="34" charset="0"/>
-              </a:rPr>
-              <a:t>  </a:t>
-            </a:r>
-            <a:r>
-              <a:rPr lang="en-US" altLang="zh-CN" sz="1000" dirty="0" smtClean="0">
-                <a:solidFill>
-                  <a:srgbClr val="C00000"/>
-                </a:solidFill>
-                <a:latin typeface="Arial" pitchFamily="34" charset="0"/>
-                <a:cs typeface="Arial" pitchFamily="34" charset="0"/>
-              </a:rPr>
-              <a:t>&lt;!—LINK</a:t>
-            </a:r>
-            <a:r>
-              <a:rPr lang="zh-CN" altLang="en-US" sz="1000" dirty="0" smtClean="0">
-                <a:solidFill>
-                  <a:srgbClr val="C00000"/>
-                </a:solidFill>
-                <a:latin typeface="Arial" pitchFamily="34" charset="0"/>
-                <a:cs typeface="Arial" pitchFamily="34" charset="0"/>
-              </a:rPr>
-              <a:t>，支持道路搜索</a:t>
-            </a:r>
-            <a:r>
-              <a:rPr lang="en-US" altLang="zh-CN" sz="1000" dirty="0" smtClean="0">
-                <a:solidFill>
-                  <a:srgbClr val="C00000"/>
-                </a:solidFill>
-                <a:latin typeface="Arial" pitchFamily="34" charset="0"/>
-                <a:cs typeface="Arial" pitchFamily="34" charset="0"/>
-              </a:rPr>
-              <a:t>--&gt;</a:t>
-            </a:r>
-            <a:endParaRPr lang="en-US" altLang="zh-CN" sz="1000" dirty="0" smtClean="0">
-              <a:latin typeface="Arial" pitchFamily="34" charset="0"/>
-              <a:cs typeface="Arial" pitchFamily="34" charset="0"/>
-            </a:endParaRPr>
-          </a:p>
-          <a:p>
-            <a:pPr marL="342900" indent="-342900" eaLnBrk="0" hangingPunct="0">
-              <a:spcBef>
-                <a:spcPct val="20000"/>
-              </a:spcBef>
-            </a:pPr>
-            <a:r>
-              <a:rPr lang="en-US" altLang="zh-CN" sz="1000" dirty="0" smtClean="0">
-                <a:latin typeface="Arial" pitchFamily="34" charset="0"/>
-                <a:cs typeface="Arial" pitchFamily="34" charset="0"/>
-              </a:rPr>
-              <a:t>        &lt;/net&gt;</a:t>
-            </a:r>
-          </a:p>
-          <a:p>
-            <a:pPr marL="342900" indent="-342900" eaLnBrk="0" hangingPunct="0">
-              <a:spcBef>
-                <a:spcPct val="20000"/>
-              </a:spcBef>
-            </a:pPr>
-            <a:r>
-              <a:rPr lang="en-US" altLang="zh-CN" sz="1000" dirty="0" smtClean="0">
-                <a:latin typeface="Arial" pitchFamily="34" charset="0"/>
-                <a:cs typeface="Arial" pitchFamily="34" charset="0"/>
-              </a:rPr>
-              <a:t>        &lt;!--net key=“</a:t>
-            </a:r>
-            <a:r>
-              <a:rPr lang="en-US" altLang="zh-CN" sz="1000" dirty="0" smtClean="0">
-                <a:solidFill>
-                  <a:srgbClr val="C00000"/>
-                </a:solidFill>
-                <a:latin typeface="Arial" pitchFamily="34" charset="0"/>
-                <a:cs typeface="Arial" pitchFamily="34" charset="0"/>
-              </a:rPr>
-              <a:t>560000</a:t>
-            </a:r>
-            <a:r>
-              <a:rPr lang="en-US" altLang="zh-CN" sz="1000" dirty="0" smtClean="0">
-                <a:latin typeface="Arial" pitchFamily="34" charset="0"/>
-                <a:cs typeface="Arial" pitchFamily="34" charset="0"/>
-              </a:rPr>
-              <a:t>“&gt;</a:t>
-            </a:r>
-            <a:r>
-              <a:rPr lang="zh-CN" altLang="en-US" sz="1000" dirty="0" smtClean="0">
-                <a:latin typeface="Arial" pitchFamily="34" charset="0"/>
-                <a:cs typeface="Arial" pitchFamily="34" charset="0"/>
-              </a:rPr>
-              <a:t>  </a:t>
-            </a:r>
-            <a:r>
-              <a:rPr lang="en-US" altLang="zh-CN" sz="1000" dirty="0" smtClean="0">
-                <a:solidFill>
-                  <a:srgbClr val="C00000"/>
-                </a:solidFill>
-                <a:latin typeface="Arial" pitchFamily="34" charset="0"/>
-                <a:cs typeface="Arial" pitchFamily="34" charset="0"/>
-              </a:rPr>
-              <a:t>&lt;!—</a:t>
-            </a:r>
-            <a:r>
-              <a:rPr lang="zh-CN" altLang="en-US" sz="1000" dirty="0" smtClean="0">
-                <a:solidFill>
-                  <a:srgbClr val="C00000"/>
-                </a:solidFill>
-                <a:latin typeface="Arial" pitchFamily="34" charset="0"/>
-                <a:cs typeface="Arial" pitchFamily="34" charset="0"/>
-              </a:rPr>
-              <a:t>全国路网，主要由国道和高速公路构成</a:t>
-            </a:r>
-            <a:r>
-              <a:rPr lang="en-US" altLang="zh-CN" sz="1000" dirty="0" smtClean="0">
-                <a:solidFill>
-                  <a:srgbClr val="C00000"/>
-                </a:solidFill>
-                <a:latin typeface="Arial" pitchFamily="34" charset="0"/>
-                <a:cs typeface="Arial" pitchFamily="34" charset="0"/>
-              </a:rPr>
-              <a:t>--&gt;</a:t>
-            </a:r>
-            <a:endParaRPr lang="en-US" altLang="zh-CN" sz="1000" dirty="0" smtClean="0">
-              <a:latin typeface="Arial" pitchFamily="34" charset="0"/>
-              <a:cs typeface="Arial" pitchFamily="34" charset="0"/>
-            </a:endParaRPr>
-          </a:p>
-          <a:p>
-            <a:pPr marL="342900" indent="-342900" eaLnBrk="0" hangingPunct="0">
-              <a:spcBef>
-                <a:spcPct val="20000"/>
-              </a:spcBef>
-            </a:pPr>
-            <a:r>
-              <a:rPr lang="en-US" altLang="zh-CN" sz="1000" dirty="0" smtClean="0">
-                <a:latin typeface="Arial" pitchFamily="34" charset="0"/>
-                <a:cs typeface="Arial" pitchFamily="34" charset="0"/>
-              </a:rPr>
-              <a:t>        &lt;/net--&gt;		</a:t>
-            </a:r>
-          </a:p>
-          <a:p>
-            <a:pPr marL="342900" indent="-342900" eaLnBrk="0" hangingPunct="0">
-              <a:spcBef>
-                <a:spcPct val="20000"/>
-              </a:spcBef>
-            </a:pPr>
-            <a:r>
-              <a:rPr lang="en-US" altLang="zh-CN" sz="1000" dirty="0" smtClean="0">
-                <a:latin typeface="Arial" pitchFamily="34" charset="0"/>
-                <a:cs typeface="Arial" pitchFamily="34" charset="0"/>
-              </a:rPr>
-              <a:t>    &lt;/</a:t>
-            </a:r>
-            <a:r>
-              <a:rPr lang="en-US" altLang="zh-CN" sz="1000" dirty="0" err="1" smtClean="0">
-                <a:latin typeface="Arial" pitchFamily="34" charset="0"/>
-                <a:cs typeface="Arial" pitchFamily="34" charset="0"/>
-              </a:rPr>
-              <a:t>netes</a:t>
-            </a:r>
-            <a:r>
-              <a:rPr lang="en-US" altLang="zh-CN" sz="1000" dirty="0" smtClean="0">
-                <a:latin typeface="Arial" pitchFamily="34" charset="0"/>
-                <a:cs typeface="Arial" pitchFamily="34" charset="0"/>
-              </a:rPr>
-              <a:t>&gt;</a:t>
-            </a:r>
-          </a:p>
-          <a:p>
-            <a:pPr marL="342900" indent="-342900" eaLnBrk="0" hangingPunct="0">
-              <a:spcBef>
-                <a:spcPct val="20000"/>
-              </a:spcBef>
-            </a:pPr>
-            <a:r>
-              <a:rPr lang="en-US" altLang="zh-CN" sz="1000" dirty="0" smtClean="0">
-                <a:latin typeface="Arial" pitchFamily="34" charset="0"/>
-                <a:cs typeface="Arial" pitchFamily="34" charset="0"/>
-              </a:rPr>
-              <a:t>    &lt;</a:t>
-            </a:r>
-            <a:r>
-              <a:rPr lang="en-US" altLang="zh-CN" sz="1000" dirty="0" err="1" smtClean="0">
-                <a:latin typeface="Arial" pitchFamily="34" charset="0"/>
-                <a:cs typeface="Arial" pitchFamily="34" charset="0"/>
-              </a:rPr>
-              <a:t>poies</a:t>
-            </a:r>
-            <a:r>
-              <a:rPr lang="en-US" altLang="zh-CN" sz="1000" dirty="0" smtClean="0">
-                <a:latin typeface="Arial" pitchFamily="34" charset="0"/>
-                <a:cs typeface="Arial" pitchFamily="34" charset="0"/>
-              </a:rPr>
-              <a:t>&gt;</a:t>
-            </a:r>
-            <a:r>
-              <a:rPr lang="zh-CN" altLang="en-US" sz="1000" dirty="0" smtClean="0">
-                <a:latin typeface="Arial" pitchFamily="34" charset="0"/>
-                <a:cs typeface="Arial" pitchFamily="34" charset="0"/>
-              </a:rPr>
-              <a:t>  </a:t>
-            </a:r>
-            <a:r>
-              <a:rPr lang="en-US" altLang="zh-CN" sz="1000" dirty="0" smtClean="0">
-                <a:solidFill>
-                  <a:srgbClr val="C00000"/>
-                </a:solidFill>
-                <a:latin typeface="Arial" pitchFamily="34" charset="0"/>
-                <a:cs typeface="Arial" pitchFamily="34" charset="0"/>
-              </a:rPr>
-              <a:t>&lt;!—POI</a:t>
-            </a:r>
-            <a:r>
-              <a:rPr lang="zh-CN" altLang="en-US" sz="1000" dirty="0" smtClean="0">
-                <a:solidFill>
-                  <a:srgbClr val="C00000"/>
-                </a:solidFill>
-                <a:latin typeface="Arial" pitchFamily="34" charset="0"/>
-                <a:cs typeface="Arial" pitchFamily="34" charset="0"/>
-              </a:rPr>
-              <a:t>搜索配置项</a:t>
-            </a:r>
-            <a:r>
-              <a:rPr lang="en-US" altLang="zh-CN" sz="1000" dirty="0" smtClean="0">
-                <a:solidFill>
-                  <a:srgbClr val="C00000"/>
-                </a:solidFill>
-                <a:latin typeface="Arial" pitchFamily="34" charset="0"/>
-                <a:cs typeface="Arial" pitchFamily="34" charset="0"/>
-              </a:rPr>
-              <a:t>--&gt;</a:t>
-            </a:r>
-            <a:endParaRPr lang="en-US" altLang="zh-CN" sz="1000" dirty="0" smtClean="0">
-              <a:latin typeface="Arial" pitchFamily="34" charset="0"/>
-              <a:cs typeface="Arial" pitchFamily="34" charset="0"/>
-            </a:endParaRPr>
-          </a:p>
-          <a:p>
-            <a:pPr marL="342900" indent="-342900" eaLnBrk="0" hangingPunct="0">
-              <a:spcBef>
-                <a:spcPct val="20000"/>
-              </a:spcBef>
-            </a:pPr>
-            <a:r>
-              <a:rPr lang="en-US" altLang="zh-CN" sz="1000" dirty="0" smtClean="0">
-                <a:latin typeface="Arial" pitchFamily="34" charset="0"/>
-                <a:cs typeface="Arial" pitchFamily="34" charset="0"/>
-              </a:rPr>
-              <a:t>        &lt;poi key=“110000”&gt;</a:t>
-            </a:r>
-            <a:r>
-              <a:rPr lang="zh-CN" altLang="en-US" sz="1000" dirty="0" smtClean="0">
-                <a:latin typeface="Arial" pitchFamily="34" charset="0"/>
-                <a:cs typeface="Arial" pitchFamily="34" charset="0"/>
-              </a:rPr>
-              <a:t>  </a:t>
-            </a:r>
-            <a:r>
-              <a:rPr lang="en-US" altLang="zh-CN" sz="1000" dirty="0" smtClean="0">
-                <a:solidFill>
-                  <a:srgbClr val="C00000"/>
-                </a:solidFill>
-                <a:latin typeface="Arial" pitchFamily="34" charset="0"/>
-                <a:cs typeface="Arial" pitchFamily="34" charset="0"/>
-              </a:rPr>
-              <a:t>&lt;!—</a:t>
-            </a:r>
-            <a:r>
-              <a:rPr lang="zh-CN" altLang="en-US" sz="1000" dirty="0" smtClean="0">
-                <a:solidFill>
-                  <a:srgbClr val="C00000"/>
-                </a:solidFill>
-                <a:latin typeface="Arial" pitchFamily="34" charset="0"/>
-                <a:cs typeface="Arial" pitchFamily="34" charset="0"/>
-              </a:rPr>
-              <a:t>北京地区</a:t>
-            </a:r>
-            <a:r>
-              <a:rPr lang="en-US" altLang="zh-CN" sz="1000" dirty="0" smtClean="0">
-                <a:solidFill>
-                  <a:srgbClr val="C00000"/>
-                </a:solidFill>
-                <a:latin typeface="Arial" pitchFamily="34" charset="0"/>
-                <a:cs typeface="Arial" pitchFamily="34" charset="0"/>
-              </a:rPr>
-              <a:t>POI--&gt;</a:t>
-            </a:r>
-            <a:endParaRPr lang="en-US" altLang="zh-CN" sz="1000" dirty="0" smtClean="0">
-              <a:latin typeface="Arial" pitchFamily="34" charset="0"/>
-              <a:cs typeface="Arial" pitchFamily="34" charset="0"/>
-            </a:endParaRPr>
-          </a:p>
-          <a:p>
-            <a:pPr marL="342900" indent="-342900" eaLnBrk="0" hangingPunct="0">
-              <a:spcBef>
-                <a:spcPct val="20000"/>
-              </a:spcBef>
-            </a:pPr>
-            <a:r>
-              <a:rPr lang="en-US" altLang="zh-CN" sz="1000" dirty="0" smtClean="0">
-                <a:latin typeface="Arial" pitchFamily="34" charset="0"/>
-                <a:cs typeface="Arial" pitchFamily="34" charset="0"/>
-              </a:rPr>
-              <a:t>            &lt;item name=“” path=“D:/data/idx/110000/Poi” /&gt;&lt;!-- support </a:t>
-            </a:r>
-            <a:r>
-              <a:rPr lang="en-US" altLang="zh-CN" sz="1000" dirty="0" err="1" smtClean="0">
-                <a:latin typeface="Arial" pitchFamily="34" charset="0"/>
-                <a:cs typeface="Arial" pitchFamily="34" charset="0"/>
-              </a:rPr>
-              <a:t>multipaths</a:t>
-            </a:r>
-            <a:r>
-              <a:rPr lang="en-US" altLang="zh-CN" sz="1000" dirty="0" smtClean="0">
-                <a:latin typeface="Arial" pitchFamily="34" charset="0"/>
-                <a:cs typeface="Arial" pitchFamily="34" charset="0"/>
-              </a:rPr>
-              <a:t>,</a:t>
-            </a:r>
-            <a:r>
-              <a:rPr lang="zh-CN" altLang="en-US" sz="1000" dirty="0" smtClean="0">
-                <a:latin typeface="Arial" pitchFamily="34" charset="0"/>
-                <a:cs typeface="Arial" pitchFamily="34" charset="0"/>
-              </a:rPr>
-              <a:t>‘</a:t>
-            </a:r>
-            <a:r>
-              <a:rPr lang="en-US" altLang="zh-CN" sz="1000" dirty="0" smtClean="0">
-                <a:latin typeface="Arial" pitchFamily="34" charset="0"/>
-                <a:cs typeface="Arial" pitchFamily="34" charset="0"/>
-              </a:rPr>
-              <a:t>,</a:t>
-            </a:r>
-            <a:r>
-              <a:rPr lang="zh-CN" altLang="en-US" sz="1000" dirty="0" smtClean="0">
-                <a:latin typeface="Arial" pitchFamily="34" charset="0"/>
-                <a:cs typeface="Arial" pitchFamily="34" charset="0"/>
-              </a:rPr>
-              <a:t>’</a:t>
-            </a:r>
-            <a:r>
-              <a:rPr lang="en-US" altLang="zh-CN" sz="1000" dirty="0" smtClean="0">
-                <a:latin typeface="Arial" pitchFamily="34" charset="0"/>
-                <a:cs typeface="Arial" pitchFamily="34" charset="0"/>
-              </a:rPr>
-              <a:t>to separate--&gt;</a:t>
-            </a:r>
-          </a:p>
-          <a:p>
-            <a:pPr marL="342900" indent="-342900" eaLnBrk="0" hangingPunct="0">
-              <a:spcBef>
-                <a:spcPct val="20000"/>
-              </a:spcBef>
-            </a:pPr>
-            <a:r>
-              <a:rPr lang="en-US" altLang="zh-CN" sz="1000" dirty="0" smtClean="0">
-                <a:latin typeface="Arial" pitchFamily="34" charset="0"/>
-                <a:cs typeface="Arial" pitchFamily="34" charset="0"/>
-              </a:rPr>
-              <a:t>        &lt;/poi&gt;</a:t>
-            </a:r>
-          </a:p>
-          <a:p>
-            <a:pPr marL="342900" indent="-342900" eaLnBrk="0" hangingPunct="0">
-              <a:spcBef>
-                <a:spcPct val="20000"/>
-              </a:spcBef>
-            </a:pPr>
-            <a:r>
-              <a:rPr lang="en-US" altLang="zh-CN" sz="1000" dirty="0" smtClean="0">
-                <a:latin typeface="Arial" pitchFamily="34" charset="0"/>
-                <a:cs typeface="Arial" pitchFamily="34" charset="0"/>
-              </a:rPr>
-              <a:t>    &lt;/</a:t>
-            </a:r>
-            <a:r>
-              <a:rPr lang="en-US" altLang="zh-CN" sz="1000" dirty="0" err="1" smtClean="0">
-                <a:latin typeface="Arial" pitchFamily="34" charset="0"/>
-                <a:cs typeface="Arial" pitchFamily="34" charset="0"/>
-              </a:rPr>
-              <a:t>poies</a:t>
-            </a:r>
-            <a:r>
-              <a:rPr lang="en-US" altLang="zh-CN" sz="1000" dirty="0" smtClean="0">
-                <a:latin typeface="Arial" pitchFamily="34" charset="0"/>
-                <a:cs typeface="Arial" pitchFamily="34" charset="0"/>
-              </a:rPr>
-              <a:t>&gt;</a:t>
-            </a:r>
-          </a:p>
-          <a:p>
-            <a:pPr marL="342900" indent="-342900" eaLnBrk="0" hangingPunct="0">
-              <a:spcBef>
-                <a:spcPct val="20000"/>
-              </a:spcBef>
-            </a:pPr>
-            <a:r>
-              <a:rPr lang="en-US" altLang="zh-CN" sz="1000" dirty="0" smtClean="0">
-                <a:latin typeface="Arial" pitchFamily="34" charset="0"/>
-                <a:cs typeface="Arial" pitchFamily="34" charset="0"/>
-              </a:rPr>
-              <a:t>    &lt;</a:t>
-            </a:r>
-            <a:r>
-              <a:rPr lang="en-US" altLang="zh-CN" sz="1000" dirty="0" err="1" smtClean="0">
-                <a:latin typeface="Arial" pitchFamily="34" charset="0"/>
-                <a:cs typeface="Arial" pitchFamily="34" charset="0"/>
-              </a:rPr>
-              <a:t>geoces</a:t>
-            </a:r>
-            <a:r>
-              <a:rPr lang="en-US" altLang="zh-CN" sz="1000" dirty="0" smtClean="0">
-                <a:latin typeface="Arial" pitchFamily="34" charset="0"/>
-                <a:cs typeface="Arial" pitchFamily="34" charset="0"/>
-              </a:rPr>
-              <a:t>&gt;</a:t>
-            </a:r>
-            <a:r>
-              <a:rPr lang="en-US" altLang="zh-CN" sz="1000" dirty="0" smtClean="0">
-                <a:solidFill>
-                  <a:srgbClr val="C00000"/>
-                </a:solidFill>
-                <a:latin typeface="Arial" pitchFamily="34" charset="0"/>
-                <a:cs typeface="Arial" pitchFamily="34" charset="0"/>
-              </a:rPr>
-              <a:t>   &lt;!—</a:t>
-            </a:r>
-            <a:r>
-              <a:rPr lang="zh-CN" altLang="en-US" sz="1000" dirty="0" smtClean="0">
-                <a:solidFill>
-                  <a:srgbClr val="C00000"/>
-                </a:solidFill>
-                <a:latin typeface="Arial" pitchFamily="34" charset="0"/>
-                <a:cs typeface="Arial" pitchFamily="34" charset="0"/>
-              </a:rPr>
-              <a:t>地址匹配</a:t>
-            </a:r>
-            <a:r>
-              <a:rPr lang="en-US" altLang="zh-CN" sz="1000" dirty="0" smtClean="0">
-                <a:solidFill>
-                  <a:srgbClr val="C00000"/>
-                </a:solidFill>
-                <a:latin typeface="Arial" pitchFamily="34" charset="0"/>
-                <a:cs typeface="Arial" pitchFamily="34" charset="0"/>
-              </a:rPr>
-              <a:t>/</a:t>
-            </a:r>
-            <a:r>
-              <a:rPr lang="zh-CN" altLang="en-US" sz="1000" dirty="0" smtClean="0">
-                <a:solidFill>
-                  <a:srgbClr val="C00000"/>
-                </a:solidFill>
-                <a:latin typeface="Arial" pitchFamily="34" charset="0"/>
-                <a:cs typeface="Arial" pitchFamily="34" charset="0"/>
-              </a:rPr>
-              <a:t>反地址匹配配置项，目前没有数据，临时通过</a:t>
-            </a:r>
-            <a:r>
-              <a:rPr lang="en-US" altLang="zh-CN" sz="1000" dirty="0" smtClean="0">
-                <a:solidFill>
-                  <a:srgbClr val="C00000"/>
-                </a:solidFill>
-                <a:latin typeface="Arial" pitchFamily="34" charset="0"/>
-                <a:cs typeface="Arial" pitchFamily="34" charset="0"/>
-              </a:rPr>
-              <a:t>POI</a:t>
-            </a:r>
-            <a:r>
-              <a:rPr lang="zh-CN" altLang="en-US" sz="1000" dirty="0" smtClean="0">
-                <a:solidFill>
-                  <a:srgbClr val="C00000"/>
-                </a:solidFill>
-                <a:latin typeface="Arial" pitchFamily="34" charset="0"/>
-                <a:cs typeface="Arial" pitchFamily="34" charset="0"/>
-              </a:rPr>
-              <a:t>数据实现</a:t>
-            </a:r>
-            <a:r>
-              <a:rPr lang="en-US" altLang="zh-CN" sz="1000" dirty="0" smtClean="0">
-                <a:solidFill>
-                  <a:srgbClr val="C00000"/>
-                </a:solidFill>
-                <a:latin typeface="Arial" pitchFamily="34" charset="0"/>
-                <a:cs typeface="Arial" pitchFamily="34" charset="0"/>
-              </a:rPr>
-              <a:t>--&gt;</a:t>
-            </a:r>
-            <a:endParaRPr lang="en-US" altLang="zh-CN" sz="1000" dirty="0" smtClean="0">
-              <a:latin typeface="Arial" pitchFamily="34" charset="0"/>
-              <a:cs typeface="Arial" pitchFamily="34" charset="0"/>
-            </a:endParaRPr>
-          </a:p>
-          <a:p>
-            <a:pPr marL="342900" indent="-342900" eaLnBrk="0" hangingPunct="0">
-              <a:spcBef>
-                <a:spcPct val="20000"/>
-              </a:spcBef>
-            </a:pPr>
-            <a:r>
-              <a:rPr lang="en-US" altLang="zh-CN" sz="1000" dirty="0" smtClean="0">
-                <a:latin typeface="Arial" pitchFamily="34" charset="0"/>
-                <a:cs typeface="Arial" pitchFamily="34" charset="0"/>
-              </a:rPr>
-              <a:t>        &lt;!--</a:t>
-            </a:r>
-            <a:r>
-              <a:rPr lang="en-US" altLang="zh-CN" sz="1000" dirty="0" err="1" smtClean="0">
-                <a:latin typeface="Arial" pitchFamily="34" charset="0"/>
-                <a:cs typeface="Arial" pitchFamily="34" charset="0"/>
-              </a:rPr>
-              <a:t>geoc</a:t>
-            </a:r>
-            <a:r>
-              <a:rPr lang="en-US" altLang="zh-CN" sz="1000" dirty="0" smtClean="0">
-                <a:latin typeface="Arial" pitchFamily="34" charset="0"/>
-                <a:cs typeface="Arial" pitchFamily="34" charset="0"/>
-              </a:rPr>
-              <a:t> key="560000"&gt;</a:t>
-            </a:r>
-          </a:p>
-          <a:p>
-            <a:pPr marL="342900" indent="-342900" eaLnBrk="0" hangingPunct="0">
-              <a:spcBef>
-                <a:spcPct val="20000"/>
-              </a:spcBef>
-            </a:pPr>
-            <a:r>
-              <a:rPr lang="en-US" altLang="zh-CN" sz="1000" dirty="0" smtClean="0">
-                <a:latin typeface="Arial" pitchFamily="34" charset="0"/>
-                <a:cs typeface="Arial" pitchFamily="34" charset="0"/>
-              </a:rPr>
-              <a:t>            &lt;item name="110000" path="data/</a:t>
-            </a:r>
-            <a:r>
-              <a:rPr lang="en-US" altLang="zh-CN" sz="1000" dirty="0" err="1" smtClean="0">
-                <a:latin typeface="Arial" pitchFamily="34" charset="0"/>
-                <a:cs typeface="Arial" pitchFamily="34" charset="0"/>
-              </a:rPr>
-              <a:t>idx</a:t>
-            </a:r>
-            <a:r>
-              <a:rPr lang="en-US" altLang="zh-CN" sz="1000" dirty="0" smtClean="0">
-                <a:latin typeface="Arial" pitchFamily="34" charset="0"/>
-                <a:cs typeface="Arial" pitchFamily="34" charset="0"/>
-              </a:rPr>
-              <a:t>/</a:t>
-            </a:r>
-            <a:r>
-              <a:rPr lang="en-US" altLang="zh-CN" sz="1000" dirty="0" err="1" smtClean="0">
-                <a:latin typeface="Arial" pitchFamily="34" charset="0"/>
-                <a:cs typeface="Arial" pitchFamily="34" charset="0"/>
-              </a:rPr>
-              <a:t>geoc</a:t>
-            </a:r>
-            <a:r>
-              <a:rPr lang="en-US" altLang="zh-CN" sz="1000" dirty="0" smtClean="0">
-                <a:latin typeface="Arial" pitchFamily="34" charset="0"/>
-                <a:cs typeface="Arial" pitchFamily="34" charset="0"/>
-              </a:rPr>
-              <a:t>/110000" /&gt;</a:t>
-            </a:r>
-          </a:p>
-          <a:p>
-            <a:pPr marL="342900" indent="-342900" eaLnBrk="0" hangingPunct="0">
-              <a:spcBef>
-                <a:spcPct val="20000"/>
-              </a:spcBef>
-            </a:pPr>
-            <a:r>
-              <a:rPr lang="en-US" altLang="zh-CN" sz="1000" dirty="0" smtClean="0">
-                <a:latin typeface="Arial" pitchFamily="34" charset="0"/>
-                <a:cs typeface="Arial" pitchFamily="34" charset="0"/>
-              </a:rPr>
-              <a:t>        &lt;/</a:t>
-            </a:r>
-            <a:r>
-              <a:rPr lang="en-US" altLang="zh-CN" sz="1000" dirty="0" err="1" smtClean="0">
-                <a:latin typeface="Arial" pitchFamily="34" charset="0"/>
-                <a:cs typeface="Arial" pitchFamily="34" charset="0"/>
-              </a:rPr>
-              <a:t>geoc</a:t>
-            </a:r>
-            <a:r>
-              <a:rPr lang="en-US" altLang="zh-CN" sz="1000" dirty="0" smtClean="0">
-                <a:latin typeface="Arial" pitchFamily="34" charset="0"/>
-                <a:cs typeface="Arial" pitchFamily="34" charset="0"/>
-              </a:rPr>
-              <a:t>--&gt;</a:t>
-            </a:r>
-          </a:p>
-          <a:p>
-            <a:pPr marL="342900" indent="-342900" eaLnBrk="0" hangingPunct="0">
-              <a:spcBef>
-                <a:spcPct val="20000"/>
-              </a:spcBef>
-            </a:pPr>
-            <a:r>
-              <a:rPr lang="en-US" altLang="zh-CN" sz="1000" dirty="0" smtClean="0">
-                <a:latin typeface="Arial" pitchFamily="34" charset="0"/>
-                <a:cs typeface="Arial" pitchFamily="34" charset="0"/>
-              </a:rPr>
-              <a:t>    &lt;/</a:t>
-            </a:r>
-            <a:r>
-              <a:rPr lang="en-US" altLang="zh-CN" sz="1000" dirty="0" err="1" smtClean="0">
-                <a:latin typeface="Arial" pitchFamily="34" charset="0"/>
-                <a:cs typeface="Arial" pitchFamily="34" charset="0"/>
-              </a:rPr>
-              <a:t>geoces</a:t>
-            </a:r>
-            <a:r>
-              <a:rPr lang="en-US" altLang="zh-CN" sz="1000" dirty="0" smtClean="0">
-                <a:latin typeface="Arial" pitchFamily="34" charset="0"/>
-                <a:cs typeface="Arial" pitchFamily="34" charset="0"/>
-              </a:rPr>
-              <a:t>&gt;</a:t>
-            </a:r>
-          </a:p>
-          <a:p>
-            <a:pPr marL="342900" indent="-342900" eaLnBrk="0" hangingPunct="0">
-              <a:spcBef>
-                <a:spcPct val="20000"/>
-              </a:spcBef>
-            </a:pPr>
-            <a:r>
-              <a:rPr lang="en-US" altLang="zh-CN" sz="1000" dirty="0" smtClean="0">
-                <a:latin typeface="Arial" pitchFamily="34" charset="0"/>
-                <a:cs typeface="Arial" pitchFamily="34" charset="0"/>
-              </a:rPr>
-              <a:t>    &lt;</a:t>
-            </a:r>
-            <a:r>
-              <a:rPr lang="en-US" altLang="zh-CN" sz="1000" dirty="0" err="1" smtClean="0">
-                <a:latin typeface="Arial" pitchFamily="34" charset="0"/>
-                <a:cs typeface="Arial" pitchFamily="34" charset="0"/>
-              </a:rPr>
-              <a:t>distes</a:t>
-            </a:r>
-            <a:r>
-              <a:rPr lang="en-US" altLang="zh-CN" sz="1000" dirty="0" smtClean="0">
-                <a:latin typeface="Arial" pitchFamily="34" charset="0"/>
-                <a:cs typeface="Arial" pitchFamily="34" charset="0"/>
-              </a:rPr>
-              <a:t>&gt;</a:t>
-            </a:r>
-          </a:p>
-          <a:p>
-            <a:pPr marL="342900" indent="-342900" eaLnBrk="0" hangingPunct="0">
-              <a:spcBef>
-                <a:spcPct val="20000"/>
-              </a:spcBef>
-            </a:pPr>
-            <a:r>
-              <a:rPr lang="en-US" altLang="zh-CN" sz="1000" dirty="0" smtClean="0">
-                <a:latin typeface="Arial" pitchFamily="34" charset="0"/>
-                <a:cs typeface="Arial" pitchFamily="34" charset="0"/>
-              </a:rPr>
-              <a:t>        &lt;dist key=“</a:t>
-            </a:r>
-            <a:r>
-              <a:rPr lang="en-US" altLang="zh-CN" sz="1000" dirty="0" smtClean="0">
-                <a:solidFill>
-                  <a:srgbClr val="C00000"/>
-                </a:solidFill>
-                <a:latin typeface="Arial" pitchFamily="34" charset="0"/>
-                <a:cs typeface="Arial" pitchFamily="34" charset="0"/>
-              </a:rPr>
-              <a:t>560000</a:t>
-            </a:r>
-            <a:r>
-              <a:rPr lang="en-US" altLang="zh-CN" sz="1000" dirty="0" smtClean="0">
-                <a:latin typeface="Arial" pitchFamily="34" charset="0"/>
-                <a:cs typeface="Arial" pitchFamily="34" charset="0"/>
-              </a:rPr>
-              <a:t>”&gt;</a:t>
-            </a:r>
-            <a:r>
-              <a:rPr lang="en-US" altLang="zh-CN" sz="1000" dirty="0" smtClean="0">
-                <a:solidFill>
-                  <a:srgbClr val="C00000"/>
-                </a:solidFill>
-                <a:latin typeface="Arial" pitchFamily="34" charset="0"/>
-                <a:cs typeface="Arial" pitchFamily="34" charset="0"/>
-              </a:rPr>
-              <a:t> </a:t>
-            </a:r>
-            <a:r>
-              <a:rPr lang="zh-CN" altLang="en-US" sz="1000" dirty="0" smtClean="0">
-                <a:solidFill>
-                  <a:srgbClr val="C00000"/>
-                </a:solidFill>
-                <a:latin typeface="Arial" pitchFamily="34" charset="0"/>
-                <a:cs typeface="Arial" pitchFamily="34" charset="0"/>
-              </a:rPr>
-              <a:t>  </a:t>
-            </a:r>
-            <a:r>
-              <a:rPr lang="en-US" altLang="zh-CN" sz="1000" dirty="0" smtClean="0">
-                <a:solidFill>
-                  <a:srgbClr val="C00000"/>
-                </a:solidFill>
-                <a:latin typeface="Arial" pitchFamily="34" charset="0"/>
-                <a:cs typeface="Arial" pitchFamily="34" charset="0"/>
-              </a:rPr>
-              <a:t>&lt;!—</a:t>
-            </a:r>
-            <a:r>
-              <a:rPr lang="zh-CN" altLang="en-US" sz="1000" dirty="0" smtClean="0">
-                <a:solidFill>
-                  <a:srgbClr val="C00000"/>
-                </a:solidFill>
-                <a:latin typeface="Arial" pitchFamily="34" charset="0"/>
-                <a:cs typeface="Arial" pitchFamily="34" charset="0"/>
-              </a:rPr>
-              <a:t>区域搜索配置项</a:t>
-            </a:r>
-            <a:r>
-              <a:rPr lang="en-US" altLang="zh-CN" sz="1000" dirty="0" smtClean="0">
-                <a:solidFill>
-                  <a:srgbClr val="C00000"/>
-                </a:solidFill>
-                <a:latin typeface="Arial" pitchFamily="34" charset="0"/>
-                <a:cs typeface="Arial" pitchFamily="34" charset="0"/>
-              </a:rPr>
-              <a:t>--&gt;</a:t>
-            </a:r>
-            <a:endParaRPr lang="en-US" altLang="zh-CN" sz="1000" dirty="0" smtClean="0">
-              <a:latin typeface="Arial" pitchFamily="34" charset="0"/>
-              <a:cs typeface="Arial" pitchFamily="34" charset="0"/>
-            </a:endParaRPr>
-          </a:p>
-          <a:p>
-            <a:pPr marL="342900" indent="-342900" eaLnBrk="0" hangingPunct="0">
-              <a:spcBef>
-                <a:spcPct val="20000"/>
-              </a:spcBef>
-            </a:pPr>
-            <a:r>
-              <a:rPr lang="en-US" altLang="zh-CN" sz="1000" dirty="0" smtClean="0">
-                <a:latin typeface="Arial" pitchFamily="34" charset="0"/>
-                <a:cs typeface="Arial" pitchFamily="34" charset="0"/>
-              </a:rPr>
-              <a:t>            &lt;item name="" path="D:/data/idx/dist" /&gt;</a:t>
-            </a:r>
-          </a:p>
-          <a:p>
-            <a:pPr marL="342900" indent="-342900" eaLnBrk="0" hangingPunct="0">
-              <a:spcBef>
-                <a:spcPct val="20000"/>
-              </a:spcBef>
-            </a:pPr>
-            <a:r>
-              <a:rPr lang="en-US" altLang="zh-CN" sz="1000" dirty="0" smtClean="0">
-                <a:latin typeface="Arial" pitchFamily="34" charset="0"/>
-                <a:cs typeface="Arial" pitchFamily="34" charset="0"/>
-              </a:rPr>
-              <a:t>        &lt;/dist&gt;</a:t>
-            </a:r>
-          </a:p>
-          <a:p>
-            <a:pPr marL="342900" indent="-342900" eaLnBrk="0" hangingPunct="0">
-              <a:spcBef>
-                <a:spcPct val="20000"/>
-              </a:spcBef>
-            </a:pPr>
-            <a:r>
-              <a:rPr lang="en-US" altLang="zh-CN" sz="1000" dirty="0" smtClean="0">
-                <a:latin typeface="Arial" pitchFamily="34" charset="0"/>
-                <a:cs typeface="Arial" pitchFamily="34" charset="0"/>
-              </a:rPr>
-              <a:t>    &lt;/</a:t>
-            </a:r>
-            <a:r>
-              <a:rPr lang="en-US" altLang="zh-CN" sz="1000" dirty="0" err="1" smtClean="0">
-                <a:latin typeface="Arial" pitchFamily="34" charset="0"/>
-                <a:cs typeface="Arial" pitchFamily="34" charset="0"/>
-              </a:rPr>
-              <a:t>distes</a:t>
-            </a:r>
-            <a:r>
-              <a:rPr lang="en-US" altLang="zh-CN" sz="1000" dirty="0" smtClean="0">
-                <a:latin typeface="Arial" pitchFamily="34" charset="0"/>
-                <a:cs typeface="Arial" pitchFamily="34" charset="0"/>
-              </a:rPr>
-              <a:t>&gt;</a:t>
-            </a:r>
-          </a:p>
-          <a:p>
-            <a:pPr marL="342900" indent="-342900" eaLnBrk="0" hangingPunct="0">
-              <a:spcBef>
-                <a:spcPct val="20000"/>
-              </a:spcBef>
-            </a:pPr>
-            <a:r>
-              <a:rPr lang="en-US" altLang="zh-CN" sz="1000" dirty="0" smtClean="0">
-                <a:latin typeface="Arial" pitchFamily="34" charset="0"/>
-                <a:cs typeface="Arial" pitchFamily="34" charset="0"/>
-              </a:rPr>
-              <a:t>    &lt;buses&gt;</a:t>
-            </a:r>
-            <a:r>
-              <a:rPr lang="en-US" altLang="zh-CN" sz="1000" dirty="0" smtClean="0">
-                <a:solidFill>
-                  <a:srgbClr val="C00000"/>
-                </a:solidFill>
-                <a:latin typeface="Arial" pitchFamily="34" charset="0"/>
-                <a:cs typeface="Arial" pitchFamily="34" charset="0"/>
-              </a:rPr>
-              <a:t> </a:t>
-            </a:r>
-            <a:r>
-              <a:rPr lang="zh-CN" altLang="en-US" sz="1000" dirty="0" smtClean="0">
-                <a:solidFill>
-                  <a:srgbClr val="C00000"/>
-                </a:solidFill>
-                <a:latin typeface="Arial" pitchFamily="34" charset="0"/>
-                <a:cs typeface="Arial" pitchFamily="34" charset="0"/>
-              </a:rPr>
-              <a:t>  </a:t>
-            </a:r>
-            <a:r>
-              <a:rPr lang="en-US" altLang="zh-CN" sz="1000" dirty="0" smtClean="0">
-                <a:solidFill>
-                  <a:srgbClr val="C00000"/>
-                </a:solidFill>
-                <a:latin typeface="Arial" pitchFamily="34" charset="0"/>
-                <a:cs typeface="Arial" pitchFamily="34" charset="0"/>
-              </a:rPr>
-              <a:t>&lt;!—</a:t>
-            </a:r>
-            <a:r>
-              <a:rPr lang="zh-CN" altLang="en-US" sz="1000" dirty="0" smtClean="0">
-                <a:solidFill>
-                  <a:srgbClr val="C00000"/>
-                </a:solidFill>
-                <a:latin typeface="Arial" pitchFamily="34" charset="0"/>
-                <a:cs typeface="Arial" pitchFamily="34" charset="0"/>
-              </a:rPr>
-              <a:t>公交换乘配置项，目前没有数据</a:t>
-            </a:r>
-            <a:r>
-              <a:rPr lang="en-US" altLang="zh-CN" sz="1000" dirty="0" smtClean="0">
-                <a:solidFill>
-                  <a:srgbClr val="C00000"/>
-                </a:solidFill>
-                <a:latin typeface="Arial" pitchFamily="34" charset="0"/>
-                <a:cs typeface="Arial" pitchFamily="34" charset="0"/>
-              </a:rPr>
-              <a:t>--&gt;</a:t>
-            </a:r>
-            <a:endParaRPr lang="en-US" altLang="zh-CN" sz="1000" dirty="0" smtClean="0">
-              <a:latin typeface="Arial" pitchFamily="34" charset="0"/>
-              <a:cs typeface="Arial" pitchFamily="34" charset="0"/>
-            </a:endParaRPr>
-          </a:p>
-          <a:p>
-            <a:pPr marL="342900" indent="-342900" eaLnBrk="0" hangingPunct="0">
-              <a:spcBef>
-                <a:spcPct val="20000"/>
-              </a:spcBef>
-            </a:pPr>
-            <a:r>
-              <a:rPr lang="en-US" altLang="zh-CN" sz="1000" dirty="0" smtClean="0">
-                <a:latin typeface="Arial" pitchFamily="34" charset="0"/>
-                <a:cs typeface="Arial" pitchFamily="34" charset="0"/>
-              </a:rPr>
-              <a:t>    &lt;/buses&gt;</a:t>
-            </a:r>
-          </a:p>
-          <a:p>
-            <a:pPr marL="342900" indent="-342900" eaLnBrk="0" hangingPunct="0">
-              <a:spcBef>
-                <a:spcPct val="20000"/>
-              </a:spcBef>
-            </a:pPr>
-            <a:r>
-              <a:rPr lang="en-US" altLang="zh-CN" sz="1000" dirty="0" smtClean="0">
-                <a:latin typeface="Arial" pitchFamily="34" charset="0"/>
-                <a:cs typeface="Arial" pitchFamily="34" charset="0"/>
-              </a:rPr>
-              <a:t>&lt;/</a:t>
-            </a:r>
-            <a:r>
-              <a:rPr lang="en-US" altLang="zh-CN" sz="1000" dirty="0" err="1" smtClean="0">
-                <a:latin typeface="Arial" pitchFamily="34" charset="0"/>
-                <a:cs typeface="Arial" pitchFamily="34" charset="0"/>
-              </a:rPr>
-              <a:t>navi</a:t>
-            </a:r>
-            <a:r>
-              <a:rPr lang="en-US" altLang="zh-CN" sz="1000" dirty="0" smtClean="0">
-                <a:latin typeface="Arial" pitchFamily="34" charset="0"/>
-                <a:cs typeface="Arial" pitchFamily="34" charset="0"/>
-              </a:rPr>
-              <a:t>&gt;</a:t>
-            </a:r>
           </a:p>
         </p:txBody>
       </p:sp>
@@ -27921,6 +28420,1245 @@
                 <a:latin typeface="宋体" charset="-122"/>
                 <a:ea typeface="宋体" charset="-122"/>
               </a:rPr>
+              <a:t>4.2</a:t>
+            </a:r>
+            <a:r>
+              <a:rPr lang="en-US" altLang="zh-CN" sz="3200" dirty="0" smtClean="0">
+                <a:ln>
+                  <a:noFill/>
+                </a:ln>
+                <a:latin typeface="宋体" charset="-122"/>
+                <a:ea typeface="宋体" charset="-122"/>
+              </a:rPr>
+              <a:t> </a:t>
+            </a:r>
+            <a:r>
+              <a:rPr lang="zh-CN" altLang="en-US" sz="3200" dirty="0" smtClean="0">
+                <a:ln>
+                  <a:noFill/>
+                </a:ln>
+                <a:latin typeface="宋体" charset="-122"/>
+                <a:ea typeface="宋体" charset="-122"/>
+              </a:rPr>
+              <a:t>配置说明</a:t>
+            </a:r>
+            <a:endParaRPr lang="zh-CN" altLang="en-US" sz="3200" dirty="0" smtClean="0">
+              <a:ln>
+                <a:noFill/>
+              </a:ln>
+              <a:ea typeface="宋体" charset="-122"/>
+            </a:endParaRPr>
+          </a:p>
+        </p:txBody>
+      </p:sp>
+      <p:sp>
+        <p:nvSpPr>
+          <p:cNvPr id="14339" name="Rectangle 46"/>
+          <p:cNvSpPr>
+            <a:spLocks/>
+          </p:cNvSpPr>
+          <p:nvPr/>
+        </p:nvSpPr>
+        <p:spPr bwMode="auto">
+          <a:xfrm>
+            <a:off x="457200" y="1285860"/>
+            <a:ext cx="8229600" cy="5000660"/>
+          </a:xfrm>
+          <a:prstGeom prst="rect">
+            <a:avLst/>
+          </a:prstGeom>
+          <a:noFill/>
+          <a:ln w="9525">
+            <a:noFill/>
+            <a:miter lim="800000"/>
+            <a:headEnd/>
+            <a:tailEnd/>
+          </a:ln>
+        </p:spPr>
+        <p:txBody>
+          <a:bodyPr/>
+          <a:lstStyle/>
+          <a:p>
+            <a:pPr marL="342900" indent="-342900" eaLnBrk="0" hangingPunct="0">
+              <a:spcBef>
+                <a:spcPct val="20000"/>
+              </a:spcBef>
+            </a:pPr>
+            <a:r>
+              <a:rPr lang="en-US" altLang="zh-CN" sz="1000" dirty="0" smtClean="0">
+                <a:latin typeface="Arial" pitchFamily="34" charset="0"/>
+                <a:cs typeface="Arial" pitchFamily="34" charset="0"/>
+              </a:rPr>
+              <a:t>&lt;</a:t>
+            </a:r>
+            <a:r>
+              <a:rPr lang="en-US" altLang="zh-CN" sz="1000" dirty="0" err="1" smtClean="0">
+                <a:latin typeface="Arial" pitchFamily="34" charset="0"/>
+                <a:cs typeface="Arial" pitchFamily="34" charset="0"/>
+              </a:rPr>
+              <a:t>navi</a:t>
+            </a:r>
+            <a:r>
+              <a:rPr lang="en-US" altLang="zh-CN" sz="1000" dirty="0" smtClean="0">
+                <a:latin typeface="Arial" pitchFamily="34" charset="0"/>
+                <a:cs typeface="Arial" pitchFamily="34" charset="0"/>
+              </a:rPr>
+              <a:t>&gt;</a:t>
+            </a:r>
+          </a:p>
+          <a:p>
+            <a:pPr marL="342900" indent="-342900" eaLnBrk="0" hangingPunct="0">
+              <a:spcBef>
+                <a:spcPct val="20000"/>
+              </a:spcBef>
+            </a:pPr>
+            <a:r>
+              <a:rPr lang="en-US" altLang="zh-CN" sz="1000" dirty="0" smtClean="0">
+                <a:latin typeface="Arial" pitchFamily="34" charset="0"/>
+                <a:cs typeface="Arial" pitchFamily="34" charset="0"/>
+              </a:rPr>
+              <a:t>    &lt;</a:t>
+            </a:r>
+            <a:r>
+              <a:rPr lang="en-US" altLang="zh-CN" sz="1000" dirty="0" err="1" smtClean="0">
+                <a:latin typeface="Arial" pitchFamily="34" charset="0"/>
+                <a:cs typeface="Arial" pitchFamily="34" charset="0"/>
+              </a:rPr>
+              <a:t>netes</a:t>
+            </a:r>
+            <a:r>
+              <a:rPr lang="en-US" altLang="zh-CN" sz="1000" dirty="0" smtClean="0">
+                <a:latin typeface="Arial" pitchFamily="34" charset="0"/>
+                <a:cs typeface="Arial" pitchFamily="34" charset="0"/>
+              </a:rPr>
+              <a:t>&gt; </a:t>
+            </a:r>
+            <a:r>
+              <a:rPr lang="zh-CN" altLang="en-US" sz="1000" dirty="0" smtClean="0">
+                <a:latin typeface="Arial" pitchFamily="34" charset="0"/>
+                <a:cs typeface="Arial" pitchFamily="34" charset="0"/>
+              </a:rPr>
+              <a:t> </a:t>
+            </a:r>
+            <a:r>
+              <a:rPr lang="en-US" altLang="zh-CN" sz="1000" dirty="0" smtClean="0">
+                <a:solidFill>
+                  <a:srgbClr val="C00000"/>
+                </a:solidFill>
+                <a:latin typeface="Arial" pitchFamily="34" charset="0"/>
+                <a:cs typeface="Arial" pitchFamily="34" charset="0"/>
+              </a:rPr>
+              <a:t>&lt;!—</a:t>
+            </a:r>
+            <a:r>
+              <a:rPr lang="zh-CN" altLang="en-US" sz="1000" dirty="0" smtClean="0">
+                <a:solidFill>
+                  <a:srgbClr val="C00000"/>
+                </a:solidFill>
+                <a:latin typeface="Arial" pitchFamily="34" charset="0"/>
+                <a:cs typeface="Arial" pitchFamily="34" charset="0"/>
+              </a:rPr>
+              <a:t>路网配置项</a:t>
+            </a:r>
+            <a:r>
+              <a:rPr lang="en-US" altLang="zh-CN" sz="1000" dirty="0" smtClean="0">
+                <a:solidFill>
+                  <a:srgbClr val="C00000"/>
+                </a:solidFill>
+                <a:latin typeface="Arial" pitchFamily="34" charset="0"/>
+                <a:cs typeface="Arial" pitchFamily="34" charset="0"/>
+              </a:rPr>
+              <a:t>--&gt;</a:t>
+            </a:r>
+          </a:p>
+          <a:p>
+            <a:pPr marL="342900" indent="-342900" eaLnBrk="0" hangingPunct="0">
+              <a:spcBef>
+                <a:spcPct val="20000"/>
+              </a:spcBef>
+            </a:pPr>
+            <a:r>
+              <a:rPr lang="en-US" altLang="zh-CN" sz="1000" dirty="0" smtClean="0">
+                <a:latin typeface="Arial" pitchFamily="34" charset="0"/>
+                <a:cs typeface="Arial" pitchFamily="34" charset="0"/>
+              </a:rPr>
+              <a:t>        &lt;net key=“</a:t>
+            </a:r>
+            <a:r>
+              <a:rPr lang="en-US" altLang="zh-CN" sz="1000" dirty="0" smtClean="0">
+                <a:solidFill>
+                  <a:srgbClr val="C00000"/>
+                </a:solidFill>
+                <a:latin typeface="Arial" pitchFamily="34" charset="0"/>
+                <a:cs typeface="Arial" pitchFamily="34" charset="0"/>
+              </a:rPr>
+              <a:t>110000</a:t>
+            </a:r>
+            <a:r>
+              <a:rPr lang="en-US" altLang="zh-CN" sz="1000" dirty="0" smtClean="0">
+                <a:latin typeface="Arial" pitchFamily="34" charset="0"/>
+                <a:cs typeface="Arial" pitchFamily="34" charset="0"/>
+              </a:rPr>
+              <a:t>”&gt;</a:t>
+            </a:r>
+            <a:r>
+              <a:rPr lang="zh-CN" altLang="en-US" sz="1000" dirty="0" smtClean="0">
+                <a:latin typeface="Arial" pitchFamily="34" charset="0"/>
+                <a:cs typeface="Arial" pitchFamily="34" charset="0"/>
+              </a:rPr>
+              <a:t>  </a:t>
+            </a:r>
+            <a:r>
+              <a:rPr lang="en-US" altLang="zh-CN" sz="1000" dirty="0" smtClean="0">
+                <a:solidFill>
+                  <a:srgbClr val="C00000"/>
+                </a:solidFill>
+                <a:latin typeface="Arial" pitchFamily="34" charset="0"/>
+                <a:cs typeface="Arial" pitchFamily="34" charset="0"/>
+              </a:rPr>
+              <a:t>&lt;!—</a:t>
+            </a:r>
+            <a:r>
+              <a:rPr lang="zh-CN" altLang="en-US" sz="1000" dirty="0" smtClean="0">
+                <a:solidFill>
+                  <a:srgbClr val="C00000"/>
+                </a:solidFill>
+                <a:latin typeface="Arial" pitchFamily="34" charset="0"/>
+                <a:cs typeface="Arial" pitchFamily="34" charset="0"/>
+              </a:rPr>
+              <a:t>北京地区路网</a:t>
+            </a:r>
+            <a:r>
+              <a:rPr lang="en-US" altLang="zh-CN" sz="1000" dirty="0" smtClean="0">
+                <a:solidFill>
+                  <a:srgbClr val="C00000"/>
+                </a:solidFill>
+                <a:latin typeface="Arial" pitchFamily="34" charset="0"/>
+                <a:cs typeface="Arial" pitchFamily="34" charset="0"/>
+              </a:rPr>
+              <a:t>--&gt;</a:t>
+            </a:r>
+          </a:p>
+          <a:p>
+            <a:pPr marL="342900" indent="-342900" eaLnBrk="0" hangingPunct="0">
+              <a:spcBef>
+                <a:spcPct val="20000"/>
+              </a:spcBef>
+            </a:pPr>
+            <a:r>
+              <a:rPr lang="en-US" altLang="zh-CN" sz="1000" dirty="0" smtClean="0">
+                <a:latin typeface="Arial" pitchFamily="34" charset="0"/>
+                <a:cs typeface="Arial" pitchFamily="34" charset="0"/>
+              </a:rPr>
+              <a:t>            &lt;junction name=“” path=“D:/data/idx/110000/Junction” /&gt;</a:t>
+            </a:r>
+            <a:r>
+              <a:rPr lang="zh-CN" altLang="en-US" sz="1000" dirty="0" smtClean="0">
+                <a:latin typeface="Arial" pitchFamily="34" charset="0"/>
+                <a:cs typeface="Arial" pitchFamily="34" charset="0"/>
+              </a:rPr>
+              <a:t>  </a:t>
+            </a:r>
+            <a:r>
+              <a:rPr lang="en-US" altLang="zh-CN" sz="1000" dirty="0" smtClean="0">
+                <a:solidFill>
+                  <a:srgbClr val="C00000"/>
+                </a:solidFill>
+                <a:latin typeface="Arial" pitchFamily="34" charset="0"/>
+                <a:cs typeface="Arial" pitchFamily="34" charset="0"/>
+              </a:rPr>
+              <a:t>&lt;!—NODE--&gt;</a:t>
+            </a:r>
+            <a:endParaRPr lang="en-US" altLang="zh-CN" sz="1000" dirty="0" smtClean="0">
+              <a:latin typeface="Arial" pitchFamily="34" charset="0"/>
+              <a:cs typeface="Arial" pitchFamily="34" charset="0"/>
+            </a:endParaRPr>
+          </a:p>
+          <a:p>
+            <a:pPr marL="342900" indent="-342900" eaLnBrk="0" hangingPunct="0">
+              <a:spcBef>
+                <a:spcPct val="20000"/>
+              </a:spcBef>
+            </a:pPr>
+            <a:r>
+              <a:rPr lang="en-US" altLang="zh-CN" sz="1000" dirty="0" smtClean="0">
+                <a:latin typeface="Arial" pitchFamily="34" charset="0"/>
+                <a:cs typeface="Arial" pitchFamily="34" charset="0"/>
+              </a:rPr>
+              <a:t>            &lt;</a:t>
+            </a:r>
+            <a:r>
+              <a:rPr lang="en-US" altLang="zh-CN" sz="1000" dirty="0" err="1" smtClean="0">
+                <a:latin typeface="Arial" pitchFamily="34" charset="0"/>
+                <a:cs typeface="Arial" pitchFamily="34" charset="0"/>
+              </a:rPr>
+              <a:t>pathline</a:t>
+            </a:r>
+            <a:r>
+              <a:rPr lang="en-US" altLang="zh-CN" sz="1000" dirty="0" smtClean="0">
+                <a:latin typeface="Arial" pitchFamily="34" charset="0"/>
+                <a:cs typeface="Arial" pitchFamily="34" charset="0"/>
+              </a:rPr>
+              <a:t> name=“” path=“D:/data/idx/110000/Pathline” /&gt;</a:t>
+            </a:r>
+            <a:r>
+              <a:rPr lang="zh-CN" altLang="en-US" sz="1000" dirty="0" smtClean="0">
+                <a:latin typeface="Arial" pitchFamily="34" charset="0"/>
+                <a:cs typeface="Arial" pitchFamily="34" charset="0"/>
+              </a:rPr>
+              <a:t>  </a:t>
+            </a:r>
+            <a:r>
+              <a:rPr lang="en-US" altLang="zh-CN" sz="1000" dirty="0" smtClean="0">
+                <a:solidFill>
+                  <a:srgbClr val="C00000"/>
+                </a:solidFill>
+                <a:latin typeface="Arial" pitchFamily="34" charset="0"/>
+                <a:cs typeface="Arial" pitchFamily="34" charset="0"/>
+              </a:rPr>
+              <a:t>&lt;!—LINK</a:t>
+            </a:r>
+            <a:r>
+              <a:rPr lang="zh-CN" altLang="en-US" sz="1000" dirty="0" smtClean="0">
+                <a:solidFill>
+                  <a:srgbClr val="C00000"/>
+                </a:solidFill>
+                <a:latin typeface="Arial" pitchFamily="34" charset="0"/>
+                <a:cs typeface="Arial" pitchFamily="34" charset="0"/>
+              </a:rPr>
+              <a:t>，支持道路搜索</a:t>
+            </a:r>
+            <a:r>
+              <a:rPr lang="en-US" altLang="zh-CN" sz="1000" dirty="0" smtClean="0">
+                <a:solidFill>
+                  <a:srgbClr val="C00000"/>
+                </a:solidFill>
+                <a:latin typeface="Arial" pitchFamily="34" charset="0"/>
+                <a:cs typeface="Arial" pitchFamily="34" charset="0"/>
+              </a:rPr>
+              <a:t>--&gt;</a:t>
+            </a:r>
+            <a:endParaRPr lang="en-US" altLang="zh-CN" sz="1000" dirty="0" smtClean="0">
+              <a:latin typeface="Arial" pitchFamily="34" charset="0"/>
+              <a:cs typeface="Arial" pitchFamily="34" charset="0"/>
+            </a:endParaRPr>
+          </a:p>
+          <a:p>
+            <a:pPr marL="342900" indent="-342900" eaLnBrk="0" hangingPunct="0">
+              <a:spcBef>
+                <a:spcPct val="20000"/>
+              </a:spcBef>
+            </a:pPr>
+            <a:r>
+              <a:rPr lang="en-US" altLang="zh-CN" sz="1000" dirty="0" smtClean="0">
+                <a:latin typeface="Arial" pitchFamily="34" charset="0"/>
+                <a:cs typeface="Arial" pitchFamily="34" charset="0"/>
+              </a:rPr>
+              <a:t>        &lt;/net&gt;</a:t>
+            </a:r>
+          </a:p>
+          <a:p>
+            <a:pPr marL="342900" indent="-342900" eaLnBrk="0" hangingPunct="0">
+              <a:spcBef>
+                <a:spcPct val="20000"/>
+              </a:spcBef>
+            </a:pPr>
+            <a:r>
+              <a:rPr lang="en-US" altLang="zh-CN" sz="1000" dirty="0" smtClean="0">
+                <a:latin typeface="Arial" pitchFamily="34" charset="0"/>
+                <a:cs typeface="Arial" pitchFamily="34" charset="0"/>
+              </a:rPr>
+              <a:t>        &lt;!--net key=“</a:t>
+            </a:r>
+            <a:r>
+              <a:rPr lang="en-US" altLang="zh-CN" sz="1000" dirty="0" smtClean="0">
+                <a:solidFill>
+                  <a:srgbClr val="C00000"/>
+                </a:solidFill>
+                <a:latin typeface="Arial" pitchFamily="34" charset="0"/>
+                <a:cs typeface="Arial" pitchFamily="34" charset="0"/>
+              </a:rPr>
+              <a:t>560000</a:t>
+            </a:r>
+            <a:r>
+              <a:rPr lang="en-US" altLang="zh-CN" sz="1000" dirty="0" smtClean="0">
+                <a:latin typeface="Arial" pitchFamily="34" charset="0"/>
+                <a:cs typeface="Arial" pitchFamily="34" charset="0"/>
+              </a:rPr>
+              <a:t>“&gt;</a:t>
+            </a:r>
+            <a:r>
+              <a:rPr lang="zh-CN" altLang="en-US" sz="1000" dirty="0" smtClean="0">
+                <a:latin typeface="Arial" pitchFamily="34" charset="0"/>
+                <a:cs typeface="Arial" pitchFamily="34" charset="0"/>
+              </a:rPr>
+              <a:t>  </a:t>
+            </a:r>
+            <a:r>
+              <a:rPr lang="en-US" altLang="zh-CN" sz="1000" dirty="0" smtClean="0">
+                <a:solidFill>
+                  <a:srgbClr val="C00000"/>
+                </a:solidFill>
+                <a:latin typeface="Arial" pitchFamily="34" charset="0"/>
+                <a:cs typeface="Arial" pitchFamily="34" charset="0"/>
+              </a:rPr>
+              <a:t>&lt;!—</a:t>
+            </a:r>
+            <a:r>
+              <a:rPr lang="zh-CN" altLang="en-US" sz="1000" dirty="0" smtClean="0">
+                <a:solidFill>
+                  <a:srgbClr val="C00000"/>
+                </a:solidFill>
+                <a:latin typeface="Arial" pitchFamily="34" charset="0"/>
+                <a:cs typeface="Arial" pitchFamily="34" charset="0"/>
+              </a:rPr>
+              <a:t>全国路网，主要由国道和高速公路构成</a:t>
+            </a:r>
+            <a:r>
+              <a:rPr lang="en-US" altLang="zh-CN" sz="1000" dirty="0" smtClean="0">
+                <a:solidFill>
+                  <a:srgbClr val="C00000"/>
+                </a:solidFill>
+                <a:latin typeface="Arial" pitchFamily="34" charset="0"/>
+                <a:cs typeface="Arial" pitchFamily="34" charset="0"/>
+              </a:rPr>
+              <a:t>--&gt;</a:t>
+            </a:r>
+            <a:endParaRPr lang="en-US" altLang="zh-CN" sz="1000" dirty="0" smtClean="0">
+              <a:latin typeface="Arial" pitchFamily="34" charset="0"/>
+              <a:cs typeface="Arial" pitchFamily="34" charset="0"/>
+            </a:endParaRPr>
+          </a:p>
+          <a:p>
+            <a:pPr marL="342900" indent="-342900" eaLnBrk="0" hangingPunct="0">
+              <a:spcBef>
+                <a:spcPct val="20000"/>
+              </a:spcBef>
+            </a:pPr>
+            <a:r>
+              <a:rPr lang="en-US" altLang="zh-CN" sz="1000" dirty="0" smtClean="0">
+                <a:latin typeface="Arial" pitchFamily="34" charset="0"/>
+                <a:cs typeface="Arial" pitchFamily="34" charset="0"/>
+              </a:rPr>
+              <a:t>        &lt;/net--&gt;		</a:t>
+            </a:r>
+          </a:p>
+          <a:p>
+            <a:pPr marL="342900" indent="-342900" eaLnBrk="0" hangingPunct="0">
+              <a:spcBef>
+                <a:spcPct val="20000"/>
+              </a:spcBef>
+            </a:pPr>
+            <a:r>
+              <a:rPr lang="en-US" altLang="zh-CN" sz="1000" dirty="0" smtClean="0">
+                <a:latin typeface="Arial" pitchFamily="34" charset="0"/>
+                <a:cs typeface="Arial" pitchFamily="34" charset="0"/>
+              </a:rPr>
+              <a:t>    &lt;/</a:t>
+            </a:r>
+            <a:r>
+              <a:rPr lang="en-US" altLang="zh-CN" sz="1000" dirty="0" err="1" smtClean="0">
+                <a:latin typeface="Arial" pitchFamily="34" charset="0"/>
+                <a:cs typeface="Arial" pitchFamily="34" charset="0"/>
+              </a:rPr>
+              <a:t>netes</a:t>
+            </a:r>
+            <a:r>
+              <a:rPr lang="en-US" altLang="zh-CN" sz="1000" dirty="0" smtClean="0">
+                <a:latin typeface="Arial" pitchFamily="34" charset="0"/>
+                <a:cs typeface="Arial" pitchFamily="34" charset="0"/>
+              </a:rPr>
+              <a:t>&gt;</a:t>
+            </a:r>
+          </a:p>
+          <a:p>
+            <a:pPr marL="342900" indent="-342900" eaLnBrk="0" hangingPunct="0">
+              <a:spcBef>
+                <a:spcPct val="20000"/>
+              </a:spcBef>
+            </a:pPr>
+            <a:r>
+              <a:rPr lang="en-US" altLang="zh-CN" sz="1000" dirty="0" smtClean="0">
+                <a:latin typeface="Arial" pitchFamily="34" charset="0"/>
+                <a:cs typeface="Arial" pitchFamily="34" charset="0"/>
+              </a:rPr>
+              <a:t>    &lt;</a:t>
+            </a:r>
+            <a:r>
+              <a:rPr lang="en-US" altLang="zh-CN" sz="1000" dirty="0" err="1" smtClean="0">
+                <a:latin typeface="Arial" pitchFamily="34" charset="0"/>
+                <a:cs typeface="Arial" pitchFamily="34" charset="0"/>
+              </a:rPr>
+              <a:t>poies</a:t>
+            </a:r>
+            <a:r>
+              <a:rPr lang="en-US" altLang="zh-CN" sz="1000" dirty="0" smtClean="0">
+                <a:latin typeface="Arial" pitchFamily="34" charset="0"/>
+                <a:cs typeface="Arial" pitchFamily="34" charset="0"/>
+              </a:rPr>
+              <a:t>&gt;</a:t>
+            </a:r>
+            <a:r>
+              <a:rPr lang="zh-CN" altLang="en-US" sz="1000" dirty="0" smtClean="0">
+                <a:latin typeface="Arial" pitchFamily="34" charset="0"/>
+                <a:cs typeface="Arial" pitchFamily="34" charset="0"/>
+              </a:rPr>
+              <a:t>  </a:t>
+            </a:r>
+            <a:r>
+              <a:rPr lang="en-US" altLang="zh-CN" sz="1000" dirty="0" smtClean="0">
+                <a:solidFill>
+                  <a:srgbClr val="C00000"/>
+                </a:solidFill>
+                <a:latin typeface="Arial" pitchFamily="34" charset="0"/>
+                <a:cs typeface="Arial" pitchFamily="34" charset="0"/>
+              </a:rPr>
+              <a:t>&lt;!—POI</a:t>
+            </a:r>
+            <a:r>
+              <a:rPr lang="zh-CN" altLang="en-US" sz="1000" dirty="0" smtClean="0">
+                <a:solidFill>
+                  <a:srgbClr val="C00000"/>
+                </a:solidFill>
+                <a:latin typeface="Arial" pitchFamily="34" charset="0"/>
+                <a:cs typeface="Arial" pitchFamily="34" charset="0"/>
+              </a:rPr>
+              <a:t>搜索配置项</a:t>
+            </a:r>
+            <a:r>
+              <a:rPr lang="en-US" altLang="zh-CN" sz="1000" dirty="0" smtClean="0">
+                <a:solidFill>
+                  <a:srgbClr val="C00000"/>
+                </a:solidFill>
+                <a:latin typeface="Arial" pitchFamily="34" charset="0"/>
+                <a:cs typeface="Arial" pitchFamily="34" charset="0"/>
+              </a:rPr>
+              <a:t>--&gt;</a:t>
+            </a:r>
+            <a:endParaRPr lang="en-US" altLang="zh-CN" sz="1000" dirty="0" smtClean="0">
+              <a:latin typeface="Arial" pitchFamily="34" charset="0"/>
+              <a:cs typeface="Arial" pitchFamily="34" charset="0"/>
+            </a:endParaRPr>
+          </a:p>
+          <a:p>
+            <a:pPr marL="342900" indent="-342900" eaLnBrk="0" hangingPunct="0">
+              <a:spcBef>
+                <a:spcPct val="20000"/>
+              </a:spcBef>
+            </a:pPr>
+            <a:r>
+              <a:rPr lang="en-US" altLang="zh-CN" sz="1000" dirty="0" smtClean="0">
+                <a:latin typeface="Arial" pitchFamily="34" charset="0"/>
+                <a:cs typeface="Arial" pitchFamily="34" charset="0"/>
+              </a:rPr>
+              <a:t>        &lt;poi key=“110000”&gt;</a:t>
+            </a:r>
+            <a:r>
+              <a:rPr lang="zh-CN" altLang="en-US" sz="1000" dirty="0" smtClean="0">
+                <a:latin typeface="Arial" pitchFamily="34" charset="0"/>
+                <a:cs typeface="Arial" pitchFamily="34" charset="0"/>
+              </a:rPr>
+              <a:t>  </a:t>
+            </a:r>
+            <a:r>
+              <a:rPr lang="en-US" altLang="zh-CN" sz="1000" dirty="0" smtClean="0">
+                <a:solidFill>
+                  <a:srgbClr val="C00000"/>
+                </a:solidFill>
+                <a:latin typeface="Arial" pitchFamily="34" charset="0"/>
+                <a:cs typeface="Arial" pitchFamily="34" charset="0"/>
+              </a:rPr>
+              <a:t>&lt;!—</a:t>
+            </a:r>
+            <a:r>
+              <a:rPr lang="zh-CN" altLang="en-US" sz="1000" dirty="0" smtClean="0">
+                <a:solidFill>
+                  <a:srgbClr val="C00000"/>
+                </a:solidFill>
+                <a:latin typeface="Arial" pitchFamily="34" charset="0"/>
+                <a:cs typeface="Arial" pitchFamily="34" charset="0"/>
+              </a:rPr>
+              <a:t>北京地区</a:t>
+            </a:r>
+            <a:r>
+              <a:rPr lang="en-US" altLang="zh-CN" sz="1000" dirty="0" smtClean="0">
+                <a:solidFill>
+                  <a:srgbClr val="C00000"/>
+                </a:solidFill>
+                <a:latin typeface="Arial" pitchFamily="34" charset="0"/>
+                <a:cs typeface="Arial" pitchFamily="34" charset="0"/>
+              </a:rPr>
+              <a:t>POI--&gt;</a:t>
+            </a:r>
+            <a:endParaRPr lang="en-US" altLang="zh-CN" sz="1000" dirty="0" smtClean="0">
+              <a:latin typeface="Arial" pitchFamily="34" charset="0"/>
+              <a:cs typeface="Arial" pitchFamily="34" charset="0"/>
+            </a:endParaRPr>
+          </a:p>
+          <a:p>
+            <a:pPr marL="342900" indent="-342900" eaLnBrk="0" hangingPunct="0">
+              <a:spcBef>
+                <a:spcPct val="20000"/>
+              </a:spcBef>
+            </a:pPr>
+            <a:r>
+              <a:rPr lang="en-US" altLang="zh-CN" sz="1000" dirty="0" smtClean="0">
+                <a:latin typeface="Arial" pitchFamily="34" charset="0"/>
+                <a:cs typeface="Arial" pitchFamily="34" charset="0"/>
+              </a:rPr>
+              <a:t>            &lt;item name=“” path=“D:/data/idx/110000/Poi” /&gt;&lt;!-- support </a:t>
+            </a:r>
+            <a:r>
+              <a:rPr lang="en-US" altLang="zh-CN" sz="1000" dirty="0" err="1" smtClean="0">
+                <a:latin typeface="Arial" pitchFamily="34" charset="0"/>
+                <a:cs typeface="Arial" pitchFamily="34" charset="0"/>
+              </a:rPr>
+              <a:t>multipaths</a:t>
+            </a:r>
+            <a:r>
+              <a:rPr lang="en-US" altLang="zh-CN" sz="1000" dirty="0" smtClean="0">
+                <a:latin typeface="Arial" pitchFamily="34" charset="0"/>
+                <a:cs typeface="Arial" pitchFamily="34" charset="0"/>
+              </a:rPr>
+              <a:t>,</a:t>
+            </a:r>
+            <a:r>
+              <a:rPr lang="zh-CN" altLang="en-US" sz="1000" dirty="0" smtClean="0">
+                <a:latin typeface="Arial" pitchFamily="34" charset="0"/>
+                <a:cs typeface="Arial" pitchFamily="34" charset="0"/>
+              </a:rPr>
+              <a:t>‘</a:t>
+            </a:r>
+            <a:r>
+              <a:rPr lang="en-US" altLang="zh-CN" sz="1000" dirty="0" smtClean="0">
+                <a:latin typeface="Arial" pitchFamily="34" charset="0"/>
+                <a:cs typeface="Arial" pitchFamily="34" charset="0"/>
+              </a:rPr>
+              <a:t>,</a:t>
+            </a:r>
+            <a:r>
+              <a:rPr lang="zh-CN" altLang="en-US" sz="1000" dirty="0" smtClean="0">
+                <a:latin typeface="Arial" pitchFamily="34" charset="0"/>
+                <a:cs typeface="Arial" pitchFamily="34" charset="0"/>
+              </a:rPr>
+              <a:t>’</a:t>
+            </a:r>
+            <a:r>
+              <a:rPr lang="en-US" altLang="zh-CN" sz="1000" dirty="0" smtClean="0">
+                <a:latin typeface="Arial" pitchFamily="34" charset="0"/>
+                <a:cs typeface="Arial" pitchFamily="34" charset="0"/>
+              </a:rPr>
+              <a:t>to separate--&gt;</a:t>
+            </a:r>
+          </a:p>
+          <a:p>
+            <a:pPr marL="342900" indent="-342900" eaLnBrk="0" hangingPunct="0">
+              <a:spcBef>
+                <a:spcPct val="20000"/>
+              </a:spcBef>
+            </a:pPr>
+            <a:r>
+              <a:rPr lang="en-US" altLang="zh-CN" sz="1000" dirty="0" smtClean="0">
+                <a:latin typeface="Arial" pitchFamily="34" charset="0"/>
+                <a:cs typeface="Arial" pitchFamily="34" charset="0"/>
+              </a:rPr>
+              <a:t>        &lt;/poi&gt;</a:t>
+            </a:r>
+          </a:p>
+          <a:p>
+            <a:pPr marL="342900" indent="-342900" eaLnBrk="0" hangingPunct="0">
+              <a:spcBef>
+                <a:spcPct val="20000"/>
+              </a:spcBef>
+            </a:pPr>
+            <a:r>
+              <a:rPr lang="en-US" altLang="zh-CN" sz="1000" dirty="0" smtClean="0">
+                <a:latin typeface="Arial" pitchFamily="34" charset="0"/>
+                <a:cs typeface="Arial" pitchFamily="34" charset="0"/>
+              </a:rPr>
+              <a:t>    &lt;/</a:t>
+            </a:r>
+            <a:r>
+              <a:rPr lang="en-US" altLang="zh-CN" sz="1000" dirty="0" err="1" smtClean="0">
+                <a:latin typeface="Arial" pitchFamily="34" charset="0"/>
+                <a:cs typeface="Arial" pitchFamily="34" charset="0"/>
+              </a:rPr>
+              <a:t>poies</a:t>
+            </a:r>
+            <a:r>
+              <a:rPr lang="en-US" altLang="zh-CN" sz="1000" dirty="0" smtClean="0">
+                <a:latin typeface="Arial" pitchFamily="34" charset="0"/>
+                <a:cs typeface="Arial" pitchFamily="34" charset="0"/>
+              </a:rPr>
+              <a:t>&gt;</a:t>
+            </a:r>
+          </a:p>
+          <a:p>
+            <a:pPr marL="342900" indent="-342900" eaLnBrk="0" hangingPunct="0">
+              <a:spcBef>
+                <a:spcPct val="20000"/>
+              </a:spcBef>
+            </a:pPr>
+            <a:r>
+              <a:rPr lang="en-US" altLang="zh-CN" sz="1000" dirty="0" smtClean="0">
+                <a:latin typeface="Arial" pitchFamily="34" charset="0"/>
+                <a:cs typeface="Arial" pitchFamily="34" charset="0"/>
+              </a:rPr>
+              <a:t>    &lt;</a:t>
+            </a:r>
+            <a:r>
+              <a:rPr lang="en-US" altLang="zh-CN" sz="1000" dirty="0" err="1" smtClean="0">
+                <a:latin typeface="Arial" pitchFamily="34" charset="0"/>
+                <a:cs typeface="Arial" pitchFamily="34" charset="0"/>
+              </a:rPr>
+              <a:t>geoces</a:t>
+            </a:r>
+            <a:r>
+              <a:rPr lang="en-US" altLang="zh-CN" sz="1000" dirty="0" smtClean="0">
+                <a:latin typeface="Arial" pitchFamily="34" charset="0"/>
+                <a:cs typeface="Arial" pitchFamily="34" charset="0"/>
+              </a:rPr>
+              <a:t>&gt;</a:t>
+            </a:r>
+            <a:r>
+              <a:rPr lang="en-US" altLang="zh-CN" sz="1000" dirty="0" smtClean="0">
+                <a:solidFill>
+                  <a:srgbClr val="C00000"/>
+                </a:solidFill>
+                <a:latin typeface="Arial" pitchFamily="34" charset="0"/>
+                <a:cs typeface="Arial" pitchFamily="34" charset="0"/>
+              </a:rPr>
+              <a:t>   &lt;!—</a:t>
+            </a:r>
+            <a:r>
+              <a:rPr lang="zh-CN" altLang="en-US" sz="1000" dirty="0" smtClean="0">
+                <a:solidFill>
+                  <a:srgbClr val="C00000"/>
+                </a:solidFill>
+                <a:latin typeface="Arial" pitchFamily="34" charset="0"/>
+                <a:cs typeface="Arial" pitchFamily="34" charset="0"/>
+              </a:rPr>
+              <a:t>地址匹配</a:t>
+            </a:r>
+            <a:r>
+              <a:rPr lang="en-US" altLang="zh-CN" sz="1000" dirty="0" smtClean="0">
+                <a:solidFill>
+                  <a:srgbClr val="C00000"/>
+                </a:solidFill>
+                <a:latin typeface="Arial" pitchFamily="34" charset="0"/>
+                <a:cs typeface="Arial" pitchFamily="34" charset="0"/>
+              </a:rPr>
+              <a:t>/</a:t>
+            </a:r>
+            <a:r>
+              <a:rPr lang="zh-CN" altLang="en-US" sz="1000" dirty="0" smtClean="0">
+                <a:solidFill>
+                  <a:srgbClr val="C00000"/>
+                </a:solidFill>
+                <a:latin typeface="Arial" pitchFamily="34" charset="0"/>
+                <a:cs typeface="Arial" pitchFamily="34" charset="0"/>
+              </a:rPr>
+              <a:t>反地址匹配配置项，目前没有数据，临时通过</a:t>
+            </a:r>
+            <a:r>
+              <a:rPr lang="en-US" altLang="zh-CN" sz="1000" dirty="0" smtClean="0">
+                <a:solidFill>
+                  <a:srgbClr val="C00000"/>
+                </a:solidFill>
+                <a:latin typeface="Arial" pitchFamily="34" charset="0"/>
+                <a:cs typeface="Arial" pitchFamily="34" charset="0"/>
+              </a:rPr>
+              <a:t>POI</a:t>
+            </a:r>
+            <a:r>
+              <a:rPr lang="zh-CN" altLang="en-US" sz="1000" dirty="0" smtClean="0">
+                <a:solidFill>
+                  <a:srgbClr val="C00000"/>
+                </a:solidFill>
+                <a:latin typeface="Arial" pitchFamily="34" charset="0"/>
+                <a:cs typeface="Arial" pitchFamily="34" charset="0"/>
+              </a:rPr>
+              <a:t>数据实现</a:t>
+            </a:r>
+            <a:r>
+              <a:rPr lang="en-US" altLang="zh-CN" sz="1000" dirty="0" smtClean="0">
+                <a:solidFill>
+                  <a:srgbClr val="C00000"/>
+                </a:solidFill>
+                <a:latin typeface="Arial" pitchFamily="34" charset="0"/>
+                <a:cs typeface="Arial" pitchFamily="34" charset="0"/>
+              </a:rPr>
+              <a:t>--&gt;</a:t>
+            </a:r>
+            <a:endParaRPr lang="en-US" altLang="zh-CN" sz="1000" dirty="0" smtClean="0">
+              <a:latin typeface="Arial" pitchFamily="34" charset="0"/>
+              <a:cs typeface="Arial" pitchFamily="34" charset="0"/>
+            </a:endParaRPr>
+          </a:p>
+          <a:p>
+            <a:pPr marL="342900" indent="-342900" eaLnBrk="0" hangingPunct="0">
+              <a:spcBef>
+                <a:spcPct val="20000"/>
+              </a:spcBef>
+            </a:pPr>
+            <a:r>
+              <a:rPr lang="en-US" altLang="zh-CN" sz="1000" dirty="0" smtClean="0">
+                <a:latin typeface="Arial" pitchFamily="34" charset="0"/>
+                <a:cs typeface="Arial" pitchFamily="34" charset="0"/>
+              </a:rPr>
+              <a:t>        &lt;!--</a:t>
+            </a:r>
+            <a:r>
+              <a:rPr lang="en-US" altLang="zh-CN" sz="1000" dirty="0" err="1" smtClean="0">
+                <a:latin typeface="Arial" pitchFamily="34" charset="0"/>
+                <a:cs typeface="Arial" pitchFamily="34" charset="0"/>
+              </a:rPr>
+              <a:t>geoc</a:t>
+            </a:r>
+            <a:r>
+              <a:rPr lang="en-US" altLang="zh-CN" sz="1000" dirty="0" smtClean="0">
+                <a:latin typeface="Arial" pitchFamily="34" charset="0"/>
+                <a:cs typeface="Arial" pitchFamily="34" charset="0"/>
+              </a:rPr>
+              <a:t> key="560000"&gt;</a:t>
+            </a:r>
+          </a:p>
+          <a:p>
+            <a:pPr marL="342900" indent="-342900" eaLnBrk="0" hangingPunct="0">
+              <a:spcBef>
+                <a:spcPct val="20000"/>
+              </a:spcBef>
+            </a:pPr>
+            <a:r>
+              <a:rPr lang="en-US" altLang="zh-CN" sz="1000" dirty="0" smtClean="0">
+                <a:latin typeface="Arial" pitchFamily="34" charset="0"/>
+                <a:cs typeface="Arial" pitchFamily="34" charset="0"/>
+              </a:rPr>
+              <a:t>            &lt;item name="110000" path="data/</a:t>
+            </a:r>
+            <a:r>
+              <a:rPr lang="en-US" altLang="zh-CN" sz="1000" dirty="0" err="1" smtClean="0">
+                <a:latin typeface="Arial" pitchFamily="34" charset="0"/>
+                <a:cs typeface="Arial" pitchFamily="34" charset="0"/>
+              </a:rPr>
+              <a:t>idx</a:t>
+            </a:r>
+            <a:r>
+              <a:rPr lang="en-US" altLang="zh-CN" sz="1000" dirty="0" smtClean="0">
+                <a:latin typeface="Arial" pitchFamily="34" charset="0"/>
+                <a:cs typeface="Arial" pitchFamily="34" charset="0"/>
+              </a:rPr>
+              <a:t>/</a:t>
+            </a:r>
+            <a:r>
+              <a:rPr lang="en-US" altLang="zh-CN" sz="1000" dirty="0" err="1" smtClean="0">
+                <a:latin typeface="Arial" pitchFamily="34" charset="0"/>
+                <a:cs typeface="Arial" pitchFamily="34" charset="0"/>
+              </a:rPr>
+              <a:t>geoc</a:t>
+            </a:r>
+            <a:r>
+              <a:rPr lang="en-US" altLang="zh-CN" sz="1000" dirty="0" smtClean="0">
+                <a:latin typeface="Arial" pitchFamily="34" charset="0"/>
+                <a:cs typeface="Arial" pitchFamily="34" charset="0"/>
+              </a:rPr>
+              <a:t>/110000" /&gt;</a:t>
+            </a:r>
+          </a:p>
+          <a:p>
+            <a:pPr marL="342900" indent="-342900" eaLnBrk="0" hangingPunct="0">
+              <a:spcBef>
+                <a:spcPct val="20000"/>
+              </a:spcBef>
+            </a:pPr>
+            <a:r>
+              <a:rPr lang="en-US" altLang="zh-CN" sz="1000" dirty="0" smtClean="0">
+                <a:latin typeface="Arial" pitchFamily="34" charset="0"/>
+                <a:cs typeface="Arial" pitchFamily="34" charset="0"/>
+              </a:rPr>
+              <a:t>        &lt;/</a:t>
+            </a:r>
+            <a:r>
+              <a:rPr lang="en-US" altLang="zh-CN" sz="1000" dirty="0" err="1" smtClean="0">
+                <a:latin typeface="Arial" pitchFamily="34" charset="0"/>
+                <a:cs typeface="Arial" pitchFamily="34" charset="0"/>
+              </a:rPr>
+              <a:t>geoc</a:t>
+            </a:r>
+            <a:r>
+              <a:rPr lang="en-US" altLang="zh-CN" sz="1000" dirty="0" smtClean="0">
+                <a:latin typeface="Arial" pitchFamily="34" charset="0"/>
+                <a:cs typeface="Arial" pitchFamily="34" charset="0"/>
+              </a:rPr>
+              <a:t>--&gt;</a:t>
+            </a:r>
+          </a:p>
+          <a:p>
+            <a:pPr marL="342900" indent="-342900" eaLnBrk="0" hangingPunct="0">
+              <a:spcBef>
+                <a:spcPct val="20000"/>
+              </a:spcBef>
+            </a:pPr>
+            <a:r>
+              <a:rPr lang="en-US" altLang="zh-CN" sz="1000" dirty="0" smtClean="0">
+                <a:latin typeface="Arial" pitchFamily="34" charset="0"/>
+                <a:cs typeface="Arial" pitchFamily="34" charset="0"/>
+              </a:rPr>
+              <a:t>    &lt;/</a:t>
+            </a:r>
+            <a:r>
+              <a:rPr lang="en-US" altLang="zh-CN" sz="1000" dirty="0" err="1" smtClean="0">
+                <a:latin typeface="Arial" pitchFamily="34" charset="0"/>
+                <a:cs typeface="Arial" pitchFamily="34" charset="0"/>
+              </a:rPr>
+              <a:t>geoces</a:t>
+            </a:r>
+            <a:r>
+              <a:rPr lang="en-US" altLang="zh-CN" sz="1000" dirty="0" smtClean="0">
+                <a:latin typeface="Arial" pitchFamily="34" charset="0"/>
+                <a:cs typeface="Arial" pitchFamily="34" charset="0"/>
+              </a:rPr>
+              <a:t>&gt;</a:t>
+            </a:r>
+          </a:p>
+          <a:p>
+            <a:pPr marL="342900" indent="-342900" eaLnBrk="0" hangingPunct="0">
+              <a:spcBef>
+                <a:spcPct val="20000"/>
+              </a:spcBef>
+            </a:pPr>
+            <a:r>
+              <a:rPr lang="en-US" altLang="zh-CN" sz="1000" dirty="0" smtClean="0">
+                <a:latin typeface="Arial" pitchFamily="34" charset="0"/>
+                <a:cs typeface="Arial" pitchFamily="34" charset="0"/>
+              </a:rPr>
+              <a:t>    &lt;</a:t>
+            </a:r>
+            <a:r>
+              <a:rPr lang="en-US" altLang="zh-CN" sz="1000" dirty="0" err="1" smtClean="0">
+                <a:latin typeface="Arial" pitchFamily="34" charset="0"/>
+                <a:cs typeface="Arial" pitchFamily="34" charset="0"/>
+              </a:rPr>
+              <a:t>distes</a:t>
+            </a:r>
+            <a:r>
+              <a:rPr lang="en-US" altLang="zh-CN" sz="1000" dirty="0" smtClean="0">
+                <a:latin typeface="Arial" pitchFamily="34" charset="0"/>
+                <a:cs typeface="Arial" pitchFamily="34" charset="0"/>
+              </a:rPr>
+              <a:t>&gt;</a:t>
+            </a:r>
+          </a:p>
+          <a:p>
+            <a:pPr marL="342900" indent="-342900" eaLnBrk="0" hangingPunct="0">
+              <a:spcBef>
+                <a:spcPct val="20000"/>
+              </a:spcBef>
+            </a:pPr>
+            <a:r>
+              <a:rPr lang="en-US" altLang="zh-CN" sz="1000" dirty="0" smtClean="0">
+                <a:latin typeface="Arial" pitchFamily="34" charset="0"/>
+                <a:cs typeface="Arial" pitchFamily="34" charset="0"/>
+              </a:rPr>
+              <a:t>        &lt;dist key=“</a:t>
+            </a:r>
+            <a:r>
+              <a:rPr lang="en-US" altLang="zh-CN" sz="1000" dirty="0" smtClean="0">
+                <a:solidFill>
+                  <a:srgbClr val="C00000"/>
+                </a:solidFill>
+                <a:latin typeface="Arial" pitchFamily="34" charset="0"/>
+                <a:cs typeface="Arial" pitchFamily="34" charset="0"/>
+              </a:rPr>
+              <a:t>560000</a:t>
+            </a:r>
+            <a:r>
+              <a:rPr lang="en-US" altLang="zh-CN" sz="1000" dirty="0" smtClean="0">
+                <a:latin typeface="Arial" pitchFamily="34" charset="0"/>
+                <a:cs typeface="Arial" pitchFamily="34" charset="0"/>
+              </a:rPr>
+              <a:t>”&gt;</a:t>
+            </a:r>
+            <a:r>
+              <a:rPr lang="en-US" altLang="zh-CN" sz="1000" dirty="0" smtClean="0">
+                <a:solidFill>
+                  <a:srgbClr val="C00000"/>
+                </a:solidFill>
+                <a:latin typeface="Arial" pitchFamily="34" charset="0"/>
+                <a:cs typeface="Arial" pitchFamily="34" charset="0"/>
+              </a:rPr>
+              <a:t> </a:t>
+            </a:r>
+            <a:r>
+              <a:rPr lang="zh-CN" altLang="en-US" sz="1000" dirty="0" smtClean="0">
+                <a:solidFill>
+                  <a:srgbClr val="C00000"/>
+                </a:solidFill>
+                <a:latin typeface="Arial" pitchFamily="34" charset="0"/>
+                <a:cs typeface="Arial" pitchFamily="34" charset="0"/>
+              </a:rPr>
+              <a:t>  </a:t>
+            </a:r>
+            <a:r>
+              <a:rPr lang="en-US" altLang="zh-CN" sz="1000" dirty="0" smtClean="0">
+                <a:solidFill>
+                  <a:srgbClr val="C00000"/>
+                </a:solidFill>
+                <a:latin typeface="Arial" pitchFamily="34" charset="0"/>
+                <a:cs typeface="Arial" pitchFamily="34" charset="0"/>
+              </a:rPr>
+              <a:t>&lt;!—</a:t>
+            </a:r>
+            <a:r>
+              <a:rPr lang="zh-CN" altLang="en-US" sz="1000" dirty="0" smtClean="0">
+                <a:solidFill>
+                  <a:srgbClr val="C00000"/>
+                </a:solidFill>
+                <a:latin typeface="Arial" pitchFamily="34" charset="0"/>
+                <a:cs typeface="Arial" pitchFamily="34" charset="0"/>
+              </a:rPr>
+              <a:t>区域搜索配置项</a:t>
+            </a:r>
+            <a:r>
+              <a:rPr lang="en-US" altLang="zh-CN" sz="1000" dirty="0" smtClean="0">
+                <a:solidFill>
+                  <a:srgbClr val="C00000"/>
+                </a:solidFill>
+                <a:latin typeface="Arial" pitchFamily="34" charset="0"/>
+                <a:cs typeface="Arial" pitchFamily="34" charset="0"/>
+              </a:rPr>
+              <a:t>--&gt;</a:t>
+            </a:r>
+            <a:endParaRPr lang="en-US" altLang="zh-CN" sz="1000" dirty="0" smtClean="0">
+              <a:latin typeface="Arial" pitchFamily="34" charset="0"/>
+              <a:cs typeface="Arial" pitchFamily="34" charset="0"/>
+            </a:endParaRPr>
+          </a:p>
+          <a:p>
+            <a:pPr marL="342900" indent="-342900" eaLnBrk="0" hangingPunct="0">
+              <a:spcBef>
+                <a:spcPct val="20000"/>
+              </a:spcBef>
+            </a:pPr>
+            <a:r>
+              <a:rPr lang="en-US" altLang="zh-CN" sz="1000" dirty="0" smtClean="0">
+                <a:latin typeface="Arial" pitchFamily="34" charset="0"/>
+                <a:cs typeface="Arial" pitchFamily="34" charset="0"/>
+              </a:rPr>
+              <a:t>            &lt;item name="" path="D:/data/idx/dist" /&gt;</a:t>
+            </a:r>
+          </a:p>
+          <a:p>
+            <a:pPr marL="342900" indent="-342900" eaLnBrk="0" hangingPunct="0">
+              <a:spcBef>
+                <a:spcPct val="20000"/>
+              </a:spcBef>
+            </a:pPr>
+            <a:r>
+              <a:rPr lang="en-US" altLang="zh-CN" sz="1000" dirty="0" smtClean="0">
+                <a:latin typeface="Arial" pitchFamily="34" charset="0"/>
+                <a:cs typeface="Arial" pitchFamily="34" charset="0"/>
+              </a:rPr>
+              <a:t>        &lt;/dist&gt;</a:t>
+            </a:r>
+          </a:p>
+          <a:p>
+            <a:pPr marL="342900" indent="-342900" eaLnBrk="0" hangingPunct="0">
+              <a:spcBef>
+                <a:spcPct val="20000"/>
+              </a:spcBef>
+            </a:pPr>
+            <a:r>
+              <a:rPr lang="en-US" altLang="zh-CN" sz="1000" dirty="0" smtClean="0">
+                <a:latin typeface="Arial" pitchFamily="34" charset="0"/>
+                <a:cs typeface="Arial" pitchFamily="34" charset="0"/>
+              </a:rPr>
+              <a:t>    &lt;/</a:t>
+            </a:r>
+            <a:r>
+              <a:rPr lang="en-US" altLang="zh-CN" sz="1000" dirty="0" err="1" smtClean="0">
+                <a:latin typeface="Arial" pitchFamily="34" charset="0"/>
+                <a:cs typeface="Arial" pitchFamily="34" charset="0"/>
+              </a:rPr>
+              <a:t>distes</a:t>
+            </a:r>
+            <a:r>
+              <a:rPr lang="en-US" altLang="zh-CN" sz="1000" dirty="0" smtClean="0">
+                <a:latin typeface="Arial" pitchFamily="34" charset="0"/>
+                <a:cs typeface="Arial" pitchFamily="34" charset="0"/>
+              </a:rPr>
+              <a:t>&gt;</a:t>
+            </a:r>
+          </a:p>
+          <a:p>
+            <a:pPr marL="342900" indent="-342900" eaLnBrk="0" hangingPunct="0">
+              <a:spcBef>
+                <a:spcPct val="20000"/>
+              </a:spcBef>
+            </a:pPr>
+            <a:r>
+              <a:rPr lang="en-US" altLang="zh-CN" sz="1000" dirty="0" smtClean="0">
+                <a:latin typeface="Arial" pitchFamily="34" charset="0"/>
+                <a:cs typeface="Arial" pitchFamily="34" charset="0"/>
+              </a:rPr>
+              <a:t>    &lt;buses&gt;</a:t>
+            </a:r>
+            <a:r>
+              <a:rPr lang="en-US" altLang="zh-CN" sz="1000" dirty="0" smtClean="0">
+                <a:solidFill>
+                  <a:srgbClr val="C00000"/>
+                </a:solidFill>
+                <a:latin typeface="Arial" pitchFamily="34" charset="0"/>
+                <a:cs typeface="Arial" pitchFamily="34" charset="0"/>
+              </a:rPr>
+              <a:t> </a:t>
+            </a:r>
+            <a:r>
+              <a:rPr lang="zh-CN" altLang="en-US" sz="1000" dirty="0" smtClean="0">
+                <a:solidFill>
+                  <a:srgbClr val="C00000"/>
+                </a:solidFill>
+                <a:latin typeface="Arial" pitchFamily="34" charset="0"/>
+                <a:cs typeface="Arial" pitchFamily="34" charset="0"/>
+              </a:rPr>
+              <a:t>  </a:t>
+            </a:r>
+            <a:r>
+              <a:rPr lang="en-US" altLang="zh-CN" sz="1000" dirty="0" smtClean="0">
+                <a:solidFill>
+                  <a:srgbClr val="C00000"/>
+                </a:solidFill>
+                <a:latin typeface="Arial" pitchFamily="34" charset="0"/>
+                <a:cs typeface="Arial" pitchFamily="34" charset="0"/>
+              </a:rPr>
+              <a:t>&lt;!—</a:t>
+            </a:r>
+            <a:r>
+              <a:rPr lang="zh-CN" altLang="en-US" sz="1000" dirty="0" smtClean="0">
+                <a:solidFill>
+                  <a:srgbClr val="C00000"/>
+                </a:solidFill>
+                <a:latin typeface="Arial" pitchFamily="34" charset="0"/>
+                <a:cs typeface="Arial" pitchFamily="34" charset="0"/>
+              </a:rPr>
+              <a:t>公交换乘配置项，目前没有数据</a:t>
+            </a:r>
+            <a:r>
+              <a:rPr lang="en-US" altLang="zh-CN" sz="1000" dirty="0" smtClean="0">
+                <a:solidFill>
+                  <a:srgbClr val="C00000"/>
+                </a:solidFill>
+                <a:latin typeface="Arial" pitchFamily="34" charset="0"/>
+                <a:cs typeface="Arial" pitchFamily="34" charset="0"/>
+              </a:rPr>
+              <a:t>--&gt;</a:t>
+            </a:r>
+            <a:endParaRPr lang="en-US" altLang="zh-CN" sz="1000" dirty="0" smtClean="0">
+              <a:latin typeface="Arial" pitchFamily="34" charset="0"/>
+              <a:cs typeface="Arial" pitchFamily="34" charset="0"/>
+            </a:endParaRPr>
+          </a:p>
+          <a:p>
+            <a:pPr marL="342900" indent="-342900" eaLnBrk="0" hangingPunct="0">
+              <a:spcBef>
+                <a:spcPct val="20000"/>
+              </a:spcBef>
+            </a:pPr>
+            <a:r>
+              <a:rPr lang="en-US" altLang="zh-CN" sz="1000" dirty="0" smtClean="0">
+                <a:latin typeface="Arial" pitchFamily="34" charset="0"/>
+                <a:cs typeface="Arial" pitchFamily="34" charset="0"/>
+              </a:rPr>
+              <a:t>    &lt;/buses&gt;</a:t>
+            </a:r>
+          </a:p>
+          <a:p>
+            <a:pPr marL="342900" indent="-342900" eaLnBrk="0" hangingPunct="0">
+              <a:spcBef>
+                <a:spcPct val="20000"/>
+              </a:spcBef>
+            </a:pPr>
+            <a:r>
+              <a:rPr lang="en-US" altLang="zh-CN" sz="1000" dirty="0" smtClean="0">
+                <a:latin typeface="Arial" pitchFamily="34" charset="0"/>
+                <a:cs typeface="Arial" pitchFamily="34" charset="0"/>
+              </a:rPr>
+              <a:t>&lt;/</a:t>
+            </a:r>
+            <a:r>
+              <a:rPr lang="en-US" altLang="zh-CN" sz="1000" dirty="0" err="1" smtClean="0">
+                <a:latin typeface="Arial" pitchFamily="34" charset="0"/>
+                <a:cs typeface="Arial" pitchFamily="34" charset="0"/>
+              </a:rPr>
+              <a:t>navi</a:t>
+            </a:r>
+            <a:r>
+              <a:rPr lang="en-US" altLang="zh-CN" sz="1000" dirty="0" smtClean="0">
+                <a:latin typeface="Arial" pitchFamily="34" charset="0"/>
+                <a:cs typeface="Arial" pitchFamily="34" charset="0"/>
+              </a:rPr>
+              <a:t>&gt;</a:t>
+            </a:r>
+          </a:p>
+        </p:txBody>
+      </p:sp>
+    </p:spTree>
+  </p:cSld>
+  <p:clrMapOvr>
+    <a:masterClrMapping/>
+  </p:clrMapOvr>
+  <p:timing>
+    <p:tnLst>
+      <p:par>
+        <p:cTn id="1" dur="indefinite" restart="never" nodeType="tmRoot"/>
+      </p:par>
+    </p:tnLst>
+  </p:timing>
+</p:sld>
+</file>
+
+<file path=ppt/slides/slide24.xml><?xml version="1.0" encoding="utf-8"?>
+<p:sld xmlns:a="http://schemas.openxmlformats.org/drawingml/2006/main" xmlns:r="http://schemas.openxmlformats.org/officeDocument/2006/relationships" xmlns:p="http://schemas.openxmlformats.org/presentationml/2006/main">
+  <p:cSld>
+    <p:spTree>
+      <p:nvGrpSpPr>
+        <p:cNvPr id="1" name=""/>
+        <p:cNvGrpSpPr/>
+        <p:nvPr/>
+      </p:nvGrpSpPr>
+      <p:grpSpPr>
+        <a:xfrm>
+          <a:off x="0" y="0"/>
+          <a:ext cx="0" cy="0"/>
+          <a:chOff x="0" y="0"/>
+          <a:chExt cx="0" cy="0"/>
+        </a:xfrm>
+      </p:grpSpPr>
+      <p:sp>
+        <p:nvSpPr>
+          <p:cNvPr id="14338" name="标题 1"/>
+          <p:cNvSpPr>
+            <a:spLocks noGrp="1"/>
+          </p:cNvSpPr>
+          <p:nvPr>
+            <p:ph type="title" idx="4294967295"/>
+          </p:nvPr>
+        </p:nvSpPr>
+        <p:spPr bwMode="auto">
+          <a:noFill/>
+        </p:spPr>
+        <p:txBody>
+          <a:bodyPr/>
+          <a:lstStyle/>
+          <a:p>
+            <a:r>
+              <a:rPr lang="en-US" altLang="zh-CN" sz="3200" u="sng" dirty="0" smtClean="0">
+                <a:ln>
+                  <a:noFill/>
+                </a:ln>
+                <a:latin typeface="宋体" charset="-122"/>
+                <a:ea typeface="宋体" charset="-122"/>
+              </a:rPr>
               <a:t>4.3</a:t>
             </a:r>
             <a:r>
@@ -28123,11 +29861,7 @@
             </a:r>
             <a:r>
               <a:rPr lang="zh-CN" altLang="en-US" sz="2000" dirty="0" smtClean="0"/>
-              <a:t>）提供更为丰富的用户接口</a:t>
-            </a:r>
-            <a:r>
-              <a:rPr lang="zh-CN" altLang="en-US" sz="2000" dirty="0" smtClean="0"/>
-              <a:t>（</a:t>
+              <a:t>）提供更为丰富的用户接口（</a:t>
             </a:r>
             <a:r>
               <a:rPr lang="en-US" altLang="zh-CN" sz="2000" dirty="0" smtClean="0"/>
@@ -28135,7 +29869,19 @@
             </a:r>
             <a:r>
               <a:rPr lang="zh-CN" altLang="en-US" sz="2000" dirty="0" smtClean="0"/>
-              <a:t>接口等）</a:t>
+              <a:t>接口等</a:t>
+            </a:r>
+            <a:r>
+              <a:rPr lang="zh-CN" altLang="en-US" sz="2000" dirty="0" smtClean="0"/>
+              <a:t>）和</a:t>
+            </a:r>
+            <a:r>
+              <a:rPr lang="en-US" altLang="zh-CN" sz="2000" dirty="0" smtClean="0"/>
+              <a:t>Demo</a:t>
+            </a:r>
+            <a:r>
+              <a:rPr lang="zh-CN" altLang="en-US" sz="2000" dirty="0" smtClean="0"/>
+              <a:t>样例</a:t>
             </a:r>
             <a:endParaRPr lang="en-US" altLang="zh-CN" sz="2000" dirty="0" smtClean="0"/>
           </a:p>
@@ -28258,7 +30004,7 @@
 </p:sld>
 </file>
 
-<file path=ppt/slides/slide24.xml><?xml version="1.0" encoding="utf-8"?>
+<file path=ppt/slides/slide25.xml><?xml version="1.0" encoding="utf-8"?>
 <p:sld xmlns:a="http://schemas.openxmlformats.org/drawingml/2006/main" xmlns:r="http://schemas.openxmlformats.org/officeDocument/2006/relationships" xmlns:p="http://schemas.openxmlformats.org/presentationml/2006/main">
   <p:cSld>
     <p:spTree>

--- a/doc/sse4j.pptx
+++ b/doc/sse4j.pptx
@@ -271,7 +271,7 @@
               <a:pPr>
                 <a:defRPr/>
               </a:pPr>
-              <a:t>7/29/2011</a:t>
+              <a:t>8/19/2011</a:t>
             </a:fld>
             <a:endParaRPr lang="en-US" altLang="zh-CN"/>
           </a:p>
@@ -1100,7 +1100,7 @@
               <a:pPr>
                 <a:defRPr/>
               </a:pPr>
-              <a:t>7/29/2011</a:t>
+              <a:t>8/19/2011</a:t>
             </a:fld>
             <a:endParaRPr lang="en-US" altLang="zh-CN"/>
           </a:p>
@@ -1292,7 +1292,7 @@
               <a:pPr>
                 <a:defRPr/>
               </a:pPr>
-              <a:t>7/29/2011</a:t>
+              <a:t>8/19/2011</a:t>
             </a:fld>
             <a:endParaRPr lang="en-US" altLang="zh-CN"/>
           </a:p>
@@ -1494,7 +1494,7 @@
               <a:pPr>
                 <a:defRPr/>
               </a:pPr>
-              <a:t>7/29/2011</a:t>
+              <a:t>8/19/2011</a:t>
             </a:fld>
             <a:endParaRPr lang="en-US" altLang="zh-CN"/>
           </a:p>
@@ -1664,7 +1664,7 @@
               <a:pPr>
                 <a:defRPr/>
               </a:pPr>
-              <a:t>7/29/2011</a:t>
+              <a:t>8/19/2011</a:t>
             </a:fld>
             <a:endParaRPr lang="en-US" altLang="zh-CN"/>
           </a:p>
@@ -1856,7 +1856,7 @@
               <a:pPr>
                 <a:defRPr/>
               </a:pPr>
-              <a:t>7/29/2011</a:t>
+              <a:t>8/19/2011</a:t>
             </a:fld>
             <a:endParaRPr lang="en-US" altLang="zh-CN"/>
           </a:p>
@@ -2124,7 +2124,7 @@
               <a:pPr>
                 <a:defRPr/>
               </a:pPr>
-              <a:t>7/29/2011</a:t>
+              <a:t>8/19/2011</a:t>
             </a:fld>
             <a:endParaRPr lang="en-US" altLang="zh-CN"/>
           </a:p>
@@ -2434,7 +2434,7 @@
               <a:pPr>
                 <a:defRPr/>
               </a:pPr>
-              <a:t>7/29/2011</a:t>
+              <a:t>8/19/2011</a:t>
             </a:fld>
             <a:endParaRPr lang="en-US" altLang="zh-CN"/>
           </a:p>
@@ -2890,7 +2890,7 @@
               <a:pPr>
                 <a:defRPr/>
               </a:pPr>
-              <a:t>7/29/2011</a:t>
+              <a:t>8/19/2011</a:t>
             </a:fld>
             <a:endParaRPr lang="en-US" altLang="zh-CN"/>
           </a:p>
@@ -3030,7 +3030,7 @@
               <a:pPr>
                 <a:defRPr/>
               </a:pPr>
-              <a:t>7/29/2011</a:t>
+              <a:t>8/19/2011</a:t>
             </a:fld>
             <a:endParaRPr lang="en-US" altLang="zh-CN"/>
           </a:p>
@@ -3147,7 +3147,7 @@
               <a:pPr>
                 <a:defRPr/>
               </a:pPr>
-              <a:t>7/29/2011</a:t>
+              <a:t>8/19/2011</a:t>
             </a:fld>
             <a:endParaRPr lang="en-US" altLang="zh-CN"/>
           </a:p>
@@ -3446,7 +3446,7 @@
               <a:pPr>
                 <a:defRPr/>
               </a:pPr>
-              <a:t>7/29/2011</a:t>
+              <a:t>8/19/2011</a:t>
             </a:fld>
             <a:endParaRPr lang="en-US" altLang="zh-CN"/>
           </a:p>
@@ -3728,7 +3728,7 @@
               <a:pPr>
                 <a:defRPr/>
               </a:pPr>
-              <a:t>7/29/2011</a:t>
+              <a:t>8/19/2011</a:t>
             </a:fld>
             <a:endParaRPr lang="en-US" altLang="zh-CN"/>
           </a:p>
@@ -3981,7 +3981,7 @@
               <a:pPr>
                 <a:defRPr/>
               </a:pPr>
-              <a:t>7/29/2011</a:t>
+              <a:t>8/19/2011</a:t>
             </a:fld>
             <a:endParaRPr lang="en-US" altLang="zh-CN"/>
           </a:p>
@@ -29912,7 +29912,7 @@
                   <a:srgbClr val="FF0000"/>
                 </a:solidFill>
               </a:rPr>
-              <a:t>）</a:t>
+              <a:t>）位置相关</a:t>
             </a:r>
             <a:r>
               <a:rPr lang="zh-CN" altLang="en-US" sz="2000" dirty="0" smtClean="0">
@@ -29920,31 +29920,7 @@
                   <a:srgbClr val="FF0000"/>
                 </a:solidFill>
               </a:rPr>
-              <a:t>地理相关</a:t>
-            </a:r>
-            <a:r>
-              <a:rPr lang="zh-CN" altLang="en-US" sz="2000" dirty="0" smtClean="0">
-                <a:solidFill>
-                  <a:srgbClr val="FF0000"/>
-                </a:solidFill>
-              </a:rPr>
-              <a:t>多</a:t>
-            </a:r>
-            <a:r>
-              <a:rPr lang="zh-CN" altLang="en-US" sz="2000" dirty="0" smtClean="0">
-                <a:solidFill>
-                  <a:srgbClr val="FF0000"/>
-                </a:solidFill>
-              </a:rPr>
-              <a:t>源信息关联体系</a:t>
-            </a:r>
-            <a:r>
-              <a:rPr lang="zh-CN" altLang="en-US" sz="2000" dirty="0" smtClean="0">
-                <a:solidFill>
-                  <a:srgbClr val="FF0000"/>
-                </a:solidFill>
-              </a:rPr>
-              <a:t>构建；</a:t>
+              <a:t>多源信息关联体系构建；</a:t>
             </a:r>
             <a:endParaRPr lang="en-US" altLang="zh-CN" sz="2000" dirty="0" smtClean="0">
               <a:solidFill>
@@ -29972,7 +29948,15 @@
                   <a:srgbClr val="FF0000"/>
                 </a:solidFill>
               </a:rPr>
-              <a:t>[</a:t>
+              <a:t>[sse4j crawler + </a:t>
+            </a:r>
+            <a:r>
+              <a:rPr lang="en-US" altLang="zh-CN" sz="2000" dirty="0" err="1" smtClean="0">
+                <a:solidFill>
+                  <a:srgbClr val="FF0000"/>
+                </a:solidFill>
+              </a:rPr>
+              <a:t>mongodb</a:t>
             </a:r>
             <a:r>
               <a:rPr lang="en-US" altLang="zh-CN" sz="2000" dirty="0" smtClean="0">
@@ -29980,7 +29964,7 @@
                   <a:srgbClr val="FF0000"/>
                 </a:solidFill>
               </a:rPr>
-              <a:t>sse4j crawler + </a:t>
+              <a:t> + </a:t>
             </a:r>
             <a:r>
               <a:rPr lang="en-US" altLang="zh-CN" sz="2000" dirty="0" err="1" smtClean="0">
@@ -29988,7 +29972,7 @@
                   <a:srgbClr val="FF0000"/>
                 </a:solidFill>
               </a:rPr>
-              <a:t>mongodb</a:t>
+              <a:t>hadoop</a:t>
             </a:r>
             <a:r>
               <a:rPr lang="en-US" altLang="zh-CN" sz="2000" dirty="0" smtClean="0">
@@ -29996,29 +29980,8 @@
                   <a:srgbClr val="FF0000"/>
                 </a:solidFill>
               </a:rPr>
-              <a:t> + </a:t>
-            </a:r>
-            <a:r>
-              <a:rPr lang="en-US" altLang="zh-CN" sz="2000" dirty="0" err="1" smtClean="0">
-                <a:solidFill>
-                  <a:srgbClr val="FF0000"/>
-                </a:solidFill>
-              </a:rPr>
-              <a:t>hadoop</a:t>
-            </a:r>
-            <a:r>
-              <a:rPr lang="en-US" altLang="zh-CN" sz="2000" dirty="0" smtClean="0">
-                <a:solidFill>
-                  <a:srgbClr val="FF0000"/>
-                </a:solidFill>
-              </a:rPr>
               <a:t>]</a:t>
             </a:r>
-            <a:endParaRPr lang="en-US" altLang="zh-CN" sz="2000" dirty="0" smtClean="0">
-              <a:solidFill>
-                <a:srgbClr val="FF0000"/>
-              </a:solidFill>
-            </a:endParaRPr>
           </a:p>
           <a:p>
             <a:pPr marL="342900" indent="-342900" eaLnBrk="0" hangingPunct="0">
@@ -30092,15 +30055,7 @@
             </a:pPr>
             <a:r>
               <a:rPr lang="zh-CN" altLang="en-US" dirty="0" smtClean="0"/>
-              <a:t>欢迎技术人员加入</a:t>
-            </a:r>
-            <a:r>
-              <a:rPr lang="zh-CN" altLang="en-US" dirty="0" smtClean="0"/>
-              <a:t>。热盼企业</a:t>
-            </a:r>
-            <a:r>
-              <a:rPr lang="zh-CN" altLang="en-US" dirty="0" smtClean="0"/>
-              <a:t>资助。</a:t>
+              <a:t>欢迎技术人员加入。热盼企业资助。</a:t>
             </a:r>
             <a:endParaRPr lang="en-US" altLang="zh-CN" dirty="0" smtClean="0"/>
           </a:p>
